--- a/syllabus/22_traitement_formulaire/syllabus_22_php_form.pptx
+++ b/syllabus/22_traitement_formulaire/syllabus_22_php_form.pptx
@@ -5,47 +5,49 @@
     <p:sldMasterId id="2147483857" r:id="rId1"/>
   </p:sldMasterIdLst>
   <p:notesMasterIdLst>
-    <p:notesMasterId r:id="rId40"/>
+    <p:notesMasterId r:id="rId42"/>
   </p:notesMasterIdLst>
   <p:sldIdLst>
     <p:sldId id="416" r:id="rId2"/>
     <p:sldId id="417" r:id="rId3"/>
     <p:sldId id="352" r:id="rId4"/>
     <p:sldId id="606" r:id="rId5"/>
-    <p:sldId id="353" r:id="rId6"/>
-    <p:sldId id="354" r:id="rId7"/>
-    <p:sldId id="355" r:id="rId8"/>
-    <p:sldId id="356" r:id="rId9"/>
-    <p:sldId id="605" r:id="rId10"/>
-    <p:sldId id="357" r:id="rId11"/>
-    <p:sldId id="362" r:id="rId12"/>
-    <p:sldId id="367" r:id="rId13"/>
-    <p:sldId id="517" r:id="rId14"/>
-    <p:sldId id="638" r:id="rId15"/>
-    <p:sldId id="448" r:id="rId16"/>
-    <p:sldId id="451" r:id="rId17"/>
-    <p:sldId id="452" r:id="rId18"/>
-    <p:sldId id="453" r:id="rId19"/>
-    <p:sldId id="471" r:id="rId20"/>
-    <p:sldId id="641" r:id="rId21"/>
-    <p:sldId id="472" r:id="rId22"/>
-    <p:sldId id="460" r:id="rId23"/>
-    <p:sldId id="461" r:id="rId24"/>
-    <p:sldId id="462" r:id="rId25"/>
-    <p:sldId id="463" r:id="rId26"/>
-    <p:sldId id="464" r:id="rId27"/>
-    <p:sldId id="465" r:id="rId28"/>
-    <p:sldId id="467" r:id="rId29"/>
-    <p:sldId id="468" r:id="rId30"/>
-    <p:sldId id="607" r:id="rId31"/>
-    <p:sldId id="608" r:id="rId32"/>
-    <p:sldId id="609" r:id="rId33"/>
-    <p:sldId id="610" r:id="rId34"/>
-    <p:sldId id="611" r:id="rId35"/>
-    <p:sldId id="612" r:id="rId36"/>
-    <p:sldId id="613" r:id="rId37"/>
-    <p:sldId id="642" r:id="rId38"/>
-    <p:sldId id="643" r:id="rId39"/>
+    <p:sldId id="647" r:id="rId6"/>
+    <p:sldId id="646" r:id="rId7"/>
+    <p:sldId id="353" r:id="rId8"/>
+    <p:sldId id="354" r:id="rId9"/>
+    <p:sldId id="355" r:id="rId10"/>
+    <p:sldId id="356" r:id="rId11"/>
+    <p:sldId id="605" r:id="rId12"/>
+    <p:sldId id="357" r:id="rId13"/>
+    <p:sldId id="362" r:id="rId14"/>
+    <p:sldId id="367" r:id="rId15"/>
+    <p:sldId id="517" r:id="rId16"/>
+    <p:sldId id="638" r:id="rId17"/>
+    <p:sldId id="448" r:id="rId18"/>
+    <p:sldId id="451" r:id="rId19"/>
+    <p:sldId id="452" r:id="rId20"/>
+    <p:sldId id="453" r:id="rId21"/>
+    <p:sldId id="471" r:id="rId22"/>
+    <p:sldId id="641" r:id="rId23"/>
+    <p:sldId id="472" r:id="rId24"/>
+    <p:sldId id="460" r:id="rId25"/>
+    <p:sldId id="461" r:id="rId26"/>
+    <p:sldId id="462" r:id="rId27"/>
+    <p:sldId id="463" r:id="rId28"/>
+    <p:sldId id="464" r:id="rId29"/>
+    <p:sldId id="465" r:id="rId30"/>
+    <p:sldId id="467" r:id="rId31"/>
+    <p:sldId id="468" r:id="rId32"/>
+    <p:sldId id="607" r:id="rId33"/>
+    <p:sldId id="608" r:id="rId34"/>
+    <p:sldId id="609" r:id="rId35"/>
+    <p:sldId id="610" r:id="rId36"/>
+    <p:sldId id="611" r:id="rId37"/>
+    <p:sldId id="612" r:id="rId38"/>
+    <p:sldId id="613" r:id="rId39"/>
+    <p:sldId id="642" r:id="rId40"/>
+    <p:sldId id="643" r:id="rId41"/>
   </p:sldIdLst>
   <p:sldSz cx="12192000" cy="6858000"/>
   <p:notesSz cx="6858000" cy="9144000"/>
@@ -158,6 +160,8 @@
             <p14:sldId id="417"/>
             <p14:sldId id="352"/>
             <p14:sldId id="606"/>
+            <p14:sldId id="647"/>
+            <p14:sldId id="646"/>
             <p14:sldId id="353"/>
             <p14:sldId id="354"/>
             <p14:sldId id="355"/>
@@ -322,7 +326,7 @@
           <a:p>
             <a:fld id="{FCE9742F-4DAE-47F5-9244-6ACC3985DD6B}" type="datetimeFigureOut">
               <a:rPr lang="fr-BE" smtClean="0"/>
-              <a:t>09-09-25</a:t>
+              <a:t>24-11-25</a:t>
             </a:fld>
             <a:endParaRPr lang="fr-BE"/>
           </a:p>
@@ -3719,7 +3723,7 @@
           <a:p>
             <a:fld id="{F3953782-D06E-4853-BE3C-64C197273937}" type="datetimeFigureOut">
               <a:rPr lang="fr-BE" smtClean="0"/>
-              <a:t>09-09-25</a:t>
+              <a:t>24-11-25</a:t>
             </a:fld>
             <a:endParaRPr lang="fr-BE"/>
           </a:p>
@@ -5587,7 +5591,7 @@
           <a:p>
             <a:fld id="{F3953782-D06E-4853-BE3C-64C197273937}" type="datetimeFigureOut">
               <a:rPr lang="fr-BE" smtClean="0"/>
-              <a:t>09-09-25</a:t>
+              <a:t>24-11-25</a:t>
             </a:fld>
             <a:endParaRPr lang="fr-BE"/>
           </a:p>
@@ -5903,7 +5907,7 @@
           <a:p>
             <a:fld id="{F3953782-D06E-4853-BE3C-64C197273937}" type="datetimeFigureOut">
               <a:rPr lang="fr-BE" smtClean="0"/>
-              <a:t>09-09-25</a:t>
+              <a:t>24-11-25</a:t>
             </a:fld>
             <a:endParaRPr lang="fr-BE"/>
           </a:p>
@@ -6100,7 +6104,7 @@
           <a:p>
             <a:fld id="{F3953782-D06E-4853-BE3C-64C197273937}" type="datetimeFigureOut">
               <a:rPr lang="fr-BE" smtClean="0"/>
-              <a:t>09-09-25</a:t>
+              <a:t>24-11-25</a:t>
             </a:fld>
             <a:endParaRPr lang="fr-BE"/>
           </a:p>
@@ -6362,7 +6366,7 @@
           <a:p>
             <a:fld id="{F3953782-D06E-4853-BE3C-64C197273937}" type="datetimeFigureOut">
               <a:rPr lang="fr-BE" smtClean="0"/>
-              <a:t>09-09-25</a:t>
+              <a:t>24-11-25</a:t>
             </a:fld>
             <a:endParaRPr lang="fr-BE"/>
           </a:p>
@@ -6760,7 +6764,7 @@
           <a:p>
             <a:fld id="{F3953782-D06E-4853-BE3C-64C197273937}" type="datetimeFigureOut">
               <a:rPr lang="fr-BE" smtClean="0"/>
-              <a:t>09-09-25</a:t>
+              <a:t>24-11-25</a:t>
             </a:fld>
             <a:endParaRPr lang="fr-BE"/>
           </a:p>
@@ -6908,7 +6912,7 @@
           <a:p>
             <a:fld id="{F3953782-D06E-4853-BE3C-64C197273937}" type="datetimeFigureOut">
               <a:rPr lang="fr-BE" smtClean="0"/>
-              <a:t>09-09-25</a:t>
+              <a:t>24-11-25</a:t>
             </a:fld>
             <a:endParaRPr lang="fr-BE"/>
           </a:p>
@@ -7257,7 +7261,7 @@
           <a:p>
             <a:fld id="{F3953782-D06E-4853-BE3C-64C197273937}" type="datetimeFigureOut">
               <a:rPr lang="fr-BE" smtClean="0"/>
-              <a:t>09-09-25</a:t>
+              <a:t>24-11-25</a:t>
             </a:fld>
             <a:endParaRPr lang="fr-BE"/>
           </a:p>
@@ -7583,7 +7587,7 @@
           <a:p>
             <a:fld id="{F3953782-D06E-4853-BE3C-64C197273937}" type="datetimeFigureOut">
               <a:rPr lang="fr-BE" smtClean="0"/>
-              <a:t>09-09-25</a:t>
+              <a:t>24-11-25</a:t>
             </a:fld>
             <a:endParaRPr lang="fr-BE"/>
           </a:p>
@@ -8234,7 +8238,7 @@
         <p14:reveal/>
       </p:transition>
     </mc:Choice>
-    <mc:Fallback xmlns:ahyp="http://schemas.microsoft.com/office/drawing/2018/hyperlinkcolor" xmlns:p15="http://schemas.microsoft.com/office/powerpoint/2012/main" xmlns:com="http://schemas.openxmlformats.org/drawingml/2006/compatibility" xmlns:pvml="urn:schemas-microsoft-com:office:powerpoint" xmlns:v="urn:schemas-microsoft-com:vml" xmlns:o="urn:schemas-microsoft-com:office:office" xmlns:dgm="http://schemas.openxmlformats.org/drawingml/2006/diagram" xmlns:c="http://schemas.openxmlformats.org/drawingml/2006/chart" xmlns:mv="urn:schemas-microsoft-com:mac:vml" xmlns="">
+    <mc:Fallback xmlns="" xmlns:mv="urn:schemas-microsoft-com:mac:vml" xmlns:c="http://schemas.openxmlformats.org/drawingml/2006/chart" xmlns:dgm="http://schemas.openxmlformats.org/drawingml/2006/diagram" xmlns:o="urn:schemas-microsoft-com:office:office" xmlns:v="urn:schemas-microsoft-com:vml" xmlns:pvml="urn:schemas-microsoft-com:office:powerpoint" xmlns:com="http://schemas.openxmlformats.org/drawingml/2006/compatibility" xmlns:p15="http://schemas.microsoft.com/office/powerpoint/2012/main" xmlns:ahyp="http://schemas.microsoft.com/office/drawing/2018/hyperlinkcolor">
       <p:transition spd="med">
         <p:fade/>
       </p:transition>
@@ -8244,6 +8248,298 @@
 </file>
 
 <file path=ppt/slides/slide10.xml><?xml version="1.0" encoding="utf-8"?>
+<p:sld xmlns:a="http://schemas.openxmlformats.org/drawingml/2006/main" xmlns:r="http://schemas.openxmlformats.org/officeDocument/2006/relationships" xmlns:p="http://schemas.openxmlformats.org/presentationml/2006/main">
+  <p:cSld>
+    <p:spTree>
+      <p:nvGrpSpPr>
+        <p:cNvPr id="1" name="Shape 61"/>
+        <p:cNvGrpSpPr/>
+        <p:nvPr/>
+      </p:nvGrpSpPr>
+      <p:grpSpPr>
+        <a:xfrm>
+          <a:off x="0" y="0"/>
+          <a:ext cx="0" cy="0"/>
+          <a:chOff x="0" y="0"/>
+          <a:chExt cx="0" cy="0"/>
+        </a:xfrm>
+      </p:grpSpPr>
+      <p:sp>
+        <p:nvSpPr>
+          <p:cNvPr id="62" name="Google Shape;62;p12"/>
+          <p:cNvSpPr txBox="1">
+            <a:spLocks noGrp="1"/>
+          </p:cNvSpPr>
+          <p:nvPr>
+            <p:ph type="title"/>
+          </p:nvPr>
+        </p:nvSpPr>
+        <p:spPr/>
+        <p:txBody>
+          <a:bodyPr/>
+          <a:lstStyle/>
+          <a:p>
+            <a:r>
+              <a:rPr lang="fr-BE">
+                <a:sym typeface="Calibri"/>
+              </a:rPr>
+              <a:t>Exemple de formulaire</a:t>
+            </a:r>
+          </a:p>
+        </p:txBody>
+      </p:sp>
+      <p:sp>
+        <p:nvSpPr>
+          <p:cNvPr id="63" name="Google Shape;63;p12"/>
+          <p:cNvSpPr txBox="1">
+            <a:spLocks noGrp="1"/>
+          </p:cNvSpPr>
+          <p:nvPr>
+            <p:ph idx="1"/>
+          </p:nvPr>
+        </p:nvSpPr>
+        <p:spPr/>
+        <p:txBody>
+          <a:bodyPr/>
+          <a:lstStyle/>
+          <a:p>
+            <a:r>
+              <a:rPr lang="fr-BE">
+                <a:sym typeface="Calibri"/>
+              </a:rPr>
+              <a:t>Déclaration d'un formulaire</a:t>
+            </a:r>
+          </a:p>
+          <a:p>
+            <a:endParaRPr lang="fr-BE">
+              <a:sym typeface="Courier New"/>
+            </a:endParaRPr>
+          </a:p>
+          <a:p>
+            <a:pPr marL="0" indent="0">
+              <a:buNone/>
+            </a:pPr>
+            <a:r>
+              <a:rPr lang="fr-BE" sz="2800">
+                <a:solidFill>
+                  <a:schemeClr val="accent6">
+                    <a:lumMod val="50000"/>
+                  </a:schemeClr>
+                </a:solidFill>
+                <a:latin typeface="Consolas" panose="020B0609020204030204" pitchFamily="49" charset="0"/>
+                <a:cs typeface="Courier New" panose="02070309020205020404" pitchFamily="49" charset="0"/>
+                <a:sym typeface="Courier New"/>
+              </a:rPr>
+              <a:t>&lt;form method="get" action="./register.php"&gt;</a:t>
+            </a:r>
+          </a:p>
+          <a:p>
+            <a:pPr marL="0" indent="0">
+              <a:buNone/>
+            </a:pPr>
+            <a:r>
+              <a:rPr lang="fr-BE" sz="2800">
+                <a:solidFill>
+                  <a:schemeClr val="accent6">
+                    <a:lumMod val="50000"/>
+                  </a:schemeClr>
+                </a:solidFill>
+                <a:latin typeface="Consolas" panose="020B0609020204030204" pitchFamily="49" charset="0"/>
+                <a:cs typeface="Courier New" panose="02070309020205020404" pitchFamily="49" charset="0"/>
+                <a:sym typeface="Courier New"/>
+              </a:rPr>
+              <a:t>	...</a:t>
+            </a:r>
+          </a:p>
+          <a:p>
+            <a:pPr marL="0" indent="0">
+              <a:buNone/>
+            </a:pPr>
+            <a:r>
+              <a:rPr lang="fr-BE" sz="2800">
+                <a:solidFill>
+                  <a:schemeClr val="accent6">
+                    <a:lumMod val="50000"/>
+                  </a:schemeClr>
+                </a:solidFill>
+                <a:latin typeface="Consolas" panose="020B0609020204030204" pitchFamily="49" charset="0"/>
+                <a:cs typeface="Courier New" panose="02070309020205020404" pitchFamily="49" charset="0"/>
+                <a:sym typeface="Courier New"/>
+              </a:rPr>
+              <a:t>&lt;/form&gt;</a:t>
+            </a:r>
+          </a:p>
+          <a:p>
+            <a:endParaRPr lang="fr-BE"/>
+          </a:p>
+        </p:txBody>
+      </p:sp>
+    </p:spTree>
+    <p:extLst>
+      <p:ext uri="{BB962C8B-B14F-4D97-AF65-F5344CB8AC3E}">
+        <p14:creationId xmlns:p14="http://schemas.microsoft.com/office/powerpoint/2010/main" val="2573610486"/>
+      </p:ext>
+    </p:extLst>
+  </p:cSld>
+  <p:clrMapOvr>
+    <a:masterClrMapping/>
+  </p:clrMapOvr>
+  <mc:AlternateContent xmlns:mc="http://schemas.openxmlformats.org/markup-compatibility/2006" xmlns:p14="http://schemas.microsoft.com/office/powerpoint/2010/main">
+    <mc:Choice Requires="p14">
+      <p:transition spd="slow">
+        <p14:reveal/>
+      </p:transition>
+    </mc:Choice>
+    <mc:Fallback xmlns="">
+      <p:transition spd="slow">
+        <p:fade/>
+      </p:transition>
+    </mc:Fallback>
+  </mc:AlternateContent>
+</p:sld>
+</file>
+
+<file path=ppt/slides/slide11.xml><?xml version="1.0" encoding="utf-8"?>
+<p:sld xmlns:a="http://schemas.openxmlformats.org/drawingml/2006/main" xmlns:r="http://schemas.openxmlformats.org/officeDocument/2006/relationships" xmlns:p="http://schemas.openxmlformats.org/presentationml/2006/main">
+  <p:cSld>
+    <p:spTree>
+      <p:nvGrpSpPr>
+        <p:cNvPr id="1" name=""/>
+        <p:cNvGrpSpPr/>
+        <p:nvPr/>
+      </p:nvGrpSpPr>
+      <p:grpSpPr>
+        <a:xfrm>
+          <a:off x="0" y="0"/>
+          <a:ext cx="0" cy="0"/>
+          <a:chOff x="0" y="0"/>
+          <a:chExt cx="0" cy="0"/>
+        </a:xfrm>
+      </p:grpSpPr>
+      <p:sp>
+        <p:nvSpPr>
+          <p:cNvPr id="4" name="Titre 3">
+            <a:extLst>
+              <a:ext uri="{FF2B5EF4-FFF2-40B4-BE49-F238E27FC236}">
+                <a16:creationId xmlns:a16="http://schemas.microsoft.com/office/drawing/2014/main" id="{6BC2345B-F403-44E5-97C3-F5BDF024DC43}"/>
+              </a:ext>
+            </a:extLst>
+          </p:cNvPr>
+          <p:cNvSpPr>
+            <a:spLocks noGrp="1"/>
+          </p:cNvSpPr>
+          <p:nvPr>
+            <p:ph type="title"/>
+          </p:nvPr>
+        </p:nvSpPr>
+        <p:spPr/>
+        <p:txBody>
+          <a:bodyPr/>
+          <a:lstStyle/>
+          <a:p>
+            <a:r>
+              <a:rPr lang="fr-BE">
+                <a:sym typeface="Calibri"/>
+              </a:rPr>
+              <a:t>Balises HTML Form</a:t>
+            </a:r>
+            <a:endParaRPr lang="fr-BE"/>
+          </a:p>
+        </p:txBody>
+      </p:sp>
+      <p:sp>
+        <p:nvSpPr>
+          <p:cNvPr id="2" name="Espace réservé du texte 1">
+            <a:extLst>
+              <a:ext uri="{FF2B5EF4-FFF2-40B4-BE49-F238E27FC236}">
+                <a16:creationId xmlns:a16="http://schemas.microsoft.com/office/drawing/2014/main" id="{6FAA6F38-334B-E8B2-9E64-AE74E2D45E09}"/>
+              </a:ext>
+            </a:extLst>
+          </p:cNvPr>
+          <p:cNvSpPr>
+            <a:spLocks noGrp="1"/>
+          </p:cNvSpPr>
+          <p:nvPr>
+            <p:ph type="body" idx="1"/>
+          </p:nvPr>
+        </p:nvSpPr>
+        <p:spPr/>
+        <p:txBody>
+          <a:bodyPr/>
+          <a:lstStyle/>
+          <a:p>
+            <a:r>
+              <a:rPr lang="fr-BE"/>
+              <a:t>Rappel</a:t>
+            </a:r>
+          </a:p>
+        </p:txBody>
+      </p:sp>
+      <p:pic>
+        <p:nvPicPr>
+          <p:cNvPr id="6" name="Google Shape;39;p8">
+            <a:hlinkClick r:id="rId2"/>
+            <a:extLst>
+              <a:ext uri="{FF2B5EF4-FFF2-40B4-BE49-F238E27FC236}">
+                <a16:creationId xmlns:a16="http://schemas.microsoft.com/office/drawing/2014/main" id="{F73F5139-A5C5-497C-AE5C-231EBB7AE61F}"/>
+              </a:ext>
+            </a:extLst>
+          </p:cNvPr>
+          <p:cNvPicPr preferRelativeResize="0">
+            <a:picLocks noGrp="1"/>
+          </p:cNvPicPr>
+          <p:nvPr>
+            <p:ph type="pic" sz="quarter" idx="10"/>
+          </p:nvPr>
+        </p:nvPicPr>
+        <p:blipFill>
+          <a:blip r:embed="rId3" cstate="email">
+            <a:alphaModFix/>
+            <a:extLst>
+              <a:ext uri="{28A0092B-C50C-407E-A947-70E740481C1C}">
+                <a14:useLocalDpi xmlns:a14="http://schemas.microsoft.com/office/drawing/2010/main"/>
+              </a:ext>
+            </a:extLst>
+          </a:blip>
+          <a:srcRect t="37" b="37"/>
+          <a:stretch/>
+        </p:blipFill>
+        <p:spPr>
+          <a:prstGeom prst="rect">
+            <a:avLst/>
+          </a:prstGeom>
+          <a:noFill/>
+          <a:ln>
+            <a:noFill/>
+          </a:ln>
+        </p:spPr>
+      </p:pic>
+    </p:spTree>
+    <p:extLst>
+      <p:ext uri="{BB962C8B-B14F-4D97-AF65-F5344CB8AC3E}">
+        <p14:creationId xmlns:p14="http://schemas.microsoft.com/office/powerpoint/2010/main" val="3335409893"/>
+      </p:ext>
+    </p:extLst>
+  </p:cSld>
+  <p:clrMapOvr>
+    <a:masterClrMapping/>
+  </p:clrMapOvr>
+  <mc:AlternateContent xmlns:mc="http://schemas.openxmlformats.org/markup-compatibility/2006" xmlns:p14="http://schemas.microsoft.com/office/powerpoint/2010/main">
+    <mc:Choice Requires="p14">
+      <p:transition spd="slow">
+        <p14:reveal/>
+      </p:transition>
+    </mc:Choice>
+    <mc:Fallback xmlns="">
+      <p:transition spd="slow">
+        <p:fade/>
+      </p:transition>
+    </mc:Fallback>
+  </mc:AlternateContent>
+</p:sld>
+</file>
+
+<file path=ppt/slides/slide12.xml><?xml version="1.0" encoding="utf-8"?>
 <p:sld xmlns:a="http://schemas.openxmlformats.org/drawingml/2006/main" xmlns:r="http://schemas.openxmlformats.org/officeDocument/2006/relationships" xmlns:p="http://schemas.openxmlformats.org/presentationml/2006/main">
   <p:cSld>
     <p:spTree>
@@ -8507,7 +8803,7 @@
 </p:sld>
 </file>
 
-<file path=ppt/slides/slide11.xml><?xml version="1.0" encoding="utf-8"?>
+<file path=ppt/slides/slide13.xml><?xml version="1.0" encoding="utf-8"?>
 <p:sld xmlns:a="http://schemas.openxmlformats.org/drawingml/2006/main" xmlns:r="http://schemas.openxmlformats.org/officeDocument/2006/relationships" xmlns:p="http://schemas.openxmlformats.org/presentationml/2006/main">
   <p:cSld>
     <p:spTree>
@@ -8801,7 +9097,7 @@
 </p:sld>
 </file>
 
-<file path=ppt/slides/slide12.xml><?xml version="1.0" encoding="utf-8"?>
+<file path=ppt/slides/slide14.xml><?xml version="1.0" encoding="utf-8"?>
 <p:sld xmlns:a="http://schemas.openxmlformats.org/drawingml/2006/main" xmlns:r="http://schemas.openxmlformats.org/officeDocument/2006/relationships" xmlns:p="http://schemas.openxmlformats.org/presentationml/2006/main">
   <p:cSld>
     <p:spTree>
@@ -9173,7 +9469,7 @@
 </p:sld>
 </file>
 
-<file path=ppt/slides/slide13.xml><?xml version="1.0" encoding="utf-8"?>
+<file path=ppt/slides/slide15.xml><?xml version="1.0" encoding="utf-8"?>
 <p:sld xmlns:a="http://schemas.openxmlformats.org/drawingml/2006/main" xmlns:r="http://schemas.openxmlformats.org/officeDocument/2006/relationships" xmlns:p="http://schemas.openxmlformats.org/presentationml/2006/main">
   <p:cSld>
     <p:spTree>
@@ -9459,7 +9755,7 @@
 </p:sld>
 </file>
 
-<file path=ppt/slides/slide14.xml><?xml version="1.0" encoding="utf-8"?>
+<file path=ppt/slides/slide16.xml><?xml version="1.0" encoding="utf-8"?>
 <p:sld xmlns:a="http://schemas.openxmlformats.org/drawingml/2006/main" xmlns:r="http://schemas.openxmlformats.org/officeDocument/2006/relationships" xmlns:p="http://schemas.openxmlformats.org/presentationml/2006/main">
   <p:cSld>
     <p:spTree>
@@ -9632,7 +9928,7 @@
 </p:sld>
 </file>
 
-<file path=ppt/slides/slide15.xml><?xml version="1.0" encoding="utf-8"?>
+<file path=ppt/slides/slide17.xml><?xml version="1.0" encoding="utf-8"?>
 <p:sld xmlns:a="http://schemas.openxmlformats.org/drawingml/2006/main" xmlns:r="http://schemas.openxmlformats.org/officeDocument/2006/relationships" xmlns:p="http://schemas.openxmlformats.org/presentationml/2006/main">
   <p:cSld>
     <p:spTree>
@@ -9842,7 +10138,7 @@
 </p:sld>
 </file>
 
-<file path=ppt/slides/slide16.xml><?xml version="1.0" encoding="utf-8"?>
+<file path=ppt/slides/slide18.xml><?xml version="1.0" encoding="utf-8"?>
 <p:sld xmlns:a="http://schemas.openxmlformats.org/drawingml/2006/main" xmlns:r="http://schemas.openxmlformats.org/officeDocument/2006/relationships" xmlns:p="http://schemas.openxmlformats.org/presentationml/2006/main">
   <p:cSld>
     <p:spTree>
@@ -9935,633 +10231,6 @@
     <p:extLst>
       <p:ext uri="{BB962C8B-B14F-4D97-AF65-F5344CB8AC3E}">
         <p14:creationId xmlns:p14="http://schemas.microsoft.com/office/powerpoint/2010/main" val="813189149"/>
-      </p:ext>
-    </p:extLst>
-  </p:cSld>
-  <p:clrMapOvr>
-    <a:masterClrMapping/>
-  </p:clrMapOvr>
-  <mc:AlternateContent xmlns:mc="http://schemas.openxmlformats.org/markup-compatibility/2006" xmlns:p14="http://schemas.microsoft.com/office/powerpoint/2010/main">
-    <mc:Choice Requires="p14">
-      <p:transition spd="slow">
-        <p14:reveal/>
-      </p:transition>
-    </mc:Choice>
-    <mc:Fallback xmlns="">
-      <p:transition spd="slow">
-        <p:fade/>
-      </p:transition>
-    </mc:Fallback>
-  </mc:AlternateContent>
-</p:sld>
-</file>
-
-<file path=ppt/slides/slide17.xml><?xml version="1.0" encoding="utf-8"?>
-<p:sld xmlns:a="http://schemas.openxmlformats.org/drawingml/2006/main" xmlns:r="http://schemas.openxmlformats.org/officeDocument/2006/relationships" xmlns:p="http://schemas.openxmlformats.org/presentationml/2006/main">
-  <p:cSld>
-    <p:spTree>
-      <p:nvGrpSpPr>
-        <p:cNvPr id="1" name="Shape 186"/>
-        <p:cNvGrpSpPr/>
-        <p:nvPr/>
-      </p:nvGrpSpPr>
-      <p:grpSpPr>
-        <a:xfrm>
-          <a:off x="0" y="0"/>
-          <a:ext cx="0" cy="0"/>
-          <a:chOff x="0" y="0"/>
-          <a:chExt cx="0" cy="0"/>
-        </a:xfrm>
-      </p:grpSpPr>
-      <p:sp>
-        <p:nvSpPr>
-          <p:cNvPr id="187" name="Google Shape;187;p31"/>
-          <p:cNvSpPr txBox="1">
-            <a:spLocks noGrp="1"/>
-          </p:cNvSpPr>
-          <p:nvPr>
-            <p:ph type="title"/>
-          </p:nvPr>
-        </p:nvSpPr>
-        <p:spPr/>
-        <p:txBody>
-          <a:bodyPr/>
-          <a:lstStyle/>
-          <a:p>
-            <a:r>
-              <a:rPr lang="fr-BE"/>
-              <a:t>$_GET et $_POST</a:t>
-            </a:r>
-          </a:p>
-        </p:txBody>
-      </p:sp>
-      <p:sp>
-        <p:nvSpPr>
-          <p:cNvPr id="188" name="Google Shape;188;p31"/>
-          <p:cNvSpPr txBox="1">
-            <a:spLocks noGrp="1"/>
-          </p:cNvSpPr>
-          <p:nvPr>
-            <p:ph idx="1"/>
-          </p:nvPr>
-        </p:nvSpPr>
-        <p:spPr/>
-        <p:txBody>
-          <a:bodyPr/>
-          <a:lstStyle/>
-          <a:p>
-            <a:r>
-              <a:rPr lang="fr-BE"/>
-              <a:t>Les variables super globales </a:t>
-            </a:r>
-            <a:r>
-              <a:rPr lang="fr-BE" sz="3200">
-                <a:solidFill>
-                  <a:schemeClr val="accent6">
-                    <a:lumMod val="50000"/>
-                  </a:schemeClr>
-                </a:solidFill>
-                <a:latin typeface="Consolas" panose="020B0609020204030204" pitchFamily="49" charset="0"/>
-                <a:cs typeface="Courier New" panose="02070309020205020404" pitchFamily="49" charset="0"/>
-                <a:sym typeface="Courier New"/>
-              </a:rPr>
-              <a:t>$_GET</a:t>
-            </a:r>
-            <a:r>
-              <a:rPr lang="fr-BE"/>
-              <a:t> et </a:t>
-            </a:r>
-            <a:r>
-              <a:rPr lang="fr-BE" sz="3200">
-                <a:solidFill>
-                  <a:schemeClr val="accent6">
-                    <a:lumMod val="50000"/>
-                  </a:schemeClr>
-                </a:solidFill>
-                <a:latin typeface="Consolas" panose="020B0609020204030204" pitchFamily="49" charset="0"/>
-                <a:cs typeface="Courier New" panose="02070309020205020404" pitchFamily="49" charset="0"/>
-                <a:sym typeface="Courier New"/>
-              </a:rPr>
-              <a:t>$_POST</a:t>
-            </a:r>
-            <a:r>
-              <a:rPr lang="fr-BE"/>
-              <a:t> permettent de récupérer des données envoyées via l’url ou la requête HTTP</a:t>
-            </a:r>
-          </a:p>
-          <a:p>
-            <a:r>
-              <a:rPr lang="fr-BE" sz="3200">
-                <a:solidFill>
-                  <a:schemeClr val="accent6">
-                    <a:lumMod val="50000"/>
-                  </a:schemeClr>
-                </a:solidFill>
-                <a:latin typeface="Consolas" panose="020B0609020204030204" pitchFamily="49" charset="0"/>
-                <a:cs typeface="Courier New" panose="02070309020205020404" pitchFamily="49" charset="0"/>
-                <a:sym typeface="Courier New"/>
-              </a:rPr>
-              <a:t>$_GET</a:t>
-            </a:r>
-            <a:r>
-              <a:rPr lang="fr-BE" sz="3200">
-                <a:solidFill>
-                  <a:schemeClr val="accent6">
-                    <a:lumMod val="50000"/>
-                  </a:schemeClr>
-                </a:solidFill>
-                <a:latin typeface="Consolas" panose="020B0609020204030204" pitchFamily="49" charset="0"/>
-                <a:cs typeface="Courier New" panose="02070309020205020404" pitchFamily="49" charset="0"/>
-              </a:rPr>
-              <a:t> 		</a:t>
-            </a:r>
-            <a:r>
-              <a:rPr lang="fr-BE"/>
-              <a:t>: 	url</a:t>
-            </a:r>
-          </a:p>
-          <a:p>
-            <a:r>
-              <a:rPr lang="fr-BE" sz="3200">
-                <a:solidFill>
-                  <a:schemeClr val="accent6">
-                    <a:lumMod val="50000"/>
-                  </a:schemeClr>
-                </a:solidFill>
-                <a:latin typeface="Consolas" panose="020B0609020204030204" pitchFamily="49" charset="0"/>
-                <a:cs typeface="Courier New" panose="02070309020205020404" pitchFamily="49" charset="0"/>
-                <a:sym typeface="Courier New"/>
-              </a:rPr>
-              <a:t>$_POST	</a:t>
-            </a:r>
-            <a:r>
-              <a:rPr lang="fr-BE" sz="3200">
-                <a:solidFill>
-                  <a:schemeClr val="accent6">
-                    <a:lumMod val="50000"/>
-                  </a:schemeClr>
-                </a:solidFill>
-                <a:latin typeface="Consolas" panose="020B0609020204030204" pitchFamily="49" charset="0"/>
-                <a:cs typeface="Courier New" panose="02070309020205020404" pitchFamily="49" charset="0"/>
-              </a:rPr>
-              <a:t> 	</a:t>
-            </a:r>
-            <a:r>
-              <a:rPr lang="fr-BE"/>
-              <a:t>:	http</a:t>
-            </a:r>
-          </a:p>
-          <a:p>
-            <a:endParaRPr lang="fr-BE"/>
-          </a:p>
-          <a:p>
-            <a:endParaRPr lang="fr-BE"/>
-          </a:p>
-        </p:txBody>
-      </p:sp>
-    </p:spTree>
-    <p:extLst>
-      <p:ext uri="{BB962C8B-B14F-4D97-AF65-F5344CB8AC3E}">
-        <p14:creationId xmlns:p14="http://schemas.microsoft.com/office/powerpoint/2010/main" val="1902075295"/>
-      </p:ext>
-    </p:extLst>
-  </p:cSld>
-  <p:clrMapOvr>
-    <a:masterClrMapping/>
-  </p:clrMapOvr>
-  <mc:AlternateContent xmlns:mc="http://schemas.openxmlformats.org/markup-compatibility/2006" xmlns:p14="http://schemas.microsoft.com/office/powerpoint/2010/main">
-    <mc:Choice Requires="p14">
-      <p:transition spd="slow">
-        <p14:reveal/>
-      </p:transition>
-    </mc:Choice>
-    <mc:Fallback xmlns="">
-      <p:transition spd="slow">
-        <p:fade/>
-      </p:transition>
-    </mc:Fallback>
-  </mc:AlternateContent>
-</p:sld>
-</file>
-
-<file path=ppt/slides/slide18.xml><?xml version="1.0" encoding="utf-8"?>
-<p:sld xmlns:a="http://schemas.openxmlformats.org/drawingml/2006/main" xmlns:r="http://schemas.openxmlformats.org/officeDocument/2006/relationships" xmlns:p="http://schemas.openxmlformats.org/presentationml/2006/main">
-  <p:cSld>
-    <p:spTree>
-      <p:nvGrpSpPr>
-        <p:cNvPr id="1" name="Shape 192"/>
-        <p:cNvGrpSpPr/>
-        <p:nvPr/>
-      </p:nvGrpSpPr>
-      <p:grpSpPr>
-        <a:xfrm>
-          <a:off x="0" y="0"/>
-          <a:ext cx="0" cy="0"/>
-          <a:chOff x="0" y="0"/>
-          <a:chExt cx="0" cy="0"/>
-        </a:xfrm>
-      </p:grpSpPr>
-      <p:sp>
-        <p:nvSpPr>
-          <p:cNvPr id="193" name="Google Shape;193;p32"/>
-          <p:cNvSpPr txBox="1">
-            <a:spLocks noGrp="1"/>
-          </p:cNvSpPr>
-          <p:nvPr>
-            <p:ph type="title"/>
-          </p:nvPr>
-        </p:nvSpPr>
-        <p:spPr/>
-        <p:txBody>
-          <a:bodyPr/>
-          <a:lstStyle/>
-          <a:p>
-            <a:r>
-              <a:rPr lang="fr-BE"/>
-              <a:t>$_GET et $_POST</a:t>
-            </a:r>
-          </a:p>
-        </p:txBody>
-      </p:sp>
-      <p:sp>
-        <p:nvSpPr>
-          <p:cNvPr id="194" name="Google Shape;194;p32"/>
-          <p:cNvSpPr txBox="1">
-            <a:spLocks noGrp="1"/>
-          </p:cNvSpPr>
-          <p:nvPr>
-            <p:ph idx="1"/>
-          </p:nvPr>
-        </p:nvSpPr>
-        <p:spPr/>
-        <p:txBody>
-          <a:bodyPr>
-            <a:normAutofit/>
-          </a:bodyPr>
-          <a:lstStyle/>
-          <a:p>
-            <a:r>
-              <a:rPr lang="fr-BE">
-                <a:sym typeface="Calibri"/>
-              </a:rPr>
-              <a:t>tableaux associatifs : éléments accessibles via une clé</a:t>
-            </a:r>
-          </a:p>
-          <a:p>
-            <a:r>
-              <a:rPr lang="fr-BE">
-                <a:sym typeface="Calibri"/>
-              </a:rPr>
-              <a:t>URL</a:t>
-            </a:r>
-          </a:p>
-          <a:p>
-            <a:pPr marL="914377" lvl="2" indent="0">
-              <a:buNone/>
-            </a:pPr>
-            <a:r>
-              <a:rPr lang="fr-BE">
-                <a:sym typeface="Courier New"/>
-              </a:rPr>
-              <a:t>http://localhost/exercice.php?</a:t>
-            </a:r>
-            <a:r>
-              <a:rPr lang="fr-BE" b="1">
-                <a:solidFill>
-                  <a:schemeClr val="accent2"/>
-                </a:solidFill>
-                <a:sym typeface="Courier New"/>
-              </a:rPr>
-              <a:t>name=jean&amp;age=23</a:t>
-            </a:r>
-          </a:p>
-          <a:p>
-            <a:r>
-              <a:rPr lang="fr-BE">
-                <a:sym typeface="Calibri"/>
-              </a:rPr>
-              <a:t>PHP</a:t>
-            </a:r>
-          </a:p>
-          <a:p>
-            <a:pPr marL="0" lvl="0" indent="0" defTabSz="914400">
-              <a:lnSpc>
-                <a:spcPct val="100000"/>
-              </a:lnSpc>
-              <a:spcBef>
-                <a:spcPts val="600"/>
-              </a:spcBef>
-              <a:buClr>
-                <a:srgbClr val="000000"/>
-              </a:buClr>
-              <a:buSzPts val="3000"/>
-              <a:buNone/>
-            </a:pPr>
-            <a:r>
-              <a:rPr lang="fr-BE" sz="2400" b="1" kern="0">
-                <a:solidFill>
-                  <a:srgbClr val="000000"/>
-                </a:solidFill>
-                <a:latin typeface="Courier New"/>
-                <a:ea typeface="Courier New"/>
-                <a:cs typeface="Courier New"/>
-                <a:sym typeface="Courier New"/>
-              </a:rPr>
-              <a:t>	</a:t>
-            </a:r>
-            <a:r>
-              <a:rPr lang="fr-BE" sz="3000">
-                <a:solidFill>
-                  <a:schemeClr val="accent6">
-                    <a:lumMod val="50000"/>
-                  </a:schemeClr>
-                </a:solidFill>
-                <a:latin typeface="Consolas" panose="020B0609020204030204" pitchFamily="49" charset="0"/>
-                <a:cs typeface="Courier New" panose="02070309020205020404" pitchFamily="49" charset="0"/>
-                <a:sym typeface="Courier New"/>
-              </a:rPr>
-              <a:t>&lt;?</a:t>
-            </a:r>
-            <a:r>
-              <a:rPr lang="fr-BE" sz="3000" err="1">
-                <a:solidFill>
-                  <a:schemeClr val="accent6">
-                    <a:lumMod val="50000"/>
-                  </a:schemeClr>
-                </a:solidFill>
-                <a:latin typeface="Consolas" panose="020B0609020204030204" pitchFamily="49" charset="0"/>
-                <a:cs typeface="Courier New" panose="02070309020205020404" pitchFamily="49" charset="0"/>
-                <a:sym typeface="Courier New"/>
-              </a:rPr>
-              <a:t>php</a:t>
-            </a:r>
-            <a:endParaRPr lang="fr-BE" sz="3000">
-              <a:solidFill>
-                <a:schemeClr val="accent6">
-                  <a:lumMod val="50000"/>
-                </a:schemeClr>
-              </a:solidFill>
-              <a:latin typeface="Consolas" panose="020B0609020204030204" pitchFamily="49" charset="0"/>
-              <a:cs typeface="Courier New" panose="02070309020205020404" pitchFamily="49" charset="0"/>
-              <a:sym typeface="Courier New"/>
-            </a:endParaRPr>
-          </a:p>
-          <a:p>
-            <a:pPr marL="0" lvl="0" indent="457200" defTabSz="914400">
-              <a:lnSpc>
-                <a:spcPct val="100000"/>
-              </a:lnSpc>
-              <a:spcBef>
-                <a:spcPts val="600"/>
-              </a:spcBef>
-              <a:buClr>
-                <a:srgbClr val="000000"/>
-              </a:buClr>
-              <a:buSzPts val="3000"/>
-              <a:buNone/>
-            </a:pPr>
-            <a:r>
-              <a:rPr lang="fr-BE" sz="3000" kern="0">
-                <a:solidFill>
-                  <a:srgbClr val="2388DB"/>
-                </a:solidFill>
-                <a:latin typeface="Consolas" panose="020B0609020204030204" pitchFamily="49" charset="0"/>
-                <a:ea typeface="Courier New"/>
-                <a:cs typeface="Courier New"/>
-                <a:sym typeface="Courier New"/>
-              </a:rPr>
-              <a:t>	</a:t>
-            </a:r>
-            <a:r>
-              <a:rPr lang="fr-BE" sz="3000" err="1">
-                <a:solidFill>
-                  <a:schemeClr val="accent6">
-                    <a:lumMod val="50000"/>
-                  </a:schemeClr>
-                </a:solidFill>
-                <a:latin typeface="Consolas" panose="020B0609020204030204" pitchFamily="49" charset="0"/>
-                <a:cs typeface="Courier New" panose="02070309020205020404" pitchFamily="49" charset="0"/>
-                <a:sym typeface="Courier New"/>
-              </a:rPr>
-              <a:t>echo</a:t>
-            </a:r>
-            <a:r>
-              <a:rPr lang="fr-BE" sz="3000">
-                <a:solidFill>
-                  <a:schemeClr val="accent6">
-                    <a:lumMod val="50000"/>
-                  </a:schemeClr>
-                </a:solidFill>
-                <a:latin typeface="Consolas" panose="020B0609020204030204" pitchFamily="49" charset="0"/>
-                <a:cs typeface="Courier New" panose="02070309020205020404" pitchFamily="49" charset="0"/>
-                <a:sym typeface="Courier New"/>
-              </a:rPr>
-              <a:t> $_GET['</a:t>
-            </a:r>
-            <a:r>
-              <a:rPr lang="fr-BE" sz="3000" err="1">
-                <a:solidFill>
-                  <a:schemeClr val="accent2"/>
-                </a:solidFill>
-                <a:latin typeface="Consolas" panose="020B0609020204030204" pitchFamily="49" charset="0"/>
-                <a:cs typeface="Courier New" panose="02070309020205020404" pitchFamily="49" charset="0"/>
-                <a:sym typeface="Courier New"/>
-              </a:rPr>
-              <a:t>name</a:t>
-            </a:r>
-            <a:r>
-              <a:rPr lang="fr-BE" sz="3000">
-                <a:solidFill>
-                  <a:schemeClr val="accent6">
-                    <a:lumMod val="50000"/>
-                  </a:schemeClr>
-                </a:solidFill>
-                <a:latin typeface="Consolas" panose="020B0609020204030204" pitchFamily="49" charset="0"/>
-                <a:cs typeface="Courier New" panose="02070309020205020404" pitchFamily="49" charset="0"/>
-                <a:sym typeface="Courier New"/>
-              </a:rPr>
-              <a:t>']; </a:t>
-            </a:r>
-            <a:r>
-              <a:rPr lang="fr-BE" sz="3000" kern="0">
-                <a:solidFill>
-                  <a:schemeClr val="bg1">
-                    <a:lumMod val="50000"/>
-                  </a:schemeClr>
-                </a:solidFill>
-                <a:latin typeface="Consolas" panose="020B0609020204030204" pitchFamily="49" charset="0"/>
-                <a:ea typeface="Courier New"/>
-                <a:cs typeface="Courier New"/>
-                <a:sym typeface="Courier New"/>
-              </a:rPr>
-              <a:t>// affiche </a:t>
-            </a:r>
-            <a:r>
-              <a:rPr lang="fr-BE" sz="3000" kern="0" err="1">
-                <a:solidFill>
-                  <a:schemeClr val="bg1">
-                    <a:lumMod val="50000"/>
-                  </a:schemeClr>
-                </a:solidFill>
-                <a:latin typeface="Consolas" panose="020B0609020204030204" pitchFamily="49" charset="0"/>
-                <a:ea typeface="Courier New"/>
-                <a:cs typeface="Courier New"/>
-                <a:sym typeface="Courier New"/>
-              </a:rPr>
-              <a:t>‘jean</a:t>
-            </a:r>
-            <a:r>
-              <a:rPr lang="fr-BE" sz="3000" kern="0">
-                <a:solidFill>
-                  <a:schemeClr val="bg1">
-                    <a:lumMod val="50000"/>
-                  </a:schemeClr>
-                </a:solidFill>
-                <a:latin typeface="Consolas" panose="020B0609020204030204" pitchFamily="49" charset="0"/>
-                <a:ea typeface="Courier New"/>
-                <a:cs typeface="Courier New"/>
-                <a:sym typeface="Courier New"/>
-              </a:rPr>
-              <a:t>’</a:t>
-            </a:r>
-          </a:p>
-          <a:p>
-            <a:pPr marL="0" lvl="0" indent="457200" defTabSz="914400">
-              <a:lnSpc>
-                <a:spcPct val="100000"/>
-              </a:lnSpc>
-              <a:spcBef>
-                <a:spcPts val="600"/>
-              </a:spcBef>
-              <a:buClr>
-                <a:srgbClr val="000000"/>
-              </a:buClr>
-              <a:buSzPts val="3000"/>
-              <a:buNone/>
-            </a:pPr>
-            <a:r>
-              <a:rPr lang="fr-BE" sz="3000" kern="0">
-                <a:solidFill>
-                  <a:srgbClr val="2388DB"/>
-                </a:solidFill>
-                <a:latin typeface="Consolas" panose="020B0609020204030204" pitchFamily="49" charset="0"/>
-                <a:ea typeface="Courier New"/>
-                <a:cs typeface="Courier New"/>
-                <a:sym typeface="Courier New"/>
-              </a:rPr>
-              <a:t>	</a:t>
-            </a:r>
-            <a:r>
-              <a:rPr lang="fr-BE" sz="3000" err="1">
-                <a:solidFill>
-                  <a:schemeClr val="accent6">
-                    <a:lumMod val="50000"/>
-                  </a:schemeClr>
-                </a:solidFill>
-                <a:latin typeface="Consolas" panose="020B0609020204030204" pitchFamily="49" charset="0"/>
-                <a:cs typeface="Courier New" panose="02070309020205020404" pitchFamily="49" charset="0"/>
-                <a:sym typeface="Courier New"/>
-              </a:rPr>
-              <a:t>echo</a:t>
-            </a:r>
-            <a:r>
-              <a:rPr lang="fr-BE" sz="3000">
-                <a:solidFill>
-                  <a:schemeClr val="accent6">
-                    <a:lumMod val="50000"/>
-                  </a:schemeClr>
-                </a:solidFill>
-                <a:latin typeface="Consolas" panose="020B0609020204030204" pitchFamily="49" charset="0"/>
-                <a:cs typeface="Courier New" panose="02070309020205020404" pitchFamily="49" charset="0"/>
-                <a:sym typeface="Courier New"/>
-              </a:rPr>
-              <a:t> $_GET['</a:t>
-            </a:r>
-            <a:r>
-              <a:rPr lang="fr-BE" sz="3000" err="1">
-                <a:solidFill>
-                  <a:schemeClr val="accent2"/>
-                </a:solidFill>
-                <a:latin typeface="Consolas" panose="020B0609020204030204" pitchFamily="49" charset="0"/>
-                <a:cs typeface="Courier New" panose="02070309020205020404" pitchFamily="49" charset="0"/>
-                <a:sym typeface="Courier New"/>
-              </a:rPr>
-              <a:t>age</a:t>
-            </a:r>
-            <a:r>
-              <a:rPr lang="fr-BE" sz="3000">
-                <a:solidFill>
-                  <a:schemeClr val="accent6">
-                    <a:lumMod val="50000"/>
-                  </a:schemeClr>
-                </a:solidFill>
-                <a:latin typeface="Consolas" panose="020B0609020204030204" pitchFamily="49" charset="0"/>
-                <a:cs typeface="Courier New" panose="02070309020205020404" pitchFamily="49" charset="0"/>
-                <a:sym typeface="Courier New"/>
-              </a:rPr>
-              <a:t>'];  </a:t>
-            </a:r>
-            <a:r>
-              <a:rPr lang="fr-BE" sz="3000" kern="0">
-                <a:solidFill>
-                  <a:schemeClr val="bg1">
-                    <a:lumMod val="50000"/>
-                  </a:schemeClr>
-                </a:solidFill>
-                <a:latin typeface="Consolas" panose="020B0609020204030204" pitchFamily="49" charset="0"/>
-                <a:ea typeface="Courier New"/>
-                <a:cs typeface="Courier New"/>
-                <a:sym typeface="Courier New"/>
-              </a:rPr>
-              <a:t>// affiche ‘23’</a:t>
-            </a:r>
-          </a:p>
-          <a:p>
-            <a:pPr marL="0" lvl="0" indent="457200" defTabSz="914400">
-              <a:lnSpc>
-                <a:spcPct val="100000"/>
-              </a:lnSpc>
-              <a:spcBef>
-                <a:spcPts val="600"/>
-              </a:spcBef>
-              <a:buClr>
-                <a:srgbClr val="000000"/>
-              </a:buClr>
-              <a:buSzPts val="3000"/>
-              <a:buNone/>
-            </a:pPr>
-            <a:r>
-              <a:rPr lang="fr-BE" sz="3000" kern="0">
-                <a:solidFill>
-                  <a:srgbClr val="000000"/>
-                </a:solidFill>
-                <a:latin typeface="Consolas" panose="020B0609020204030204" pitchFamily="49" charset="0"/>
-                <a:ea typeface="Courier New"/>
-                <a:cs typeface="Courier New"/>
-                <a:sym typeface="Courier New"/>
-              </a:rPr>
-              <a:t>	</a:t>
-            </a:r>
-            <a:r>
-              <a:rPr lang="fr-BE" sz="3000">
-                <a:solidFill>
-                  <a:schemeClr val="accent6">
-                    <a:lumMod val="50000"/>
-                  </a:schemeClr>
-                </a:solidFill>
-                <a:latin typeface="Consolas" panose="020B0609020204030204" pitchFamily="49" charset="0"/>
-                <a:cs typeface="Courier New" panose="02070309020205020404" pitchFamily="49" charset="0"/>
-                <a:sym typeface="Courier New"/>
-              </a:rPr>
-              <a:t>?&gt;</a:t>
-            </a:r>
-          </a:p>
-        </p:txBody>
-      </p:sp>
-    </p:spTree>
-    <p:extLst>
-      <p:ext uri="{BB962C8B-B14F-4D97-AF65-F5344CB8AC3E}">
-        <p14:creationId xmlns:p14="http://schemas.microsoft.com/office/powerpoint/2010/main" val="2268276618"/>
       </p:ext>
     </p:extLst>
   </p:cSld>
@@ -10588,7 +10257,7 @@
   <p:cSld>
     <p:spTree>
       <p:nvGrpSpPr>
-        <p:cNvPr id="1" name="Shape 198"/>
+        <p:cNvPr id="1" name="Shape 186"/>
         <p:cNvGrpSpPr/>
         <p:nvPr/>
       </p:nvGrpSpPr>
@@ -10602,7 +10271,7 @@
       </p:grpSpPr>
       <p:sp>
         <p:nvSpPr>
-          <p:cNvPr id="199" name="Google Shape;199;p33"/>
+          <p:cNvPr id="187" name="Google Shape;187;p31"/>
           <p:cNvSpPr txBox="1">
             <a:spLocks noGrp="1"/>
           </p:cNvSpPr>
@@ -10617,19 +10286,14 @@
           <a:p>
             <a:r>
               <a:rPr lang="fr-BE"/>
-              <a:t>Exo 06 : lire le </a:t>
-            </a:r>
-            <a:r>
-              <a:rPr lang="fr-BE" err="1"/>
-              <a:t>form</a:t>
-            </a:r>
-            <a:endParaRPr lang="fr-BE"/>
-          </a:p>
-        </p:txBody>
-      </p:sp>
-      <p:sp>
-        <p:nvSpPr>
-          <p:cNvPr id="200" name="Google Shape;200;p33"/>
+              <a:t>$_GET et $_POST</a:t>
+            </a:r>
+          </a:p>
+        </p:txBody>
+      </p:sp>
+      <p:sp>
+        <p:nvSpPr>
+          <p:cNvPr id="188" name="Google Shape;188;p31"/>
           <p:cNvSpPr txBox="1">
             <a:spLocks noGrp="1"/>
           </p:cNvSpPr>
@@ -10637,64 +10301,34 @@
             <p:ph idx="1"/>
           </p:nvPr>
         </p:nvSpPr>
-        <p:spPr>
-          <a:xfrm>
-            <a:off x="838200" y="1825625"/>
-            <a:ext cx="10515600" cy="4351339"/>
-          </a:xfrm>
-        </p:spPr>
-        <p:txBody>
-          <a:bodyPr>
-            <a:noAutofit/>
-          </a:bodyPr>
+        <p:spPr/>
+        <p:txBody>
+          <a:bodyPr/>
           <a:lstStyle/>
           <a:p>
-            <a:pPr defTabSz="914400">
-              <a:lnSpc>
-                <a:spcPct val="100000"/>
-              </a:lnSpc>
-              <a:spcBef>
-                <a:spcPts val="600"/>
-              </a:spcBef>
-              <a:buClr>
-                <a:srgbClr val="000000"/>
-              </a:buClr>
-              <a:buSzPct val="100000"/>
-            </a:pPr>
             <a:r>
               <a:rPr lang="fr-BE"/>
-              <a:t>Comment parcourir les données reçues du formulaire ? </a:t>
-            </a:r>
-          </a:p>
-          <a:p>
-            <a:pPr marL="0" lvl="0" indent="0" defTabSz="914400">
-              <a:lnSpc>
-                <a:spcPct val="100000"/>
-              </a:lnSpc>
-              <a:spcBef>
-                <a:spcPts val="600"/>
-              </a:spcBef>
-              <a:buClr>
-                <a:srgbClr val="000000"/>
-              </a:buClr>
-              <a:buSzPts val="1100"/>
-              <a:buNone/>
-            </a:pPr>
-            <a:r>
-              <a:rPr lang="en-US" sz="3000" b="1">
+              <a:t>Les variables super globales </a:t>
+            </a:r>
+            <a:r>
+              <a:rPr lang="fr-BE" sz="3200">
                 <a:solidFill>
                   <a:schemeClr val="accent6">
                     <a:lumMod val="50000"/>
                   </a:schemeClr>
                 </a:solidFill>
-                <a:latin typeface="Courier New" panose="02070309020205020404" pitchFamily="49" charset="0"/>
+                <a:latin typeface="Consolas" panose="020B0609020204030204" pitchFamily="49" charset="0"/>
                 <a:cs typeface="Courier New" panose="02070309020205020404" pitchFamily="49" charset="0"/>
                 <a:sym typeface="Courier New"/>
               </a:rPr>
-              <a:t>	</a:t>
-            </a:r>
-            <a:r>
-              <a:rPr lang="en-US" sz="3000">
+              <a:t>$_GET</a:t>
+            </a:r>
+            <a:r>
+              <a:rPr lang="fr-BE"/>
+              <a:t> et </a:t>
+            </a:r>
+            <a:r>
+              <a:rPr lang="fr-BE" sz="3200">
                 <a:solidFill>
                   <a:schemeClr val="accent6">
                     <a:lumMod val="50000"/>
@@ -10704,21 +10338,29 @@
                 <a:cs typeface="Courier New" panose="02070309020205020404" pitchFamily="49" charset="0"/>
                 <a:sym typeface="Courier New"/>
               </a:rPr>
-              <a:t>foreach( </a:t>
-            </a:r>
-            <a:r>
-              <a:rPr lang="en-US" sz="3000">
-                <a:solidFill>
-                  <a:schemeClr val="accent2"/>
+              <a:t>$_POST</a:t>
+            </a:r>
+            <a:r>
+              <a:rPr lang="fr-BE"/>
+              <a:t> permettent de récupérer des données envoyées via l’url ou la requête HTTP</a:t>
+            </a:r>
+          </a:p>
+          <a:p>
+            <a:r>
+              <a:rPr lang="fr-BE" sz="3200">
+                <a:solidFill>
+                  <a:schemeClr val="accent6">
+                    <a:lumMod val="50000"/>
+                  </a:schemeClr>
                 </a:solidFill>
                 <a:latin typeface="Consolas" panose="020B0609020204030204" pitchFamily="49" charset="0"/>
                 <a:cs typeface="Courier New" panose="02070309020205020404" pitchFamily="49" charset="0"/>
                 <a:sym typeface="Courier New"/>
               </a:rPr>
-              <a:t>$_GET </a:t>
-            </a:r>
-            <a:r>
-              <a:rPr lang="en-US" sz="3000">
+              <a:t>$_GET</a:t>
+            </a:r>
+            <a:r>
+              <a:rPr lang="fr-BE" sz="3200">
                 <a:solidFill>
                   <a:schemeClr val="accent6">
                     <a:lumMod val="50000"/>
@@ -10726,27 +10368,17 @@
                 </a:solidFill>
                 <a:latin typeface="Consolas" panose="020B0609020204030204" pitchFamily="49" charset="0"/>
                 <a:cs typeface="Courier New" panose="02070309020205020404" pitchFamily="49" charset="0"/>
-                <a:sym typeface="Courier New"/>
-              </a:rPr>
-              <a:t>as $key =&gt; $val ) </a:t>
-            </a:r>
-          </a:p>
-          <a:p>
-            <a:pPr marL="0" lvl="0" indent="0" defTabSz="914400">
-              <a:lnSpc>
-                <a:spcPct val="100000"/>
-              </a:lnSpc>
-              <a:spcBef>
-                <a:spcPts val="600"/>
-              </a:spcBef>
-              <a:buClr>
-                <a:srgbClr val="000000"/>
-              </a:buClr>
-              <a:buSzPts val="1100"/>
-              <a:buNone/>
-            </a:pPr>
-            <a:r>
-              <a:rPr lang="en-US" sz="3000">
+              </a:rPr>
+              <a:t> 		</a:t>
+            </a:r>
+            <a:r>
+              <a:rPr lang="fr-BE"/>
+              <a:t>: 	url</a:t>
+            </a:r>
+          </a:p>
+          <a:p>
+            <a:r>
+              <a:rPr lang="fr-BE" sz="3200">
                 <a:solidFill>
                   <a:schemeClr val="accent6">
                     <a:lumMod val="50000"/>
@@ -10756,25 +10388,10 @@
                 <a:cs typeface="Courier New" panose="02070309020205020404" pitchFamily="49" charset="0"/>
                 <a:sym typeface="Courier New"/>
               </a:rPr>
-              <a:t>	{</a:t>
-            </a:r>
-          </a:p>
-          <a:p>
-            <a:pPr marL="0" lvl="0" indent="0" defTabSz="914400">
-              <a:lnSpc>
-                <a:spcPct val="100000"/>
-              </a:lnSpc>
-              <a:spcBef>
-                <a:spcPts val="600"/>
-              </a:spcBef>
-              <a:buClr>
-                <a:srgbClr val="000000"/>
-              </a:buClr>
-              <a:buSzPts val="1100"/>
-              <a:buNone/>
-            </a:pPr>
-            <a:r>
-              <a:rPr lang="en-US" sz="3000">
+              <a:t>$_POST	</a:t>
+            </a:r>
+            <a:r>
+              <a:rPr lang="fr-BE" sz="3200">
                 <a:solidFill>
                   <a:schemeClr val="accent6">
                     <a:lumMod val="50000"/>
@@ -10782,214 +10399,26 @@
                 </a:solidFill>
                 <a:latin typeface="Consolas" panose="020B0609020204030204" pitchFamily="49" charset="0"/>
                 <a:cs typeface="Courier New" panose="02070309020205020404" pitchFamily="49" charset="0"/>
-                <a:sym typeface="Courier New"/>
-              </a:rPr>
-              <a:t>		echo "$key : $val&lt;</a:t>
-            </a:r>
-            <a:r>
-              <a:rPr lang="en-US" sz="3000" err="1">
-                <a:solidFill>
-                  <a:schemeClr val="accent6">
-                    <a:lumMod val="50000"/>
-                  </a:schemeClr>
-                </a:solidFill>
-                <a:latin typeface="Consolas" panose="020B0609020204030204" pitchFamily="49" charset="0"/>
-                <a:cs typeface="Courier New" panose="02070309020205020404" pitchFamily="49" charset="0"/>
-                <a:sym typeface="Courier New"/>
-              </a:rPr>
-              <a:t>br</a:t>
-            </a:r>
-            <a:r>
-              <a:rPr lang="en-US" sz="3000">
-                <a:solidFill>
-                  <a:schemeClr val="accent6">
-                    <a:lumMod val="50000"/>
-                  </a:schemeClr>
-                </a:solidFill>
-                <a:latin typeface="Consolas" panose="020B0609020204030204" pitchFamily="49" charset="0"/>
-                <a:cs typeface="Courier New" panose="02070309020205020404" pitchFamily="49" charset="0"/>
-                <a:sym typeface="Courier New"/>
-              </a:rPr>
-              <a:t>/&gt;";</a:t>
-            </a:r>
-          </a:p>
-          <a:p>
-            <a:pPr marL="0" lvl="0" indent="0" defTabSz="914400">
-              <a:lnSpc>
-                <a:spcPct val="100000"/>
-              </a:lnSpc>
-              <a:spcBef>
-                <a:spcPts val="600"/>
-              </a:spcBef>
-              <a:buClr>
-                <a:srgbClr val="000000"/>
-              </a:buClr>
-              <a:buSzPts val="1100"/>
-              <a:buNone/>
-            </a:pPr>
-            <a:r>
-              <a:rPr lang="en-US" sz="3000">
-                <a:solidFill>
-                  <a:schemeClr val="accent6">
-                    <a:lumMod val="50000"/>
-                  </a:schemeClr>
-                </a:solidFill>
-                <a:latin typeface="Consolas" panose="020B0609020204030204" pitchFamily="49" charset="0"/>
-                <a:cs typeface="Courier New" panose="02070309020205020404" pitchFamily="49" charset="0"/>
-                <a:sym typeface="Courier New"/>
-              </a:rPr>
-              <a:t>	}</a:t>
-            </a:r>
-          </a:p>
-          <a:p>
-            <a:pPr defTabSz="914400">
-              <a:lnSpc>
-                <a:spcPct val="100000"/>
-              </a:lnSpc>
-              <a:spcBef>
-                <a:spcPts val="600"/>
-              </a:spcBef>
-              <a:buClr>
-                <a:srgbClr val="000000"/>
-              </a:buClr>
-              <a:buSzPct val="100000"/>
-            </a:pPr>
-            <a:r>
-              <a:rPr lang="en-US" err="1">
-                <a:sym typeface="Courier New"/>
-              </a:rPr>
-              <a:t>ou</a:t>
-            </a:r>
-            <a:r>
-              <a:rPr lang="en-US">
-                <a:sym typeface="Courier New"/>
-              </a:rPr>
-              <a:t> </a:t>
-            </a:r>
-          </a:p>
-          <a:p>
-            <a:pPr marL="0" indent="0" defTabSz="914400">
-              <a:lnSpc>
-                <a:spcPct val="100000"/>
-              </a:lnSpc>
-              <a:spcBef>
-                <a:spcPts val="600"/>
-              </a:spcBef>
-              <a:buClr>
-                <a:srgbClr val="000000"/>
-              </a:buClr>
-              <a:buSzPts val="1100"/>
-              <a:buNone/>
-            </a:pPr>
-            <a:r>
-              <a:rPr lang="en-US" sz="3000" b="1">
-                <a:solidFill>
-                  <a:schemeClr val="accent6">
-                    <a:lumMod val="50000"/>
-                  </a:schemeClr>
-                </a:solidFill>
-                <a:latin typeface="Courier New" panose="02070309020205020404" pitchFamily="49" charset="0"/>
-                <a:cs typeface="Courier New" panose="02070309020205020404" pitchFamily="49" charset="0"/>
-                <a:sym typeface="Courier New"/>
-              </a:rPr>
-              <a:t>	</a:t>
-            </a:r>
-            <a:r>
-              <a:rPr lang="en-US" sz="3000">
-                <a:solidFill>
-                  <a:schemeClr val="accent6">
-                    <a:lumMod val="50000"/>
-                  </a:schemeClr>
-                </a:solidFill>
-                <a:latin typeface="Consolas" panose="020B0609020204030204" pitchFamily="49" charset="0"/>
-                <a:cs typeface="Courier New" panose="02070309020205020404" pitchFamily="49" charset="0"/>
-                <a:sym typeface="Courier New"/>
-              </a:rPr>
-              <a:t>print_r</a:t>
-            </a:r>
-            <a:r>
-              <a:rPr lang="en-US" sz="3000">
-                <a:solidFill>
-                  <a:schemeClr val="accent2"/>
-                </a:solidFill>
-                <a:latin typeface="Consolas" panose="020B0609020204030204" pitchFamily="49" charset="0"/>
-                <a:cs typeface="Courier New" panose="02070309020205020404" pitchFamily="49" charset="0"/>
-                <a:sym typeface="Courier New"/>
-              </a:rPr>
-              <a:t>($_GET</a:t>
-            </a:r>
-            <a:r>
-              <a:rPr lang="en-US" sz="3000">
-                <a:solidFill>
-                  <a:schemeClr val="accent6">
-                    <a:lumMod val="50000"/>
-                  </a:schemeClr>
-                </a:solidFill>
-                <a:latin typeface="Consolas" panose="020B0609020204030204" pitchFamily="49" charset="0"/>
-                <a:cs typeface="Courier New" panose="02070309020205020404" pitchFamily="49" charset="0"/>
-                <a:sym typeface="Courier New"/>
-              </a:rPr>
-              <a:t>) ;</a:t>
-            </a:r>
-          </a:p>
-          <a:p>
-            <a:pPr marL="0" indent="0" defTabSz="914400">
-              <a:lnSpc>
-                <a:spcPct val="100000"/>
-              </a:lnSpc>
-              <a:spcBef>
-                <a:spcPts val="600"/>
-              </a:spcBef>
-              <a:buClr>
-                <a:srgbClr val="000000"/>
-              </a:buClr>
-              <a:buSzPts val="1100"/>
-              <a:buNone/>
-            </a:pPr>
-            <a:r>
-              <a:rPr lang="en-US" sz="3000">
-                <a:solidFill>
-                  <a:schemeClr val="accent6">
-                    <a:lumMod val="50000"/>
-                  </a:schemeClr>
-                </a:solidFill>
-                <a:latin typeface="Consolas" panose="020B0609020204030204" pitchFamily="49" charset="0"/>
-                <a:cs typeface="Courier New" panose="02070309020205020404" pitchFamily="49" charset="0"/>
-                <a:sym typeface="Courier New"/>
-              </a:rPr>
-              <a:t>	var_dump</a:t>
-            </a:r>
-            <a:r>
-              <a:rPr lang="en-US" sz="3000">
-                <a:solidFill>
-                  <a:schemeClr val="accent2"/>
-                </a:solidFill>
-                <a:latin typeface="Consolas" panose="020B0609020204030204" pitchFamily="49" charset="0"/>
-                <a:cs typeface="Courier New" panose="02070309020205020404" pitchFamily="49" charset="0"/>
-                <a:sym typeface="Courier New"/>
-              </a:rPr>
-              <a:t>($_GET</a:t>
-            </a:r>
-            <a:r>
-              <a:rPr lang="en-US" sz="3000">
-                <a:solidFill>
-                  <a:schemeClr val="accent6">
-                    <a:lumMod val="50000"/>
-                  </a:schemeClr>
-                </a:solidFill>
-                <a:latin typeface="Consolas" panose="020B0609020204030204" pitchFamily="49" charset="0"/>
-                <a:cs typeface="Courier New" panose="02070309020205020404" pitchFamily="49" charset="0"/>
-                <a:sym typeface="Courier New"/>
-              </a:rPr>
-              <a:t>) ;</a:t>
-            </a:r>
+              </a:rPr>
+              <a:t> 	</a:t>
+            </a:r>
+            <a:r>
+              <a:rPr lang="fr-BE"/>
+              <a:t>:	http</a:t>
+            </a:r>
+          </a:p>
+          <a:p>
+            <a:endParaRPr lang="fr-BE"/>
+          </a:p>
+          <a:p>
+            <a:endParaRPr lang="fr-BE"/>
           </a:p>
         </p:txBody>
       </p:sp>
     </p:spTree>
     <p:extLst>
       <p:ext uri="{BB962C8B-B14F-4D97-AF65-F5344CB8AC3E}">
-        <p14:creationId xmlns:p14="http://schemas.microsoft.com/office/powerpoint/2010/main" val="2987480558"/>
+        <p14:creationId xmlns:p14="http://schemas.microsoft.com/office/powerpoint/2010/main" val="1902075295"/>
       </p:ext>
     </p:extLst>
   </p:cSld>
@@ -11402,7 +10831,7 @@
         <p14:reveal/>
       </p:transition>
     </mc:Choice>
-    <mc:Fallback xmlns="" xmlns:mv="urn:schemas-microsoft-com:mac:vml" xmlns:c="http://schemas.openxmlformats.org/drawingml/2006/chart" xmlns:dgm="http://schemas.openxmlformats.org/drawingml/2006/diagram" xmlns:o="urn:schemas-microsoft-com:office:office" xmlns:v="urn:schemas-microsoft-com:vml" xmlns:pvml="urn:schemas-microsoft-com:office:powerpoint" xmlns:com="http://schemas.openxmlformats.org/drawingml/2006/compatibility" xmlns:p15="http://schemas.microsoft.com/office/powerpoint/2012/main" xmlns:ahyp="http://schemas.microsoft.com/office/drawing/2018/hyperlinkcolor">
+    <mc:Fallback xmlns:ahyp="http://schemas.microsoft.com/office/drawing/2018/hyperlinkcolor" xmlns:p15="http://schemas.microsoft.com/office/powerpoint/2012/main" xmlns:com="http://schemas.openxmlformats.org/drawingml/2006/compatibility" xmlns:pvml="urn:schemas-microsoft-com:office:powerpoint" xmlns:v="urn:schemas-microsoft-com:vml" xmlns:o="urn:schemas-microsoft-com:office:office" xmlns:dgm="http://schemas.openxmlformats.org/drawingml/2006/diagram" xmlns:c="http://schemas.openxmlformats.org/drawingml/2006/chart" xmlns:mv="urn:schemas-microsoft-com:mac:vml" xmlns="">
       <p:transition spd="med">
         <p:fade/>
       </p:transition>
@@ -11412,6 +10841,873 @@
 </file>
 
 <file path=ppt/slides/slide20.xml><?xml version="1.0" encoding="utf-8"?>
+<p:sld xmlns:a="http://schemas.openxmlformats.org/drawingml/2006/main" xmlns:r="http://schemas.openxmlformats.org/officeDocument/2006/relationships" xmlns:p="http://schemas.openxmlformats.org/presentationml/2006/main">
+  <p:cSld>
+    <p:spTree>
+      <p:nvGrpSpPr>
+        <p:cNvPr id="1" name="Shape 192"/>
+        <p:cNvGrpSpPr/>
+        <p:nvPr/>
+      </p:nvGrpSpPr>
+      <p:grpSpPr>
+        <a:xfrm>
+          <a:off x="0" y="0"/>
+          <a:ext cx="0" cy="0"/>
+          <a:chOff x="0" y="0"/>
+          <a:chExt cx="0" cy="0"/>
+        </a:xfrm>
+      </p:grpSpPr>
+      <p:sp>
+        <p:nvSpPr>
+          <p:cNvPr id="193" name="Google Shape;193;p32"/>
+          <p:cNvSpPr txBox="1">
+            <a:spLocks noGrp="1"/>
+          </p:cNvSpPr>
+          <p:nvPr>
+            <p:ph type="title"/>
+          </p:nvPr>
+        </p:nvSpPr>
+        <p:spPr/>
+        <p:txBody>
+          <a:bodyPr/>
+          <a:lstStyle/>
+          <a:p>
+            <a:r>
+              <a:rPr lang="fr-BE"/>
+              <a:t>$_GET et $_POST</a:t>
+            </a:r>
+          </a:p>
+        </p:txBody>
+      </p:sp>
+      <p:sp>
+        <p:nvSpPr>
+          <p:cNvPr id="194" name="Google Shape;194;p32"/>
+          <p:cNvSpPr txBox="1">
+            <a:spLocks noGrp="1"/>
+          </p:cNvSpPr>
+          <p:nvPr>
+            <p:ph idx="1"/>
+          </p:nvPr>
+        </p:nvSpPr>
+        <p:spPr/>
+        <p:txBody>
+          <a:bodyPr>
+            <a:normAutofit/>
+          </a:bodyPr>
+          <a:lstStyle/>
+          <a:p>
+            <a:r>
+              <a:rPr lang="fr-BE">
+                <a:sym typeface="Calibri"/>
+              </a:rPr>
+              <a:t>tableaux associatifs : éléments accessibles via une clé</a:t>
+            </a:r>
+          </a:p>
+          <a:p>
+            <a:r>
+              <a:rPr lang="fr-BE">
+                <a:sym typeface="Calibri"/>
+              </a:rPr>
+              <a:t>URL</a:t>
+            </a:r>
+          </a:p>
+          <a:p>
+            <a:pPr marL="914377" lvl="2" indent="0">
+              <a:buNone/>
+            </a:pPr>
+            <a:r>
+              <a:rPr lang="fr-BE">
+                <a:sym typeface="Courier New"/>
+              </a:rPr>
+              <a:t>http://localhost/exercice.php?</a:t>
+            </a:r>
+            <a:r>
+              <a:rPr lang="fr-BE" b="1">
+                <a:solidFill>
+                  <a:schemeClr val="accent2"/>
+                </a:solidFill>
+                <a:sym typeface="Courier New"/>
+              </a:rPr>
+              <a:t>name=jean&amp;age=23</a:t>
+            </a:r>
+          </a:p>
+          <a:p>
+            <a:r>
+              <a:rPr lang="fr-BE">
+                <a:sym typeface="Calibri"/>
+              </a:rPr>
+              <a:t>PHP</a:t>
+            </a:r>
+          </a:p>
+          <a:p>
+            <a:pPr marL="0" lvl="0" indent="0" defTabSz="914400">
+              <a:lnSpc>
+                <a:spcPct val="100000"/>
+              </a:lnSpc>
+              <a:spcBef>
+                <a:spcPts val="600"/>
+              </a:spcBef>
+              <a:buClr>
+                <a:srgbClr val="000000"/>
+              </a:buClr>
+              <a:buSzPts val="3000"/>
+              <a:buNone/>
+            </a:pPr>
+            <a:r>
+              <a:rPr lang="fr-BE" sz="2400" b="1" kern="0">
+                <a:solidFill>
+                  <a:srgbClr val="000000"/>
+                </a:solidFill>
+                <a:latin typeface="Courier New"/>
+                <a:ea typeface="Courier New"/>
+                <a:cs typeface="Courier New"/>
+                <a:sym typeface="Courier New"/>
+              </a:rPr>
+              <a:t>	</a:t>
+            </a:r>
+            <a:r>
+              <a:rPr lang="fr-BE" sz="3000">
+                <a:solidFill>
+                  <a:schemeClr val="accent6">
+                    <a:lumMod val="50000"/>
+                  </a:schemeClr>
+                </a:solidFill>
+                <a:latin typeface="Consolas" panose="020B0609020204030204" pitchFamily="49" charset="0"/>
+                <a:cs typeface="Courier New" panose="02070309020205020404" pitchFamily="49" charset="0"/>
+                <a:sym typeface="Courier New"/>
+              </a:rPr>
+              <a:t>&lt;?</a:t>
+            </a:r>
+            <a:r>
+              <a:rPr lang="fr-BE" sz="3000" err="1">
+                <a:solidFill>
+                  <a:schemeClr val="accent6">
+                    <a:lumMod val="50000"/>
+                  </a:schemeClr>
+                </a:solidFill>
+                <a:latin typeface="Consolas" panose="020B0609020204030204" pitchFamily="49" charset="0"/>
+                <a:cs typeface="Courier New" panose="02070309020205020404" pitchFamily="49" charset="0"/>
+                <a:sym typeface="Courier New"/>
+              </a:rPr>
+              <a:t>php</a:t>
+            </a:r>
+            <a:endParaRPr lang="fr-BE" sz="3000">
+              <a:solidFill>
+                <a:schemeClr val="accent6">
+                  <a:lumMod val="50000"/>
+                </a:schemeClr>
+              </a:solidFill>
+              <a:latin typeface="Consolas" panose="020B0609020204030204" pitchFamily="49" charset="0"/>
+              <a:cs typeface="Courier New" panose="02070309020205020404" pitchFamily="49" charset="0"/>
+              <a:sym typeface="Courier New"/>
+            </a:endParaRPr>
+          </a:p>
+          <a:p>
+            <a:pPr marL="0" lvl="0" indent="457200" defTabSz="914400">
+              <a:lnSpc>
+                <a:spcPct val="100000"/>
+              </a:lnSpc>
+              <a:spcBef>
+                <a:spcPts val="600"/>
+              </a:spcBef>
+              <a:buClr>
+                <a:srgbClr val="000000"/>
+              </a:buClr>
+              <a:buSzPts val="3000"/>
+              <a:buNone/>
+            </a:pPr>
+            <a:r>
+              <a:rPr lang="fr-BE" sz="3000" kern="0">
+                <a:solidFill>
+                  <a:srgbClr val="2388DB"/>
+                </a:solidFill>
+                <a:latin typeface="Consolas" panose="020B0609020204030204" pitchFamily="49" charset="0"/>
+                <a:ea typeface="Courier New"/>
+                <a:cs typeface="Courier New"/>
+                <a:sym typeface="Courier New"/>
+              </a:rPr>
+              <a:t>	</a:t>
+            </a:r>
+            <a:r>
+              <a:rPr lang="fr-BE" sz="3000" err="1">
+                <a:solidFill>
+                  <a:schemeClr val="accent6">
+                    <a:lumMod val="50000"/>
+                  </a:schemeClr>
+                </a:solidFill>
+                <a:latin typeface="Consolas" panose="020B0609020204030204" pitchFamily="49" charset="0"/>
+                <a:cs typeface="Courier New" panose="02070309020205020404" pitchFamily="49" charset="0"/>
+                <a:sym typeface="Courier New"/>
+              </a:rPr>
+              <a:t>echo</a:t>
+            </a:r>
+            <a:r>
+              <a:rPr lang="fr-BE" sz="3000">
+                <a:solidFill>
+                  <a:schemeClr val="accent6">
+                    <a:lumMod val="50000"/>
+                  </a:schemeClr>
+                </a:solidFill>
+                <a:latin typeface="Consolas" panose="020B0609020204030204" pitchFamily="49" charset="0"/>
+                <a:cs typeface="Courier New" panose="02070309020205020404" pitchFamily="49" charset="0"/>
+                <a:sym typeface="Courier New"/>
+              </a:rPr>
+              <a:t> $_GET['</a:t>
+            </a:r>
+            <a:r>
+              <a:rPr lang="fr-BE" sz="3000" err="1">
+                <a:solidFill>
+                  <a:schemeClr val="accent2"/>
+                </a:solidFill>
+                <a:latin typeface="Consolas" panose="020B0609020204030204" pitchFamily="49" charset="0"/>
+                <a:cs typeface="Courier New" panose="02070309020205020404" pitchFamily="49" charset="0"/>
+                <a:sym typeface="Courier New"/>
+              </a:rPr>
+              <a:t>name</a:t>
+            </a:r>
+            <a:r>
+              <a:rPr lang="fr-BE" sz="3000">
+                <a:solidFill>
+                  <a:schemeClr val="accent6">
+                    <a:lumMod val="50000"/>
+                  </a:schemeClr>
+                </a:solidFill>
+                <a:latin typeface="Consolas" panose="020B0609020204030204" pitchFamily="49" charset="0"/>
+                <a:cs typeface="Courier New" panose="02070309020205020404" pitchFamily="49" charset="0"/>
+                <a:sym typeface="Courier New"/>
+              </a:rPr>
+              <a:t>']; </a:t>
+            </a:r>
+            <a:r>
+              <a:rPr lang="fr-BE" sz="3000" kern="0">
+                <a:solidFill>
+                  <a:schemeClr val="bg1">
+                    <a:lumMod val="50000"/>
+                  </a:schemeClr>
+                </a:solidFill>
+                <a:latin typeface="Consolas" panose="020B0609020204030204" pitchFamily="49" charset="0"/>
+                <a:ea typeface="Courier New"/>
+                <a:cs typeface="Courier New"/>
+                <a:sym typeface="Courier New"/>
+              </a:rPr>
+              <a:t>// affiche </a:t>
+            </a:r>
+            <a:r>
+              <a:rPr lang="fr-BE" sz="3000" kern="0" err="1">
+                <a:solidFill>
+                  <a:schemeClr val="bg1">
+                    <a:lumMod val="50000"/>
+                  </a:schemeClr>
+                </a:solidFill>
+                <a:latin typeface="Consolas" panose="020B0609020204030204" pitchFamily="49" charset="0"/>
+                <a:ea typeface="Courier New"/>
+                <a:cs typeface="Courier New"/>
+                <a:sym typeface="Courier New"/>
+              </a:rPr>
+              <a:t>‘jean</a:t>
+            </a:r>
+            <a:r>
+              <a:rPr lang="fr-BE" sz="3000" kern="0">
+                <a:solidFill>
+                  <a:schemeClr val="bg1">
+                    <a:lumMod val="50000"/>
+                  </a:schemeClr>
+                </a:solidFill>
+                <a:latin typeface="Consolas" panose="020B0609020204030204" pitchFamily="49" charset="0"/>
+                <a:ea typeface="Courier New"/>
+                <a:cs typeface="Courier New"/>
+                <a:sym typeface="Courier New"/>
+              </a:rPr>
+              <a:t>’</a:t>
+            </a:r>
+          </a:p>
+          <a:p>
+            <a:pPr marL="0" lvl="0" indent="457200" defTabSz="914400">
+              <a:lnSpc>
+                <a:spcPct val="100000"/>
+              </a:lnSpc>
+              <a:spcBef>
+                <a:spcPts val="600"/>
+              </a:spcBef>
+              <a:buClr>
+                <a:srgbClr val="000000"/>
+              </a:buClr>
+              <a:buSzPts val="3000"/>
+              <a:buNone/>
+            </a:pPr>
+            <a:r>
+              <a:rPr lang="fr-BE" sz="3000" kern="0">
+                <a:solidFill>
+                  <a:srgbClr val="2388DB"/>
+                </a:solidFill>
+                <a:latin typeface="Consolas" panose="020B0609020204030204" pitchFamily="49" charset="0"/>
+                <a:ea typeface="Courier New"/>
+                <a:cs typeface="Courier New"/>
+                <a:sym typeface="Courier New"/>
+              </a:rPr>
+              <a:t>	</a:t>
+            </a:r>
+            <a:r>
+              <a:rPr lang="fr-BE" sz="3000" err="1">
+                <a:solidFill>
+                  <a:schemeClr val="accent6">
+                    <a:lumMod val="50000"/>
+                  </a:schemeClr>
+                </a:solidFill>
+                <a:latin typeface="Consolas" panose="020B0609020204030204" pitchFamily="49" charset="0"/>
+                <a:cs typeface="Courier New" panose="02070309020205020404" pitchFamily="49" charset="0"/>
+                <a:sym typeface="Courier New"/>
+              </a:rPr>
+              <a:t>echo</a:t>
+            </a:r>
+            <a:r>
+              <a:rPr lang="fr-BE" sz="3000">
+                <a:solidFill>
+                  <a:schemeClr val="accent6">
+                    <a:lumMod val="50000"/>
+                  </a:schemeClr>
+                </a:solidFill>
+                <a:latin typeface="Consolas" panose="020B0609020204030204" pitchFamily="49" charset="0"/>
+                <a:cs typeface="Courier New" panose="02070309020205020404" pitchFamily="49" charset="0"/>
+                <a:sym typeface="Courier New"/>
+              </a:rPr>
+              <a:t> $_GET['</a:t>
+            </a:r>
+            <a:r>
+              <a:rPr lang="fr-BE" sz="3000" err="1">
+                <a:solidFill>
+                  <a:schemeClr val="accent2"/>
+                </a:solidFill>
+                <a:latin typeface="Consolas" panose="020B0609020204030204" pitchFamily="49" charset="0"/>
+                <a:cs typeface="Courier New" panose="02070309020205020404" pitchFamily="49" charset="0"/>
+                <a:sym typeface="Courier New"/>
+              </a:rPr>
+              <a:t>age</a:t>
+            </a:r>
+            <a:r>
+              <a:rPr lang="fr-BE" sz="3000">
+                <a:solidFill>
+                  <a:schemeClr val="accent6">
+                    <a:lumMod val="50000"/>
+                  </a:schemeClr>
+                </a:solidFill>
+                <a:latin typeface="Consolas" panose="020B0609020204030204" pitchFamily="49" charset="0"/>
+                <a:cs typeface="Courier New" panose="02070309020205020404" pitchFamily="49" charset="0"/>
+                <a:sym typeface="Courier New"/>
+              </a:rPr>
+              <a:t>'];  </a:t>
+            </a:r>
+            <a:r>
+              <a:rPr lang="fr-BE" sz="3000" kern="0">
+                <a:solidFill>
+                  <a:schemeClr val="bg1">
+                    <a:lumMod val="50000"/>
+                  </a:schemeClr>
+                </a:solidFill>
+                <a:latin typeface="Consolas" panose="020B0609020204030204" pitchFamily="49" charset="0"/>
+                <a:ea typeface="Courier New"/>
+                <a:cs typeface="Courier New"/>
+                <a:sym typeface="Courier New"/>
+              </a:rPr>
+              <a:t>// affiche ‘23’</a:t>
+            </a:r>
+          </a:p>
+          <a:p>
+            <a:pPr marL="0" lvl="0" indent="457200" defTabSz="914400">
+              <a:lnSpc>
+                <a:spcPct val="100000"/>
+              </a:lnSpc>
+              <a:spcBef>
+                <a:spcPts val="600"/>
+              </a:spcBef>
+              <a:buClr>
+                <a:srgbClr val="000000"/>
+              </a:buClr>
+              <a:buSzPts val="3000"/>
+              <a:buNone/>
+            </a:pPr>
+            <a:r>
+              <a:rPr lang="fr-BE" sz="3000" kern="0">
+                <a:solidFill>
+                  <a:srgbClr val="000000"/>
+                </a:solidFill>
+                <a:latin typeface="Consolas" panose="020B0609020204030204" pitchFamily="49" charset="0"/>
+                <a:ea typeface="Courier New"/>
+                <a:cs typeface="Courier New"/>
+                <a:sym typeface="Courier New"/>
+              </a:rPr>
+              <a:t>	</a:t>
+            </a:r>
+            <a:r>
+              <a:rPr lang="fr-BE" sz="3000">
+                <a:solidFill>
+                  <a:schemeClr val="accent6">
+                    <a:lumMod val="50000"/>
+                  </a:schemeClr>
+                </a:solidFill>
+                <a:latin typeface="Consolas" panose="020B0609020204030204" pitchFamily="49" charset="0"/>
+                <a:cs typeface="Courier New" panose="02070309020205020404" pitchFamily="49" charset="0"/>
+                <a:sym typeface="Courier New"/>
+              </a:rPr>
+              <a:t>?&gt;</a:t>
+            </a:r>
+          </a:p>
+        </p:txBody>
+      </p:sp>
+    </p:spTree>
+    <p:extLst>
+      <p:ext uri="{BB962C8B-B14F-4D97-AF65-F5344CB8AC3E}">
+        <p14:creationId xmlns:p14="http://schemas.microsoft.com/office/powerpoint/2010/main" val="2268276618"/>
+      </p:ext>
+    </p:extLst>
+  </p:cSld>
+  <p:clrMapOvr>
+    <a:masterClrMapping/>
+  </p:clrMapOvr>
+  <mc:AlternateContent xmlns:mc="http://schemas.openxmlformats.org/markup-compatibility/2006" xmlns:p14="http://schemas.microsoft.com/office/powerpoint/2010/main">
+    <mc:Choice Requires="p14">
+      <p:transition spd="slow">
+        <p14:reveal/>
+      </p:transition>
+    </mc:Choice>
+    <mc:Fallback xmlns="">
+      <p:transition spd="slow">
+        <p:fade/>
+      </p:transition>
+    </mc:Fallback>
+  </mc:AlternateContent>
+</p:sld>
+</file>
+
+<file path=ppt/slides/slide21.xml><?xml version="1.0" encoding="utf-8"?>
+<p:sld xmlns:a="http://schemas.openxmlformats.org/drawingml/2006/main" xmlns:r="http://schemas.openxmlformats.org/officeDocument/2006/relationships" xmlns:p="http://schemas.openxmlformats.org/presentationml/2006/main">
+  <p:cSld>
+    <p:spTree>
+      <p:nvGrpSpPr>
+        <p:cNvPr id="1" name="Shape 198"/>
+        <p:cNvGrpSpPr/>
+        <p:nvPr/>
+      </p:nvGrpSpPr>
+      <p:grpSpPr>
+        <a:xfrm>
+          <a:off x="0" y="0"/>
+          <a:ext cx="0" cy="0"/>
+          <a:chOff x="0" y="0"/>
+          <a:chExt cx="0" cy="0"/>
+        </a:xfrm>
+      </p:grpSpPr>
+      <p:sp>
+        <p:nvSpPr>
+          <p:cNvPr id="199" name="Google Shape;199;p33"/>
+          <p:cNvSpPr txBox="1">
+            <a:spLocks noGrp="1"/>
+          </p:cNvSpPr>
+          <p:nvPr>
+            <p:ph type="title"/>
+          </p:nvPr>
+        </p:nvSpPr>
+        <p:spPr/>
+        <p:txBody>
+          <a:bodyPr/>
+          <a:lstStyle/>
+          <a:p>
+            <a:r>
+              <a:rPr lang="fr-BE"/>
+              <a:t>Exo 06 : lire le </a:t>
+            </a:r>
+            <a:r>
+              <a:rPr lang="fr-BE" err="1"/>
+              <a:t>form</a:t>
+            </a:r>
+            <a:endParaRPr lang="fr-BE"/>
+          </a:p>
+        </p:txBody>
+      </p:sp>
+      <p:sp>
+        <p:nvSpPr>
+          <p:cNvPr id="200" name="Google Shape;200;p33"/>
+          <p:cNvSpPr txBox="1">
+            <a:spLocks noGrp="1"/>
+          </p:cNvSpPr>
+          <p:nvPr>
+            <p:ph idx="1"/>
+          </p:nvPr>
+        </p:nvSpPr>
+        <p:spPr>
+          <a:xfrm>
+            <a:off x="838200" y="1825625"/>
+            <a:ext cx="10515600" cy="4351339"/>
+          </a:xfrm>
+        </p:spPr>
+        <p:txBody>
+          <a:bodyPr>
+            <a:noAutofit/>
+          </a:bodyPr>
+          <a:lstStyle/>
+          <a:p>
+            <a:pPr defTabSz="914400">
+              <a:lnSpc>
+                <a:spcPct val="100000"/>
+              </a:lnSpc>
+              <a:spcBef>
+                <a:spcPts val="600"/>
+              </a:spcBef>
+              <a:buClr>
+                <a:srgbClr val="000000"/>
+              </a:buClr>
+              <a:buSzPct val="100000"/>
+            </a:pPr>
+            <a:r>
+              <a:rPr lang="fr-BE"/>
+              <a:t>Comment parcourir les données reçues du formulaire ? </a:t>
+            </a:r>
+          </a:p>
+          <a:p>
+            <a:pPr marL="0" lvl="0" indent="0" defTabSz="914400">
+              <a:lnSpc>
+                <a:spcPct val="100000"/>
+              </a:lnSpc>
+              <a:spcBef>
+                <a:spcPts val="600"/>
+              </a:spcBef>
+              <a:buClr>
+                <a:srgbClr val="000000"/>
+              </a:buClr>
+              <a:buSzPts val="1100"/>
+              <a:buNone/>
+            </a:pPr>
+            <a:r>
+              <a:rPr lang="en-US" sz="3000" b="1">
+                <a:solidFill>
+                  <a:schemeClr val="accent6">
+                    <a:lumMod val="50000"/>
+                  </a:schemeClr>
+                </a:solidFill>
+                <a:latin typeface="Courier New" panose="02070309020205020404" pitchFamily="49" charset="0"/>
+                <a:cs typeface="Courier New" panose="02070309020205020404" pitchFamily="49" charset="0"/>
+                <a:sym typeface="Courier New"/>
+              </a:rPr>
+              <a:t>	</a:t>
+            </a:r>
+            <a:r>
+              <a:rPr lang="en-US" sz="3000">
+                <a:solidFill>
+                  <a:schemeClr val="accent6">
+                    <a:lumMod val="50000"/>
+                  </a:schemeClr>
+                </a:solidFill>
+                <a:latin typeface="Consolas" panose="020B0609020204030204" pitchFamily="49" charset="0"/>
+                <a:cs typeface="Courier New" panose="02070309020205020404" pitchFamily="49" charset="0"/>
+                <a:sym typeface="Courier New"/>
+              </a:rPr>
+              <a:t>foreach( </a:t>
+            </a:r>
+            <a:r>
+              <a:rPr lang="en-US" sz="3000">
+                <a:solidFill>
+                  <a:schemeClr val="accent2"/>
+                </a:solidFill>
+                <a:latin typeface="Consolas" panose="020B0609020204030204" pitchFamily="49" charset="0"/>
+                <a:cs typeface="Courier New" panose="02070309020205020404" pitchFamily="49" charset="0"/>
+                <a:sym typeface="Courier New"/>
+              </a:rPr>
+              <a:t>$_GET </a:t>
+            </a:r>
+            <a:r>
+              <a:rPr lang="en-US" sz="3000">
+                <a:solidFill>
+                  <a:schemeClr val="accent6">
+                    <a:lumMod val="50000"/>
+                  </a:schemeClr>
+                </a:solidFill>
+                <a:latin typeface="Consolas" panose="020B0609020204030204" pitchFamily="49" charset="0"/>
+                <a:cs typeface="Courier New" panose="02070309020205020404" pitchFamily="49" charset="0"/>
+                <a:sym typeface="Courier New"/>
+              </a:rPr>
+              <a:t>as $key =&gt; $val ) </a:t>
+            </a:r>
+          </a:p>
+          <a:p>
+            <a:pPr marL="0" lvl="0" indent="0" defTabSz="914400">
+              <a:lnSpc>
+                <a:spcPct val="100000"/>
+              </a:lnSpc>
+              <a:spcBef>
+                <a:spcPts val="600"/>
+              </a:spcBef>
+              <a:buClr>
+                <a:srgbClr val="000000"/>
+              </a:buClr>
+              <a:buSzPts val="1100"/>
+              <a:buNone/>
+            </a:pPr>
+            <a:r>
+              <a:rPr lang="en-US" sz="3000">
+                <a:solidFill>
+                  <a:schemeClr val="accent6">
+                    <a:lumMod val="50000"/>
+                  </a:schemeClr>
+                </a:solidFill>
+                <a:latin typeface="Consolas" panose="020B0609020204030204" pitchFamily="49" charset="0"/>
+                <a:cs typeface="Courier New" panose="02070309020205020404" pitchFamily="49" charset="0"/>
+                <a:sym typeface="Courier New"/>
+              </a:rPr>
+              <a:t>	{</a:t>
+            </a:r>
+          </a:p>
+          <a:p>
+            <a:pPr marL="0" lvl="0" indent="0" defTabSz="914400">
+              <a:lnSpc>
+                <a:spcPct val="100000"/>
+              </a:lnSpc>
+              <a:spcBef>
+                <a:spcPts val="600"/>
+              </a:spcBef>
+              <a:buClr>
+                <a:srgbClr val="000000"/>
+              </a:buClr>
+              <a:buSzPts val="1100"/>
+              <a:buNone/>
+            </a:pPr>
+            <a:r>
+              <a:rPr lang="en-US" sz="3000">
+                <a:solidFill>
+                  <a:schemeClr val="accent6">
+                    <a:lumMod val="50000"/>
+                  </a:schemeClr>
+                </a:solidFill>
+                <a:latin typeface="Consolas" panose="020B0609020204030204" pitchFamily="49" charset="0"/>
+                <a:cs typeface="Courier New" panose="02070309020205020404" pitchFamily="49" charset="0"/>
+                <a:sym typeface="Courier New"/>
+              </a:rPr>
+              <a:t>		echo "$key : $val&lt;</a:t>
+            </a:r>
+            <a:r>
+              <a:rPr lang="en-US" sz="3000" err="1">
+                <a:solidFill>
+                  <a:schemeClr val="accent6">
+                    <a:lumMod val="50000"/>
+                  </a:schemeClr>
+                </a:solidFill>
+                <a:latin typeface="Consolas" panose="020B0609020204030204" pitchFamily="49" charset="0"/>
+                <a:cs typeface="Courier New" panose="02070309020205020404" pitchFamily="49" charset="0"/>
+                <a:sym typeface="Courier New"/>
+              </a:rPr>
+              <a:t>br</a:t>
+            </a:r>
+            <a:r>
+              <a:rPr lang="en-US" sz="3000">
+                <a:solidFill>
+                  <a:schemeClr val="accent6">
+                    <a:lumMod val="50000"/>
+                  </a:schemeClr>
+                </a:solidFill>
+                <a:latin typeface="Consolas" panose="020B0609020204030204" pitchFamily="49" charset="0"/>
+                <a:cs typeface="Courier New" panose="02070309020205020404" pitchFamily="49" charset="0"/>
+                <a:sym typeface="Courier New"/>
+              </a:rPr>
+              <a:t>/&gt;";</a:t>
+            </a:r>
+          </a:p>
+          <a:p>
+            <a:pPr marL="0" lvl="0" indent="0" defTabSz="914400">
+              <a:lnSpc>
+                <a:spcPct val="100000"/>
+              </a:lnSpc>
+              <a:spcBef>
+                <a:spcPts val="600"/>
+              </a:spcBef>
+              <a:buClr>
+                <a:srgbClr val="000000"/>
+              </a:buClr>
+              <a:buSzPts val="1100"/>
+              <a:buNone/>
+            </a:pPr>
+            <a:r>
+              <a:rPr lang="en-US" sz="3000">
+                <a:solidFill>
+                  <a:schemeClr val="accent6">
+                    <a:lumMod val="50000"/>
+                  </a:schemeClr>
+                </a:solidFill>
+                <a:latin typeface="Consolas" panose="020B0609020204030204" pitchFamily="49" charset="0"/>
+                <a:cs typeface="Courier New" panose="02070309020205020404" pitchFamily="49" charset="0"/>
+                <a:sym typeface="Courier New"/>
+              </a:rPr>
+              <a:t>	}</a:t>
+            </a:r>
+          </a:p>
+          <a:p>
+            <a:pPr defTabSz="914400">
+              <a:lnSpc>
+                <a:spcPct val="100000"/>
+              </a:lnSpc>
+              <a:spcBef>
+                <a:spcPts val="600"/>
+              </a:spcBef>
+              <a:buClr>
+                <a:srgbClr val="000000"/>
+              </a:buClr>
+              <a:buSzPct val="100000"/>
+            </a:pPr>
+            <a:r>
+              <a:rPr lang="en-US" err="1">
+                <a:sym typeface="Courier New"/>
+              </a:rPr>
+              <a:t>ou</a:t>
+            </a:r>
+            <a:r>
+              <a:rPr lang="en-US">
+                <a:sym typeface="Courier New"/>
+              </a:rPr>
+              <a:t> </a:t>
+            </a:r>
+          </a:p>
+          <a:p>
+            <a:pPr marL="0" indent="0" defTabSz="914400">
+              <a:lnSpc>
+                <a:spcPct val="100000"/>
+              </a:lnSpc>
+              <a:spcBef>
+                <a:spcPts val="600"/>
+              </a:spcBef>
+              <a:buClr>
+                <a:srgbClr val="000000"/>
+              </a:buClr>
+              <a:buSzPts val="1100"/>
+              <a:buNone/>
+            </a:pPr>
+            <a:r>
+              <a:rPr lang="en-US" sz="3000" b="1">
+                <a:solidFill>
+                  <a:schemeClr val="accent6">
+                    <a:lumMod val="50000"/>
+                  </a:schemeClr>
+                </a:solidFill>
+                <a:latin typeface="Courier New" panose="02070309020205020404" pitchFamily="49" charset="0"/>
+                <a:cs typeface="Courier New" panose="02070309020205020404" pitchFamily="49" charset="0"/>
+                <a:sym typeface="Courier New"/>
+              </a:rPr>
+              <a:t>	</a:t>
+            </a:r>
+            <a:r>
+              <a:rPr lang="en-US" sz="3000">
+                <a:solidFill>
+                  <a:schemeClr val="accent6">
+                    <a:lumMod val="50000"/>
+                  </a:schemeClr>
+                </a:solidFill>
+                <a:latin typeface="Consolas" panose="020B0609020204030204" pitchFamily="49" charset="0"/>
+                <a:cs typeface="Courier New" panose="02070309020205020404" pitchFamily="49" charset="0"/>
+                <a:sym typeface="Courier New"/>
+              </a:rPr>
+              <a:t>print_r</a:t>
+            </a:r>
+            <a:r>
+              <a:rPr lang="en-US" sz="3000">
+                <a:solidFill>
+                  <a:schemeClr val="accent2"/>
+                </a:solidFill>
+                <a:latin typeface="Consolas" panose="020B0609020204030204" pitchFamily="49" charset="0"/>
+                <a:cs typeface="Courier New" panose="02070309020205020404" pitchFamily="49" charset="0"/>
+                <a:sym typeface="Courier New"/>
+              </a:rPr>
+              <a:t>($_GET</a:t>
+            </a:r>
+            <a:r>
+              <a:rPr lang="en-US" sz="3000">
+                <a:solidFill>
+                  <a:schemeClr val="accent6">
+                    <a:lumMod val="50000"/>
+                  </a:schemeClr>
+                </a:solidFill>
+                <a:latin typeface="Consolas" panose="020B0609020204030204" pitchFamily="49" charset="0"/>
+                <a:cs typeface="Courier New" panose="02070309020205020404" pitchFamily="49" charset="0"/>
+                <a:sym typeface="Courier New"/>
+              </a:rPr>
+              <a:t>) ;</a:t>
+            </a:r>
+          </a:p>
+          <a:p>
+            <a:pPr marL="0" indent="0" defTabSz="914400">
+              <a:lnSpc>
+                <a:spcPct val="100000"/>
+              </a:lnSpc>
+              <a:spcBef>
+                <a:spcPts val="600"/>
+              </a:spcBef>
+              <a:buClr>
+                <a:srgbClr val="000000"/>
+              </a:buClr>
+              <a:buSzPts val="1100"/>
+              <a:buNone/>
+            </a:pPr>
+            <a:r>
+              <a:rPr lang="en-US" sz="3000">
+                <a:solidFill>
+                  <a:schemeClr val="accent6">
+                    <a:lumMod val="50000"/>
+                  </a:schemeClr>
+                </a:solidFill>
+                <a:latin typeface="Consolas" panose="020B0609020204030204" pitchFamily="49" charset="0"/>
+                <a:cs typeface="Courier New" panose="02070309020205020404" pitchFamily="49" charset="0"/>
+                <a:sym typeface="Courier New"/>
+              </a:rPr>
+              <a:t>	var_dump</a:t>
+            </a:r>
+            <a:r>
+              <a:rPr lang="en-US" sz="3000">
+                <a:solidFill>
+                  <a:schemeClr val="accent2"/>
+                </a:solidFill>
+                <a:latin typeface="Consolas" panose="020B0609020204030204" pitchFamily="49" charset="0"/>
+                <a:cs typeface="Courier New" panose="02070309020205020404" pitchFamily="49" charset="0"/>
+                <a:sym typeface="Courier New"/>
+              </a:rPr>
+              <a:t>($_GET</a:t>
+            </a:r>
+            <a:r>
+              <a:rPr lang="en-US" sz="3000">
+                <a:solidFill>
+                  <a:schemeClr val="accent6">
+                    <a:lumMod val="50000"/>
+                  </a:schemeClr>
+                </a:solidFill>
+                <a:latin typeface="Consolas" panose="020B0609020204030204" pitchFamily="49" charset="0"/>
+                <a:cs typeface="Courier New" panose="02070309020205020404" pitchFamily="49" charset="0"/>
+                <a:sym typeface="Courier New"/>
+              </a:rPr>
+              <a:t>) ;</a:t>
+            </a:r>
+          </a:p>
+        </p:txBody>
+      </p:sp>
+    </p:spTree>
+    <p:extLst>
+      <p:ext uri="{BB962C8B-B14F-4D97-AF65-F5344CB8AC3E}">
+        <p14:creationId xmlns:p14="http://schemas.microsoft.com/office/powerpoint/2010/main" val="2987480558"/>
+      </p:ext>
+    </p:extLst>
+  </p:cSld>
+  <p:clrMapOvr>
+    <a:masterClrMapping/>
+  </p:clrMapOvr>
+  <mc:AlternateContent xmlns:mc="http://schemas.openxmlformats.org/markup-compatibility/2006" xmlns:p14="http://schemas.microsoft.com/office/powerpoint/2010/main">
+    <mc:Choice Requires="p14">
+      <p:transition spd="slow">
+        <p14:reveal/>
+      </p:transition>
+    </mc:Choice>
+    <mc:Fallback xmlns="">
+      <p:transition spd="slow">
+        <p:fade/>
+      </p:transition>
+    </mc:Fallback>
+  </mc:AlternateContent>
+</p:sld>
+</file>
+
+<file path=ppt/slides/slide22.xml><?xml version="1.0" encoding="utf-8"?>
 <p:sld xmlns:a="http://schemas.openxmlformats.org/drawingml/2006/main" xmlns:r="http://schemas.openxmlformats.org/officeDocument/2006/relationships" xmlns:p="http://schemas.openxmlformats.org/presentationml/2006/main">
   <p:cSld>
     <p:spTree>
@@ -11747,7 +12043,7 @@
 </p:sld>
 </file>
 
-<file path=ppt/slides/slide21.xml><?xml version="1.0" encoding="utf-8"?>
+<file path=ppt/slides/slide23.xml><?xml version="1.0" encoding="utf-8"?>
 <p:sld xmlns:a="http://schemas.openxmlformats.org/drawingml/2006/main" xmlns:r="http://schemas.openxmlformats.org/officeDocument/2006/relationships" xmlns:p="http://schemas.openxmlformats.org/presentationml/2006/main">
   <p:cSld>
     <p:spTree>
@@ -11917,7 +12213,7 @@
 </p:sld>
 </file>
 
-<file path=ppt/slides/slide22.xml><?xml version="1.0" encoding="utf-8"?>
+<file path=ppt/slides/slide24.xml><?xml version="1.0" encoding="utf-8"?>
 <p:sld xmlns:a="http://schemas.openxmlformats.org/drawingml/2006/main" xmlns:r="http://schemas.openxmlformats.org/officeDocument/2006/relationships" xmlns:p="http://schemas.openxmlformats.org/presentationml/2006/main">
   <p:cSld>
     <p:spTree>
@@ -12010,255 +12306,6 @@
     <p:extLst>
       <p:ext uri="{BB962C8B-B14F-4D97-AF65-F5344CB8AC3E}">
         <p14:creationId xmlns:p14="http://schemas.microsoft.com/office/powerpoint/2010/main" val="3091910311"/>
-      </p:ext>
-    </p:extLst>
-  </p:cSld>
-  <p:clrMapOvr>
-    <a:masterClrMapping/>
-  </p:clrMapOvr>
-  <mc:AlternateContent xmlns:mc="http://schemas.openxmlformats.org/markup-compatibility/2006" xmlns:p14="http://schemas.microsoft.com/office/powerpoint/2010/main">
-    <mc:Choice Requires="p14">
-      <p:transition spd="slow">
-        <p14:reveal/>
-      </p:transition>
-    </mc:Choice>
-    <mc:Fallback xmlns="">
-      <p:transition spd="slow">
-        <p:fade/>
-      </p:transition>
-    </mc:Fallback>
-  </mc:AlternateContent>
-</p:sld>
-</file>
-
-<file path=ppt/slides/slide23.xml><?xml version="1.0" encoding="utf-8"?>
-<p:sld xmlns:a="http://schemas.openxmlformats.org/drawingml/2006/main" xmlns:r="http://schemas.openxmlformats.org/officeDocument/2006/relationships" xmlns:p="http://schemas.openxmlformats.org/presentationml/2006/main">
-  <p:cSld>
-    <p:spTree>
-      <p:nvGrpSpPr>
-        <p:cNvPr id="1" name="Shape 242"/>
-        <p:cNvGrpSpPr/>
-        <p:nvPr/>
-      </p:nvGrpSpPr>
-      <p:grpSpPr>
-        <a:xfrm>
-          <a:off x="0" y="0"/>
-          <a:ext cx="0" cy="0"/>
-          <a:chOff x="0" y="0"/>
-          <a:chExt cx="0" cy="0"/>
-        </a:xfrm>
-      </p:grpSpPr>
-      <p:sp>
-        <p:nvSpPr>
-          <p:cNvPr id="243" name="Google Shape;243;p40"/>
-          <p:cNvSpPr txBox="1">
-            <a:spLocks noGrp="1"/>
-          </p:cNvSpPr>
-          <p:nvPr>
-            <p:ph type="title"/>
-          </p:nvPr>
-        </p:nvSpPr>
-        <p:spPr/>
-        <p:txBody>
-          <a:bodyPr/>
-          <a:lstStyle/>
-          <a:p>
-            <a:r>
-              <a:rPr lang="fr-BE"/>
-              <a:t>Définition</a:t>
-            </a:r>
-          </a:p>
-        </p:txBody>
-      </p:sp>
-      <p:sp>
-        <p:nvSpPr>
-          <p:cNvPr id="244" name="Google Shape;244;p40"/>
-          <p:cNvSpPr txBox="1">
-            <a:spLocks noGrp="1"/>
-          </p:cNvSpPr>
-          <p:nvPr>
-            <p:ph idx="1"/>
-          </p:nvPr>
-        </p:nvSpPr>
-        <p:spPr/>
-        <p:txBody>
-          <a:bodyPr/>
-          <a:lstStyle/>
-          <a:p>
-            <a:r>
-              <a:rPr lang="fr-BE"/>
-              <a:t>En informatique et en télécommunication, une </a:t>
-            </a:r>
-            <a:r>
-              <a:rPr lang="fr-BE">
-                <a:solidFill>
-                  <a:schemeClr val="accent2"/>
-                </a:solidFill>
-              </a:rPr>
-              <a:t>session</a:t>
-            </a:r>
-            <a:r>
-              <a:rPr lang="fr-BE"/>
-              <a:t> est une période délimitée pendant laquelle un système informatique ou "serveur" est en </a:t>
-            </a:r>
-            <a:r>
-              <a:rPr lang="fr-BE">
-                <a:solidFill>
-                  <a:schemeClr val="accent2"/>
-                </a:solidFill>
-              </a:rPr>
-              <a:t>communication</a:t>
-            </a:r>
-            <a:r>
-              <a:rPr lang="fr-BE"/>
-              <a:t> avec et réalise des </a:t>
-            </a:r>
-            <a:r>
-              <a:rPr lang="fr-BE">
-                <a:solidFill>
-                  <a:schemeClr val="accent2"/>
-                </a:solidFill>
-              </a:rPr>
-              <a:t>opérations</a:t>
-            </a:r>
-            <a:r>
-              <a:rPr lang="fr-BE"/>
-              <a:t> pour un "client" - un usager, un logiciel ou un autre système.</a:t>
-            </a:r>
-          </a:p>
-          <a:p>
-            <a:endParaRPr lang="fr-BE"/>
-          </a:p>
-        </p:txBody>
-      </p:sp>
-    </p:spTree>
-    <p:extLst>
-      <p:ext uri="{BB962C8B-B14F-4D97-AF65-F5344CB8AC3E}">
-        <p14:creationId xmlns:p14="http://schemas.microsoft.com/office/powerpoint/2010/main" val="3775379027"/>
-      </p:ext>
-    </p:extLst>
-  </p:cSld>
-  <p:clrMapOvr>
-    <a:masterClrMapping/>
-  </p:clrMapOvr>
-  <mc:AlternateContent xmlns:mc="http://schemas.openxmlformats.org/markup-compatibility/2006" xmlns:p14="http://schemas.microsoft.com/office/powerpoint/2010/main">
-    <mc:Choice Requires="p14">
-      <p:transition spd="slow">
-        <p14:reveal/>
-      </p:transition>
-    </mc:Choice>
-    <mc:Fallback xmlns="">
-      <p:transition spd="slow">
-        <p:fade/>
-      </p:transition>
-    </mc:Fallback>
-  </mc:AlternateContent>
-</p:sld>
-</file>
-
-<file path=ppt/slides/slide24.xml><?xml version="1.0" encoding="utf-8"?>
-<p:sld xmlns:a="http://schemas.openxmlformats.org/drawingml/2006/main" xmlns:r="http://schemas.openxmlformats.org/officeDocument/2006/relationships" xmlns:p="http://schemas.openxmlformats.org/presentationml/2006/main">
-  <p:cSld>
-    <p:spTree>
-      <p:nvGrpSpPr>
-        <p:cNvPr id="1" name="Shape 248"/>
-        <p:cNvGrpSpPr/>
-        <p:nvPr/>
-      </p:nvGrpSpPr>
-      <p:grpSpPr>
-        <a:xfrm>
-          <a:off x="0" y="0"/>
-          <a:ext cx="0" cy="0"/>
-          <a:chOff x="0" y="0"/>
-          <a:chExt cx="0" cy="0"/>
-        </a:xfrm>
-      </p:grpSpPr>
-      <p:sp>
-        <p:nvSpPr>
-          <p:cNvPr id="249" name="Google Shape;249;p41"/>
-          <p:cNvSpPr txBox="1">
-            <a:spLocks noGrp="1"/>
-          </p:cNvSpPr>
-          <p:nvPr>
-            <p:ph type="title"/>
-          </p:nvPr>
-        </p:nvSpPr>
-        <p:spPr/>
-        <p:txBody>
-          <a:bodyPr/>
-          <a:lstStyle/>
-          <a:p>
-            <a:r>
-              <a:rPr lang="fr-BE">
-                <a:latin typeface="Courier New" panose="02070309020205020404" pitchFamily="49" charset="0"/>
-                <a:cs typeface="Courier New" panose="02070309020205020404" pitchFamily="49" charset="0"/>
-              </a:rPr>
-              <a:t>session_start()</a:t>
-            </a:r>
-          </a:p>
-        </p:txBody>
-      </p:sp>
-      <p:sp>
-        <p:nvSpPr>
-          <p:cNvPr id="250" name="Google Shape;250;p41"/>
-          <p:cNvSpPr txBox="1">
-            <a:spLocks noGrp="1"/>
-          </p:cNvSpPr>
-          <p:nvPr>
-            <p:ph idx="1"/>
-          </p:nvPr>
-        </p:nvSpPr>
-        <p:spPr/>
-        <p:txBody>
-          <a:bodyPr/>
-          <a:lstStyle/>
-          <a:p>
-            <a:r>
-              <a:rPr lang="fr-BE"/>
-              <a:t>Crée une session ou restaure celle trouvée sur le serveur, via l'identifiant de session passé dans une requête </a:t>
-            </a:r>
-            <a:r>
-              <a:rPr lang="fr-BE">
-                <a:solidFill>
-                  <a:schemeClr val="accent6">
-                    <a:lumMod val="50000"/>
-                  </a:schemeClr>
-                </a:solidFill>
-                <a:latin typeface="Consolas" panose="020B0609020204030204" pitchFamily="49" charset="0"/>
-                <a:cs typeface="Courier New" panose="02070309020205020404" pitchFamily="49" charset="0"/>
-              </a:rPr>
-              <a:t>GET</a:t>
-            </a:r>
-            <a:r>
-              <a:rPr lang="fr-BE"/>
-              <a:t>, </a:t>
-            </a:r>
-            <a:r>
-              <a:rPr lang="fr-BE">
-                <a:solidFill>
-                  <a:schemeClr val="accent6">
-                    <a:lumMod val="50000"/>
-                  </a:schemeClr>
-                </a:solidFill>
-                <a:latin typeface="Consolas" panose="020B0609020204030204" pitchFamily="49" charset="0"/>
-                <a:cs typeface="Courier New" panose="02070309020205020404" pitchFamily="49" charset="0"/>
-              </a:rPr>
-              <a:t>POST</a:t>
-            </a:r>
-            <a:r>
-              <a:rPr lang="fr-BE"/>
-              <a:t> ou par un cookie.</a:t>
-            </a:r>
-          </a:p>
-          <a:p>
-            <a:endParaRPr lang="fr-BE"/>
-          </a:p>
-        </p:txBody>
-      </p:sp>
-    </p:spTree>
-    <p:extLst>
-      <p:ext uri="{BB962C8B-B14F-4D97-AF65-F5344CB8AC3E}">
-        <p14:creationId xmlns:p14="http://schemas.microsoft.com/office/powerpoint/2010/main" val="137790733"/>
       </p:ext>
     </p:extLst>
   </p:cSld>
@@ -12285,7 +12332,7 @@
   <p:cSld>
     <p:spTree>
       <p:nvGrpSpPr>
-        <p:cNvPr id="1" name="Shape 254"/>
+        <p:cNvPr id="1" name="Shape 242"/>
         <p:cNvGrpSpPr/>
         <p:nvPr/>
       </p:nvGrpSpPr>
@@ -12299,7 +12346,7 @@
       </p:grpSpPr>
       <p:sp>
         <p:nvSpPr>
-          <p:cNvPr id="255" name="Google Shape;255;p42"/>
+          <p:cNvPr id="243" name="Google Shape;243;p40"/>
           <p:cNvSpPr txBox="1">
             <a:spLocks noGrp="1"/>
           </p:cNvSpPr>
@@ -12313,18 +12360,15 @@
           <a:lstStyle/>
           <a:p>
             <a:r>
-              <a:rPr lang="fr-BE">
-                <a:latin typeface="Courier New" panose="02070309020205020404" pitchFamily="49" charset="0"/>
-                <a:cs typeface="Courier New" panose="02070309020205020404" pitchFamily="49" charset="0"/>
-              </a:rPr>
-              <a:t>session_unset()</a:t>
-            </a:r>
-          </a:p>
-        </p:txBody>
-      </p:sp>
-      <p:sp>
-        <p:nvSpPr>
-          <p:cNvPr id="256" name="Google Shape;256;p42"/>
+              <a:rPr lang="fr-BE"/>
+              <a:t>Définition</a:t>
+            </a:r>
+          </a:p>
+        </p:txBody>
+      </p:sp>
+      <p:sp>
+        <p:nvSpPr>
+          <p:cNvPr id="244" name="Google Shape;244;p40"/>
           <p:cNvSpPr txBox="1">
             <a:spLocks noGrp="1"/>
           </p:cNvSpPr>
@@ -12339,30 +12383,43 @@
           <a:p>
             <a:r>
               <a:rPr lang="fr-BE"/>
-              <a:t>Détruit toutes les données associées à la session courante.</a:t>
-            </a:r>
-          </a:p>
-          <a:p>
+              <a:t>En informatique et en télécommunication, une </a:t>
+            </a:r>
+            <a:r>
+              <a:rPr lang="fr-BE">
+                <a:solidFill>
+                  <a:schemeClr val="accent2"/>
+                </a:solidFill>
+              </a:rPr>
+              <a:t>session</a:t>
+            </a:r>
             <a:r>
               <a:rPr lang="fr-BE"/>
-              <a:t>Si </a:t>
+              <a:t> est une période délimitée pendant laquelle un système informatique ou "serveur" est en </a:t>
             </a:r>
             <a:r>
               <a:rPr lang="fr-BE">
                 <a:solidFill>
-                  <a:schemeClr val="accent6">
-                    <a:lumMod val="50000"/>
-                  </a:schemeClr>
-                </a:solidFill>
-                <a:latin typeface="Consolas" panose="020B0609020204030204" pitchFamily="49" charset="0"/>
-                <a:cs typeface="Courier New" panose="02070309020205020404" pitchFamily="49" charset="0"/>
-                <a:sym typeface="Courier New"/>
-              </a:rPr>
-              <a:t>session_unset()</a:t>
+                  <a:schemeClr val="accent2"/>
+                </a:solidFill>
+              </a:rPr>
+              <a:t>communication</a:t>
             </a:r>
             <a:r>
               <a:rPr lang="fr-BE"/>
-              <a:t> n’est pas explicitement lancée, alors la session sera détruite automatiquement après un “time-out”.</a:t>
+              <a:t> avec et réalise des </a:t>
+            </a:r>
+            <a:r>
+              <a:rPr lang="fr-BE">
+                <a:solidFill>
+                  <a:schemeClr val="accent2"/>
+                </a:solidFill>
+              </a:rPr>
+              <a:t>opérations</a:t>
+            </a:r>
+            <a:r>
+              <a:rPr lang="fr-BE"/>
+              <a:t> pour un "client" - un usager, un logiciel ou un autre système.</a:t>
             </a:r>
           </a:p>
           <a:p>
@@ -12373,7 +12430,7 @@
     </p:spTree>
     <p:extLst>
       <p:ext uri="{BB962C8B-B14F-4D97-AF65-F5344CB8AC3E}">
-        <p14:creationId xmlns:p14="http://schemas.microsoft.com/office/powerpoint/2010/main" val="1903962114"/>
+        <p14:creationId xmlns:p14="http://schemas.microsoft.com/office/powerpoint/2010/main" val="3775379027"/>
       </p:ext>
     </p:extLst>
   </p:cSld>
@@ -12400,7 +12457,7 @@
   <p:cSld>
     <p:spTree>
       <p:nvGrpSpPr>
-        <p:cNvPr id="1" name="Shape 260"/>
+        <p:cNvPr id="1" name="Shape 248"/>
         <p:cNvGrpSpPr/>
         <p:nvPr/>
       </p:nvGrpSpPr>
@@ -12414,7 +12471,7 @@
       </p:grpSpPr>
       <p:sp>
         <p:nvSpPr>
-          <p:cNvPr id="261" name="Google Shape;261;p43"/>
+          <p:cNvPr id="249" name="Google Shape;249;p41"/>
           <p:cNvSpPr txBox="1">
             <a:spLocks noGrp="1"/>
           </p:cNvSpPr>
@@ -12432,14 +12489,14 @@
                 <a:latin typeface="Courier New" panose="02070309020205020404" pitchFamily="49" charset="0"/>
                 <a:cs typeface="Courier New" panose="02070309020205020404" pitchFamily="49" charset="0"/>
               </a:rPr>
-              <a:t>$_SESSION</a:t>
-            </a:r>
-          </a:p>
-        </p:txBody>
-      </p:sp>
-      <p:sp>
-        <p:nvSpPr>
-          <p:cNvPr id="262" name="Google Shape;262;p43"/>
+              <a:t>session_start()</a:t>
+            </a:r>
+          </a:p>
+        </p:txBody>
+      </p:sp>
+      <p:sp>
+        <p:nvSpPr>
+          <p:cNvPr id="250" name="Google Shape;250;p41"/>
           <p:cNvSpPr txBox="1">
             <a:spLocks noGrp="1"/>
           </p:cNvSpPr>
@@ -12449,14 +12506,12 @@
         </p:nvSpPr>
         <p:spPr/>
         <p:txBody>
-          <a:bodyPr>
-            <a:normAutofit/>
-          </a:bodyPr>
+          <a:bodyPr/>
           <a:lstStyle/>
           <a:p>
             <a:r>
               <a:rPr lang="fr-BE"/>
-              <a:t>La variable super globale </a:t>
+              <a:t>Crée une session ou restaure celle trouvée sur le serveur, via l'identifiant de session passé dans une requête </a:t>
             </a:r>
             <a:r>
               <a:rPr lang="fr-BE">
@@ -12467,94 +12522,28 @@
                 </a:solidFill>
                 <a:latin typeface="Consolas" panose="020B0609020204030204" pitchFamily="49" charset="0"/>
                 <a:cs typeface="Courier New" panose="02070309020205020404" pitchFamily="49" charset="0"/>
-                <a:sym typeface="Courier New"/>
-              </a:rPr>
-              <a:t>$_SESSION</a:t>
-            </a:r>
-            <a:r>
-              <a:rPr lang="fr-BE" b="1">
+              </a:rPr>
+              <a:t>GET</a:t>
+            </a:r>
+            <a:r>
+              <a:rPr lang="fr-BE"/>
+              <a:t>, </a:t>
+            </a:r>
+            <a:r>
+              <a:rPr lang="fr-BE">
                 <a:solidFill>
                   <a:schemeClr val="accent6">
                     <a:lumMod val="50000"/>
                   </a:schemeClr>
                 </a:solidFill>
-                <a:latin typeface="Courier New" panose="02070309020205020404" pitchFamily="49" charset="0"/>
-                <a:cs typeface="Courier New" panose="02070309020205020404" pitchFamily="49" charset="0"/>
-              </a:rPr>
-              <a:t> </a:t>
-            </a:r>
-            <a:r>
-              <a:rPr lang="fr-BE"/>
-              <a:t>permet d’enregistrer des données coté serveur sur un utilisateur pendant une session</a:t>
-            </a:r>
-          </a:p>
-          <a:p>
-            <a:r>
-              <a:rPr lang="fr-BE">
-                <a:solidFill>
-                  <a:schemeClr val="accent6">
-                    <a:lumMod val="50000"/>
-                  </a:schemeClr>
-                </a:solidFill>
                 <a:latin typeface="Consolas" panose="020B0609020204030204" pitchFamily="49" charset="0"/>
                 <a:cs typeface="Courier New" panose="02070309020205020404" pitchFamily="49" charset="0"/>
-                <a:sym typeface="Courier New"/>
-              </a:rPr>
-              <a:t>$_SESSION</a:t>
-            </a:r>
-            <a:endParaRPr lang="fr-BE">
-              <a:solidFill>
-                <a:schemeClr val="accent6">
-                  <a:lumMod val="50000"/>
-                </a:schemeClr>
-              </a:solidFill>
-              <a:latin typeface="Consolas" panose="020B0609020204030204" pitchFamily="49" charset="0"/>
-              <a:cs typeface="Courier New" panose="02070309020205020404" pitchFamily="49" charset="0"/>
-            </a:endParaRPr>
-          </a:p>
-          <a:p>
-            <a:pPr lvl="1"/>
+              </a:rPr>
+              <a:t>POST</a:t>
+            </a:r>
             <a:r>
               <a:rPr lang="fr-BE"/>
-              <a:t>est </a:t>
-            </a:r>
-            <a:r>
-              <a:rPr lang="fr-BE">
-                <a:solidFill>
-                  <a:schemeClr val="accent2"/>
-                </a:solidFill>
-              </a:rPr>
-              <a:t>unique</a:t>
-            </a:r>
-            <a:r>
-              <a:rPr lang="fr-BE"/>
-              <a:t> pour chaque session</a:t>
-            </a:r>
-          </a:p>
-          <a:p>
-            <a:pPr lvl="1"/>
-            <a:r>
-              <a:rPr lang="fr-BE"/>
-              <a:t>ne dure </a:t>
-            </a:r>
-            <a:r>
-              <a:rPr lang="fr-BE">
-                <a:solidFill>
-                  <a:schemeClr val="accent2"/>
-                </a:solidFill>
-              </a:rPr>
-              <a:t>que le temps </a:t>
-            </a:r>
-            <a:r>
-              <a:rPr lang="fr-BE"/>
-              <a:t>de la session</a:t>
-            </a:r>
-          </a:p>
-          <a:p>
-            <a:pPr lvl="1"/>
-            <a:r>
-              <a:rPr lang="fr-BE"/>
-              <a:t>s’utilise comme un tableau associatif</a:t>
+              <a:t> ou par un cookie.</a:t>
             </a:r>
           </a:p>
           <a:p>
@@ -12565,7 +12554,7 @@
     </p:spTree>
     <p:extLst>
       <p:ext uri="{BB962C8B-B14F-4D97-AF65-F5344CB8AC3E}">
-        <p14:creationId xmlns:p14="http://schemas.microsoft.com/office/powerpoint/2010/main" val="3441445071"/>
+        <p14:creationId xmlns:p14="http://schemas.microsoft.com/office/powerpoint/2010/main" val="137790733"/>
       </p:ext>
     </p:extLst>
   </p:cSld>
@@ -12592,6 +12581,313 @@
   <p:cSld>
     <p:spTree>
       <p:nvGrpSpPr>
+        <p:cNvPr id="1" name="Shape 254"/>
+        <p:cNvGrpSpPr/>
+        <p:nvPr/>
+      </p:nvGrpSpPr>
+      <p:grpSpPr>
+        <a:xfrm>
+          <a:off x="0" y="0"/>
+          <a:ext cx="0" cy="0"/>
+          <a:chOff x="0" y="0"/>
+          <a:chExt cx="0" cy="0"/>
+        </a:xfrm>
+      </p:grpSpPr>
+      <p:sp>
+        <p:nvSpPr>
+          <p:cNvPr id="255" name="Google Shape;255;p42"/>
+          <p:cNvSpPr txBox="1">
+            <a:spLocks noGrp="1"/>
+          </p:cNvSpPr>
+          <p:nvPr>
+            <p:ph type="title"/>
+          </p:nvPr>
+        </p:nvSpPr>
+        <p:spPr/>
+        <p:txBody>
+          <a:bodyPr/>
+          <a:lstStyle/>
+          <a:p>
+            <a:r>
+              <a:rPr lang="fr-BE">
+                <a:latin typeface="Courier New" panose="02070309020205020404" pitchFamily="49" charset="0"/>
+                <a:cs typeface="Courier New" panose="02070309020205020404" pitchFamily="49" charset="0"/>
+              </a:rPr>
+              <a:t>session_unset()</a:t>
+            </a:r>
+          </a:p>
+        </p:txBody>
+      </p:sp>
+      <p:sp>
+        <p:nvSpPr>
+          <p:cNvPr id="256" name="Google Shape;256;p42"/>
+          <p:cNvSpPr txBox="1">
+            <a:spLocks noGrp="1"/>
+          </p:cNvSpPr>
+          <p:nvPr>
+            <p:ph idx="1"/>
+          </p:nvPr>
+        </p:nvSpPr>
+        <p:spPr/>
+        <p:txBody>
+          <a:bodyPr/>
+          <a:lstStyle/>
+          <a:p>
+            <a:r>
+              <a:rPr lang="fr-BE"/>
+              <a:t>Détruit toutes les données associées à la session courante.</a:t>
+            </a:r>
+          </a:p>
+          <a:p>
+            <a:r>
+              <a:rPr lang="fr-BE"/>
+              <a:t>Si </a:t>
+            </a:r>
+            <a:r>
+              <a:rPr lang="fr-BE">
+                <a:solidFill>
+                  <a:schemeClr val="accent6">
+                    <a:lumMod val="50000"/>
+                  </a:schemeClr>
+                </a:solidFill>
+                <a:latin typeface="Consolas" panose="020B0609020204030204" pitchFamily="49" charset="0"/>
+                <a:cs typeface="Courier New" panose="02070309020205020404" pitchFamily="49" charset="0"/>
+                <a:sym typeface="Courier New"/>
+              </a:rPr>
+              <a:t>session_unset()</a:t>
+            </a:r>
+            <a:r>
+              <a:rPr lang="fr-BE"/>
+              <a:t> n’est pas explicitement lancée, alors la session sera détruite automatiquement après un “time-out”.</a:t>
+            </a:r>
+          </a:p>
+          <a:p>
+            <a:endParaRPr lang="fr-BE"/>
+          </a:p>
+        </p:txBody>
+      </p:sp>
+    </p:spTree>
+    <p:extLst>
+      <p:ext uri="{BB962C8B-B14F-4D97-AF65-F5344CB8AC3E}">
+        <p14:creationId xmlns:p14="http://schemas.microsoft.com/office/powerpoint/2010/main" val="1903962114"/>
+      </p:ext>
+    </p:extLst>
+  </p:cSld>
+  <p:clrMapOvr>
+    <a:masterClrMapping/>
+  </p:clrMapOvr>
+  <mc:AlternateContent xmlns:mc="http://schemas.openxmlformats.org/markup-compatibility/2006" xmlns:p14="http://schemas.microsoft.com/office/powerpoint/2010/main">
+    <mc:Choice Requires="p14">
+      <p:transition spd="slow">
+        <p14:reveal/>
+      </p:transition>
+    </mc:Choice>
+    <mc:Fallback xmlns="">
+      <p:transition spd="slow">
+        <p:fade/>
+      </p:transition>
+    </mc:Fallback>
+  </mc:AlternateContent>
+</p:sld>
+</file>
+
+<file path=ppt/slides/slide28.xml><?xml version="1.0" encoding="utf-8"?>
+<p:sld xmlns:a="http://schemas.openxmlformats.org/drawingml/2006/main" xmlns:r="http://schemas.openxmlformats.org/officeDocument/2006/relationships" xmlns:p="http://schemas.openxmlformats.org/presentationml/2006/main">
+  <p:cSld>
+    <p:spTree>
+      <p:nvGrpSpPr>
+        <p:cNvPr id="1" name="Shape 260"/>
+        <p:cNvGrpSpPr/>
+        <p:nvPr/>
+      </p:nvGrpSpPr>
+      <p:grpSpPr>
+        <a:xfrm>
+          <a:off x="0" y="0"/>
+          <a:ext cx="0" cy="0"/>
+          <a:chOff x="0" y="0"/>
+          <a:chExt cx="0" cy="0"/>
+        </a:xfrm>
+      </p:grpSpPr>
+      <p:sp>
+        <p:nvSpPr>
+          <p:cNvPr id="261" name="Google Shape;261;p43"/>
+          <p:cNvSpPr txBox="1">
+            <a:spLocks noGrp="1"/>
+          </p:cNvSpPr>
+          <p:nvPr>
+            <p:ph type="title"/>
+          </p:nvPr>
+        </p:nvSpPr>
+        <p:spPr/>
+        <p:txBody>
+          <a:bodyPr/>
+          <a:lstStyle/>
+          <a:p>
+            <a:r>
+              <a:rPr lang="fr-BE">
+                <a:latin typeface="Courier New" panose="02070309020205020404" pitchFamily="49" charset="0"/>
+                <a:cs typeface="Courier New" panose="02070309020205020404" pitchFamily="49" charset="0"/>
+              </a:rPr>
+              <a:t>$_SESSION</a:t>
+            </a:r>
+          </a:p>
+        </p:txBody>
+      </p:sp>
+      <p:sp>
+        <p:nvSpPr>
+          <p:cNvPr id="262" name="Google Shape;262;p43"/>
+          <p:cNvSpPr txBox="1">
+            <a:spLocks noGrp="1"/>
+          </p:cNvSpPr>
+          <p:nvPr>
+            <p:ph idx="1"/>
+          </p:nvPr>
+        </p:nvSpPr>
+        <p:spPr/>
+        <p:txBody>
+          <a:bodyPr>
+            <a:normAutofit/>
+          </a:bodyPr>
+          <a:lstStyle/>
+          <a:p>
+            <a:r>
+              <a:rPr lang="fr-BE"/>
+              <a:t>La variable super globale </a:t>
+            </a:r>
+            <a:r>
+              <a:rPr lang="fr-BE">
+                <a:solidFill>
+                  <a:schemeClr val="accent6">
+                    <a:lumMod val="50000"/>
+                  </a:schemeClr>
+                </a:solidFill>
+                <a:latin typeface="Consolas" panose="020B0609020204030204" pitchFamily="49" charset="0"/>
+                <a:cs typeface="Courier New" panose="02070309020205020404" pitchFamily="49" charset="0"/>
+                <a:sym typeface="Courier New"/>
+              </a:rPr>
+              <a:t>$_SESSION</a:t>
+            </a:r>
+            <a:r>
+              <a:rPr lang="fr-BE" b="1">
+                <a:solidFill>
+                  <a:schemeClr val="accent6">
+                    <a:lumMod val="50000"/>
+                  </a:schemeClr>
+                </a:solidFill>
+                <a:latin typeface="Courier New" panose="02070309020205020404" pitchFamily="49" charset="0"/>
+                <a:cs typeface="Courier New" panose="02070309020205020404" pitchFamily="49" charset="0"/>
+              </a:rPr>
+              <a:t> </a:t>
+            </a:r>
+            <a:r>
+              <a:rPr lang="fr-BE"/>
+              <a:t>permet d’enregistrer des données coté serveur sur un utilisateur pendant une session</a:t>
+            </a:r>
+          </a:p>
+          <a:p>
+            <a:r>
+              <a:rPr lang="fr-BE">
+                <a:solidFill>
+                  <a:schemeClr val="accent6">
+                    <a:lumMod val="50000"/>
+                  </a:schemeClr>
+                </a:solidFill>
+                <a:latin typeface="Consolas" panose="020B0609020204030204" pitchFamily="49" charset="0"/>
+                <a:cs typeface="Courier New" panose="02070309020205020404" pitchFamily="49" charset="0"/>
+                <a:sym typeface="Courier New"/>
+              </a:rPr>
+              <a:t>$_SESSION</a:t>
+            </a:r>
+            <a:endParaRPr lang="fr-BE">
+              <a:solidFill>
+                <a:schemeClr val="accent6">
+                  <a:lumMod val="50000"/>
+                </a:schemeClr>
+              </a:solidFill>
+              <a:latin typeface="Consolas" panose="020B0609020204030204" pitchFamily="49" charset="0"/>
+              <a:cs typeface="Courier New" panose="02070309020205020404" pitchFamily="49" charset="0"/>
+            </a:endParaRPr>
+          </a:p>
+          <a:p>
+            <a:pPr lvl="1"/>
+            <a:r>
+              <a:rPr lang="fr-BE"/>
+              <a:t>est </a:t>
+            </a:r>
+            <a:r>
+              <a:rPr lang="fr-BE">
+                <a:solidFill>
+                  <a:schemeClr val="accent2"/>
+                </a:solidFill>
+              </a:rPr>
+              <a:t>unique</a:t>
+            </a:r>
+            <a:r>
+              <a:rPr lang="fr-BE"/>
+              <a:t> pour chaque session</a:t>
+            </a:r>
+          </a:p>
+          <a:p>
+            <a:pPr lvl="1"/>
+            <a:r>
+              <a:rPr lang="fr-BE"/>
+              <a:t>ne dure </a:t>
+            </a:r>
+            <a:r>
+              <a:rPr lang="fr-BE">
+                <a:solidFill>
+                  <a:schemeClr val="accent2"/>
+                </a:solidFill>
+              </a:rPr>
+              <a:t>que le temps </a:t>
+            </a:r>
+            <a:r>
+              <a:rPr lang="fr-BE"/>
+              <a:t>de la session</a:t>
+            </a:r>
+          </a:p>
+          <a:p>
+            <a:pPr lvl="1"/>
+            <a:r>
+              <a:rPr lang="fr-BE"/>
+              <a:t>s’utilise comme un tableau associatif</a:t>
+            </a:r>
+          </a:p>
+          <a:p>
+            <a:endParaRPr lang="fr-BE"/>
+          </a:p>
+        </p:txBody>
+      </p:sp>
+    </p:spTree>
+    <p:extLst>
+      <p:ext uri="{BB962C8B-B14F-4D97-AF65-F5344CB8AC3E}">
+        <p14:creationId xmlns:p14="http://schemas.microsoft.com/office/powerpoint/2010/main" val="3441445071"/>
+      </p:ext>
+    </p:extLst>
+  </p:cSld>
+  <p:clrMapOvr>
+    <a:masterClrMapping/>
+  </p:clrMapOvr>
+  <mc:AlternateContent xmlns:mc="http://schemas.openxmlformats.org/markup-compatibility/2006" xmlns:p14="http://schemas.microsoft.com/office/powerpoint/2010/main">
+    <mc:Choice Requires="p14">
+      <p:transition spd="slow">
+        <p14:reveal/>
+      </p:transition>
+    </mc:Choice>
+    <mc:Fallback xmlns="">
+      <p:transition spd="slow">
+        <p:fade/>
+      </p:transition>
+    </mc:Fallback>
+  </mc:AlternateContent>
+</p:sld>
+</file>
+
+<file path=ppt/slides/slide29.xml><?xml version="1.0" encoding="utf-8"?>
+<p:sld xmlns:a="http://schemas.openxmlformats.org/drawingml/2006/main" xmlns:r="http://schemas.openxmlformats.org/officeDocument/2006/relationships" xmlns:p="http://schemas.openxmlformats.org/presentationml/2006/main">
+  <p:cSld>
+    <p:spTree>
+      <p:nvGrpSpPr>
         <p:cNvPr id="1" name="Shape 266"/>
         <p:cNvGrpSpPr/>
         <p:nvPr/>
@@ -12698,7 +12994,162 @@
 </p:sld>
 </file>
 
-<file path=ppt/slides/slide28.xml><?xml version="1.0" encoding="utf-8"?>
+<file path=ppt/slides/slide3.xml><?xml version="1.0" encoding="utf-8"?>
+<p:sld xmlns:a="http://schemas.openxmlformats.org/drawingml/2006/main" xmlns:r="http://schemas.openxmlformats.org/officeDocument/2006/relationships" xmlns:p="http://schemas.openxmlformats.org/presentationml/2006/main">
+  <p:cSld>
+    <p:spTree>
+      <p:nvGrpSpPr>
+        <p:cNvPr id="1" name="Shape 36"/>
+        <p:cNvGrpSpPr/>
+        <p:nvPr/>
+      </p:nvGrpSpPr>
+      <p:grpSpPr>
+        <a:xfrm>
+          <a:off x="0" y="0"/>
+          <a:ext cx="0" cy="0"/>
+          <a:chOff x="0" y="0"/>
+          <a:chExt cx="0" cy="0"/>
+        </a:xfrm>
+      </p:grpSpPr>
+      <p:sp>
+        <p:nvSpPr>
+          <p:cNvPr id="37" name="Google Shape;37;p8"/>
+          <p:cNvSpPr txBox="1">
+            <a:spLocks noGrp="1"/>
+          </p:cNvSpPr>
+          <p:nvPr>
+            <p:ph type="title"/>
+          </p:nvPr>
+        </p:nvSpPr>
+        <p:spPr/>
+        <p:txBody>
+          <a:bodyPr/>
+          <a:lstStyle/>
+          <a:p>
+            <a:r>
+              <a:rPr lang="fr-BE">
+                <a:sym typeface="Calibri"/>
+              </a:rPr>
+              <a:t>22. Traitement du Formulaire</a:t>
+            </a:r>
+          </a:p>
+        </p:txBody>
+      </p:sp>
+      <p:sp>
+        <p:nvSpPr>
+          <p:cNvPr id="38" name="Google Shape;38;p8"/>
+          <p:cNvSpPr txBox="1">
+            <a:spLocks noGrp="1"/>
+          </p:cNvSpPr>
+          <p:nvPr>
+            <p:ph type="body" idx="1"/>
+          </p:nvPr>
+        </p:nvSpPr>
+        <p:spPr/>
+        <p:txBody>
+          <a:bodyPr numCol="3">
+            <a:normAutofit/>
+          </a:bodyPr>
+          <a:lstStyle/>
+          <a:p>
+            <a:r>
+              <a:rPr lang="fr-BE">
+                <a:sym typeface="Calibri"/>
+              </a:rPr>
+              <a:t>Transit des données</a:t>
+            </a:r>
+          </a:p>
+          <a:p>
+            <a:r>
+              <a:rPr lang="fr-BE">
+                <a:sym typeface="Calibri"/>
+              </a:rPr>
+              <a:t>Balises</a:t>
+            </a:r>
+          </a:p>
+          <a:p>
+            <a:r>
+              <a:rPr lang="fr-BE"/>
+              <a:t>Super Globales PHP</a:t>
+            </a:r>
+          </a:p>
+          <a:p>
+            <a:r>
+              <a:rPr lang="fr-BE">
+                <a:sym typeface="Calibri"/>
+              </a:rPr>
+              <a:t>$_GET et $_POST</a:t>
+            </a:r>
+          </a:p>
+          <a:p>
+            <a:r>
+              <a:rPr lang="fr-BE">
+                <a:sym typeface="Calibri"/>
+              </a:rPr>
+              <a:t>$_SESSION</a:t>
+            </a:r>
+          </a:p>
+          <a:p>
+            <a:r>
+              <a:rPr lang="fr-BE">
+                <a:sym typeface="Calibri"/>
+              </a:rPr>
+              <a:t>$_COOKIES</a:t>
+            </a:r>
+          </a:p>
+        </p:txBody>
+      </p:sp>
+      <p:sp>
+        <p:nvSpPr>
+          <p:cNvPr id="3" name="Espace réservé pour une image  2">
+            <a:extLst>
+              <a:ext uri="{FF2B5EF4-FFF2-40B4-BE49-F238E27FC236}">
+                <a16:creationId xmlns:a16="http://schemas.microsoft.com/office/drawing/2014/main" id="{9E2A9F8B-5759-A6D8-BFFE-36543CB433DC}"/>
+              </a:ext>
+            </a:extLst>
+          </p:cNvPr>
+          <p:cNvSpPr>
+            <a:spLocks noGrp="1"/>
+          </p:cNvSpPr>
+          <p:nvPr>
+            <p:ph type="pic" sz="quarter" idx="10"/>
+          </p:nvPr>
+        </p:nvSpPr>
+        <p:spPr/>
+        <p:txBody>
+          <a:bodyPr/>
+          <a:lstStyle/>
+          <a:p>
+            <a:endParaRPr lang="fr-BE"/>
+          </a:p>
+        </p:txBody>
+      </p:sp>
+    </p:spTree>
+    <p:extLst>
+      <p:ext uri="{BB962C8B-B14F-4D97-AF65-F5344CB8AC3E}">
+        <p14:creationId xmlns:p14="http://schemas.microsoft.com/office/powerpoint/2010/main" val="3058764935"/>
+      </p:ext>
+    </p:extLst>
+  </p:cSld>
+  <p:clrMapOvr>
+    <a:masterClrMapping/>
+  </p:clrMapOvr>
+  <mc:AlternateContent xmlns:mc="http://schemas.openxmlformats.org/markup-compatibility/2006" xmlns:p14="http://schemas.microsoft.com/office/powerpoint/2010/main">
+    <mc:Choice Requires="p14">
+      <p:transition spd="slow">
+        <p14:reveal/>
+      </p:transition>
+    </mc:Choice>
+    <mc:Fallback xmlns="">
+      <p:transition spd="slow">
+        <p:fade/>
+      </p:transition>
+    </mc:Fallback>
+  </mc:AlternateContent>
+</p:sld>
+</file>
+
+<file path=ppt/slides/slide30.xml><?xml version="1.0" encoding="utf-8"?>
 <p:sld xmlns:a="http://schemas.openxmlformats.org/drawingml/2006/main" xmlns:r="http://schemas.openxmlformats.org/officeDocument/2006/relationships" xmlns:p="http://schemas.openxmlformats.org/presentationml/2006/main">
   <p:cSld>
     <p:spTree>
@@ -12918,7 +13369,7 @@
 </p:sld>
 </file>
 
-<file path=ppt/slides/slide29.xml><?xml version="1.0" encoding="utf-8"?>
+<file path=ppt/slides/slide31.xml><?xml version="1.0" encoding="utf-8"?>
 <p:sld xmlns:a="http://schemas.openxmlformats.org/drawingml/2006/main" xmlns:r="http://schemas.openxmlformats.org/officeDocument/2006/relationships" xmlns:p="http://schemas.openxmlformats.org/presentationml/2006/main">
   <p:cSld>
     <p:spTree>
@@ -13077,397 +13528,6 @@
     <p:extLst>
       <p:ext uri="{BB962C8B-B14F-4D97-AF65-F5344CB8AC3E}">
         <p14:creationId xmlns:p14="http://schemas.microsoft.com/office/powerpoint/2010/main" val="3206662666"/>
-      </p:ext>
-    </p:extLst>
-  </p:cSld>
-  <p:clrMapOvr>
-    <a:masterClrMapping/>
-  </p:clrMapOvr>
-  <mc:AlternateContent xmlns:mc="http://schemas.openxmlformats.org/markup-compatibility/2006" xmlns:p14="http://schemas.microsoft.com/office/powerpoint/2010/main">
-    <mc:Choice Requires="p14">
-      <p:transition spd="slow">
-        <p14:reveal/>
-      </p:transition>
-    </mc:Choice>
-    <mc:Fallback xmlns="">
-      <p:transition spd="slow">
-        <p:fade/>
-      </p:transition>
-    </mc:Fallback>
-  </mc:AlternateContent>
-</p:sld>
-</file>
-
-<file path=ppt/slides/slide3.xml><?xml version="1.0" encoding="utf-8"?>
-<p:sld xmlns:a="http://schemas.openxmlformats.org/drawingml/2006/main" xmlns:r="http://schemas.openxmlformats.org/officeDocument/2006/relationships" xmlns:p="http://schemas.openxmlformats.org/presentationml/2006/main">
-  <p:cSld>
-    <p:spTree>
-      <p:nvGrpSpPr>
-        <p:cNvPr id="1" name="Shape 36"/>
-        <p:cNvGrpSpPr/>
-        <p:nvPr/>
-      </p:nvGrpSpPr>
-      <p:grpSpPr>
-        <a:xfrm>
-          <a:off x="0" y="0"/>
-          <a:ext cx="0" cy="0"/>
-          <a:chOff x="0" y="0"/>
-          <a:chExt cx="0" cy="0"/>
-        </a:xfrm>
-      </p:grpSpPr>
-      <p:sp>
-        <p:nvSpPr>
-          <p:cNvPr id="37" name="Google Shape;37;p8"/>
-          <p:cNvSpPr txBox="1">
-            <a:spLocks noGrp="1"/>
-          </p:cNvSpPr>
-          <p:nvPr>
-            <p:ph type="title"/>
-          </p:nvPr>
-        </p:nvSpPr>
-        <p:spPr/>
-        <p:txBody>
-          <a:bodyPr/>
-          <a:lstStyle/>
-          <a:p>
-            <a:r>
-              <a:rPr lang="fr-BE">
-                <a:sym typeface="Calibri"/>
-              </a:rPr>
-              <a:t>22. Traitement du Formulaire</a:t>
-            </a:r>
-          </a:p>
-        </p:txBody>
-      </p:sp>
-      <p:sp>
-        <p:nvSpPr>
-          <p:cNvPr id="38" name="Google Shape;38;p8"/>
-          <p:cNvSpPr txBox="1">
-            <a:spLocks noGrp="1"/>
-          </p:cNvSpPr>
-          <p:nvPr>
-            <p:ph type="body" idx="1"/>
-          </p:nvPr>
-        </p:nvSpPr>
-        <p:spPr/>
-        <p:txBody>
-          <a:bodyPr numCol="3">
-            <a:normAutofit/>
-          </a:bodyPr>
-          <a:lstStyle/>
-          <a:p>
-            <a:r>
-              <a:rPr lang="fr-BE">
-                <a:sym typeface="Calibri"/>
-              </a:rPr>
-              <a:t>Transit des données</a:t>
-            </a:r>
-          </a:p>
-          <a:p>
-            <a:r>
-              <a:rPr lang="fr-BE">
-                <a:sym typeface="Calibri"/>
-              </a:rPr>
-              <a:t>Balises</a:t>
-            </a:r>
-          </a:p>
-          <a:p>
-            <a:r>
-              <a:rPr lang="fr-BE"/>
-              <a:t>Super Globales PHP</a:t>
-            </a:r>
-          </a:p>
-          <a:p>
-            <a:r>
-              <a:rPr lang="fr-BE">
-                <a:sym typeface="Calibri"/>
-              </a:rPr>
-              <a:t>$_GET et $_POST</a:t>
-            </a:r>
-          </a:p>
-          <a:p>
-            <a:r>
-              <a:rPr lang="fr-BE">
-                <a:sym typeface="Calibri"/>
-              </a:rPr>
-              <a:t>$_SESSION</a:t>
-            </a:r>
-          </a:p>
-          <a:p>
-            <a:r>
-              <a:rPr lang="fr-BE">
-                <a:sym typeface="Calibri"/>
-              </a:rPr>
-              <a:t>$_COOKIES</a:t>
-            </a:r>
-          </a:p>
-        </p:txBody>
-      </p:sp>
-      <p:sp>
-        <p:nvSpPr>
-          <p:cNvPr id="3" name="Espace réservé pour une image  2">
-            <a:extLst>
-              <a:ext uri="{FF2B5EF4-FFF2-40B4-BE49-F238E27FC236}">
-                <a16:creationId xmlns:a16="http://schemas.microsoft.com/office/drawing/2014/main" id="{9E2A9F8B-5759-A6D8-BFFE-36543CB433DC}"/>
-              </a:ext>
-            </a:extLst>
-          </p:cNvPr>
-          <p:cNvSpPr>
-            <a:spLocks noGrp="1"/>
-          </p:cNvSpPr>
-          <p:nvPr>
-            <p:ph type="pic" sz="quarter" idx="10"/>
-          </p:nvPr>
-        </p:nvSpPr>
-        <p:spPr/>
-        <p:txBody>
-          <a:bodyPr/>
-          <a:lstStyle/>
-          <a:p>
-            <a:endParaRPr lang="fr-BE"/>
-          </a:p>
-        </p:txBody>
-      </p:sp>
-    </p:spTree>
-    <p:extLst>
-      <p:ext uri="{BB962C8B-B14F-4D97-AF65-F5344CB8AC3E}">
-        <p14:creationId xmlns:p14="http://schemas.microsoft.com/office/powerpoint/2010/main" val="3058764935"/>
-      </p:ext>
-    </p:extLst>
-  </p:cSld>
-  <p:clrMapOvr>
-    <a:masterClrMapping/>
-  </p:clrMapOvr>
-  <mc:AlternateContent xmlns:mc="http://schemas.openxmlformats.org/markup-compatibility/2006" xmlns:p14="http://schemas.microsoft.com/office/powerpoint/2010/main">
-    <mc:Choice Requires="p14">
-      <p:transition spd="slow">
-        <p14:reveal/>
-      </p:transition>
-    </mc:Choice>
-    <mc:Fallback xmlns="">
-      <p:transition spd="slow">
-        <p:fade/>
-      </p:transition>
-    </mc:Fallback>
-  </mc:AlternateContent>
-</p:sld>
-</file>
-
-<file path=ppt/slides/slide30.xml><?xml version="1.0" encoding="utf-8"?>
-<p:sld xmlns:a="http://schemas.openxmlformats.org/drawingml/2006/main" xmlns:r="http://schemas.openxmlformats.org/officeDocument/2006/relationships" xmlns:p="http://schemas.openxmlformats.org/presentationml/2006/main">
-  <p:cSld>
-    <p:spTree>
-      <p:nvGrpSpPr>
-        <p:cNvPr id="1" name="Shape 236"/>
-        <p:cNvGrpSpPr/>
-        <p:nvPr/>
-      </p:nvGrpSpPr>
-      <p:grpSpPr>
-        <a:xfrm>
-          <a:off x="0" y="0"/>
-          <a:ext cx="0" cy="0"/>
-          <a:chOff x="0" y="0"/>
-          <a:chExt cx="0" cy="0"/>
-        </a:xfrm>
-      </p:grpSpPr>
-      <p:sp>
-        <p:nvSpPr>
-          <p:cNvPr id="237" name="Google Shape;237;p39"/>
-          <p:cNvSpPr txBox="1">
-            <a:spLocks noGrp="1"/>
-          </p:cNvSpPr>
-          <p:nvPr>
-            <p:ph type="title"/>
-          </p:nvPr>
-        </p:nvSpPr>
-        <p:spPr/>
-        <p:txBody>
-          <a:bodyPr/>
-          <a:lstStyle/>
-          <a:p>
-            <a:r>
-              <a:rPr lang="fr-BE"/>
-              <a:t>Super Globales : $_COOKIE</a:t>
-            </a:r>
-          </a:p>
-        </p:txBody>
-      </p:sp>
-      <p:sp>
-        <p:nvSpPr>
-          <p:cNvPr id="4" name="Espace réservé du texte 3">
-            <a:extLst>
-              <a:ext uri="{FF2B5EF4-FFF2-40B4-BE49-F238E27FC236}">
-                <a16:creationId xmlns:a16="http://schemas.microsoft.com/office/drawing/2014/main" id="{69E7B575-B8E8-03A0-E2FC-82A833BDBFCF}"/>
-              </a:ext>
-            </a:extLst>
-          </p:cNvPr>
-          <p:cNvSpPr>
-            <a:spLocks noGrp="1"/>
-          </p:cNvSpPr>
-          <p:nvPr>
-            <p:ph type="body" idx="1"/>
-          </p:nvPr>
-        </p:nvSpPr>
-        <p:spPr/>
-        <p:txBody>
-          <a:bodyPr/>
-          <a:lstStyle/>
-          <a:p>
-            <a:endParaRPr lang="fr-BE"/>
-          </a:p>
-        </p:txBody>
-      </p:sp>
-      <p:sp>
-        <p:nvSpPr>
-          <p:cNvPr id="5" name="Espace réservé pour une image  4">
-            <a:extLst>
-              <a:ext uri="{FF2B5EF4-FFF2-40B4-BE49-F238E27FC236}">
-                <a16:creationId xmlns:a16="http://schemas.microsoft.com/office/drawing/2014/main" id="{0B1065CE-9197-0C66-4E85-55CC793B09EB}"/>
-              </a:ext>
-            </a:extLst>
-          </p:cNvPr>
-          <p:cNvSpPr>
-            <a:spLocks noGrp="1"/>
-          </p:cNvSpPr>
-          <p:nvPr>
-            <p:ph type="pic" sz="quarter" idx="10"/>
-          </p:nvPr>
-        </p:nvSpPr>
-        <p:spPr/>
-        <p:txBody>
-          <a:bodyPr/>
-          <a:lstStyle/>
-          <a:p>
-            <a:endParaRPr lang="fr-BE"/>
-          </a:p>
-        </p:txBody>
-      </p:sp>
-    </p:spTree>
-    <p:extLst>
-      <p:ext uri="{BB962C8B-B14F-4D97-AF65-F5344CB8AC3E}">
-        <p14:creationId xmlns:p14="http://schemas.microsoft.com/office/powerpoint/2010/main" val="1042831659"/>
-      </p:ext>
-    </p:extLst>
-  </p:cSld>
-  <p:clrMapOvr>
-    <a:masterClrMapping/>
-  </p:clrMapOvr>
-  <mc:AlternateContent xmlns:mc="http://schemas.openxmlformats.org/markup-compatibility/2006" xmlns:p14="http://schemas.microsoft.com/office/powerpoint/2010/main">
-    <mc:Choice Requires="p14">
-      <p:transition spd="slow">
-        <p14:reveal/>
-      </p:transition>
-    </mc:Choice>
-    <mc:Fallback xmlns="">
-      <p:transition spd="slow">
-        <p:fade/>
-      </p:transition>
-    </mc:Fallback>
-  </mc:AlternateContent>
-</p:sld>
-</file>
-
-<file path=ppt/slides/slide31.xml><?xml version="1.0" encoding="utf-8"?>
-<p:sld xmlns:a="http://schemas.openxmlformats.org/drawingml/2006/main" xmlns:r="http://schemas.openxmlformats.org/officeDocument/2006/relationships" xmlns:p="http://schemas.openxmlformats.org/presentationml/2006/main">
-  <p:cSld>
-    <p:spTree>
-      <p:nvGrpSpPr>
-        <p:cNvPr id="1" name=""/>
-        <p:cNvGrpSpPr/>
-        <p:nvPr/>
-      </p:nvGrpSpPr>
-      <p:grpSpPr>
-        <a:xfrm>
-          <a:off x="0" y="0"/>
-          <a:ext cx="0" cy="0"/>
-          <a:chOff x="0" y="0"/>
-          <a:chExt cx="0" cy="0"/>
-        </a:xfrm>
-      </p:grpSpPr>
-      <p:sp>
-        <p:nvSpPr>
-          <p:cNvPr id="4" name="Titre 3">
-            <a:extLst>
-              <a:ext uri="{FF2B5EF4-FFF2-40B4-BE49-F238E27FC236}">
-                <a16:creationId xmlns:a16="http://schemas.microsoft.com/office/drawing/2014/main" id="{15DA5B29-5402-4F39-8FAE-057E93616AE5}"/>
-              </a:ext>
-            </a:extLst>
-          </p:cNvPr>
-          <p:cNvSpPr>
-            <a:spLocks noGrp="1"/>
-          </p:cNvSpPr>
-          <p:nvPr>
-            <p:ph type="title"/>
-          </p:nvPr>
-        </p:nvSpPr>
-        <p:spPr/>
-        <p:txBody>
-          <a:bodyPr/>
-          <a:lstStyle/>
-          <a:p>
-            <a:r>
-              <a:rPr lang="fr-BE"/>
-              <a:t>Qu'est-ce qu'un cookie?</a:t>
-            </a:r>
-          </a:p>
-        </p:txBody>
-      </p:sp>
-      <p:sp>
-        <p:nvSpPr>
-          <p:cNvPr id="5" name="Espace réservé du contenu 4">
-            <a:extLst>
-              <a:ext uri="{FF2B5EF4-FFF2-40B4-BE49-F238E27FC236}">
-                <a16:creationId xmlns:a16="http://schemas.microsoft.com/office/drawing/2014/main" id="{A8E05BFB-519C-4DA7-8D8F-058BDAD2D6E5}"/>
-              </a:ext>
-            </a:extLst>
-          </p:cNvPr>
-          <p:cNvSpPr>
-            <a:spLocks noGrp="1"/>
-          </p:cNvSpPr>
-          <p:nvPr>
-            <p:ph idx="1"/>
-          </p:nvPr>
-        </p:nvSpPr>
-        <p:spPr/>
-        <p:txBody>
-          <a:bodyPr>
-            <a:normAutofit/>
-          </a:bodyPr>
-          <a:lstStyle/>
-          <a:p>
-            <a:r>
-              <a:rPr lang="fr-BE"/>
-              <a:t>Un petit fichier que le serveur web place sur l'ordinateur de l'utilisateur. </a:t>
-            </a:r>
-          </a:p>
-          <a:p>
-            <a:r>
-              <a:rPr lang="fr-BE"/>
-              <a:t>Application populaire:</a:t>
-            </a:r>
-          </a:p>
-          <a:p>
-            <a:pPr lvl="1"/>
-            <a:r>
-              <a:rPr lang="fr-BE"/>
-              <a:t>Conserver l'identité d'un utilisateur de page en page</a:t>
-            </a:r>
-          </a:p>
-          <a:p>
-            <a:r>
-              <a:rPr lang="fr-BE"/>
-              <a:t>En PHP, vous créez, lisez, modifiez et supprimez vos propres cookies.</a:t>
-            </a:r>
-          </a:p>
-          <a:p>
-            <a:endParaRPr lang="fr-BE"/>
-          </a:p>
-        </p:txBody>
-      </p:sp>
-    </p:spTree>
-    <p:extLst>
-      <p:ext uri="{BB962C8B-B14F-4D97-AF65-F5344CB8AC3E}">
-        <p14:creationId xmlns:p14="http://schemas.microsoft.com/office/powerpoint/2010/main" val="2521091963"/>
       </p:ext>
     </p:extLst>
   </p:cSld>
@@ -13494,7 +13554,7 @@
   <p:cSld>
     <p:spTree>
       <p:nvGrpSpPr>
-        <p:cNvPr id="1" name=""/>
+        <p:cNvPr id="1" name="Shape 236"/>
         <p:cNvGrpSpPr/>
         <p:nvPr/>
       </p:nvGrpSpPr>
@@ -13508,10 +13568,32 @@
       </p:grpSpPr>
       <p:sp>
         <p:nvSpPr>
-          <p:cNvPr id="2" name="Titre 1">
+          <p:cNvPr id="237" name="Google Shape;237;p39"/>
+          <p:cNvSpPr txBox="1">
+            <a:spLocks noGrp="1"/>
+          </p:cNvSpPr>
+          <p:nvPr>
+            <p:ph type="title"/>
+          </p:nvPr>
+        </p:nvSpPr>
+        <p:spPr/>
+        <p:txBody>
+          <a:bodyPr/>
+          <a:lstStyle/>
+          <a:p>
+            <a:r>
+              <a:rPr lang="fr-BE"/>
+              <a:t>Super Globales : $_COOKIE</a:t>
+            </a:r>
+          </a:p>
+        </p:txBody>
+      </p:sp>
+      <p:sp>
+        <p:nvSpPr>
+          <p:cNvPr id="4" name="Espace réservé du texte 3">
             <a:extLst>
               <a:ext uri="{FF2B5EF4-FFF2-40B4-BE49-F238E27FC236}">
-                <a16:creationId xmlns:a16="http://schemas.microsoft.com/office/drawing/2014/main" id="{09EB4D1A-1C79-44E3-B12C-F5993958C480}"/>
+                <a16:creationId xmlns:a16="http://schemas.microsoft.com/office/drawing/2014/main" id="{69E7B575-B8E8-03A0-E2FC-82A833BDBFCF}"/>
               </a:ext>
             </a:extLst>
           </p:cNvPr>
@@ -13519,7 +13601,7 @@
             <a:spLocks noGrp="1"/>
           </p:cNvSpPr>
           <p:nvPr>
-            <p:ph type="title"/>
+            <p:ph type="body" idx="1"/>
           </p:nvPr>
         </p:nvSpPr>
         <p:spPr/>
@@ -13527,19 +13609,16 @@
           <a:bodyPr/>
           <a:lstStyle/>
           <a:p>
-            <a:r>
-              <a:rPr lang="fr-BE"/>
-              <a:t>Créer des cookies avec PHP</a:t>
-            </a:r>
-          </a:p>
-        </p:txBody>
-      </p:sp>
-      <p:sp>
-        <p:nvSpPr>
-          <p:cNvPr id="3" name="Espace réservé du contenu 2">
+            <a:endParaRPr lang="fr-BE"/>
+          </a:p>
+        </p:txBody>
+      </p:sp>
+      <p:sp>
+        <p:nvSpPr>
+          <p:cNvPr id="5" name="Espace réservé pour une image  4">
             <a:extLst>
               <a:ext uri="{FF2B5EF4-FFF2-40B4-BE49-F238E27FC236}">
-                <a16:creationId xmlns:a16="http://schemas.microsoft.com/office/drawing/2014/main" id="{03255889-0074-4AF9-88AB-6C763349B6B3}"/>
+                <a16:creationId xmlns:a16="http://schemas.microsoft.com/office/drawing/2014/main" id="{0B1065CE-9197-0C66-4E85-55CC793B09EB}"/>
               </a:ext>
             </a:extLst>
           </p:cNvPr>
@@ -13547,464 +13626,22 @@
             <a:spLocks noGrp="1"/>
           </p:cNvSpPr>
           <p:nvPr>
-            <p:ph idx="1"/>
+            <p:ph type="pic" sz="quarter" idx="10"/>
           </p:nvPr>
         </p:nvSpPr>
         <p:spPr/>
         <p:txBody>
-          <a:bodyPr>
-            <a:normAutofit fontScale="92500" lnSpcReduction="20000"/>
-          </a:bodyPr>
+          <a:bodyPr/>
           <a:lstStyle/>
           <a:p>
-            <a:pPr marL="0" indent="0">
-              <a:buNone/>
-            </a:pPr>
-            <a:r>
-              <a:rPr lang="en-US" err="1">
-                <a:solidFill>
-                  <a:schemeClr val="accent6">
-                    <a:lumMod val="50000"/>
-                  </a:schemeClr>
-                </a:solidFill>
-                <a:latin typeface="Consolas" panose="020B0609020204030204" pitchFamily="49" charset="0"/>
-                <a:cs typeface="Courier New" panose="02070309020205020404" pitchFamily="49" charset="0"/>
-              </a:rPr>
-              <a:t>setcookie</a:t>
-            </a:r>
-            <a:r>
-              <a:rPr lang="en-US">
-                <a:solidFill>
-                  <a:schemeClr val="accent6">
-                    <a:lumMod val="50000"/>
-                  </a:schemeClr>
-                </a:solidFill>
-                <a:latin typeface="Consolas" panose="020B0609020204030204" pitchFamily="49" charset="0"/>
-                <a:cs typeface="Courier New" panose="02070309020205020404" pitchFamily="49" charset="0"/>
-              </a:rPr>
-              <a:t>( </a:t>
-            </a:r>
-            <a:r>
-              <a:rPr lang="en-US">
-                <a:solidFill>
-                  <a:schemeClr val="accent5"/>
-                </a:solidFill>
-                <a:latin typeface="Consolas" panose="020B0609020204030204" pitchFamily="49" charset="0"/>
-                <a:cs typeface="Courier New" panose="02070309020205020404" pitchFamily="49" charset="0"/>
-              </a:rPr>
-              <a:t>name</a:t>
-            </a:r>
-            <a:r>
-              <a:rPr lang="en-US">
-                <a:solidFill>
-                  <a:schemeClr val="accent6">
-                    <a:lumMod val="50000"/>
-                  </a:schemeClr>
-                </a:solidFill>
-                <a:latin typeface="Consolas" panose="020B0609020204030204" pitchFamily="49" charset="0"/>
-                <a:cs typeface="Courier New" panose="02070309020205020404" pitchFamily="49" charset="0"/>
-              </a:rPr>
-              <a:t>, </a:t>
-            </a:r>
-            <a:r>
-              <a:rPr lang="en-US">
-                <a:solidFill>
-                  <a:schemeClr val="accent4">
-                    <a:lumMod val="50000"/>
-                  </a:schemeClr>
-                </a:solidFill>
-                <a:latin typeface="Consolas" panose="020B0609020204030204" pitchFamily="49" charset="0"/>
-                <a:cs typeface="Courier New" panose="02070309020205020404" pitchFamily="49" charset="0"/>
-              </a:rPr>
-              <a:t>value</a:t>
-            </a:r>
-            <a:r>
-              <a:rPr lang="en-US">
-                <a:solidFill>
-                  <a:schemeClr val="accent6">
-                    <a:lumMod val="50000"/>
-                  </a:schemeClr>
-                </a:solidFill>
-                <a:latin typeface="Consolas" panose="020B0609020204030204" pitchFamily="49" charset="0"/>
-                <a:cs typeface="Courier New" panose="02070309020205020404" pitchFamily="49" charset="0"/>
-              </a:rPr>
-              <a:t>, </a:t>
-            </a:r>
-            <a:r>
-              <a:rPr lang="en-US">
-                <a:solidFill>
-                  <a:schemeClr val="accent6">
-                    <a:lumMod val="25000"/>
-                  </a:schemeClr>
-                </a:solidFill>
-                <a:latin typeface="Consolas" panose="020B0609020204030204" pitchFamily="49" charset="0"/>
-                <a:cs typeface="Courier New" panose="02070309020205020404" pitchFamily="49" charset="0"/>
-              </a:rPr>
-              <a:t>expire</a:t>
-            </a:r>
-            <a:r>
-              <a:rPr lang="en-US">
-                <a:solidFill>
-                  <a:schemeClr val="accent6">
-                    <a:lumMod val="50000"/>
-                  </a:schemeClr>
-                </a:solidFill>
-                <a:latin typeface="Consolas" panose="020B0609020204030204" pitchFamily="49" charset="0"/>
-                <a:cs typeface="Courier New" panose="02070309020205020404" pitchFamily="49" charset="0"/>
-              </a:rPr>
-              <a:t>, </a:t>
-            </a:r>
-            <a:r>
-              <a:rPr lang="en-US">
-                <a:solidFill>
-                  <a:schemeClr val="bg2">
-                    <a:lumMod val="50000"/>
-                  </a:schemeClr>
-                </a:solidFill>
-                <a:latin typeface="Consolas" panose="020B0609020204030204" pitchFamily="49" charset="0"/>
-                <a:cs typeface="Courier New" panose="02070309020205020404" pitchFamily="49" charset="0"/>
-              </a:rPr>
-              <a:t>path</a:t>
-            </a:r>
-            <a:r>
-              <a:rPr lang="en-US">
-                <a:solidFill>
-                  <a:schemeClr val="accent6">
-                    <a:lumMod val="50000"/>
-                  </a:schemeClr>
-                </a:solidFill>
-                <a:latin typeface="Consolas" panose="020B0609020204030204" pitchFamily="49" charset="0"/>
-                <a:cs typeface="Courier New" panose="02070309020205020404" pitchFamily="49" charset="0"/>
-              </a:rPr>
-              <a:t>,</a:t>
-            </a:r>
-            <a:br>
-              <a:rPr lang="en-US">
-                <a:solidFill>
-                  <a:schemeClr val="accent6">
-                    <a:lumMod val="50000"/>
-                  </a:schemeClr>
-                </a:solidFill>
-                <a:latin typeface="Consolas" panose="020B0609020204030204" pitchFamily="49" charset="0"/>
-                <a:cs typeface="Courier New" panose="02070309020205020404" pitchFamily="49" charset="0"/>
-              </a:rPr>
-            </a:br>
-            <a:r>
-              <a:rPr lang="en-US">
-                <a:solidFill>
-                  <a:schemeClr val="accent6">
-                    <a:lumMod val="50000"/>
-                  </a:schemeClr>
-                </a:solidFill>
-                <a:latin typeface="Consolas" panose="020B0609020204030204" pitchFamily="49" charset="0"/>
-                <a:cs typeface="Courier New" panose="02070309020205020404" pitchFamily="49" charset="0"/>
-              </a:rPr>
-              <a:t>		   domain, secure, </a:t>
-            </a:r>
-            <a:r>
-              <a:rPr lang="en-US" err="1">
-                <a:solidFill>
-                  <a:schemeClr val="accent6">
-                    <a:lumMod val="50000"/>
-                  </a:schemeClr>
-                </a:solidFill>
-                <a:latin typeface="Consolas" panose="020B0609020204030204" pitchFamily="49" charset="0"/>
-                <a:cs typeface="Courier New" panose="02070309020205020404" pitchFamily="49" charset="0"/>
-              </a:rPr>
-              <a:t>httponly</a:t>
-            </a:r>
-            <a:r>
-              <a:rPr lang="en-US">
-                <a:solidFill>
-                  <a:schemeClr val="accent6">
-                    <a:lumMod val="50000"/>
-                  </a:schemeClr>
-                </a:solidFill>
-                <a:latin typeface="Consolas" panose="020B0609020204030204" pitchFamily="49" charset="0"/>
-                <a:cs typeface="Courier New" panose="02070309020205020404" pitchFamily="49" charset="0"/>
-              </a:rPr>
-              <a:t> );</a:t>
-            </a:r>
-          </a:p>
-          <a:p>
-            <a:pPr lvl="1"/>
-            <a:r>
-              <a:rPr lang="en-US">
-                <a:solidFill>
-                  <a:schemeClr val="accent5"/>
-                </a:solidFill>
-                <a:latin typeface="Consolas" panose="020B0609020204030204" pitchFamily="49" charset="0"/>
-                <a:cs typeface="Courier New" panose="02070309020205020404" pitchFamily="49" charset="0"/>
-              </a:rPr>
-              <a:t>name</a:t>
-            </a:r>
-            <a:r>
-              <a:rPr lang="fr-BE"/>
-              <a:t> : nom du cookie</a:t>
-            </a:r>
-          </a:p>
-          <a:p>
-            <a:pPr lvl="1"/>
-            <a:r>
-              <a:rPr lang="en-US">
-                <a:solidFill>
-                  <a:schemeClr val="accent4">
-                    <a:lumMod val="50000"/>
-                  </a:schemeClr>
-                </a:solidFill>
-                <a:latin typeface="Consolas" panose="020B0609020204030204" pitchFamily="49" charset="0"/>
-                <a:cs typeface="Courier New" panose="02070309020205020404" pitchFamily="49" charset="0"/>
-              </a:rPr>
-              <a:t>value</a:t>
-            </a:r>
-            <a:r>
-              <a:rPr lang="en-US"/>
-              <a:t> : </a:t>
-            </a:r>
-            <a:r>
-              <a:rPr lang="en-US" err="1"/>
-              <a:t>valeur</a:t>
-            </a:r>
-            <a:r>
-              <a:rPr lang="en-US"/>
-              <a:t> du cookie </a:t>
-            </a:r>
-          </a:p>
-          <a:p>
-            <a:pPr lvl="1"/>
-            <a:r>
-              <a:rPr lang="en-US">
-                <a:solidFill>
-                  <a:schemeClr val="accent6">
-                    <a:lumMod val="25000"/>
-                  </a:schemeClr>
-                </a:solidFill>
-                <a:latin typeface="Consolas" panose="020B0609020204030204" pitchFamily="49" charset="0"/>
-                <a:cs typeface="Courier New" panose="02070309020205020404" pitchFamily="49" charset="0"/>
-              </a:rPr>
-              <a:t>expire</a:t>
-            </a:r>
-            <a:r>
-              <a:rPr lang="en-US"/>
-              <a:t> : date-</a:t>
-            </a:r>
-            <a:r>
-              <a:rPr lang="en-US" err="1"/>
-              <a:t>heure</a:t>
-            </a:r>
-            <a:r>
-              <a:rPr lang="en-US"/>
-              <a:t> </a:t>
-            </a:r>
-            <a:r>
-              <a:rPr lang="en-US" err="1"/>
-              <a:t>d'expiration</a:t>
-            </a:r>
-            <a:r>
-              <a:rPr lang="en-US"/>
-              <a:t> du cookie </a:t>
-            </a:r>
-          </a:p>
-          <a:p>
-            <a:pPr lvl="2"/>
-            <a:r>
-              <a:rPr lang="en-US"/>
-              <a:t>souvent </a:t>
-            </a:r>
-            <a:r>
-              <a:rPr lang="en-US" err="1"/>
-              <a:t>calculé</a:t>
-            </a:r>
-            <a:r>
-              <a:rPr lang="en-US"/>
-              <a:t> </a:t>
-            </a:r>
-            <a:r>
-              <a:rPr lang="en-US" err="1"/>
-              <a:t>ainsi</a:t>
-            </a:r>
-            <a:r>
-              <a:rPr lang="en-US"/>
-              <a:t> : date-</a:t>
-            </a:r>
-            <a:r>
-              <a:rPr lang="en-US" err="1"/>
-              <a:t>heure</a:t>
-            </a:r>
-            <a:r>
-              <a:rPr lang="en-US"/>
-              <a:t> courante + durée de </a:t>
-            </a:r>
-            <a:r>
-              <a:rPr lang="en-US" err="1"/>
-              <a:t>validité</a:t>
-            </a:r>
-            <a:endParaRPr lang="en-US"/>
-          </a:p>
-          <a:p>
-            <a:pPr lvl="2"/>
-            <a:r>
-              <a:rPr lang="en-US"/>
-              <a:t>si </a:t>
-            </a:r>
-            <a:r>
-              <a:rPr lang="en-US" i="1">
-                <a:solidFill>
-                  <a:schemeClr val="accent6">
-                    <a:lumMod val="50000"/>
-                  </a:schemeClr>
-                </a:solidFill>
-                <a:latin typeface="Consolas" panose="020B0609020204030204" pitchFamily="49" charset="0"/>
-                <a:cs typeface="Courier New" panose="02070309020205020404" pitchFamily="49" charset="0"/>
-              </a:rPr>
-              <a:t>expire</a:t>
-            </a:r>
-            <a:r>
-              <a:rPr lang="en-US"/>
-              <a:t> </a:t>
-            </a:r>
-            <a:r>
-              <a:rPr lang="en-US" err="1"/>
-              <a:t>vaut</a:t>
-            </a:r>
-            <a:r>
-              <a:rPr lang="en-US"/>
-              <a:t> </a:t>
-            </a:r>
-            <a:r>
-              <a:rPr lang="en-US" sz="2400" b="1">
-                <a:solidFill>
-                  <a:schemeClr val="accent6">
-                    <a:lumMod val="50000"/>
-                  </a:schemeClr>
-                </a:solidFill>
-                <a:latin typeface="Courier New" panose="02070309020205020404" pitchFamily="49" charset="0"/>
-                <a:cs typeface="Courier New" panose="02070309020205020404" pitchFamily="49" charset="0"/>
-              </a:rPr>
-              <a:t>0</a:t>
-            </a:r>
-            <a:r>
-              <a:rPr lang="en-US"/>
-              <a:t> </a:t>
-            </a:r>
-            <a:r>
-              <a:rPr lang="en-US" err="1"/>
-              <a:t>ou</a:t>
-            </a:r>
-            <a:r>
-              <a:rPr lang="en-US"/>
-              <a:t> </a:t>
-            </a:r>
-            <a:r>
-              <a:rPr lang="en-US" err="1"/>
-              <a:t>est</a:t>
-            </a:r>
-            <a:r>
-              <a:rPr lang="en-US"/>
-              <a:t> </a:t>
-            </a:r>
-            <a:r>
-              <a:rPr lang="en-US" err="1"/>
-              <a:t>omis</a:t>
-            </a:r>
-            <a:r>
-              <a:rPr lang="en-US"/>
-              <a:t>, </a:t>
-            </a:r>
-            <a:br>
-              <a:rPr lang="en-US"/>
-            </a:br>
-            <a:r>
-              <a:rPr lang="en-US"/>
-              <a:t>alors le cookie </a:t>
-            </a:r>
-            <a:r>
-              <a:rPr lang="en-US" err="1"/>
-              <a:t>expirera</a:t>
-            </a:r>
-            <a:r>
-              <a:rPr lang="en-US"/>
-              <a:t> à la fin de la session.</a:t>
-            </a:r>
-          </a:p>
-          <a:p>
-            <a:pPr lvl="1"/>
-            <a:r>
-              <a:rPr lang="en-US">
-                <a:solidFill>
-                  <a:schemeClr val="bg2">
-                    <a:lumMod val="50000"/>
-                  </a:schemeClr>
-                </a:solidFill>
-                <a:latin typeface="Consolas" panose="020B0609020204030204" pitchFamily="49" charset="0"/>
-                <a:cs typeface="Courier New" panose="02070309020205020404" pitchFamily="49" charset="0"/>
-              </a:rPr>
-              <a:t>path = "/"</a:t>
-            </a:r>
-            <a:r>
-              <a:rPr lang="en-US"/>
-              <a:t> : le répertoire en dessous duquel le cookie est disponible</a:t>
-            </a:r>
-          </a:p>
-          <a:p>
-            <a:pPr lvl="2"/>
-            <a:r>
-              <a:rPr lang="en-US"/>
-              <a:t>dans ce cours : à mettre à </a:t>
-            </a:r>
-            <a:r>
-              <a:rPr lang="en-US">
-                <a:solidFill>
-                  <a:schemeClr val="bg2">
-                    <a:lumMod val="50000"/>
-                  </a:schemeClr>
-                </a:solidFill>
-                <a:latin typeface="Consolas" panose="020B0609020204030204" pitchFamily="49" charset="0"/>
-                <a:cs typeface="Courier New" panose="02070309020205020404" pitchFamily="49" charset="0"/>
-              </a:rPr>
-              <a:t>"/"</a:t>
-            </a:r>
-            <a:r>
-              <a:rPr lang="en-US"/>
-              <a:t> à des fins de test</a:t>
-            </a:r>
-          </a:p>
-          <a:p>
-            <a:r>
-              <a:rPr lang="fr-BE"/>
-              <a:t>A placer </a:t>
-            </a:r>
-            <a:r>
-              <a:rPr lang="fr-BE" b="1">
-                <a:solidFill>
-                  <a:schemeClr val="accent2"/>
-                </a:solidFill>
-              </a:rPr>
-              <a:t>AVANT</a:t>
-            </a:r>
-            <a:r>
-              <a:rPr lang="fr-BE"/>
-              <a:t> la balise </a:t>
-            </a:r>
-            <a:r>
-              <a:rPr lang="fr-BE">
-                <a:solidFill>
-                  <a:schemeClr val="accent6">
-                    <a:lumMod val="50000"/>
-                  </a:schemeClr>
-                </a:solidFill>
-                <a:latin typeface="Consolas" panose="020B0609020204030204" pitchFamily="49" charset="0"/>
-                <a:cs typeface="Courier New" panose="02070309020205020404" pitchFamily="49" charset="0"/>
-              </a:rPr>
-              <a:t>&lt;html&gt;</a:t>
-            </a:r>
+            <a:endParaRPr lang="fr-BE"/>
           </a:p>
         </p:txBody>
       </p:sp>
     </p:spTree>
     <p:extLst>
       <p:ext uri="{BB962C8B-B14F-4D97-AF65-F5344CB8AC3E}">
-        <p14:creationId xmlns:p14="http://schemas.microsoft.com/office/powerpoint/2010/main" val="1112117177"/>
+        <p14:creationId xmlns:p14="http://schemas.microsoft.com/office/powerpoint/2010/main" val="1042831659"/>
       </p:ext>
     </p:extLst>
   </p:cSld>
@@ -14045,10 +13682,10 @@
       </p:grpSpPr>
       <p:sp>
         <p:nvSpPr>
-          <p:cNvPr id="2" name="Titre 1">
+          <p:cNvPr id="4" name="Titre 3">
             <a:extLst>
               <a:ext uri="{FF2B5EF4-FFF2-40B4-BE49-F238E27FC236}">
-                <a16:creationId xmlns:a16="http://schemas.microsoft.com/office/drawing/2014/main" id="{09EB4D1A-1C79-44E3-B12C-F5993958C480}"/>
+                <a16:creationId xmlns:a16="http://schemas.microsoft.com/office/drawing/2014/main" id="{15DA5B29-5402-4F39-8FAE-057E93616AE5}"/>
               </a:ext>
             </a:extLst>
           </p:cNvPr>
@@ -14066,17 +13703,17 @@
           <a:p>
             <a:r>
               <a:rPr lang="fr-BE"/>
-              <a:t>Créer des cookies avec PHP : exemple</a:t>
-            </a:r>
-          </a:p>
-        </p:txBody>
-      </p:sp>
-      <p:sp>
-        <p:nvSpPr>
-          <p:cNvPr id="3" name="Espace réservé du contenu 2">
+              <a:t>Qu'est-ce qu'un cookie?</a:t>
+            </a:r>
+          </a:p>
+        </p:txBody>
+      </p:sp>
+      <p:sp>
+        <p:nvSpPr>
+          <p:cNvPr id="5" name="Espace réservé du contenu 4">
             <a:extLst>
               <a:ext uri="{FF2B5EF4-FFF2-40B4-BE49-F238E27FC236}">
-                <a16:creationId xmlns:a16="http://schemas.microsoft.com/office/drawing/2014/main" id="{03255889-0074-4AF9-88AB-6C763349B6B3}"/>
+                <a16:creationId xmlns:a16="http://schemas.microsoft.com/office/drawing/2014/main" id="{A8E05BFB-519C-4DA7-8D8F-058BDAD2D6E5}"/>
               </a:ext>
             </a:extLst>
           </p:cNvPr>
@@ -14094,169 +13731,39 @@
           </a:bodyPr>
           <a:lstStyle/>
           <a:p>
-            <a:pPr marL="0" indent="0">
-              <a:buNone/>
-            </a:pPr>
-            <a:r>
-              <a:rPr lang="en-US">
-                <a:solidFill>
-                  <a:schemeClr val="accent6">
-                    <a:lumMod val="50000"/>
-                  </a:schemeClr>
-                </a:solidFill>
-                <a:latin typeface="Consolas" panose="020B0609020204030204" pitchFamily="49" charset="0"/>
-                <a:cs typeface="Courier New" panose="02070309020205020404" pitchFamily="49" charset="0"/>
-              </a:rPr>
-              <a:t>$name = </a:t>
-            </a:r>
-            <a:r>
-              <a:rPr lang="en-US">
-                <a:latin typeface="Consolas" panose="020B0609020204030204" pitchFamily="49" charset="0"/>
-                <a:cs typeface="Courier New" panose="02070309020205020404" pitchFamily="49" charset="0"/>
-              </a:rPr>
-              <a:t>"user"</a:t>
-            </a:r>
-            <a:r>
-              <a:rPr lang="en-US">
-                <a:solidFill>
-                  <a:srgbClr val="000000"/>
-                </a:solidFill>
-                <a:latin typeface="Consolas" panose="020B0609020204030204" pitchFamily="49" charset="0"/>
-                <a:cs typeface="Courier New" panose="02070309020205020404" pitchFamily="49" charset="0"/>
-              </a:rPr>
-              <a:t>;</a:t>
-            </a:r>
-            <a:br>
-              <a:rPr lang="en-US">
-                <a:latin typeface="Consolas" panose="020B0609020204030204" pitchFamily="49" charset="0"/>
-                <a:cs typeface="Courier New" panose="02070309020205020404" pitchFamily="49" charset="0"/>
-              </a:rPr>
-            </a:br>
-            <a:r>
-              <a:rPr lang="en-US">
-                <a:solidFill>
-                  <a:schemeClr val="accent6">
-                    <a:lumMod val="50000"/>
-                  </a:schemeClr>
-                </a:solidFill>
-                <a:latin typeface="Consolas" panose="020B0609020204030204" pitchFamily="49" charset="0"/>
-                <a:cs typeface="Courier New" panose="02070309020205020404" pitchFamily="49" charset="0"/>
-              </a:rPr>
-              <a:t>$value = </a:t>
-            </a:r>
-            <a:r>
-              <a:rPr lang="en-US">
-                <a:latin typeface="Consolas" panose="020B0609020204030204" pitchFamily="49" charset="0"/>
-                <a:cs typeface="Courier New" panose="02070309020205020404" pitchFamily="49" charset="0"/>
-              </a:rPr>
-              <a:t>"John Doe";</a:t>
-            </a:r>
-            <a:br>
-              <a:rPr lang="en-US">
-                <a:solidFill>
-                  <a:srgbClr val="000000"/>
-                </a:solidFill>
-                <a:latin typeface="Consolas" panose="020B0609020204030204" pitchFamily="49" charset="0"/>
-                <a:cs typeface="Courier New" panose="02070309020205020404" pitchFamily="49" charset="0"/>
-              </a:rPr>
-            </a:br>
-            <a:r>
-              <a:rPr lang="en-US">
-                <a:solidFill>
-                  <a:schemeClr val="accent6">
-                    <a:lumMod val="50000"/>
-                  </a:schemeClr>
-                </a:solidFill>
-                <a:latin typeface="Consolas" panose="020B0609020204030204" pitchFamily="49" charset="0"/>
-                <a:cs typeface="Courier New" panose="02070309020205020404" pitchFamily="49" charset="0"/>
-              </a:rPr>
-              <a:t>$expire = </a:t>
-            </a:r>
-            <a:r>
-              <a:rPr lang="en-US">
-                <a:latin typeface="Consolas" panose="020B0609020204030204" pitchFamily="49" charset="0"/>
-                <a:cs typeface="Courier New" panose="02070309020205020404" pitchFamily="49" charset="0"/>
-              </a:rPr>
-              <a:t>time() + (86400 * 30);</a:t>
-            </a:r>
-            <a:br>
-              <a:rPr lang="en-US">
-                <a:solidFill>
-                  <a:schemeClr val="accent6">
-                    <a:lumMod val="50000"/>
-                  </a:schemeClr>
-                </a:solidFill>
-                <a:latin typeface="Consolas" panose="020B0609020204030204" pitchFamily="49" charset="0"/>
-                <a:cs typeface="Courier New" panose="02070309020205020404" pitchFamily="49" charset="0"/>
-              </a:rPr>
-            </a:br>
-            <a:r>
-              <a:rPr lang="en-US" err="1">
-                <a:solidFill>
-                  <a:schemeClr val="accent2"/>
-                </a:solidFill>
-                <a:latin typeface="Consolas" panose="020B0609020204030204" pitchFamily="49" charset="0"/>
-                <a:cs typeface="Courier New" panose="02070309020205020404" pitchFamily="49" charset="0"/>
-              </a:rPr>
-              <a:t>setcookie</a:t>
-            </a:r>
-            <a:r>
-              <a:rPr lang="en-US">
-                <a:solidFill>
-                  <a:schemeClr val="accent6">
-                    <a:lumMod val="50000"/>
-                  </a:schemeClr>
-                </a:solidFill>
-                <a:latin typeface="Consolas" panose="020B0609020204030204" pitchFamily="49" charset="0"/>
-                <a:cs typeface="Courier New" panose="02070309020205020404" pitchFamily="49" charset="0"/>
-              </a:rPr>
-              <a:t>( $name, $value, $expire, "/");</a:t>
-            </a:r>
-          </a:p>
-          <a:p>
             <a:r>
               <a:rPr lang="fr-BE"/>
-              <a:t>Ce code crée un cookie nommé "user" avec la valeur "John Doe", qui expirera après 30 jours (86400 * 30).</a:t>
-            </a:r>
-            <a:r>
-              <a:rPr lang="en-US" b="1">
-                <a:solidFill>
-                  <a:schemeClr val="accent6">
-                    <a:lumMod val="50000"/>
-                  </a:schemeClr>
-                </a:solidFill>
-                <a:latin typeface="Courier New" panose="02070309020205020404" pitchFamily="49" charset="0"/>
-                <a:cs typeface="Courier New" panose="02070309020205020404" pitchFamily="49" charset="0"/>
-              </a:rPr>
-              <a:t> </a:t>
-            </a:r>
-            <a:br>
-              <a:rPr lang="en-US" b="1">
-                <a:solidFill>
-                  <a:schemeClr val="accent6">
-                    <a:lumMod val="50000"/>
-                  </a:schemeClr>
-                </a:solidFill>
-                <a:latin typeface="Courier New" panose="02070309020205020404" pitchFamily="49" charset="0"/>
-                <a:cs typeface="Courier New" panose="02070309020205020404" pitchFamily="49" charset="0"/>
-              </a:rPr>
-            </a:br>
-            <a:endParaRPr lang="en-US" b="1">
-              <a:solidFill>
-                <a:schemeClr val="accent6">
-                  <a:lumMod val="50000"/>
-                </a:schemeClr>
-              </a:solidFill>
-              <a:latin typeface="Courier New" panose="02070309020205020404" pitchFamily="49" charset="0"/>
-              <a:cs typeface="Courier New" panose="02070309020205020404" pitchFamily="49" charset="0"/>
-            </a:endParaRPr>
+              <a:t>Un petit fichier que le serveur web place sur l'ordinateur de l'utilisateur. </a:t>
+            </a:r>
+          </a:p>
+          <a:p>
+            <a:r>
+              <a:rPr lang="fr-BE"/>
+              <a:t>Application populaire:</a:t>
+            </a:r>
+          </a:p>
+          <a:p>
+            <a:pPr lvl="1"/>
+            <a:r>
+              <a:rPr lang="fr-BE"/>
+              <a:t>Conserver l'identité d'un utilisateur de page en page</a:t>
+            </a:r>
+          </a:p>
+          <a:p>
+            <a:r>
+              <a:rPr lang="fr-BE"/>
+              <a:t>En PHP, vous créez, lisez, modifiez et supprimez vos propres cookies.</a:t>
+            </a:r>
+          </a:p>
+          <a:p>
+            <a:endParaRPr lang="fr-BE"/>
           </a:p>
         </p:txBody>
       </p:sp>
     </p:spTree>
     <p:extLst>
       <p:ext uri="{BB962C8B-B14F-4D97-AF65-F5344CB8AC3E}">
-        <p14:creationId xmlns:p14="http://schemas.microsoft.com/office/powerpoint/2010/main" val="3859013047"/>
+        <p14:creationId xmlns:p14="http://schemas.microsoft.com/office/powerpoint/2010/main" val="2521091963"/>
       </p:ext>
     </p:extLst>
   </p:cSld>
@@ -14300,7 +13807,7 @@
           <p:cNvPr id="2" name="Titre 1">
             <a:extLst>
               <a:ext uri="{FF2B5EF4-FFF2-40B4-BE49-F238E27FC236}">
-                <a16:creationId xmlns:a16="http://schemas.microsoft.com/office/drawing/2014/main" id="{756B8AD4-8C16-4163-8CD2-EAA61E6FC706}"/>
+                <a16:creationId xmlns:a16="http://schemas.microsoft.com/office/drawing/2014/main" id="{09EB4D1A-1C79-44E3-B12C-F5993958C480}"/>
               </a:ext>
             </a:extLst>
           </p:cNvPr>
@@ -14318,7 +13825,7 @@
           <a:p>
             <a:r>
               <a:rPr lang="fr-BE"/>
-              <a:t>Lire un cookie</a:t>
+              <a:t>Créer des cookies avec PHP</a:t>
             </a:r>
           </a:p>
         </p:txBody>
@@ -14328,7 +13835,7 @@
           <p:cNvPr id="3" name="Espace réservé du contenu 2">
             <a:extLst>
               <a:ext uri="{FF2B5EF4-FFF2-40B4-BE49-F238E27FC236}">
-                <a16:creationId xmlns:a16="http://schemas.microsoft.com/office/drawing/2014/main" id="{B1D63915-830C-40F4-B5AA-C359620B4DD9}"/>
+                <a16:creationId xmlns:a16="http://schemas.microsoft.com/office/drawing/2014/main" id="{03255889-0074-4AF9-88AB-6C763349B6B3}"/>
               </a:ext>
             </a:extLst>
           </p:cNvPr>
@@ -14341,15 +13848,16 @@
         </p:nvSpPr>
         <p:spPr/>
         <p:txBody>
-          <a:bodyPr/>
+          <a:bodyPr>
+            <a:normAutofit fontScale="92500" lnSpcReduction="20000"/>
+          </a:bodyPr>
           <a:lstStyle/>
           <a:p>
-            <a:r>
-              <a:rPr lang="fr-BE"/>
-              <a:t>super globale </a:t>
-            </a:r>
-            <a:r>
-              <a:rPr lang="fr-BE">
+            <a:pPr marL="0" indent="0">
+              <a:buNone/>
+            </a:pPr>
+            <a:r>
+              <a:rPr lang="en-US" err="1">
                 <a:solidFill>
                   <a:schemeClr val="accent6">
                     <a:lumMod val="50000"/>
@@ -14358,22 +13866,10 @@
                 <a:latin typeface="Consolas" panose="020B0609020204030204" pitchFamily="49" charset="0"/>
                 <a:cs typeface="Courier New" panose="02070309020205020404" pitchFamily="49" charset="0"/>
               </a:rPr>
-              <a:t>$_COOKIE</a:t>
-            </a:r>
-          </a:p>
-          <a:p>
-            <a:pPr lvl="1"/>
-            <a:r>
-              <a:rPr lang="fr-BE"/>
-              <a:t>Lire la valeur du cookie, par ex. </a:t>
-            </a:r>
-          </a:p>
-          <a:p>
-            <a:pPr marL="914377" lvl="2" indent="0">
-              <a:buNone/>
-            </a:pPr>
-            <a:r>
-              <a:rPr lang="fr-BE" err="1">
+              <a:t>setcookie</a:t>
+            </a:r>
+            <a:r>
+              <a:rPr lang="en-US">
                 <a:solidFill>
                   <a:schemeClr val="accent6">
                     <a:lumMod val="50000"/>
@@ -14382,10 +13878,20 @@
                 <a:latin typeface="Consolas" panose="020B0609020204030204" pitchFamily="49" charset="0"/>
                 <a:cs typeface="Courier New" panose="02070309020205020404" pitchFamily="49" charset="0"/>
               </a:rPr>
-              <a:t>echo</a:t>
-            </a:r>
-            <a:r>
-              <a:rPr lang="fr-BE">
+              <a:t>( </a:t>
+            </a:r>
+            <a:r>
+              <a:rPr lang="en-US">
+                <a:solidFill>
+                  <a:schemeClr val="accent5"/>
+                </a:solidFill>
+                <a:latin typeface="Consolas" panose="020B0609020204030204" pitchFamily="49" charset="0"/>
+                <a:cs typeface="Courier New" panose="02070309020205020404" pitchFamily="49" charset="0"/>
+              </a:rPr>
+              <a:t>name</a:t>
+            </a:r>
+            <a:r>
+              <a:rPr lang="en-US">
                 <a:solidFill>
                   <a:schemeClr val="accent6">
                     <a:lumMod val="50000"/>
@@ -14394,27 +13900,22 @@
                 <a:latin typeface="Consolas" panose="020B0609020204030204" pitchFamily="49" charset="0"/>
                 <a:cs typeface="Courier New" panose="02070309020205020404" pitchFamily="49" charset="0"/>
               </a:rPr>
-              <a:t> $_COOKIE["user"];</a:t>
-            </a:r>
-          </a:p>
-          <a:p>
-            <a:pPr lvl="1"/>
-            <a:r>
-              <a:rPr lang="fr-BE"/>
-              <a:t>Associative </a:t>
-            </a:r>
-            <a:r>
-              <a:rPr lang="fr-BE" err="1"/>
-              <a:t>array</a:t>
-            </a:r>
-            <a:r>
-              <a:rPr lang="fr-BE"/>
-              <a:t> !</a:t>
-            </a:r>
-          </a:p>
-          <a:p>
-            <a:r>
-              <a:rPr lang="fr-BE" err="1">
+              <a:t>, </a:t>
+            </a:r>
+            <a:r>
+              <a:rPr lang="en-US">
+                <a:solidFill>
+                  <a:schemeClr val="accent4">
+                    <a:lumMod val="50000"/>
+                  </a:schemeClr>
+                </a:solidFill>
+                <a:latin typeface="Consolas" panose="020B0609020204030204" pitchFamily="49" charset="0"/>
+                <a:cs typeface="Courier New" panose="02070309020205020404" pitchFamily="49" charset="0"/>
+              </a:rPr>
+              <a:t>value</a:t>
+            </a:r>
+            <a:r>
+              <a:rPr lang="en-US">
                 <a:solidFill>
                   <a:schemeClr val="accent6">
                     <a:lumMod val="50000"/>
@@ -14423,10 +13924,22 @@
                 <a:latin typeface="Consolas" panose="020B0609020204030204" pitchFamily="49" charset="0"/>
                 <a:cs typeface="Courier New" panose="02070309020205020404" pitchFamily="49" charset="0"/>
               </a:rPr>
-              <a:t>isset</a:t>
-            </a:r>
-            <a:r>
-              <a:rPr lang="fr-BE">
+              <a:t>, </a:t>
+            </a:r>
+            <a:r>
+              <a:rPr lang="en-US">
+                <a:solidFill>
+                  <a:schemeClr val="accent6">
+                    <a:lumMod val="25000"/>
+                  </a:schemeClr>
+                </a:solidFill>
+                <a:latin typeface="Consolas" panose="020B0609020204030204" pitchFamily="49" charset="0"/>
+                <a:cs typeface="Courier New" panose="02070309020205020404" pitchFamily="49" charset="0"/>
+              </a:rPr>
+              <a:t>expire</a:t>
+            </a:r>
+            <a:r>
+              <a:rPr lang="en-US">
                 <a:solidFill>
                   <a:schemeClr val="accent6">
                     <a:lumMod val="50000"/>
@@ -14435,31 +13948,359 @@
                 <a:latin typeface="Consolas" panose="020B0609020204030204" pitchFamily="49" charset="0"/>
                 <a:cs typeface="Courier New" panose="02070309020205020404" pitchFamily="49" charset="0"/>
               </a:rPr>
-              <a:t>()</a:t>
+              <a:t>, </a:t>
+            </a:r>
+            <a:r>
+              <a:rPr lang="en-US">
+                <a:solidFill>
+                  <a:schemeClr val="bg2">
+                    <a:lumMod val="50000"/>
+                  </a:schemeClr>
+                </a:solidFill>
+                <a:latin typeface="Consolas" panose="020B0609020204030204" pitchFamily="49" charset="0"/>
+                <a:cs typeface="Courier New" panose="02070309020205020404" pitchFamily="49" charset="0"/>
+              </a:rPr>
+              <a:t>path</a:t>
+            </a:r>
+            <a:r>
+              <a:rPr lang="en-US">
+                <a:solidFill>
+                  <a:schemeClr val="accent6">
+                    <a:lumMod val="50000"/>
+                  </a:schemeClr>
+                </a:solidFill>
+                <a:latin typeface="Consolas" panose="020B0609020204030204" pitchFamily="49" charset="0"/>
+                <a:cs typeface="Courier New" panose="02070309020205020404" pitchFamily="49" charset="0"/>
+              </a:rPr>
+              <a:t>,</a:t>
+            </a:r>
+            <a:br>
+              <a:rPr lang="en-US">
+                <a:solidFill>
+                  <a:schemeClr val="accent6">
+                    <a:lumMod val="50000"/>
+                  </a:schemeClr>
+                </a:solidFill>
+                <a:latin typeface="Consolas" panose="020B0609020204030204" pitchFamily="49" charset="0"/>
+                <a:cs typeface="Courier New" panose="02070309020205020404" pitchFamily="49" charset="0"/>
+              </a:rPr>
+            </a:br>
+            <a:r>
+              <a:rPr lang="en-US">
+                <a:solidFill>
+                  <a:schemeClr val="accent6">
+                    <a:lumMod val="50000"/>
+                  </a:schemeClr>
+                </a:solidFill>
+                <a:latin typeface="Consolas" panose="020B0609020204030204" pitchFamily="49" charset="0"/>
+                <a:cs typeface="Courier New" panose="02070309020205020404" pitchFamily="49" charset="0"/>
+              </a:rPr>
+              <a:t>		   domain, secure, </a:t>
+            </a:r>
+            <a:r>
+              <a:rPr lang="en-US" err="1">
+                <a:solidFill>
+                  <a:schemeClr val="accent6">
+                    <a:lumMod val="50000"/>
+                  </a:schemeClr>
+                </a:solidFill>
+                <a:latin typeface="Consolas" panose="020B0609020204030204" pitchFamily="49" charset="0"/>
+                <a:cs typeface="Courier New" panose="02070309020205020404" pitchFamily="49" charset="0"/>
+              </a:rPr>
+              <a:t>httponly</a:t>
+            </a:r>
+            <a:r>
+              <a:rPr lang="en-US">
+                <a:solidFill>
+                  <a:schemeClr val="accent6">
+                    <a:lumMod val="50000"/>
+                  </a:schemeClr>
+                </a:solidFill>
+                <a:latin typeface="Consolas" panose="020B0609020204030204" pitchFamily="49" charset="0"/>
+                <a:cs typeface="Courier New" panose="02070309020205020404" pitchFamily="49" charset="0"/>
+              </a:rPr>
+              <a:t> );</a:t>
+            </a:r>
+          </a:p>
+          <a:p>
+            <a:pPr lvl="1"/>
+            <a:r>
+              <a:rPr lang="en-US">
+                <a:solidFill>
+                  <a:schemeClr val="accent5"/>
+                </a:solidFill>
+                <a:latin typeface="Consolas" panose="020B0609020204030204" pitchFamily="49" charset="0"/>
+                <a:cs typeface="Courier New" panose="02070309020205020404" pitchFamily="49" charset="0"/>
+              </a:rPr>
+              <a:t>name</a:t>
+            </a:r>
+            <a:r>
+              <a:rPr lang="fr-BE"/>
+              <a:t> : nom du cookie</a:t>
+            </a:r>
+          </a:p>
+          <a:p>
+            <a:pPr lvl="1"/>
+            <a:r>
+              <a:rPr lang="en-US">
+                <a:solidFill>
+                  <a:schemeClr val="accent4">
+                    <a:lumMod val="50000"/>
+                  </a:schemeClr>
+                </a:solidFill>
+                <a:latin typeface="Consolas" panose="020B0609020204030204" pitchFamily="49" charset="0"/>
+                <a:cs typeface="Courier New" panose="02070309020205020404" pitchFamily="49" charset="0"/>
+              </a:rPr>
+              <a:t>value</a:t>
+            </a:r>
+            <a:r>
+              <a:rPr lang="en-US"/>
+              <a:t> : </a:t>
+            </a:r>
+            <a:r>
+              <a:rPr lang="en-US" err="1"/>
+              <a:t>valeur</a:t>
+            </a:r>
+            <a:r>
+              <a:rPr lang="en-US"/>
+              <a:t> du cookie </a:t>
+            </a:r>
+          </a:p>
+          <a:p>
+            <a:pPr lvl="1"/>
+            <a:r>
+              <a:rPr lang="en-US">
+                <a:solidFill>
+                  <a:schemeClr val="accent6">
+                    <a:lumMod val="25000"/>
+                  </a:schemeClr>
+                </a:solidFill>
+                <a:latin typeface="Consolas" panose="020B0609020204030204" pitchFamily="49" charset="0"/>
+                <a:cs typeface="Courier New" panose="02070309020205020404" pitchFamily="49" charset="0"/>
+              </a:rPr>
+              <a:t>expire</a:t>
+            </a:r>
+            <a:r>
+              <a:rPr lang="en-US"/>
+              <a:t> : date-</a:t>
+            </a:r>
+            <a:r>
+              <a:rPr lang="en-US" err="1"/>
+              <a:t>heure</a:t>
+            </a:r>
+            <a:r>
+              <a:rPr lang="en-US"/>
+              <a:t> </a:t>
+            </a:r>
+            <a:r>
+              <a:rPr lang="en-US" err="1"/>
+              <a:t>d'expiration</a:t>
+            </a:r>
+            <a:r>
+              <a:rPr lang="en-US"/>
+              <a:t> du cookie </a:t>
+            </a:r>
+          </a:p>
+          <a:p>
+            <a:pPr lvl="2"/>
+            <a:r>
+              <a:rPr lang="en-US"/>
+              <a:t>souvent </a:t>
+            </a:r>
+            <a:r>
+              <a:rPr lang="en-US" err="1"/>
+              <a:t>calculé</a:t>
+            </a:r>
+            <a:r>
+              <a:rPr lang="en-US"/>
+              <a:t> </a:t>
+            </a:r>
+            <a:r>
+              <a:rPr lang="en-US" err="1"/>
+              <a:t>ainsi</a:t>
+            </a:r>
+            <a:r>
+              <a:rPr lang="en-US"/>
+              <a:t> : date-</a:t>
+            </a:r>
+            <a:r>
+              <a:rPr lang="en-US" err="1"/>
+              <a:t>heure</a:t>
+            </a:r>
+            <a:r>
+              <a:rPr lang="en-US"/>
+              <a:t> courante + durée de </a:t>
+            </a:r>
+            <a:r>
+              <a:rPr lang="en-US" err="1"/>
+              <a:t>validité</a:t>
+            </a:r>
+            <a:endParaRPr lang="en-US"/>
+          </a:p>
+          <a:p>
+            <a:pPr lvl="2"/>
+            <a:r>
+              <a:rPr lang="en-US"/>
+              <a:t>si </a:t>
+            </a:r>
+            <a:r>
+              <a:rPr lang="en-US" i="1">
+                <a:solidFill>
+                  <a:schemeClr val="accent6">
+                    <a:lumMod val="50000"/>
+                  </a:schemeClr>
+                </a:solidFill>
+                <a:latin typeface="Consolas" panose="020B0609020204030204" pitchFamily="49" charset="0"/>
+                <a:cs typeface="Courier New" panose="02070309020205020404" pitchFamily="49" charset="0"/>
+              </a:rPr>
+              <a:t>expire</a:t>
+            </a:r>
+            <a:r>
+              <a:rPr lang="en-US"/>
+              <a:t> </a:t>
+            </a:r>
+            <a:r>
+              <a:rPr lang="en-US" err="1"/>
+              <a:t>vaut</a:t>
+            </a:r>
+            <a:r>
+              <a:rPr lang="en-US"/>
+              <a:t> </a:t>
+            </a:r>
+            <a:r>
+              <a:rPr lang="en-US" sz="2400" b="1">
+                <a:solidFill>
+                  <a:schemeClr val="accent6">
+                    <a:lumMod val="50000"/>
+                  </a:schemeClr>
+                </a:solidFill>
+                <a:latin typeface="Courier New" panose="02070309020205020404" pitchFamily="49" charset="0"/>
+                <a:cs typeface="Courier New" panose="02070309020205020404" pitchFamily="49" charset="0"/>
+              </a:rPr>
+              <a:t>0</a:t>
+            </a:r>
+            <a:r>
+              <a:rPr lang="en-US"/>
+              <a:t> </a:t>
+            </a:r>
+            <a:r>
+              <a:rPr lang="en-US" err="1"/>
+              <a:t>ou</a:t>
+            </a:r>
+            <a:r>
+              <a:rPr lang="en-US"/>
+              <a:t> </a:t>
+            </a:r>
+            <a:r>
+              <a:rPr lang="en-US" err="1"/>
+              <a:t>est</a:t>
+            </a:r>
+            <a:r>
+              <a:rPr lang="en-US"/>
+              <a:t> </a:t>
+            </a:r>
+            <a:r>
+              <a:rPr lang="en-US" err="1"/>
+              <a:t>omis</a:t>
+            </a:r>
+            <a:r>
+              <a:rPr lang="en-US"/>
+              <a:t>, </a:t>
+            </a:r>
+            <a:br>
+              <a:rPr lang="en-US"/>
+            </a:br>
+            <a:r>
+              <a:rPr lang="en-US"/>
+              <a:t>alors le cookie </a:t>
+            </a:r>
+            <a:r>
+              <a:rPr lang="en-US" err="1"/>
+              <a:t>expirera</a:t>
+            </a:r>
+            <a:r>
+              <a:rPr lang="en-US"/>
+              <a:t> à la fin de la session.</a:t>
+            </a:r>
+          </a:p>
+          <a:p>
+            <a:pPr lvl="1"/>
+            <a:r>
+              <a:rPr lang="en-US">
+                <a:solidFill>
+                  <a:schemeClr val="bg2">
+                    <a:lumMod val="50000"/>
+                  </a:schemeClr>
+                </a:solidFill>
+                <a:latin typeface="Consolas" panose="020B0609020204030204" pitchFamily="49" charset="0"/>
+                <a:cs typeface="Courier New" panose="02070309020205020404" pitchFamily="49" charset="0"/>
+              </a:rPr>
+              <a:t>path = "/"</a:t>
+            </a:r>
+            <a:r>
+              <a:rPr lang="en-US"/>
+              <a:t> : le répertoire en dessous duquel le cookie est disponible</a:t>
+            </a:r>
+          </a:p>
+          <a:p>
+            <a:pPr lvl="2"/>
+            <a:r>
+              <a:rPr lang="en-US"/>
+              <a:t>dans ce cours : à mettre à </a:t>
+            </a:r>
+            <a:r>
+              <a:rPr lang="en-US">
+                <a:solidFill>
+                  <a:schemeClr val="bg2">
+                    <a:lumMod val="50000"/>
+                  </a:schemeClr>
+                </a:solidFill>
+                <a:latin typeface="Consolas" panose="020B0609020204030204" pitchFamily="49" charset="0"/>
+                <a:cs typeface="Courier New" panose="02070309020205020404" pitchFamily="49" charset="0"/>
+              </a:rPr>
+              <a:t>"/"</a:t>
+            </a:r>
+            <a:r>
+              <a:rPr lang="en-US"/>
+              <a:t> à des fins de test</a:t>
+            </a:r>
+          </a:p>
+          <a:p>
+            <a:r>
+              <a:rPr lang="fr-BE"/>
+              <a:t>A placer </a:t>
+            </a:r>
+            <a:r>
+              <a:rPr lang="fr-BE" b="1">
+                <a:solidFill>
+                  <a:schemeClr val="accent2"/>
+                </a:solidFill>
+              </a:rPr>
+              <a:t>AVANT</a:t>
+            </a:r>
+            <a:r>
+              <a:rPr lang="fr-BE"/>
+              <a:t> la balise </a:t>
             </a:r>
             <a:r>
               <a:rPr lang="fr-BE">
+                <a:solidFill>
+                  <a:schemeClr val="accent6">
+                    <a:lumMod val="50000"/>
+                  </a:schemeClr>
+                </a:solidFill>
                 <a:latin typeface="Consolas" panose="020B0609020204030204" pitchFamily="49" charset="0"/>
-              </a:rPr>
-              <a:t> </a:t>
-            </a:r>
-          </a:p>
-          <a:p>
-            <a:pPr lvl="1"/>
-            <a:r>
-              <a:rPr lang="fr-BE"/>
-              <a:t>Savoir si le cookie est défini</a:t>
-            </a:r>
-          </a:p>
-          <a:p>
-            <a:endParaRPr lang="fr-BE"/>
+                <a:cs typeface="Courier New" panose="02070309020205020404" pitchFamily="49" charset="0"/>
+              </a:rPr>
+              <a:t>&lt;html&gt;</a:t>
+            </a:r>
           </a:p>
         </p:txBody>
       </p:sp>
     </p:spTree>
     <p:extLst>
       <p:ext uri="{BB962C8B-B14F-4D97-AF65-F5344CB8AC3E}">
-        <p14:creationId xmlns:p14="http://schemas.microsoft.com/office/powerpoint/2010/main" val="1233522360"/>
+        <p14:creationId xmlns:p14="http://schemas.microsoft.com/office/powerpoint/2010/main" val="1112117177"/>
       </p:ext>
     </p:extLst>
   </p:cSld>
@@ -14503,7 +14344,7 @@
           <p:cNvPr id="2" name="Titre 1">
             <a:extLst>
               <a:ext uri="{FF2B5EF4-FFF2-40B4-BE49-F238E27FC236}">
-                <a16:creationId xmlns:a16="http://schemas.microsoft.com/office/drawing/2014/main" id="{2897FBD3-2CB1-458C-8CD3-8556940C4978}"/>
+                <a16:creationId xmlns:a16="http://schemas.microsoft.com/office/drawing/2014/main" id="{09EB4D1A-1C79-44E3-B12C-F5993958C480}"/>
               </a:ext>
             </a:extLst>
           </p:cNvPr>
@@ -14521,7 +14362,7 @@
           <a:p>
             <a:r>
               <a:rPr lang="fr-BE"/>
-              <a:t>Modifier un cookie</a:t>
+              <a:t>Créer des cookies avec PHP : exemple</a:t>
             </a:r>
           </a:p>
         </p:txBody>
@@ -14531,7 +14372,7 @@
           <p:cNvPr id="3" name="Espace réservé du contenu 2">
             <a:extLst>
               <a:ext uri="{FF2B5EF4-FFF2-40B4-BE49-F238E27FC236}">
-                <a16:creationId xmlns:a16="http://schemas.microsoft.com/office/drawing/2014/main" id="{5109CC87-D438-45CB-B0FA-36426B775BC0}"/>
+                <a16:creationId xmlns:a16="http://schemas.microsoft.com/office/drawing/2014/main" id="{03255889-0074-4AF9-88AB-6C763349B6B3}"/>
               </a:ext>
             </a:extLst>
           </p:cNvPr>
@@ -14542,29 +14383,18 @@
             <p:ph idx="1"/>
           </p:nvPr>
         </p:nvSpPr>
-        <p:spPr>
-          <a:xfrm>
-            <a:off x="838200" y="1811214"/>
-            <a:ext cx="10515600" cy="4348165"/>
-          </a:xfrm>
-        </p:spPr>
+        <p:spPr/>
         <p:txBody>
           <a:bodyPr>
             <a:normAutofit/>
           </a:bodyPr>
           <a:lstStyle/>
           <a:p>
-            <a:r>
-              <a:rPr lang="fr-BE"/>
-              <a:t>On définit à nouveau le cookie avec les nouvelles valeurs.</a:t>
-            </a:r>
-          </a:p>
-          <a:p>
             <a:pPr marL="0" indent="0">
               <a:buNone/>
             </a:pPr>
             <a:r>
-              <a:rPr lang="en-US" err="1">
+              <a:rPr lang="en-US">
                 <a:solidFill>
                   <a:schemeClr val="accent6">
                     <a:lumMod val="50000"/>
@@ -14573,8 +14403,31 @@
                 <a:latin typeface="Consolas" panose="020B0609020204030204" pitchFamily="49" charset="0"/>
                 <a:cs typeface="Courier New" panose="02070309020205020404" pitchFamily="49" charset="0"/>
               </a:rPr>
-              <a:t>setcookie</a:t>
-            </a:r>
+              <a:t>$name = </a:t>
+            </a:r>
+            <a:r>
+              <a:rPr lang="en-US">
+                <a:latin typeface="Consolas" panose="020B0609020204030204" pitchFamily="49" charset="0"/>
+                <a:cs typeface="Courier New" panose="02070309020205020404" pitchFamily="49" charset="0"/>
+              </a:rPr>
+              <a:t>"user"</a:t>
+            </a:r>
+            <a:r>
+              <a:rPr lang="en-US">
+                <a:solidFill>
+                  <a:srgbClr val="000000"/>
+                </a:solidFill>
+                <a:latin typeface="Consolas" panose="020B0609020204030204" pitchFamily="49" charset="0"/>
+                <a:cs typeface="Courier New" panose="02070309020205020404" pitchFamily="49" charset="0"/>
+              </a:rPr>
+              <a:t>;</a:t>
+            </a:r>
+            <a:br>
+              <a:rPr lang="en-US">
+                <a:latin typeface="Consolas" panose="020B0609020204030204" pitchFamily="49" charset="0"/>
+                <a:cs typeface="Courier New" panose="02070309020205020404" pitchFamily="49" charset="0"/>
+              </a:rPr>
+            </a:br>
             <a:r>
               <a:rPr lang="en-US">
                 <a:solidFill>
@@ -14585,20 +14438,26 @@
                 <a:latin typeface="Consolas" panose="020B0609020204030204" pitchFamily="49" charset="0"/>
                 <a:cs typeface="Courier New" panose="02070309020205020404" pitchFamily="49" charset="0"/>
               </a:rPr>
-              <a:t>(</a:t>
+              <a:t>$value = </a:t>
             </a:r>
             <a:r>
               <a:rPr lang="en-US">
-                <a:solidFill>
-                  <a:schemeClr val="accent5"/>
-                </a:solidFill>
                 <a:latin typeface="Consolas" panose="020B0609020204030204" pitchFamily="49" charset="0"/>
                 <a:cs typeface="Courier New" panose="02070309020205020404" pitchFamily="49" charset="0"/>
               </a:rPr>
-              <a:t>name</a:t>
-            </a:r>
-            <a:r>
-              <a:rPr lang="en-US" i="1">
+              <a:t>"John Doe";</a:t>
+            </a:r>
+            <a:br>
+              <a:rPr lang="en-US">
+                <a:solidFill>
+                  <a:srgbClr val="000000"/>
+                </a:solidFill>
+                <a:latin typeface="Consolas" panose="020B0609020204030204" pitchFamily="49" charset="0"/>
+                <a:cs typeface="Courier New" panose="02070309020205020404" pitchFamily="49" charset="0"/>
+              </a:rPr>
+            </a:br>
+            <a:r>
+              <a:rPr lang="en-US">
                 <a:solidFill>
                   <a:schemeClr val="accent6">
                     <a:lumMod val="50000"/>
@@ -14607,22 +14466,17 @@
                 <a:latin typeface="Consolas" panose="020B0609020204030204" pitchFamily="49" charset="0"/>
                 <a:cs typeface="Courier New" panose="02070309020205020404" pitchFamily="49" charset="0"/>
               </a:rPr>
-              <a:t>, </a:t>
+              <a:t>$expire = </a:t>
             </a:r>
             <a:r>
               <a:rPr lang="en-US">
-                <a:solidFill>
-                  <a:schemeClr val="accent4">
-                    <a:lumMod val="50000"/>
-                  </a:schemeClr>
-                </a:solidFill>
                 <a:latin typeface="Consolas" panose="020B0609020204030204" pitchFamily="49" charset="0"/>
                 <a:cs typeface="Courier New" panose="02070309020205020404" pitchFamily="49" charset="0"/>
               </a:rPr>
-              <a:t>value</a:t>
-            </a:r>
-            <a:r>
-              <a:rPr lang="en-US" i="1">
+              <a:t>time() + (86400 * 30);</a:t>
+            </a:r>
+            <a:br>
+              <a:rPr lang="en-US">
                 <a:solidFill>
                   <a:schemeClr val="accent6">
                     <a:lumMod val="50000"/>
@@ -14631,19 +14485,16 @@
                 <a:latin typeface="Consolas" panose="020B0609020204030204" pitchFamily="49" charset="0"/>
                 <a:cs typeface="Courier New" panose="02070309020205020404" pitchFamily="49" charset="0"/>
               </a:rPr>
-              <a:t>, </a:t>
-            </a:r>
-            <a:r>
-              <a:rPr lang="en-US">
-                <a:solidFill>
-                  <a:schemeClr val="accent6">
-                    <a:lumMod val="25000"/>
-                  </a:schemeClr>
+            </a:br>
+            <a:r>
+              <a:rPr lang="en-US" err="1">
+                <a:solidFill>
+                  <a:schemeClr val="accent2"/>
                 </a:solidFill>
                 <a:latin typeface="Consolas" panose="020B0609020204030204" pitchFamily="49" charset="0"/>
                 <a:cs typeface="Courier New" panose="02070309020205020404" pitchFamily="49" charset="0"/>
               </a:rPr>
-              <a:t>expire</a:t>
+              <a:t>setcookie</a:t>
             </a:r>
             <a:r>
               <a:rPr lang="en-US">
@@ -14655,117 +14506,37 @@
                 <a:latin typeface="Consolas" panose="020B0609020204030204" pitchFamily="49" charset="0"/>
                 <a:cs typeface="Courier New" panose="02070309020205020404" pitchFamily="49" charset="0"/>
               </a:rPr>
-              <a:t>, "/"</a:t>
-            </a:r>
-            <a:r>
-              <a:rPr lang="en-US" i="1">
+              <a:t>( $name, $value, $expire, "/");</a:t>
+            </a:r>
+          </a:p>
+          <a:p>
+            <a:r>
+              <a:rPr lang="fr-BE"/>
+              <a:t>Ce code crée un cookie nommé "user" avec la valeur "John Doe", qui expirera après 30 jours (86400 * 30).</a:t>
+            </a:r>
+            <a:r>
+              <a:rPr lang="en-US" b="1">
                 <a:solidFill>
                   <a:schemeClr val="accent6">
                     <a:lumMod val="50000"/>
                   </a:schemeClr>
                 </a:solidFill>
-                <a:latin typeface="Consolas" panose="020B0609020204030204" pitchFamily="49" charset="0"/>
+                <a:latin typeface="Courier New" panose="02070309020205020404" pitchFamily="49" charset="0"/>
                 <a:cs typeface="Courier New" panose="02070309020205020404" pitchFamily="49" charset="0"/>
               </a:rPr>
-              <a:t> </a:t>
-            </a:r>
-            <a:r>
-              <a:rPr lang="en-US">
+              <a:t> </a:t>
+            </a:r>
+            <a:br>
+              <a:rPr lang="en-US" b="1">
                 <a:solidFill>
                   <a:schemeClr val="accent6">
                     <a:lumMod val="50000"/>
                   </a:schemeClr>
                 </a:solidFill>
-                <a:latin typeface="Consolas" panose="020B0609020204030204" pitchFamily="49" charset="0"/>
+                <a:latin typeface="Courier New" panose="02070309020205020404" pitchFamily="49" charset="0"/>
                 <a:cs typeface="Courier New" panose="02070309020205020404" pitchFamily="49" charset="0"/>
               </a:rPr>
-              <a:t>);</a:t>
-            </a:r>
-          </a:p>
-          <a:p>
-            <a:pPr lvl="1"/>
-            <a:r>
-              <a:rPr lang="en-US">
-                <a:solidFill>
-                  <a:schemeClr val="accent5"/>
-                </a:solidFill>
-                <a:latin typeface="Consolas" panose="020B0609020204030204" pitchFamily="49" charset="0"/>
-                <a:cs typeface="Courier New" panose="02070309020205020404" pitchFamily="49" charset="0"/>
-              </a:rPr>
-              <a:t>name</a:t>
-            </a:r>
-            <a:r>
-              <a:rPr lang="fr-BE"/>
-              <a:t> : nom du cookie (inchangé)</a:t>
-            </a:r>
-          </a:p>
-          <a:p>
-            <a:pPr lvl="1"/>
-            <a:r>
-              <a:rPr lang="en-US">
-                <a:solidFill>
-                  <a:schemeClr val="accent4">
-                    <a:lumMod val="50000"/>
-                  </a:schemeClr>
-                </a:solidFill>
-                <a:latin typeface="Consolas" panose="020B0609020204030204" pitchFamily="49" charset="0"/>
-                <a:cs typeface="Courier New" panose="02070309020205020404" pitchFamily="49" charset="0"/>
-              </a:rPr>
-              <a:t>value</a:t>
-            </a:r>
-            <a:r>
-              <a:rPr lang="en-US"/>
-              <a:t> : nouvelle </a:t>
-            </a:r>
-            <a:r>
-              <a:rPr lang="en-US" err="1"/>
-              <a:t>valeur</a:t>
-            </a:r>
-            <a:r>
-              <a:rPr lang="en-US"/>
-              <a:t> du cookie </a:t>
-            </a:r>
-          </a:p>
-          <a:p>
-            <a:pPr lvl="1"/>
-            <a:r>
-              <a:rPr lang="en-US">
-                <a:solidFill>
-                  <a:schemeClr val="accent6">
-                    <a:lumMod val="25000"/>
-                  </a:schemeClr>
-                </a:solidFill>
-                <a:latin typeface="Consolas" panose="020B0609020204030204" pitchFamily="49" charset="0"/>
-                <a:cs typeface="Courier New" panose="02070309020205020404" pitchFamily="49" charset="0"/>
-              </a:rPr>
-              <a:t>expire</a:t>
-            </a:r>
-            <a:r>
-              <a:rPr lang="en-US"/>
-              <a:t> : nouvelle date-</a:t>
-            </a:r>
-            <a:r>
-              <a:rPr lang="en-US" err="1"/>
-              <a:t>heure</a:t>
-            </a:r>
-            <a:r>
-              <a:rPr lang="en-US"/>
-              <a:t> </a:t>
-            </a:r>
-            <a:r>
-              <a:rPr lang="en-US" err="1"/>
-              <a:t>d'expiration</a:t>
-            </a:r>
-            <a:r>
-              <a:rPr lang="en-US"/>
-              <a:t> du cookie, etc.</a:t>
-            </a:r>
-          </a:p>
-          <a:p>
-            <a:r>
-              <a:rPr lang="en-US" err="1"/>
-              <a:t>Exemple</a:t>
-            </a:r>
+            </a:br>
             <a:endParaRPr lang="en-US" b="1">
               <a:solidFill>
                 <a:schemeClr val="accent6">
@@ -14776,93 +14547,12 @@
               <a:cs typeface="Courier New" panose="02070309020205020404" pitchFamily="49" charset="0"/>
             </a:endParaRPr>
           </a:p>
-          <a:p>
-            <a:pPr marL="457189" lvl="1" indent="0">
-              <a:buNone/>
-            </a:pPr>
-            <a:r>
-              <a:rPr lang="en-US" err="1">
-                <a:solidFill>
-                  <a:schemeClr val="accent6">
-                    <a:lumMod val="50000"/>
-                  </a:schemeClr>
-                </a:solidFill>
-                <a:latin typeface="Consolas" panose="020B0609020204030204" pitchFamily="49" charset="0"/>
-                <a:cs typeface="Courier New" panose="02070309020205020404" pitchFamily="49" charset="0"/>
-              </a:rPr>
-              <a:t>setcookie</a:t>
-            </a:r>
-            <a:r>
-              <a:rPr lang="en-US">
-                <a:solidFill>
-                  <a:schemeClr val="accent6">
-                    <a:lumMod val="50000"/>
-                  </a:schemeClr>
-                </a:solidFill>
-                <a:latin typeface="Consolas" panose="020B0609020204030204" pitchFamily="49" charset="0"/>
-                <a:cs typeface="Courier New" panose="02070309020205020404" pitchFamily="49" charset="0"/>
-              </a:rPr>
-              <a:t>( </a:t>
-            </a:r>
-            <a:r>
-              <a:rPr lang="en-US">
-                <a:latin typeface="Consolas" panose="020B0609020204030204" pitchFamily="49" charset="0"/>
-                <a:cs typeface="Courier New" panose="02070309020205020404" pitchFamily="49" charset="0"/>
-              </a:rPr>
-              <a:t>"user"</a:t>
-            </a:r>
-            <a:r>
-              <a:rPr lang="en-US">
-                <a:solidFill>
-                  <a:schemeClr val="accent6">
-                    <a:lumMod val="50000"/>
-                  </a:schemeClr>
-                </a:solidFill>
-                <a:latin typeface="Consolas" panose="020B0609020204030204" pitchFamily="49" charset="0"/>
-                <a:cs typeface="Courier New" panose="02070309020205020404" pitchFamily="49" charset="0"/>
-              </a:rPr>
-              <a:t>, </a:t>
-            </a:r>
-            <a:r>
-              <a:rPr lang="en-US">
-                <a:solidFill>
-                  <a:schemeClr val="accent2"/>
-                </a:solidFill>
-                <a:latin typeface="Consolas" panose="020B0609020204030204" pitchFamily="49" charset="0"/>
-                <a:cs typeface="Courier New" panose="02070309020205020404" pitchFamily="49" charset="0"/>
-              </a:rPr>
-              <a:t>"Alex Porter"</a:t>
-            </a:r>
-            <a:r>
-              <a:rPr lang="en-US">
-                <a:solidFill>
-                  <a:schemeClr val="accent6">
-                    <a:lumMod val="50000"/>
-                  </a:schemeClr>
-                </a:solidFill>
-                <a:latin typeface="Consolas" panose="020B0609020204030204" pitchFamily="49" charset="0"/>
-                <a:cs typeface="Courier New" panose="02070309020205020404" pitchFamily="49" charset="0"/>
-              </a:rPr>
-              <a:t> );</a:t>
-            </a:r>
-          </a:p>
-          <a:p>
-            <a:endParaRPr lang="fr-BE" b="1" i="1">
-              <a:solidFill>
-                <a:schemeClr val="accent6">
-                  <a:lumMod val="50000"/>
-                </a:schemeClr>
-              </a:solidFill>
-              <a:latin typeface="Courier New" panose="02070309020205020404" pitchFamily="49" charset="0"/>
-              <a:cs typeface="Courier New" panose="02070309020205020404" pitchFamily="49" charset="0"/>
-            </a:endParaRPr>
-          </a:p>
         </p:txBody>
       </p:sp>
     </p:spTree>
     <p:extLst>
       <p:ext uri="{BB962C8B-B14F-4D97-AF65-F5344CB8AC3E}">
-        <p14:creationId xmlns:p14="http://schemas.microsoft.com/office/powerpoint/2010/main" val="3777390840"/>
+        <p14:creationId xmlns:p14="http://schemas.microsoft.com/office/powerpoint/2010/main" val="3859013047"/>
       </p:ext>
     </p:extLst>
   </p:cSld>
@@ -14906,6 +14596,612 @@
           <p:cNvPr id="2" name="Titre 1">
             <a:extLst>
               <a:ext uri="{FF2B5EF4-FFF2-40B4-BE49-F238E27FC236}">
+                <a16:creationId xmlns:a16="http://schemas.microsoft.com/office/drawing/2014/main" id="{756B8AD4-8C16-4163-8CD2-EAA61E6FC706}"/>
+              </a:ext>
+            </a:extLst>
+          </p:cNvPr>
+          <p:cNvSpPr>
+            <a:spLocks noGrp="1"/>
+          </p:cNvSpPr>
+          <p:nvPr>
+            <p:ph type="title"/>
+          </p:nvPr>
+        </p:nvSpPr>
+        <p:spPr/>
+        <p:txBody>
+          <a:bodyPr/>
+          <a:lstStyle/>
+          <a:p>
+            <a:r>
+              <a:rPr lang="fr-BE"/>
+              <a:t>Lire un cookie</a:t>
+            </a:r>
+          </a:p>
+        </p:txBody>
+      </p:sp>
+      <p:sp>
+        <p:nvSpPr>
+          <p:cNvPr id="3" name="Espace réservé du contenu 2">
+            <a:extLst>
+              <a:ext uri="{FF2B5EF4-FFF2-40B4-BE49-F238E27FC236}">
+                <a16:creationId xmlns:a16="http://schemas.microsoft.com/office/drawing/2014/main" id="{B1D63915-830C-40F4-B5AA-C359620B4DD9}"/>
+              </a:ext>
+            </a:extLst>
+          </p:cNvPr>
+          <p:cNvSpPr>
+            <a:spLocks noGrp="1"/>
+          </p:cNvSpPr>
+          <p:nvPr>
+            <p:ph idx="1"/>
+          </p:nvPr>
+        </p:nvSpPr>
+        <p:spPr/>
+        <p:txBody>
+          <a:bodyPr/>
+          <a:lstStyle/>
+          <a:p>
+            <a:r>
+              <a:rPr lang="fr-BE"/>
+              <a:t>super globale </a:t>
+            </a:r>
+            <a:r>
+              <a:rPr lang="fr-BE">
+                <a:solidFill>
+                  <a:schemeClr val="accent6">
+                    <a:lumMod val="50000"/>
+                  </a:schemeClr>
+                </a:solidFill>
+                <a:latin typeface="Consolas" panose="020B0609020204030204" pitchFamily="49" charset="0"/>
+                <a:cs typeface="Courier New" panose="02070309020205020404" pitchFamily="49" charset="0"/>
+              </a:rPr>
+              <a:t>$_COOKIE</a:t>
+            </a:r>
+          </a:p>
+          <a:p>
+            <a:pPr lvl="1"/>
+            <a:r>
+              <a:rPr lang="fr-BE"/>
+              <a:t>Lire la valeur du cookie, par ex. </a:t>
+            </a:r>
+          </a:p>
+          <a:p>
+            <a:pPr marL="914377" lvl="2" indent="0">
+              <a:buNone/>
+            </a:pPr>
+            <a:r>
+              <a:rPr lang="fr-BE" err="1">
+                <a:solidFill>
+                  <a:schemeClr val="accent6">
+                    <a:lumMod val="50000"/>
+                  </a:schemeClr>
+                </a:solidFill>
+                <a:latin typeface="Consolas" panose="020B0609020204030204" pitchFamily="49" charset="0"/>
+                <a:cs typeface="Courier New" panose="02070309020205020404" pitchFamily="49" charset="0"/>
+              </a:rPr>
+              <a:t>echo</a:t>
+            </a:r>
+            <a:r>
+              <a:rPr lang="fr-BE">
+                <a:solidFill>
+                  <a:schemeClr val="accent6">
+                    <a:lumMod val="50000"/>
+                  </a:schemeClr>
+                </a:solidFill>
+                <a:latin typeface="Consolas" panose="020B0609020204030204" pitchFamily="49" charset="0"/>
+                <a:cs typeface="Courier New" panose="02070309020205020404" pitchFamily="49" charset="0"/>
+              </a:rPr>
+              <a:t> $_COOKIE["user"];</a:t>
+            </a:r>
+          </a:p>
+          <a:p>
+            <a:pPr lvl="1"/>
+            <a:r>
+              <a:rPr lang="fr-BE"/>
+              <a:t>Associative </a:t>
+            </a:r>
+            <a:r>
+              <a:rPr lang="fr-BE" err="1"/>
+              <a:t>array</a:t>
+            </a:r>
+            <a:r>
+              <a:rPr lang="fr-BE"/>
+              <a:t> !</a:t>
+            </a:r>
+          </a:p>
+          <a:p>
+            <a:r>
+              <a:rPr lang="fr-BE" err="1">
+                <a:solidFill>
+                  <a:schemeClr val="accent6">
+                    <a:lumMod val="50000"/>
+                  </a:schemeClr>
+                </a:solidFill>
+                <a:latin typeface="Consolas" panose="020B0609020204030204" pitchFamily="49" charset="0"/>
+                <a:cs typeface="Courier New" panose="02070309020205020404" pitchFamily="49" charset="0"/>
+              </a:rPr>
+              <a:t>isset</a:t>
+            </a:r>
+            <a:r>
+              <a:rPr lang="fr-BE">
+                <a:solidFill>
+                  <a:schemeClr val="accent6">
+                    <a:lumMod val="50000"/>
+                  </a:schemeClr>
+                </a:solidFill>
+                <a:latin typeface="Consolas" panose="020B0609020204030204" pitchFamily="49" charset="0"/>
+                <a:cs typeface="Courier New" panose="02070309020205020404" pitchFamily="49" charset="0"/>
+              </a:rPr>
+              <a:t>()</a:t>
+            </a:r>
+            <a:r>
+              <a:rPr lang="fr-BE">
+                <a:latin typeface="Consolas" panose="020B0609020204030204" pitchFamily="49" charset="0"/>
+              </a:rPr>
+              <a:t> </a:t>
+            </a:r>
+          </a:p>
+          <a:p>
+            <a:pPr lvl="1"/>
+            <a:r>
+              <a:rPr lang="fr-BE"/>
+              <a:t>Savoir si le cookie est défini</a:t>
+            </a:r>
+          </a:p>
+          <a:p>
+            <a:endParaRPr lang="fr-BE"/>
+          </a:p>
+        </p:txBody>
+      </p:sp>
+    </p:spTree>
+    <p:extLst>
+      <p:ext uri="{BB962C8B-B14F-4D97-AF65-F5344CB8AC3E}">
+        <p14:creationId xmlns:p14="http://schemas.microsoft.com/office/powerpoint/2010/main" val="1233522360"/>
+      </p:ext>
+    </p:extLst>
+  </p:cSld>
+  <p:clrMapOvr>
+    <a:masterClrMapping/>
+  </p:clrMapOvr>
+  <mc:AlternateContent xmlns:mc="http://schemas.openxmlformats.org/markup-compatibility/2006" xmlns:p14="http://schemas.microsoft.com/office/powerpoint/2010/main">
+    <mc:Choice Requires="p14">
+      <p:transition spd="slow">
+        <p14:reveal/>
+      </p:transition>
+    </mc:Choice>
+    <mc:Fallback xmlns="">
+      <p:transition spd="slow">
+        <p:fade/>
+      </p:transition>
+    </mc:Fallback>
+  </mc:AlternateContent>
+</p:sld>
+</file>
+
+<file path=ppt/slides/slide37.xml><?xml version="1.0" encoding="utf-8"?>
+<p:sld xmlns:a="http://schemas.openxmlformats.org/drawingml/2006/main" xmlns:r="http://schemas.openxmlformats.org/officeDocument/2006/relationships" xmlns:p="http://schemas.openxmlformats.org/presentationml/2006/main">
+  <p:cSld>
+    <p:spTree>
+      <p:nvGrpSpPr>
+        <p:cNvPr id="1" name=""/>
+        <p:cNvGrpSpPr/>
+        <p:nvPr/>
+      </p:nvGrpSpPr>
+      <p:grpSpPr>
+        <a:xfrm>
+          <a:off x="0" y="0"/>
+          <a:ext cx="0" cy="0"/>
+          <a:chOff x="0" y="0"/>
+          <a:chExt cx="0" cy="0"/>
+        </a:xfrm>
+      </p:grpSpPr>
+      <p:sp>
+        <p:nvSpPr>
+          <p:cNvPr id="2" name="Titre 1">
+            <a:extLst>
+              <a:ext uri="{FF2B5EF4-FFF2-40B4-BE49-F238E27FC236}">
+                <a16:creationId xmlns:a16="http://schemas.microsoft.com/office/drawing/2014/main" id="{2897FBD3-2CB1-458C-8CD3-8556940C4978}"/>
+              </a:ext>
+            </a:extLst>
+          </p:cNvPr>
+          <p:cNvSpPr>
+            <a:spLocks noGrp="1"/>
+          </p:cNvSpPr>
+          <p:nvPr>
+            <p:ph type="title"/>
+          </p:nvPr>
+        </p:nvSpPr>
+        <p:spPr/>
+        <p:txBody>
+          <a:bodyPr/>
+          <a:lstStyle/>
+          <a:p>
+            <a:r>
+              <a:rPr lang="fr-BE"/>
+              <a:t>Modifier un cookie</a:t>
+            </a:r>
+          </a:p>
+        </p:txBody>
+      </p:sp>
+      <p:sp>
+        <p:nvSpPr>
+          <p:cNvPr id="3" name="Espace réservé du contenu 2">
+            <a:extLst>
+              <a:ext uri="{FF2B5EF4-FFF2-40B4-BE49-F238E27FC236}">
+                <a16:creationId xmlns:a16="http://schemas.microsoft.com/office/drawing/2014/main" id="{5109CC87-D438-45CB-B0FA-36426B775BC0}"/>
+              </a:ext>
+            </a:extLst>
+          </p:cNvPr>
+          <p:cNvSpPr>
+            <a:spLocks noGrp="1"/>
+          </p:cNvSpPr>
+          <p:nvPr>
+            <p:ph idx="1"/>
+          </p:nvPr>
+        </p:nvSpPr>
+        <p:spPr>
+          <a:xfrm>
+            <a:off x="838200" y="1811214"/>
+            <a:ext cx="10515600" cy="4348165"/>
+          </a:xfrm>
+        </p:spPr>
+        <p:txBody>
+          <a:bodyPr>
+            <a:normAutofit/>
+          </a:bodyPr>
+          <a:lstStyle/>
+          <a:p>
+            <a:r>
+              <a:rPr lang="fr-BE"/>
+              <a:t>On définit à nouveau le cookie avec les nouvelles valeurs.</a:t>
+            </a:r>
+          </a:p>
+          <a:p>
+            <a:pPr marL="0" indent="0">
+              <a:buNone/>
+            </a:pPr>
+            <a:r>
+              <a:rPr lang="en-US" err="1">
+                <a:solidFill>
+                  <a:schemeClr val="accent6">
+                    <a:lumMod val="50000"/>
+                  </a:schemeClr>
+                </a:solidFill>
+                <a:latin typeface="Consolas" panose="020B0609020204030204" pitchFamily="49" charset="0"/>
+                <a:cs typeface="Courier New" panose="02070309020205020404" pitchFamily="49" charset="0"/>
+              </a:rPr>
+              <a:t>setcookie</a:t>
+            </a:r>
+            <a:r>
+              <a:rPr lang="en-US">
+                <a:solidFill>
+                  <a:schemeClr val="accent6">
+                    <a:lumMod val="50000"/>
+                  </a:schemeClr>
+                </a:solidFill>
+                <a:latin typeface="Consolas" panose="020B0609020204030204" pitchFamily="49" charset="0"/>
+                <a:cs typeface="Courier New" panose="02070309020205020404" pitchFamily="49" charset="0"/>
+              </a:rPr>
+              <a:t>(</a:t>
+            </a:r>
+            <a:r>
+              <a:rPr lang="en-US">
+                <a:solidFill>
+                  <a:schemeClr val="accent5"/>
+                </a:solidFill>
+                <a:latin typeface="Consolas" panose="020B0609020204030204" pitchFamily="49" charset="0"/>
+                <a:cs typeface="Courier New" panose="02070309020205020404" pitchFamily="49" charset="0"/>
+              </a:rPr>
+              <a:t>name</a:t>
+            </a:r>
+            <a:r>
+              <a:rPr lang="en-US" i="1">
+                <a:solidFill>
+                  <a:schemeClr val="accent6">
+                    <a:lumMod val="50000"/>
+                  </a:schemeClr>
+                </a:solidFill>
+                <a:latin typeface="Consolas" panose="020B0609020204030204" pitchFamily="49" charset="0"/>
+                <a:cs typeface="Courier New" panose="02070309020205020404" pitchFamily="49" charset="0"/>
+              </a:rPr>
+              <a:t>, </a:t>
+            </a:r>
+            <a:r>
+              <a:rPr lang="en-US">
+                <a:solidFill>
+                  <a:schemeClr val="accent4">
+                    <a:lumMod val="50000"/>
+                  </a:schemeClr>
+                </a:solidFill>
+                <a:latin typeface="Consolas" panose="020B0609020204030204" pitchFamily="49" charset="0"/>
+                <a:cs typeface="Courier New" panose="02070309020205020404" pitchFamily="49" charset="0"/>
+              </a:rPr>
+              <a:t>value</a:t>
+            </a:r>
+            <a:r>
+              <a:rPr lang="en-US" i="1">
+                <a:solidFill>
+                  <a:schemeClr val="accent6">
+                    <a:lumMod val="50000"/>
+                  </a:schemeClr>
+                </a:solidFill>
+                <a:latin typeface="Consolas" panose="020B0609020204030204" pitchFamily="49" charset="0"/>
+                <a:cs typeface="Courier New" panose="02070309020205020404" pitchFamily="49" charset="0"/>
+              </a:rPr>
+              <a:t>, </a:t>
+            </a:r>
+            <a:r>
+              <a:rPr lang="en-US">
+                <a:solidFill>
+                  <a:schemeClr val="accent6">
+                    <a:lumMod val="25000"/>
+                  </a:schemeClr>
+                </a:solidFill>
+                <a:latin typeface="Consolas" panose="020B0609020204030204" pitchFamily="49" charset="0"/>
+                <a:cs typeface="Courier New" panose="02070309020205020404" pitchFamily="49" charset="0"/>
+              </a:rPr>
+              <a:t>expire</a:t>
+            </a:r>
+            <a:r>
+              <a:rPr lang="en-US">
+                <a:solidFill>
+                  <a:schemeClr val="accent6">
+                    <a:lumMod val="50000"/>
+                  </a:schemeClr>
+                </a:solidFill>
+                <a:latin typeface="Consolas" panose="020B0609020204030204" pitchFamily="49" charset="0"/>
+                <a:cs typeface="Courier New" panose="02070309020205020404" pitchFamily="49" charset="0"/>
+              </a:rPr>
+              <a:t>, "/"</a:t>
+            </a:r>
+            <a:r>
+              <a:rPr lang="en-US" i="1">
+                <a:solidFill>
+                  <a:schemeClr val="accent6">
+                    <a:lumMod val="50000"/>
+                  </a:schemeClr>
+                </a:solidFill>
+                <a:latin typeface="Consolas" panose="020B0609020204030204" pitchFamily="49" charset="0"/>
+                <a:cs typeface="Courier New" panose="02070309020205020404" pitchFamily="49" charset="0"/>
+              </a:rPr>
+              <a:t> </a:t>
+            </a:r>
+            <a:r>
+              <a:rPr lang="en-US">
+                <a:solidFill>
+                  <a:schemeClr val="accent6">
+                    <a:lumMod val="50000"/>
+                  </a:schemeClr>
+                </a:solidFill>
+                <a:latin typeface="Consolas" panose="020B0609020204030204" pitchFamily="49" charset="0"/>
+                <a:cs typeface="Courier New" panose="02070309020205020404" pitchFamily="49" charset="0"/>
+              </a:rPr>
+              <a:t>);</a:t>
+            </a:r>
+          </a:p>
+          <a:p>
+            <a:pPr lvl="1"/>
+            <a:r>
+              <a:rPr lang="en-US">
+                <a:solidFill>
+                  <a:schemeClr val="accent5"/>
+                </a:solidFill>
+                <a:latin typeface="Consolas" panose="020B0609020204030204" pitchFamily="49" charset="0"/>
+                <a:cs typeface="Courier New" panose="02070309020205020404" pitchFamily="49" charset="0"/>
+              </a:rPr>
+              <a:t>name</a:t>
+            </a:r>
+            <a:r>
+              <a:rPr lang="fr-BE"/>
+              <a:t> : nom du cookie (inchangé)</a:t>
+            </a:r>
+          </a:p>
+          <a:p>
+            <a:pPr lvl="1"/>
+            <a:r>
+              <a:rPr lang="en-US">
+                <a:solidFill>
+                  <a:schemeClr val="accent4">
+                    <a:lumMod val="50000"/>
+                  </a:schemeClr>
+                </a:solidFill>
+                <a:latin typeface="Consolas" panose="020B0609020204030204" pitchFamily="49" charset="0"/>
+                <a:cs typeface="Courier New" panose="02070309020205020404" pitchFamily="49" charset="0"/>
+              </a:rPr>
+              <a:t>value</a:t>
+            </a:r>
+            <a:r>
+              <a:rPr lang="en-US"/>
+              <a:t> : nouvelle </a:t>
+            </a:r>
+            <a:r>
+              <a:rPr lang="en-US" err="1"/>
+              <a:t>valeur</a:t>
+            </a:r>
+            <a:r>
+              <a:rPr lang="en-US"/>
+              <a:t> du cookie </a:t>
+            </a:r>
+          </a:p>
+          <a:p>
+            <a:pPr lvl="1"/>
+            <a:r>
+              <a:rPr lang="en-US">
+                <a:solidFill>
+                  <a:schemeClr val="accent6">
+                    <a:lumMod val="25000"/>
+                  </a:schemeClr>
+                </a:solidFill>
+                <a:latin typeface="Consolas" panose="020B0609020204030204" pitchFamily="49" charset="0"/>
+                <a:cs typeface="Courier New" panose="02070309020205020404" pitchFamily="49" charset="0"/>
+              </a:rPr>
+              <a:t>expire</a:t>
+            </a:r>
+            <a:r>
+              <a:rPr lang="en-US"/>
+              <a:t> : nouvelle date-</a:t>
+            </a:r>
+            <a:r>
+              <a:rPr lang="en-US" err="1"/>
+              <a:t>heure</a:t>
+            </a:r>
+            <a:r>
+              <a:rPr lang="en-US"/>
+              <a:t> </a:t>
+            </a:r>
+            <a:r>
+              <a:rPr lang="en-US" err="1"/>
+              <a:t>d'expiration</a:t>
+            </a:r>
+            <a:r>
+              <a:rPr lang="en-US"/>
+              <a:t> du cookie, etc.</a:t>
+            </a:r>
+          </a:p>
+          <a:p>
+            <a:r>
+              <a:rPr lang="en-US" err="1"/>
+              <a:t>Exemple</a:t>
+            </a:r>
+            <a:endParaRPr lang="en-US" b="1">
+              <a:solidFill>
+                <a:schemeClr val="accent6">
+                  <a:lumMod val="50000"/>
+                </a:schemeClr>
+              </a:solidFill>
+              <a:latin typeface="Courier New" panose="02070309020205020404" pitchFamily="49" charset="0"/>
+              <a:cs typeface="Courier New" panose="02070309020205020404" pitchFamily="49" charset="0"/>
+            </a:endParaRPr>
+          </a:p>
+          <a:p>
+            <a:pPr marL="457189" lvl="1" indent="0">
+              <a:buNone/>
+            </a:pPr>
+            <a:r>
+              <a:rPr lang="en-US" err="1">
+                <a:solidFill>
+                  <a:schemeClr val="accent6">
+                    <a:lumMod val="50000"/>
+                  </a:schemeClr>
+                </a:solidFill>
+                <a:latin typeface="Consolas" panose="020B0609020204030204" pitchFamily="49" charset="0"/>
+                <a:cs typeface="Courier New" panose="02070309020205020404" pitchFamily="49" charset="0"/>
+              </a:rPr>
+              <a:t>setcookie</a:t>
+            </a:r>
+            <a:r>
+              <a:rPr lang="en-US">
+                <a:solidFill>
+                  <a:schemeClr val="accent6">
+                    <a:lumMod val="50000"/>
+                  </a:schemeClr>
+                </a:solidFill>
+                <a:latin typeface="Consolas" panose="020B0609020204030204" pitchFamily="49" charset="0"/>
+                <a:cs typeface="Courier New" panose="02070309020205020404" pitchFamily="49" charset="0"/>
+              </a:rPr>
+              <a:t>( </a:t>
+            </a:r>
+            <a:r>
+              <a:rPr lang="en-US">
+                <a:latin typeface="Consolas" panose="020B0609020204030204" pitchFamily="49" charset="0"/>
+                <a:cs typeface="Courier New" panose="02070309020205020404" pitchFamily="49" charset="0"/>
+              </a:rPr>
+              <a:t>"user"</a:t>
+            </a:r>
+            <a:r>
+              <a:rPr lang="en-US">
+                <a:solidFill>
+                  <a:schemeClr val="accent6">
+                    <a:lumMod val="50000"/>
+                  </a:schemeClr>
+                </a:solidFill>
+                <a:latin typeface="Consolas" panose="020B0609020204030204" pitchFamily="49" charset="0"/>
+                <a:cs typeface="Courier New" panose="02070309020205020404" pitchFamily="49" charset="0"/>
+              </a:rPr>
+              <a:t>, </a:t>
+            </a:r>
+            <a:r>
+              <a:rPr lang="en-US">
+                <a:solidFill>
+                  <a:schemeClr val="accent2"/>
+                </a:solidFill>
+                <a:latin typeface="Consolas" panose="020B0609020204030204" pitchFamily="49" charset="0"/>
+                <a:cs typeface="Courier New" panose="02070309020205020404" pitchFamily="49" charset="0"/>
+              </a:rPr>
+              <a:t>"Alex Porter"</a:t>
+            </a:r>
+            <a:r>
+              <a:rPr lang="en-US">
+                <a:solidFill>
+                  <a:schemeClr val="accent6">
+                    <a:lumMod val="50000"/>
+                  </a:schemeClr>
+                </a:solidFill>
+                <a:latin typeface="Consolas" panose="020B0609020204030204" pitchFamily="49" charset="0"/>
+                <a:cs typeface="Courier New" panose="02070309020205020404" pitchFamily="49" charset="0"/>
+              </a:rPr>
+              <a:t> );</a:t>
+            </a:r>
+          </a:p>
+          <a:p>
+            <a:endParaRPr lang="fr-BE" b="1" i="1">
+              <a:solidFill>
+                <a:schemeClr val="accent6">
+                  <a:lumMod val="50000"/>
+                </a:schemeClr>
+              </a:solidFill>
+              <a:latin typeface="Courier New" panose="02070309020205020404" pitchFamily="49" charset="0"/>
+              <a:cs typeface="Courier New" panose="02070309020205020404" pitchFamily="49" charset="0"/>
+            </a:endParaRPr>
+          </a:p>
+        </p:txBody>
+      </p:sp>
+    </p:spTree>
+    <p:extLst>
+      <p:ext uri="{BB962C8B-B14F-4D97-AF65-F5344CB8AC3E}">
+        <p14:creationId xmlns:p14="http://schemas.microsoft.com/office/powerpoint/2010/main" val="3777390840"/>
+      </p:ext>
+    </p:extLst>
+  </p:cSld>
+  <p:clrMapOvr>
+    <a:masterClrMapping/>
+  </p:clrMapOvr>
+  <mc:AlternateContent xmlns:mc="http://schemas.openxmlformats.org/markup-compatibility/2006" xmlns:p14="http://schemas.microsoft.com/office/powerpoint/2010/main">
+    <mc:Choice Requires="p14">
+      <p:transition spd="slow">
+        <p14:reveal/>
+      </p:transition>
+    </mc:Choice>
+    <mc:Fallback xmlns="">
+      <p:transition spd="slow">
+        <p:fade/>
+      </p:transition>
+    </mc:Fallback>
+  </mc:AlternateContent>
+</p:sld>
+</file>
+
+<file path=ppt/slides/slide38.xml><?xml version="1.0" encoding="utf-8"?>
+<p:sld xmlns:a="http://schemas.openxmlformats.org/drawingml/2006/main" xmlns:r="http://schemas.openxmlformats.org/officeDocument/2006/relationships" xmlns:p="http://schemas.openxmlformats.org/presentationml/2006/main">
+  <p:cSld>
+    <p:spTree>
+      <p:nvGrpSpPr>
+        <p:cNvPr id="1" name=""/>
+        <p:cNvGrpSpPr/>
+        <p:nvPr/>
+      </p:nvGrpSpPr>
+      <p:grpSpPr>
+        <a:xfrm>
+          <a:off x="0" y="0"/>
+          <a:ext cx="0" cy="0"/>
+          <a:chOff x="0" y="0"/>
+          <a:chExt cx="0" cy="0"/>
+        </a:xfrm>
+      </p:grpSpPr>
+      <p:sp>
+        <p:nvSpPr>
+          <p:cNvPr id="2" name="Titre 1">
+            <a:extLst>
+              <a:ext uri="{FF2B5EF4-FFF2-40B4-BE49-F238E27FC236}">
                 <a16:creationId xmlns:a16="http://schemas.microsoft.com/office/drawing/2014/main" id="{2897FBD3-2CB1-458C-8CD3-8556940C4978}"/>
               </a:ext>
             </a:extLst>
@@ -15220,7 +15516,7 @@
 </p:sld>
 </file>
 
-<file path=ppt/slides/slide37.xml><?xml version="1.0" encoding="utf-8"?>
+<file path=ppt/slides/slide39.xml><?xml version="1.0" encoding="utf-8"?>
 <p:sld xmlns:a="http://schemas.openxmlformats.org/drawingml/2006/main" xmlns:r="http://schemas.openxmlformats.org/officeDocument/2006/relationships" xmlns:p="http://schemas.openxmlformats.org/presentationml/2006/main">
   <p:cSld>
     <p:spTree>
@@ -15337,7 +15633,130 @@
 </p:sld>
 </file>
 
-<file path=ppt/slides/slide38.xml><?xml version="1.0" encoding="utf-8"?>
+<file path=ppt/slides/slide4.xml><?xml version="1.0" encoding="utf-8"?>
+<p:sld xmlns:a="http://schemas.openxmlformats.org/drawingml/2006/main" xmlns:r="http://schemas.openxmlformats.org/officeDocument/2006/relationships" xmlns:p="http://schemas.openxmlformats.org/presentationml/2006/main">
+  <p:cSld>
+    <p:spTree>
+      <p:nvGrpSpPr>
+        <p:cNvPr id="1" name=""/>
+        <p:cNvGrpSpPr/>
+        <p:nvPr/>
+      </p:nvGrpSpPr>
+      <p:grpSpPr>
+        <a:xfrm>
+          <a:off x="0" y="0"/>
+          <a:ext cx="0" cy="0"/>
+          <a:chOff x="0" y="0"/>
+          <a:chExt cx="0" cy="0"/>
+        </a:xfrm>
+      </p:grpSpPr>
+      <p:sp>
+        <p:nvSpPr>
+          <p:cNvPr id="4" name="Titre 3">
+            <a:extLst>
+              <a:ext uri="{FF2B5EF4-FFF2-40B4-BE49-F238E27FC236}">
+                <a16:creationId xmlns:a16="http://schemas.microsoft.com/office/drawing/2014/main" id="{6BC2345B-F403-44E5-97C3-F5BDF024DC43}"/>
+              </a:ext>
+            </a:extLst>
+          </p:cNvPr>
+          <p:cNvSpPr>
+            <a:spLocks noGrp="1"/>
+          </p:cNvSpPr>
+          <p:nvPr>
+            <p:ph type="title"/>
+          </p:nvPr>
+        </p:nvSpPr>
+        <p:spPr/>
+        <p:txBody>
+          <a:bodyPr/>
+          <a:lstStyle/>
+          <a:p>
+            <a:r>
+              <a:rPr lang="fr-BE">
+                <a:sym typeface="Calibri"/>
+              </a:rPr>
+              <a:t>Transit des données</a:t>
+            </a:r>
+            <a:endParaRPr lang="fr-BE"/>
+          </a:p>
+        </p:txBody>
+      </p:sp>
+      <p:sp>
+        <p:nvSpPr>
+          <p:cNvPr id="2" name="Espace réservé du texte 1">
+            <a:extLst>
+              <a:ext uri="{FF2B5EF4-FFF2-40B4-BE49-F238E27FC236}">
+                <a16:creationId xmlns:a16="http://schemas.microsoft.com/office/drawing/2014/main" id="{B8FC7467-3A2C-9409-377D-B7D912D5E2B3}"/>
+              </a:ext>
+            </a:extLst>
+          </p:cNvPr>
+          <p:cNvSpPr>
+            <a:spLocks noGrp="1"/>
+          </p:cNvSpPr>
+          <p:nvPr>
+            <p:ph type="body" idx="1"/>
+          </p:nvPr>
+        </p:nvSpPr>
+        <p:spPr/>
+        <p:txBody>
+          <a:bodyPr/>
+          <a:lstStyle/>
+          <a:p>
+            <a:endParaRPr lang="fr-BE"/>
+          </a:p>
+        </p:txBody>
+      </p:sp>
+      <p:sp>
+        <p:nvSpPr>
+          <p:cNvPr id="5" name="Espace réservé pour une image  4">
+            <a:extLst>
+              <a:ext uri="{FF2B5EF4-FFF2-40B4-BE49-F238E27FC236}">
+                <a16:creationId xmlns:a16="http://schemas.microsoft.com/office/drawing/2014/main" id="{40318622-D037-2334-20A2-48658796B323}"/>
+              </a:ext>
+            </a:extLst>
+          </p:cNvPr>
+          <p:cNvSpPr>
+            <a:spLocks noGrp="1"/>
+          </p:cNvSpPr>
+          <p:nvPr>
+            <p:ph type="pic" sz="quarter" idx="10"/>
+          </p:nvPr>
+        </p:nvSpPr>
+        <p:spPr/>
+        <p:txBody>
+          <a:bodyPr/>
+          <a:lstStyle/>
+          <a:p>
+            <a:endParaRPr lang="fr-BE"/>
+          </a:p>
+        </p:txBody>
+      </p:sp>
+    </p:spTree>
+    <p:extLst>
+      <p:ext uri="{BB962C8B-B14F-4D97-AF65-F5344CB8AC3E}">
+        <p14:creationId xmlns:p14="http://schemas.microsoft.com/office/powerpoint/2010/main" val="28505476"/>
+      </p:ext>
+    </p:extLst>
+  </p:cSld>
+  <p:clrMapOvr>
+    <a:masterClrMapping/>
+  </p:clrMapOvr>
+  <mc:AlternateContent xmlns:mc="http://schemas.openxmlformats.org/markup-compatibility/2006" xmlns:p14="http://schemas.microsoft.com/office/powerpoint/2010/main">
+    <mc:Choice Requires="p14">
+      <p:transition spd="slow">
+        <p14:reveal/>
+      </p:transition>
+    </mc:Choice>
+    <mc:Fallback xmlns="">
+      <p:transition spd="slow">
+        <p:fade/>
+      </p:transition>
+    </mc:Fallback>
+  </mc:AlternateContent>
+</p:sld>
+</file>
+
+<file path=ppt/slides/slide40.xml><?xml version="1.0" encoding="utf-8"?>
 <p:sld xmlns:a="http://schemas.openxmlformats.org/drawingml/2006/main" xmlns:r="http://schemas.openxmlformats.org/officeDocument/2006/relationships" xmlns:p="http://schemas.openxmlformats.org/presentationml/2006/main">
   <p:cSld>
     <p:spTree>
@@ -15581,7 +16000,7 @@
 </p:sld>
 </file>
 
-<file path=ppt/slides/slide4.xml><?xml version="1.0" encoding="utf-8"?>
+<file path=ppt/slides/slide5.xml><?xml version="1.0" encoding="utf-8"?>
 <p:sld xmlns:a="http://schemas.openxmlformats.org/drawingml/2006/main" xmlns:r="http://schemas.openxmlformats.org/officeDocument/2006/relationships" xmlns:p="http://schemas.openxmlformats.org/presentationml/2006/main">
   <p:cSld>
     <p:spTree>
@@ -15600,10 +16019,10 @@
       </p:grpSpPr>
       <p:sp>
         <p:nvSpPr>
-          <p:cNvPr id="4" name="Titre 3">
+          <p:cNvPr id="5" name="Titre 4">
             <a:extLst>
               <a:ext uri="{FF2B5EF4-FFF2-40B4-BE49-F238E27FC236}">
-                <a16:creationId xmlns:a16="http://schemas.microsoft.com/office/drawing/2014/main" id="{6BC2345B-F403-44E5-97C3-F5BDF024DC43}"/>
+                <a16:creationId xmlns:a16="http://schemas.microsoft.com/office/drawing/2014/main" id="{254A5A39-B674-EF53-040B-C0C074F19108}"/>
               </a:ext>
             </a:extLst>
           </p:cNvPr>
@@ -15620,208 +16039,297 @@
           <a:lstStyle/>
           <a:p>
             <a:r>
-              <a:rPr lang="fr-BE">
-                <a:sym typeface="Calibri"/>
-              </a:rPr>
-              <a:t>Transit des données</a:t>
-            </a:r>
-            <a:endParaRPr lang="fr-BE"/>
-          </a:p>
-        </p:txBody>
-      </p:sp>
-      <p:sp>
-        <p:nvSpPr>
-          <p:cNvPr id="2" name="Espace réservé du texte 1">
+              <a:rPr lang="fr-BE"/>
+              <a:t>Single Page App. vs Multiple Page App.</a:t>
+            </a:r>
+          </a:p>
+        </p:txBody>
+      </p:sp>
+      <p:pic>
+        <p:nvPicPr>
+          <p:cNvPr id="1026" name="Picture 2" descr="SPA vs MPA user experience comparison - SPA is only updating the relevant parts of the page">
             <a:extLst>
               <a:ext uri="{FF2B5EF4-FFF2-40B4-BE49-F238E27FC236}">
-                <a16:creationId xmlns:a16="http://schemas.microsoft.com/office/drawing/2014/main" id="{B8FC7467-3A2C-9409-377D-B7D912D5E2B3}"/>
+                <a16:creationId xmlns:a16="http://schemas.microsoft.com/office/drawing/2014/main" id="{8E2AACD6-13DF-EC45-3257-A94F0D9BEA01}"/>
               </a:ext>
             </a:extLst>
           </p:cNvPr>
-          <p:cNvSpPr>
-            <a:spLocks noGrp="1"/>
-          </p:cNvSpPr>
-          <p:nvPr>
-            <p:ph type="body" idx="1"/>
-          </p:nvPr>
-        </p:nvSpPr>
-        <p:spPr/>
-        <p:txBody>
-          <a:bodyPr/>
-          <a:lstStyle/>
-          <a:p>
-            <a:endParaRPr lang="fr-BE"/>
-          </a:p>
-        </p:txBody>
-      </p:sp>
-      <p:sp>
-        <p:nvSpPr>
-          <p:cNvPr id="5" name="Espace réservé pour une image  4">
+          <p:cNvPicPr>
+            <a:picLocks noGrp="1" noChangeAspect="1" noChangeArrowheads="1"/>
+          </p:cNvPicPr>
+          <p:nvPr>
+            <p:ph idx="1"/>
+          </p:nvPr>
+        </p:nvPicPr>
+        <p:blipFill>
+          <a:blip r:embed="rId2" cstate="print">
+            <a:clrChange>
+              <a:clrFrom>
+                <a:srgbClr val="DFF0F0"/>
+              </a:clrFrom>
+              <a:clrTo>
+                <a:srgbClr val="DFF0F0">
+                  <a:alpha val="0"/>
+                </a:srgbClr>
+              </a:clrTo>
+            </a:clrChange>
+            <a:extLst>
+              <a:ext uri="{28A0092B-C50C-407E-A947-70E740481C1C}">
+                <a14:useLocalDpi xmlns:a14="http://schemas.microsoft.com/office/drawing/2010/main" val="0"/>
+              </a:ext>
+            </a:extLst>
+          </a:blip>
+          <a:stretch>
+            <a:fillRect/>
+          </a:stretch>
+        </p:blipFill>
+        <p:spPr bwMode="auto">
+          <a:xfrm>
+            <a:off x="2064593" y="1690688"/>
+            <a:ext cx="6345509" cy="4486275"/>
+          </a:xfrm>
+          <a:prstGeom prst="rect">
+            <a:avLst/>
+          </a:prstGeom>
+          <a:noFill/>
+          <a:extLst>
+            <a:ext uri="{909E8E84-426E-40DD-AFC4-6F175D3DCCD1}">
+              <a14:hiddenFill xmlns:a14="http://schemas.microsoft.com/office/drawing/2010/main">
+                <a:solidFill>
+                  <a:srgbClr val="FFFFFF"/>
+                </a:solidFill>
+              </a14:hiddenFill>
+            </a:ext>
+          </a:extLst>
+        </p:spPr>
+      </p:pic>
+      <p:sp>
+        <p:nvSpPr>
+          <p:cNvPr id="7" name="ZoneTexte 6">
             <a:extLst>
               <a:ext uri="{FF2B5EF4-FFF2-40B4-BE49-F238E27FC236}">
-                <a16:creationId xmlns:a16="http://schemas.microsoft.com/office/drawing/2014/main" id="{40318622-D037-2334-20A2-48658796B323}"/>
+                <a16:creationId xmlns:a16="http://schemas.microsoft.com/office/drawing/2014/main" id="{A63729AB-B542-54F9-0CA0-C38CE94C7DEA}"/>
               </a:ext>
             </a:extLst>
           </p:cNvPr>
-          <p:cNvSpPr>
-            <a:spLocks noGrp="1"/>
-          </p:cNvSpPr>
-          <p:nvPr>
-            <p:ph type="pic" sz="quarter" idx="10"/>
-          </p:nvPr>
-        </p:nvSpPr>
-        <p:spPr/>
-        <p:txBody>
-          <a:bodyPr/>
+          <p:cNvSpPr txBox="1"/>
+          <p:nvPr/>
+        </p:nvSpPr>
+        <p:spPr>
+          <a:xfrm>
+            <a:off x="9565858" y="2235175"/>
+            <a:ext cx="1622795" cy="523220"/>
+          </a:xfrm>
+          <a:prstGeom prst="rect">
+            <a:avLst/>
+          </a:prstGeom>
+          <a:noFill/>
+        </p:spPr>
+        <p:txBody>
+          <a:bodyPr wrap="square" rtlCol="0">
+            <a:spAutoFit/>
+          </a:bodyPr>
           <a:lstStyle/>
           <a:p>
-            <a:endParaRPr lang="fr-BE"/>
+            <a:r>
+              <a:rPr lang="fr-BE" sz="2800">
+                <a:solidFill>
+                  <a:schemeClr val="accent6">
+                    <a:lumMod val="50000"/>
+                  </a:schemeClr>
+                </a:solidFill>
+                <a:latin typeface="Consolas" panose="020B0609020204030204" pitchFamily="49" charset="0"/>
+              </a:rPr>
+              <a:t>&lt;form&gt;</a:t>
+            </a:r>
+          </a:p>
+        </p:txBody>
+      </p:sp>
+      <p:sp>
+        <p:nvSpPr>
+          <p:cNvPr id="8" name="ZoneTexte 7">
+            <a:extLst>
+              <a:ext uri="{FF2B5EF4-FFF2-40B4-BE49-F238E27FC236}">
+                <a16:creationId xmlns:a16="http://schemas.microsoft.com/office/drawing/2014/main" id="{C6CD49B6-9686-BA3C-E252-B090D501E3ED}"/>
+              </a:ext>
+            </a:extLst>
+          </p:cNvPr>
+          <p:cNvSpPr txBox="1"/>
+          <p:nvPr/>
+        </p:nvSpPr>
+        <p:spPr>
+          <a:xfrm>
+            <a:off x="431988" y="3777711"/>
+            <a:ext cx="1937646" cy="954107"/>
+          </a:xfrm>
+          <a:prstGeom prst="rect">
+            <a:avLst/>
+          </a:prstGeom>
+          <a:noFill/>
+        </p:spPr>
+        <p:txBody>
+          <a:bodyPr wrap="square" rtlCol="0">
+            <a:spAutoFit/>
+          </a:bodyPr>
+          <a:lstStyle/>
+          <a:p>
+            <a:r>
+              <a:rPr lang="fr-BE" sz="2800" strike="sngStrike">
+                <a:solidFill>
+                  <a:schemeClr val="accent6">
+                    <a:lumMod val="50000"/>
+                  </a:schemeClr>
+                </a:solidFill>
+                <a:latin typeface="Consolas" panose="020B0609020204030204" pitchFamily="49" charset="0"/>
+              </a:rPr>
+              <a:t>$.ajax()</a:t>
+            </a:r>
+            <a:br>
+              <a:rPr lang="fr-BE" sz="2800">
+                <a:solidFill>
+                  <a:schemeClr val="accent6">
+                    <a:lumMod val="50000"/>
+                  </a:schemeClr>
+                </a:solidFill>
+                <a:latin typeface="Consolas" panose="020B0609020204030204" pitchFamily="49" charset="0"/>
+              </a:rPr>
+            </a:br>
+            <a:r>
+              <a:rPr lang="fr-BE" sz="2800">
+                <a:solidFill>
+                  <a:schemeClr val="accent6">
+                    <a:lumMod val="50000"/>
+                  </a:schemeClr>
+                </a:solidFill>
+                <a:latin typeface="Consolas" panose="020B0609020204030204" pitchFamily="49" charset="0"/>
+              </a:rPr>
+              <a:t>fetch()</a:t>
+            </a:r>
+          </a:p>
+        </p:txBody>
+      </p:sp>
+      <p:sp>
+        <p:nvSpPr>
+          <p:cNvPr id="9" name="ZoneTexte 8">
+            <a:extLst>
+              <a:ext uri="{FF2B5EF4-FFF2-40B4-BE49-F238E27FC236}">
+                <a16:creationId xmlns:a16="http://schemas.microsoft.com/office/drawing/2014/main" id="{A760C94B-9822-6519-593A-334C3BAA6F05}"/>
+              </a:ext>
+            </a:extLst>
+          </p:cNvPr>
+          <p:cNvSpPr txBox="1"/>
+          <p:nvPr/>
+        </p:nvSpPr>
+        <p:spPr>
+          <a:xfrm>
+            <a:off x="256478" y="4661212"/>
+            <a:ext cx="4226312" cy="1569660"/>
+          </a:xfrm>
+          <a:prstGeom prst="rect">
+            <a:avLst/>
+          </a:prstGeom>
+          <a:noFill/>
+        </p:spPr>
+        <p:txBody>
+          <a:bodyPr wrap="square" rtlCol="0">
+            <a:spAutoFit/>
+          </a:bodyPr>
+          <a:lstStyle/>
+          <a:p>
+            <a:r>
+              <a:rPr lang="fr-BE">
+                <a:solidFill>
+                  <a:schemeClr val="accent2"/>
+                </a:solidFill>
+              </a:rPr>
+              <a:t>SPA</a:t>
+            </a:r>
+          </a:p>
+          <a:p>
+            <a:pPr marL="342900" indent="-342900">
+              <a:buFont typeface="Arial" panose="020B0604020202020204" pitchFamily="34" charset="0"/>
+              <a:buChar char="•"/>
+            </a:pPr>
+            <a:r>
+              <a:rPr lang="fr-BE"/>
+              <a:t>une seule page HTML</a:t>
+            </a:r>
+          </a:p>
+          <a:p>
+            <a:pPr marL="342900" indent="-342900">
+              <a:buFont typeface="Arial" panose="020B0604020202020204" pitchFamily="34" charset="0"/>
+              <a:buChar char="•"/>
+            </a:pPr>
+            <a:r>
+              <a:rPr lang="fr-BE"/>
+              <a:t>seules les parties pertinentes sont modifiées </a:t>
+            </a:r>
+          </a:p>
+        </p:txBody>
+      </p:sp>
+      <p:sp>
+        <p:nvSpPr>
+          <p:cNvPr id="10" name="ZoneTexte 9">
+            <a:extLst>
+              <a:ext uri="{FF2B5EF4-FFF2-40B4-BE49-F238E27FC236}">
+                <a16:creationId xmlns:a16="http://schemas.microsoft.com/office/drawing/2014/main" id="{DF449FF9-E953-FDDA-36C8-90AF0FF5ED65}"/>
+              </a:ext>
+            </a:extLst>
+          </p:cNvPr>
+          <p:cNvSpPr txBox="1"/>
+          <p:nvPr/>
+        </p:nvSpPr>
+        <p:spPr>
+          <a:xfrm>
+            <a:off x="8688893" y="2771520"/>
+            <a:ext cx="3376727" cy="1569660"/>
+          </a:xfrm>
+          <a:prstGeom prst="rect">
+            <a:avLst/>
+          </a:prstGeom>
+          <a:noFill/>
+        </p:spPr>
+        <p:txBody>
+          <a:bodyPr wrap="square" rtlCol="0">
+            <a:spAutoFit/>
+          </a:bodyPr>
+          <a:lstStyle/>
+          <a:p>
+            <a:r>
+              <a:rPr lang="fr-BE">
+                <a:solidFill>
+                  <a:schemeClr val="accent2"/>
+                </a:solidFill>
+              </a:rPr>
+              <a:t>MPA</a:t>
+            </a:r>
+          </a:p>
+          <a:p>
+            <a:pPr marL="342900" indent="-342900">
+              <a:buFont typeface="Arial" panose="020B0604020202020204" pitchFamily="34" charset="0"/>
+              <a:buChar char="•"/>
+            </a:pPr>
+            <a:r>
+              <a:rPr lang="fr-BE"/>
+              <a:t>plusieurs pages HTML</a:t>
+            </a:r>
+          </a:p>
+          <a:p>
+            <a:pPr marL="342900" indent="-342900">
+              <a:buFont typeface="Arial" panose="020B0604020202020204" pitchFamily="34" charset="0"/>
+              <a:buChar char="•"/>
+            </a:pPr>
+            <a:r>
+              <a:rPr lang="fr-BE"/>
+              <a:t>page entièrement rechargée</a:t>
+            </a:r>
           </a:p>
         </p:txBody>
       </p:sp>
     </p:spTree>
     <p:extLst>
       <p:ext uri="{BB962C8B-B14F-4D97-AF65-F5344CB8AC3E}">
-        <p14:creationId xmlns:p14="http://schemas.microsoft.com/office/powerpoint/2010/main" val="28505476"/>
-      </p:ext>
-    </p:extLst>
-  </p:cSld>
-  <p:clrMapOvr>
-    <a:masterClrMapping/>
-  </p:clrMapOvr>
-  <mc:AlternateContent xmlns:mc="http://schemas.openxmlformats.org/markup-compatibility/2006" xmlns:p14="http://schemas.microsoft.com/office/powerpoint/2010/main">
-    <mc:Choice Requires="p14">
-      <p:transition spd="slow">
-        <p14:reveal/>
-      </p:transition>
-    </mc:Choice>
-    <mc:Fallback xmlns="">
-      <p:transition spd="slow">
-        <p:fade/>
-      </p:transition>
-    </mc:Fallback>
-  </mc:AlternateContent>
-</p:sld>
-</file>
-
-<file path=ppt/slides/slide5.xml><?xml version="1.0" encoding="utf-8"?>
-<p:sld xmlns:a="http://schemas.openxmlformats.org/drawingml/2006/main" xmlns:r="http://schemas.openxmlformats.org/officeDocument/2006/relationships" xmlns:p="http://schemas.openxmlformats.org/presentationml/2006/main">
-  <p:cSld>
-    <p:spTree>
-      <p:nvGrpSpPr>
-        <p:cNvPr id="1" name="Shape 43"/>
-        <p:cNvGrpSpPr/>
-        <p:nvPr/>
-      </p:nvGrpSpPr>
-      <p:grpSpPr>
-        <a:xfrm>
-          <a:off x="0" y="0"/>
-          <a:ext cx="0" cy="0"/>
-          <a:chOff x="0" y="0"/>
-          <a:chExt cx="0" cy="0"/>
-        </a:xfrm>
-      </p:grpSpPr>
-      <p:sp>
-        <p:nvSpPr>
-          <p:cNvPr id="44" name="Google Shape;44;p9"/>
-          <p:cNvSpPr txBox="1">
-            <a:spLocks noGrp="1"/>
-          </p:cNvSpPr>
-          <p:nvPr>
-            <p:ph type="title"/>
-          </p:nvPr>
-        </p:nvSpPr>
-        <p:spPr/>
-        <p:txBody>
-          <a:bodyPr/>
-          <a:lstStyle/>
-          <a:p>
-            <a:r>
-              <a:rPr lang="fr-BE">
-                <a:sym typeface="Calibri"/>
-              </a:rPr>
-              <a:t>Objectifs des formulaires</a:t>
-            </a:r>
-          </a:p>
-        </p:txBody>
-      </p:sp>
-      <p:sp>
-        <p:nvSpPr>
-          <p:cNvPr id="45" name="Google Shape;45;p9"/>
-          <p:cNvSpPr txBox="1">
-            <a:spLocks noGrp="1"/>
-          </p:cNvSpPr>
-          <p:nvPr>
-            <p:ph idx="1"/>
-          </p:nvPr>
-        </p:nvSpPr>
-        <p:spPr/>
-        <p:txBody>
-          <a:bodyPr>
-            <a:normAutofit/>
-          </a:bodyPr>
-          <a:lstStyle/>
-          <a:p>
-            <a:r>
-              <a:rPr lang="fr-BE">
-                <a:sym typeface="Calibri"/>
-              </a:rPr>
-              <a:t>La création d'un formulaire se fait via la balise </a:t>
-            </a:r>
-            <a:r>
-              <a:rPr lang="fr-BE" b="1">
-                <a:solidFill>
-                  <a:schemeClr val="accent6">
-                    <a:lumMod val="50000"/>
-                  </a:schemeClr>
-                </a:solidFill>
-                <a:latin typeface="Courier New" panose="02070309020205020404" pitchFamily="49" charset="0"/>
-                <a:cs typeface="Courier New" panose="02070309020205020404" pitchFamily="49" charset="0"/>
-                <a:sym typeface="Courier New"/>
-              </a:rPr>
-              <a:t>&lt;form&gt;</a:t>
-            </a:r>
-          </a:p>
-          <a:p>
-            <a:r>
-              <a:rPr lang="fr-BE">
-                <a:sym typeface="Calibri"/>
-              </a:rPr>
-              <a:t>Les formulaires sont utilisés pour récolter des informations des utilisateurs.</a:t>
-            </a:r>
-          </a:p>
-          <a:p>
-            <a:r>
-              <a:rPr lang="fr-BE">
-                <a:sym typeface="Calibri"/>
-              </a:rPr>
-              <a:t>Deux problèmes:</a:t>
-            </a:r>
-          </a:p>
-          <a:p>
-            <a:pPr lvl="1"/>
-            <a:r>
-              <a:rPr lang="fr-BE">
-                <a:sym typeface="Calibri"/>
-              </a:rPr>
-              <a:t>Comment envoyer les données au serveur ?</a:t>
-            </a:r>
-          </a:p>
-          <a:p>
-            <a:pPr lvl="1"/>
-            <a:r>
-              <a:rPr lang="fr-BE">
-                <a:sym typeface="Calibri"/>
-              </a:rPr>
-              <a:t>Comment le serveur traite-t-il les données reçues?</a:t>
-            </a:r>
-          </a:p>
-        </p:txBody>
-      </p:sp>
-    </p:spTree>
-    <p:extLst>
-      <p:ext uri="{BB962C8B-B14F-4D97-AF65-F5344CB8AC3E}">
-        <p14:creationId xmlns:p14="http://schemas.microsoft.com/office/powerpoint/2010/main" val="2817179324"/>
+        <p14:creationId xmlns:p14="http://schemas.microsoft.com/office/powerpoint/2010/main" val="642635547"/>
       </p:ext>
     </p:extLst>
   </p:cSld>
@@ -15848,7 +16356,7 @@
   <p:cSld>
     <p:spTree>
       <p:nvGrpSpPr>
-        <p:cNvPr id="1" name="Shape 49"/>
+        <p:cNvPr id="1" name=""/>
         <p:cNvGrpSpPr/>
         <p:nvPr/>
       </p:nvGrpSpPr>
@@ -15862,8 +16370,14 @@
       </p:grpSpPr>
       <p:sp>
         <p:nvSpPr>
-          <p:cNvPr id="50" name="Google Shape;50;p10"/>
-          <p:cNvSpPr txBox="1">
+          <p:cNvPr id="5" name="Titre 4">
+            <a:extLst>
+              <a:ext uri="{FF2B5EF4-FFF2-40B4-BE49-F238E27FC236}">
+                <a16:creationId xmlns:a16="http://schemas.microsoft.com/office/drawing/2014/main" id="{60567DB5-40A3-D689-2A49-2F35E1661C1E}"/>
+              </a:ext>
+            </a:extLst>
+          </p:cNvPr>
+          <p:cNvSpPr>
             <a:spLocks noGrp="1"/>
           </p:cNvSpPr>
           <p:nvPr>
@@ -15876,387 +16390,212 @@
           <a:lstStyle/>
           <a:p>
             <a:r>
-              <a:rPr lang="fr-BE">
-                <a:sym typeface="Calibri"/>
-              </a:rPr>
-              <a:t>Comment faire transiter les données?</a:t>
-            </a:r>
-          </a:p>
-        </p:txBody>
-      </p:sp>
-      <p:sp>
-        <p:nvSpPr>
-          <p:cNvPr id="51" name="Google Shape;51;p10"/>
-          <p:cNvSpPr txBox="1">
-            <a:spLocks noGrp="1"/>
-          </p:cNvSpPr>
-          <p:nvPr>
-            <p:ph idx="1"/>
+              <a:rPr lang="fr-BE"/>
+              <a:t>MPA vs SPA, use cases</a:t>
+            </a:r>
+          </a:p>
+        </p:txBody>
+      </p:sp>
+      <p:sp>
+        <p:nvSpPr>
+          <p:cNvPr id="7" name="Espace réservé du texte 6">
+            <a:extLst>
+              <a:ext uri="{FF2B5EF4-FFF2-40B4-BE49-F238E27FC236}">
+                <a16:creationId xmlns:a16="http://schemas.microsoft.com/office/drawing/2014/main" id="{037A0327-C066-39FA-3EB7-0985D48AFB6E}"/>
+              </a:ext>
+            </a:extLst>
+          </p:cNvPr>
+          <p:cNvSpPr>
+            <a:spLocks noGrp="1"/>
+          </p:cNvSpPr>
+          <p:nvPr>
+            <p:ph type="body" idx="1"/>
           </p:nvPr>
         </p:nvSpPr>
         <p:spPr/>
         <p:txBody>
           <a:bodyPr>
-            <a:normAutofit fontScale="92500" lnSpcReduction="20000"/>
+            <a:normAutofit/>
           </a:bodyPr>
           <a:lstStyle/>
           <a:p>
             <a:r>
-              <a:rPr lang="fr-BE">
-                <a:sym typeface="Calibri"/>
-              </a:rPr>
-              <a:t>Deux méthodes :</a:t>
-            </a:r>
-          </a:p>
-          <a:p>
-            <a:pPr lvl="1"/>
-            <a:r>
-              <a:rPr lang="fr-BE">
+              <a:rPr lang="fr-BE" sz="3200">
                 <a:solidFill>
                   <a:schemeClr val="accent2"/>
                 </a:solidFill>
-                <a:sym typeface="Calibri"/>
-              </a:rPr>
-              <a:t>GET</a:t>
-            </a:r>
-            <a:r>
-              <a:rPr lang="fr-BE">
-                <a:sym typeface="Calibri"/>
-              </a:rPr>
-              <a:t>: envoie les données dans l'URL de la page</a:t>
-            </a:r>
-          </a:p>
-          <a:p>
-            <a:pPr lvl="2"/>
-            <a:r>
-              <a:rPr lang="fr-BE">
-                <a:sym typeface="Courier New"/>
-              </a:rPr>
-              <a:t>https://www.google.com/search ? </a:t>
-            </a:r>
-            <a:r>
-              <a:rPr lang="fr-BE">
+              </a:rPr>
+              <a:t>MPA</a:t>
+            </a:r>
+          </a:p>
+        </p:txBody>
+      </p:sp>
+      <p:sp>
+        <p:nvSpPr>
+          <p:cNvPr id="6" name="Espace réservé du contenu 5">
+            <a:extLst>
+              <a:ext uri="{FF2B5EF4-FFF2-40B4-BE49-F238E27FC236}">
+                <a16:creationId xmlns:a16="http://schemas.microsoft.com/office/drawing/2014/main" id="{4A1F8FF8-6C56-04E4-42D5-78D0BA8E4142}"/>
+              </a:ext>
+            </a:extLst>
+          </p:cNvPr>
+          <p:cNvSpPr>
+            <a:spLocks noGrp="1"/>
+          </p:cNvSpPr>
+          <p:nvPr>
+            <p:ph sz="half" idx="2"/>
+          </p:nvPr>
+        </p:nvSpPr>
+        <p:spPr/>
+        <p:txBody>
+          <a:bodyPr>
+            <a:normAutofit/>
+          </a:bodyPr>
+          <a:lstStyle/>
+          <a:p>
+            <a:r>
+              <a:rPr lang="fr-BE"/>
+              <a:t>app statique</a:t>
+            </a:r>
+          </a:p>
+          <a:p>
+            <a:r>
+              <a:rPr lang="fr-BE"/>
+              <a:t>services B2B</a:t>
+            </a:r>
+          </a:p>
+          <a:p>
+            <a:r>
+              <a:rPr lang="fr-BE"/>
+              <a:t>e-commerce</a:t>
+            </a:r>
+          </a:p>
+        </p:txBody>
+      </p:sp>
+      <p:sp>
+        <p:nvSpPr>
+          <p:cNvPr id="8" name="Espace réservé du texte 7">
+            <a:extLst>
+              <a:ext uri="{FF2B5EF4-FFF2-40B4-BE49-F238E27FC236}">
+                <a16:creationId xmlns:a16="http://schemas.microsoft.com/office/drawing/2014/main" id="{BC14CB71-9959-51E0-732D-43C5077BED5E}"/>
+              </a:ext>
+            </a:extLst>
+          </p:cNvPr>
+          <p:cNvSpPr>
+            <a:spLocks noGrp="1"/>
+          </p:cNvSpPr>
+          <p:nvPr>
+            <p:ph type="body" sz="quarter" idx="3"/>
+          </p:nvPr>
+        </p:nvSpPr>
+        <p:spPr/>
+        <p:txBody>
+          <a:bodyPr vert="horz" lIns="91440" tIns="45720" rIns="91440" bIns="45720" rtlCol="0" anchor="b">
+            <a:normAutofit/>
+          </a:bodyPr>
+          <a:lstStyle/>
+          <a:p>
+            <a:r>
+              <a:rPr lang="fr-BE" sz="3200">
                 <a:solidFill>
                   <a:schemeClr val="accent2"/>
                 </a:solidFill>
-                <a:sym typeface="Courier New"/>
-              </a:rPr>
-              <a:t>q=</a:t>
-            </a:r>
-            <a:r>
-              <a:rPr lang="fr-BE" err="1">
-                <a:solidFill>
-                  <a:schemeClr val="accent2"/>
-                </a:solidFill>
-                <a:sym typeface="Courier New"/>
-              </a:rPr>
-              <a:t>developpement+photo</a:t>
-            </a:r>
-            <a:endParaRPr lang="fr-BE">
-              <a:solidFill>
-                <a:schemeClr val="accent2"/>
-              </a:solidFill>
-              <a:sym typeface="Courier New"/>
-            </a:endParaRPr>
-          </a:p>
-          <a:p>
-            <a:pPr lvl="2"/>
-            <a:r>
-              <a:rPr lang="fr-BE">
-                <a:sym typeface="Calibri"/>
-              </a:rPr>
-              <a:t>Limité à 255 caractères</a:t>
-            </a:r>
-          </a:p>
-          <a:p>
-            <a:pPr lvl="2"/>
-            <a:r>
-              <a:rPr lang="fr-BE">
-                <a:sym typeface="Calibri"/>
-              </a:rPr>
-              <a:t>Paramètres visibles</a:t>
-            </a:r>
-          </a:p>
-          <a:p>
-            <a:pPr lvl="1"/>
-            <a:r>
-              <a:rPr lang="fr-BE">
-                <a:solidFill>
-                  <a:schemeClr val="accent2"/>
-                </a:solidFill>
-                <a:sym typeface="Calibri"/>
-              </a:rPr>
-              <a:t>POST</a:t>
-            </a:r>
-            <a:r>
-              <a:rPr lang="fr-BE">
-                <a:sym typeface="Calibri"/>
-              </a:rPr>
-              <a:t>: envoie les données via la requête HTTP</a:t>
-            </a:r>
-          </a:p>
-          <a:p>
-            <a:pPr lvl="2"/>
-            <a:r>
-              <a:rPr lang="fr-BE">
-                <a:sym typeface="Calibri"/>
-              </a:rPr>
-              <a:t>Permet de faire transiter un plus gros nombre de caractères</a:t>
-            </a:r>
-          </a:p>
-          <a:p>
-            <a:pPr lvl="2"/>
-            <a:r>
-              <a:rPr lang="fr-BE">
-                <a:sym typeface="Calibri"/>
-              </a:rPr>
-              <a:t>Paramètres invisibles</a:t>
-            </a:r>
-          </a:p>
-          <a:p>
-            <a:r>
-              <a:rPr lang="fr-BE">
-                <a:sym typeface="Calibri"/>
-              </a:rPr>
-              <a:t>Défini avec l'attribut "</a:t>
-            </a:r>
-            <a:r>
-              <a:rPr lang="fr-BE" err="1">
-                <a:solidFill>
-                  <a:schemeClr val="accent6">
-                    <a:lumMod val="50000"/>
-                  </a:schemeClr>
-                </a:solidFill>
-                <a:latin typeface="Consolas" panose="020B0609020204030204" pitchFamily="49" charset="0"/>
-                <a:cs typeface="Courier New" panose="02070309020205020404" pitchFamily="49" charset="0"/>
-                <a:sym typeface="Courier New"/>
-              </a:rPr>
-              <a:t>method</a:t>
-            </a:r>
-            <a:r>
-              <a:rPr lang="fr-BE">
-                <a:sym typeface="Courier New"/>
-              </a:rPr>
-              <a:t>"</a:t>
-            </a:r>
-            <a:r>
-              <a:rPr lang="fr-BE">
-                <a:sym typeface="Calibri"/>
-              </a:rPr>
-              <a:t> de la balise </a:t>
-            </a:r>
-            <a:r>
-              <a:rPr lang="fr-BE">
-                <a:solidFill>
-                  <a:schemeClr val="accent6">
-                    <a:lumMod val="50000"/>
-                  </a:schemeClr>
-                </a:solidFill>
-                <a:latin typeface="Consolas" panose="020B0609020204030204" pitchFamily="49" charset="0"/>
-                <a:cs typeface="Courier New" panose="02070309020205020404" pitchFamily="49" charset="0"/>
-                <a:sym typeface="Calibri"/>
-              </a:rPr>
-              <a:t>&lt;</a:t>
-            </a:r>
-            <a:r>
-              <a:rPr lang="fr-BE" err="1">
-                <a:solidFill>
-                  <a:schemeClr val="accent6">
-                    <a:lumMod val="50000"/>
-                  </a:schemeClr>
-                </a:solidFill>
-                <a:latin typeface="Consolas" panose="020B0609020204030204" pitchFamily="49" charset="0"/>
-                <a:cs typeface="Courier New" panose="02070309020205020404" pitchFamily="49" charset="0"/>
-                <a:sym typeface="Calibri"/>
-              </a:rPr>
-              <a:t>form</a:t>
-            </a:r>
-            <a:r>
-              <a:rPr lang="fr-BE">
-                <a:solidFill>
-                  <a:schemeClr val="accent6">
-                    <a:lumMod val="50000"/>
-                  </a:schemeClr>
-                </a:solidFill>
-                <a:latin typeface="Consolas" panose="020B0609020204030204" pitchFamily="49" charset="0"/>
-                <a:cs typeface="Courier New" panose="02070309020205020404" pitchFamily="49" charset="0"/>
-                <a:sym typeface="Calibri"/>
-              </a:rPr>
-              <a:t>&gt;</a:t>
-            </a:r>
-          </a:p>
-          <a:p>
-            <a:pPr marL="457189" lvl="1" indent="0">
-              <a:buNone/>
-            </a:pPr>
+              </a:rPr>
+              <a:t>SPA</a:t>
+            </a:r>
+          </a:p>
+        </p:txBody>
+      </p:sp>
+      <p:sp>
+        <p:nvSpPr>
+          <p:cNvPr id="9" name="Espace réservé du contenu 8">
+            <a:extLst>
+              <a:ext uri="{FF2B5EF4-FFF2-40B4-BE49-F238E27FC236}">
+                <a16:creationId xmlns:a16="http://schemas.microsoft.com/office/drawing/2014/main" id="{EB175BB3-32CE-C415-3536-9E3113A203F5}"/>
+              </a:ext>
+            </a:extLst>
+          </p:cNvPr>
+          <p:cNvSpPr>
+            <a:spLocks noGrp="1"/>
+          </p:cNvSpPr>
+          <p:nvPr>
+            <p:ph sz="quarter" idx="4"/>
+          </p:nvPr>
+        </p:nvSpPr>
+        <p:spPr/>
+        <p:txBody>
+          <a:bodyPr>
+            <a:normAutofit/>
+          </a:bodyPr>
+          <a:lstStyle/>
+          <a:p>
+            <a:r>
+              <a:rPr lang="fr-BE"/>
+              <a:t>app dynamique</a:t>
+            </a:r>
+          </a:p>
+          <a:p>
+            <a:r>
+              <a:rPr lang="fr-BE"/>
+              <a:t>social networks</a:t>
+            </a:r>
+          </a:p>
+          <a:p>
+            <a:r>
+              <a:rPr lang="fr-BE"/>
+              <a:t>streaming services</a:t>
+            </a:r>
+          </a:p>
+          <a:p>
+            <a:r>
+              <a:rPr lang="fr-BE"/>
+              <a:t>real-time location services</a:t>
+            </a:r>
+          </a:p>
+        </p:txBody>
+      </p:sp>
+      <p:sp>
+        <p:nvSpPr>
+          <p:cNvPr id="10" name="ZoneTexte 9">
+            <a:extLst>
+              <a:ext uri="{FF2B5EF4-FFF2-40B4-BE49-F238E27FC236}">
+                <a16:creationId xmlns:a16="http://schemas.microsoft.com/office/drawing/2014/main" id="{12506C64-A250-8371-EEAC-00B2AADD7EEE}"/>
+              </a:ext>
+            </a:extLst>
+          </p:cNvPr>
+          <p:cNvSpPr txBox="1"/>
+          <p:nvPr/>
+        </p:nvSpPr>
+        <p:spPr>
+          <a:xfrm>
+            <a:off x="4626692" y="5666443"/>
+            <a:ext cx="3802566" cy="523220"/>
+          </a:xfrm>
+          <a:prstGeom prst="rect">
+            <a:avLst/>
+          </a:prstGeom>
+          <a:noFill/>
+        </p:spPr>
+        <p:txBody>
+          <a:bodyPr wrap="square" rtlCol="0">
+            <a:spAutoFit/>
+          </a:bodyPr>
+          <a:lstStyle/>
+          <a:p>
             <a:r>
               <a:rPr lang="fr-BE" sz="2800">
-                <a:solidFill>
-                  <a:schemeClr val="accent6">
-                    <a:lumMod val="50000"/>
-                  </a:schemeClr>
-                </a:solidFill>
-                <a:latin typeface="Consolas" panose="020B0609020204030204" pitchFamily="49" charset="0"/>
-                <a:cs typeface="Courier New" panose="02070309020205020404" pitchFamily="49" charset="0"/>
-                <a:sym typeface="Calibri"/>
-              </a:rPr>
-              <a:t>&lt;</a:t>
-            </a:r>
-            <a:r>
-              <a:rPr lang="fr-BE" sz="2800" err="1">
-                <a:solidFill>
-                  <a:schemeClr val="accent6">
-                    <a:lumMod val="50000"/>
-                  </a:schemeClr>
-                </a:solidFill>
-                <a:latin typeface="Consolas" panose="020B0609020204030204" pitchFamily="49" charset="0"/>
-                <a:cs typeface="Courier New" panose="02070309020205020404" pitchFamily="49" charset="0"/>
-                <a:sym typeface="Calibri"/>
-              </a:rPr>
-              <a:t>form</a:t>
-            </a:r>
-            <a:r>
-              <a:rPr lang="fr-BE" sz="2800">
-                <a:solidFill>
-                  <a:schemeClr val="accent6">
-                    <a:lumMod val="50000"/>
-                  </a:schemeClr>
-                </a:solidFill>
-                <a:latin typeface="Consolas" panose="020B0609020204030204" pitchFamily="49" charset="0"/>
-                <a:cs typeface="Courier New" panose="02070309020205020404" pitchFamily="49" charset="0"/>
-                <a:sym typeface="Calibri"/>
-              </a:rPr>
-              <a:t> </a:t>
-            </a:r>
-            <a:r>
-              <a:rPr lang="fr-BE" sz="2800" err="1">
-                <a:solidFill>
-                  <a:schemeClr val="accent6">
-                    <a:lumMod val="50000"/>
-                  </a:schemeClr>
-                </a:solidFill>
-                <a:latin typeface="Consolas" panose="020B0609020204030204" pitchFamily="49" charset="0"/>
-                <a:cs typeface="Courier New" panose="02070309020205020404" pitchFamily="49" charset="0"/>
-                <a:sym typeface="Courier New"/>
-              </a:rPr>
-              <a:t>method</a:t>
-            </a:r>
-            <a:r>
-              <a:rPr lang="fr-BE" sz="2800">
-                <a:solidFill>
-                  <a:schemeClr val="accent6">
-                    <a:lumMod val="50000"/>
-                  </a:schemeClr>
-                </a:solidFill>
-                <a:latin typeface="Consolas" panose="020B0609020204030204" pitchFamily="49" charset="0"/>
-                <a:cs typeface="Courier New" panose="02070309020205020404" pitchFamily="49" charset="0"/>
-                <a:sym typeface="Courier New"/>
-              </a:rPr>
-              <a:t>="</a:t>
-            </a:r>
-            <a:r>
-              <a:rPr lang="fr-BE" sz="2800" err="1">
-                <a:solidFill>
-                  <a:schemeClr val="accent6">
-                    <a:lumMod val="50000"/>
-                  </a:schemeClr>
-                </a:solidFill>
-                <a:latin typeface="Consolas" panose="020B0609020204030204" pitchFamily="49" charset="0"/>
-                <a:cs typeface="Courier New" panose="02070309020205020404" pitchFamily="49" charset="0"/>
-                <a:sym typeface="Courier New"/>
-              </a:rPr>
-              <a:t>get</a:t>
-            </a:r>
-            <a:r>
-              <a:rPr lang="fr-BE" sz="2800">
-                <a:solidFill>
-                  <a:schemeClr val="accent6">
-                    <a:lumMod val="50000"/>
-                  </a:schemeClr>
-                </a:solidFill>
-                <a:latin typeface="Consolas" panose="020B0609020204030204" pitchFamily="49" charset="0"/>
-                <a:cs typeface="Courier New" panose="02070309020205020404" pitchFamily="49" charset="0"/>
-                <a:sym typeface="Courier New"/>
-              </a:rPr>
-              <a:t>" …</a:t>
-            </a:r>
-          </a:p>
-          <a:p>
-            <a:pPr marL="457189" lvl="1" indent="0">
-              <a:buNone/>
-            </a:pPr>
-            <a:r>
-              <a:rPr lang="fr-BE" sz="2800">
-                <a:solidFill>
-                  <a:schemeClr val="accent6">
-                    <a:lumMod val="50000"/>
-                  </a:schemeClr>
-                </a:solidFill>
-                <a:latin typeface="Consolas" panose="020B0609020204030204" pitchFamily="49" charset="0"/>
-                <a:cs typeface="Courier New" panose="02070309020205020404" pitchFamily="49" charset="0"/>
-                <a:sym typeface="Calibri"/>
-              </a:rPr>
-              <a:t>&lt;</a:t>
-            </a:r>
-            <a:r>
-              <a:rPr lang="fr-BE" sz="2800" err="1">
-                <a:solidFill>
-                  <a:schemeClr val="accent6">
-                    <a:lumMod val="50000"/>
-                  </a:schemeClr>
-                </a:solidFill>
-                <a:latin typeface="Consolas" panose="020B0609020204030204" pitchFamily="49" charset="0"/>
-                <a:cs typeface="Courier New" panose="02070309020205020404" pitchFamily="49" charset="0"/>
-                <a:sym typeface="Calibri"/>
-              </a:rPr>
-              <a:t>form</a:t>
-            </a:r>
-            <a:r>
-              <a:rPr lang="fr-BE" sz="2800">
-                <a:solidFill>
-                  <a:schemeClr val="accent6">
-                    <a:lumMod val="50000"/>
-                  </a:schemeClr>
-                </a:solidFill>
-                <a:latin typeface="Consolas" panose="020B0609020204030204" pitchFamily="49" charset="0"/>
-                <a:cs typeface="Courier New" panose="02070309020205020404" pitchFamily="49" charset="0"/>
-                <a:sym typeface="Calibri"/>
-              </a:rPr>
-              <a:t> </a:t>
-            </a:r>
-            <a:r>
-              <a:rPr lang="fr-BE" sz="2800" err="1">
-                <a:solidFill>
-                  <a:schemeClr val="accent6">
-                    <a:lumMod val="50000"/>
-                  </a:schemeClr>
-                </a:solidFill>
-                <a:latin typeface="Consolas" panose="020B0609020204030204" pitchFamily="49" charset="0"/>
-                <a:cs typeface="Courier New" panose="02070309020205020404" pitchFamily="49" charset="0"/>
-                <a:sym typeface="Courier New"/>
-              </a:rPr>
-              <a:t>method</a:t>
-            </a:r>
-            <a:r>
-              <a:rPr lang="fr-BE" sz="2800">
-                <a:solidFill>
-                  <a:schemeClr val="accent6">
-                    <a:lumMod val="50000"/>
-                  </a:schemeClr>
-                </a:solidFill>
-                <a:latin typeface="Consolas" panose="020B0609020204030204" pitchFamily="49" charset="0"/>
-                <a:cs typeface="Courier New" panose="02070309020205020404" pitchFamily="49" charset="0"/>
-                <a:sym typeface="Courier New"/>
-              </a:rPr>
-              <a:t>="post" …</a:t>
-            </a:r>
+                <a:hlinkClick r:id="rId2"/>
+              </a:rPr>
+              <a:t>discussion sur Reddit </a:t>
+            </a:r>
+            <a:endParaRPr lang="fr-BE" sz="2800"/>
           </a:p>
         </p:txBody>
       </p:sp>
     </p:spTree>
     <p:extLst>
       <p:ext uri="{BB962C8B-B14F-4D97-AF65-F5344CB8AC3E}">
-        <p14:creationId xmlns:p14="http://schemas.microsoft.com/office/powerpoint/2010/main" val="1761849454"/>
+        <p14:creationId xmlns:p14="http://schemas.microsoft.com/office/powerpoint/2010/main" val="2145867279"/>
       </p:ext>
     </p:extLst>
   </p:cSld>
@@ -16283,7 +16622,7 @@
   <p:cSld>
     <p:spTree>
       <p:nvGrpSpPr>
-        <p:cNvPr id="1" name="Shape 55"/>
+        <p:cNvPr id="1" name="Shape 43"/>
         <p:cNvGrpSpPr/>
         <p:nvPr/>
       </p:nvGrpSpPr>
@@ -16297,7 +16636,7 @@
       </p:grpSpPr>
       <p:sp>
         <p:nvSpPr>
-          <p:cNvPr id="56" name="Google Shape;56;p11"/>
+          <p:cNvPr id="44" name="Google Shape;44;p9"/>
           <p:cNvSpPr txBox="1">
             <a:spLocks noGrp="1"/>
           </p:cNvSpPr>
@@ -16314,14 +16653,14 @@
               <a:rPr lang="fr-BE">
                 <a:sym typeface="Calibri"/>
               </a:rPr>
-              <a:t>Comment traiter les données?</a:t>
-            </a:r>
-          </a:p>
-        </p:txBody>
-      </p:sp>
-      <p:sp>
-        <p:nvSpPr>
-          <p:cNvPr id="57" name="Google Shape;57;p11"/>
+              <a:t>Objectifs des formulaires</a:t>
+            </a:r>
+          </a:p>
+        </p:txBody>
+      </p:sp>
+      <p:sp>
+        <p:nvSpPr>
+          <p:cNvPr id="45" name="Google Shape;45;p9"/>
           <p:cNvSpPr txBox="1">
             <a:spLocks noGrp="1"/>
           </p:cNvSpPr>
@@ -16331,74 +16670,63 @@
         </p:nvSpPr>
         <p:spPr/>
         <p:txBody>
-          <a:bodyPr/>
+          <a:bodyPr>
+            <a:normAutofit/>
+          </a:bodyPr>
           <a:lstStyle/>
           <a:p>
             <a:r>
               <a:rPr lang="fr-BE">
                 <a:sym typeface="Calibri"/>
               </a:rPr>
-              <a:t>Il faut envoyer la requête contenant les données du formulaire (via GET ou POST) à un </a:t>
-            </a:r>
-            <a:r>
-              <a:rPr lang="fr-BE">
-                <a:solidFill>
-                  <a:schemeClr val="accent2"/>
-                </a:solidFill>
-                <a:sym typeface="Calibri"/>
-              </a:rPr>
-              <a:t>script</a:t>
-            </a:r>
-            <a:r>
-              <a:rPr lang="fr-BE">
-                <a:sym typeface="Calibri"/>
-              </a:rPr>
-              <a:t> qui pourra les traiter (ex. page contenant du PHP)</a:t>
-            </a:r>
-          </a:p>
-          <a:p>
-            <a:r>
-              <a:rPr lang="fr-BE">
-                <a:sym typeface="Calibri"/>
-              </a:rPr>
-              <a:t>Défini avec l'attribut </a:t>
-            </a:r>
-            <a:r>
-              <a:rPr lang="fr-BE">
-                <a:sym typeface="Courier New"/>
-              </a:rPr>
-              <a:t>action</a:t>
-            </a:r>
-          </a:p>
-          <a:p>
-            <a:pPr marL="457189" lvl="1" indent="0">
-              <a:buNone/>
-            </a:pPr>
-            <a:r>
-              <a:rPr lang="fr-BE" sz="2800">
+              <a:t>La création d'un formulaire se fait via la balise </a:t>
+            </a:r>
+            <a:r>
+              <a:rPr lang="fr-BE" b="1">
                 <a:solidFill>
                   <a:schemeClr val="accent6">
                     <a:lumMod val="50000"/>
                   </a:schemeClr>
                 </a:solidFill>
-                <a:latin typeface="Consolas" panose="020B0609020204030204" pitchFamily="49" charset="0"/>
-                <a:cs typeface="Courier New" panose="02070309020205020404" pitchFamily="49" charset="0"/>
-                <a:sym typeface="Calibri"/>
-              </a:rPr>
-              <a:t>&lt;form </a:t>
-            </a:r>
-            <a:r>
-              <a:rPr lang="fr-BE" sz="2800">
-                <a:solidFill>
-                  <a:schemeClr val="accent6">
-                    <a:lumMod val="50000"/>
-                  </a:schemeClr>
-                </a:solidFill>
-                <a:latin typeface="Consolas" panose="020B0609020204030204" pitchFamily="49" charset="0"/>
+                <a:latin typeface="Courier New" panose="02070309020205020404" pitchFamily="49" charset="0"/>
                 <a:cs typeface="Courier New" panose="02070309020205020404" pitchFamily="49" charset="0"/>
                 <a:sym typeface="Courier New"/>
               </a:rPr>
-              <a:t>method="get" action="./register.php" …</a:t>
+              <a:t>&lt;form&gt;</a:t>
+            </a:r>
+          </a:p>
+          <a:p>
+            <a:r>
+              <a:rPr lang="fr-BE">
+                <a:sym typeface="Calibri"/>
+              </a:rPr>
+              <a:t>Les formulaires sont utilisés pour récolter des informations des utilisateurs.</a:t>
+            </a:r>
+          </a:p>
+          <a:p>
+            <a:r>
+              <a:rPr lang="fr-BE">
+                <a:sym typeface="Calibri"/>
+              </a:rPr>
+              <a:t>Deux problèmes:</a:t>
+            </a:r>
+          </a:p>
+          <a:p>
+            <a:pPr lvl="1"/>
+            <a:r>
+              <a:rPr lang="fr-BE">
+                <a:sym typeface="Calibri"/>
+              </a:rPr>
+              <a:t>Comment envoyer les données au serveur ?</a:t>
+            </a:r>
+          </a:p>
+          <a:p>
+            <a:pPr lvl="1"/>
+            <a:r>
+              <a:rPr lang="fr-BE">
+                <a:sym typeface="Calibri"/>
+              </a:rPr>
+              <a:t>Comment le serveur traite-t-il les données reçues?</a:t>
             </a:r>
           </a:p>
         </p:txBody>
@@ -16406,7 +16734,7 @@
     </p:spTree>
     <p:extLst>
       <p:ext uri="{BB962C8B-B14F-4D97-AF65-F5344CB8AC3E}">
-        <p14:creationId xmlns:p14="http://schemas.microsoft.com/office/powerpoint/2010/main" val="1654815679"/>
+        <p14:creationId xmlns:p14="http://schemas.microsoft.com/office/powerpoint/2010/main" val="2817179324"/>
       </p:ext>
     </p:extLst>
   </p:cSld>
@@ -16433,7 +16761,7 @@
   <p:cSld>
     <p:spTree>
       <p:nvGrpSpPr>
-        <p:cNvPr id="1" name="Shape 61"/>
+        <p:cNvPr id="1" name="Shape 49"/>
         <p:cNvGrpSpPr/>
         <p:nvPr/>
       </p:nvGrpSpPr>
@@ -16447,7 +16775,7 @@
       </p:grpSpPr>
       <p:sp>
         <p:nvSpPr>
-          <p:cNvPr id="62" name="Google Shape;62;p12"/>
+          <p:cNvPr id="50" name="Google Shape;50;p10"/>
           <p:cNvSpPr txBox="1">
             <a:spLocks noGrp="1"/>
           </p:cNvSpPr>
@@ -16464,14 +16792,14 @@
               <a:rPr lang="fr-BE">
                 <a:sym typeface="Calibri"/>
               </a:rPr>
-              <a:t>Exemple de formulaire</a:t>
-            </a:r>
-          </a:p>
-        </p:txBody>
-      </p:sp>
-      <p:sp>
-        <p:nvSpPr>
-          <p:cNvPr id="63" name="Google Shape;63;p12"/>
+              <a:t>Comment faire transiter les données?</a:t>
+            </a:r>
+          </a:p>
+        </p:txBody>
+      </p:sp>
+      <p:sp>
+        <p:nvSpPr>
+          <p:cNvPr id="51" name="Google Shape;51;p10"/>
           <p:cNvSpPr txBox="1">
             <a:spLocks noGrp="1"/>
           </p:cNvSpPr>
@@ -16481,27 +16809,132 @@
         </p:nvSpPr>
         <p:spPr/>
         <p:txBody>
-          <a:bodyPr/>
+          <a:bodyPr>
+            <a:normAutofit fontScale="92500" lnSpcReduction="20000"/>
+          </a:bodyPr>
           <a:lstStyle/>
           <a:p>
             <a:r>
               <a:rPr lang="fr-BE">
                 <a:sym typeface="Calibri"/>
               </a:rPr>
-              <a:t>Déclaration d'un formulaire</a:t>
-            </a:r>
-          </a:p>
-          <a:p>
+              <a:t>Deux méthodes :</a:t>
+            </a:r>
+          </a:p>
+          <a:p>
+            <a:pPr lvl="1"/>
+            <a:r>
+              <a:rPr lang="fr-BE">
+                <a:solidFill>
+                  <a:schemeClr val="accent2"/>
+                </a:solidFill>
+                <a:sym typeface="Calibri"/>
+              </a:rPr>
+              <a:t>GET</a:t>
+            </a:r>
+            <a:r>
+              <a:rPr lang="fr-BE">
+                <a:sym typeface="Calibri"/>
+              </a:rPr>
+              <a:t>: envoie les données dans l'URL de la page</a:t>
+            </a:r>
+          </a:p>
+          <a:p>
+            <a:pPr lvl="2"/>
+            <a:r>
+              <a:rPr lang="fr-BE">
+                <a:sym typeface="Courier New"/>
+              </a:rPr>
+              <a:t>https://www.google.com/search ? </a:t>
+            </a:r>
+            <a:r>
+              <a:rPr lang="fr-BE">
+                <a:solidFill>
+                  <a:schemeClr val="accent2"/>
+                </a:solidFill>
+                <a:sym typeface="Courier New"/>
+              </a:rPr>
+              <a:t>q=</a:t>
+            </a:r>
+            <a:r>
+              <a:rPr lang="fr-BE" err="1">
+                <a:solidFill>
+                  <a:schemeClr val="accent2"/>
+                </a:solidFill>
+                <a:sym typeface="Courier New"/>
+              </a:rPr>
+              <a:t>developpement+photo</a:t>
+            </a:r>
             <a:endParaRPr lang="fr-BE">
+              <a:solidFill>
+                <a:schemeClr val="accent2"/>
+              </a:solidFill>
               <a:sym typeface="Courier New"/>
             </a:endParaRPr>
           </a:p>
           <a:p>
-            <a:pPr marL="0" indent="0">
-              <a:buNone/>
-            </a:pPr>
-            <a:r>
-              <a:rPr lang="fr-BE" sz="2800">
+            <a:pPr lvl="2"/>
+            <a:r>
+              <a:rPr lang="fr-BE">
+                <a:sym typeface="Calibri"/>
+              </a:rPr>
+              <a:t>Limité à 255 caractères</a:t>
+            </a:r>
+          </a:p>
+          <a:p>
+            <a:pPr lvl="2"/>
+            <a:r>
+              <a:rPr lang="fr-BE">
+                <a:sym typeface="Calibri"/>
+              </a:rPr>
+              <a:t>Paramètres visibles</a:t>
+            </a:r>
+          </a:p>
+          <a:p>
+            <a:pPr lvl="1"/>
+            <a:r>
+              <a:rPr lang="fr-BE">
+                <a:solidFill>
+                  <a:schemeClr val="accent2"/>
+                </a:solidFill>
+                <a:sym typeface="Calibri"/>
+              </a:rPr>
+              <a:t>POST</a:t>
+            </a:r>
+            <a:r>
+              <a:rPr lang="fr-BE">
+                <a:sym typeface="Calibri"/>
+              </a:rPr>
+              <a:t>: envoie les données via la requête HTTP</a:t>
+            </a:r>
+          </a:p>
+          <a:p>
+            <a:pPr lvl="2"/>
+            <a:r>
+              <a:rPr lang="fr-BE">
+                <a:sym typeface="Calibri"/>
+              </a:rPr>
+              <a:t>Permet de faire transiter un plus gros nombre de caractères</a:t>
+            </a:r>
+          </a:p>
+          <a:p>
+            <a:pPr lvl="2"/>
+            <a:r>
+              <a:rPr lang="fr-BE">
+                <a:sym typeface="Calibri"/>
+              </a:rPr>
+              <a:t>Paramètres invisibles</a:t>
+            </a:r>
+          </a:p>
+          <a:p>
+            <a:r>
+              <a:rPr lang="fr-BE">
+                <a:sym typeface="Calibri"/>
+              </a:rPr>
+              <a:t>Défini avec l'attribut "</a:t>
+            </a:r>
+            <a:r>
+              <a:rPr lang="fr-BE" err="1">
                 <a:solidFill>
                   <a:schemeClr val="accent6">
                     <a:lumMod val="50000"/>
@@ -16511,15 +16944,22 @@
                 <a:cs typeface="Courier New" panose="02070309020205020404" pitchFamily="49" charset="0"/>
                 <a:sym typeface="Courier New"/>
               </a:rPr>
-              <a:t>&lt;form method="get" action="./register.php"&gt;</a:t>
-            </a:r>
-          </a:p>
-          <a:p>
-            <a:pPr marL="0" indent="0">
-              <a:buNone/>
-            </a:pPr>
-            <a:r>
-              <a:rPr lang="fr-BE" sz="2800">
+              <a:t>method</a:t>
+            </a:r>
+            <a:r>
+              <a:rPr lang="fr-BE">
+                <a:sym typeface="Courier New"/>
+              </a:rPr>
+              <a:t>"</a:t>
+            </a:r>
+            <a:r>
+              <a:rPr lang="fr-BE">
+                <a:sym typeface="Calibri"/>
+              </a:rPr>
+              <a:t> de la balise </a:t>
+            </a:r>
+            <a:r>
+              <a:rPr lang="fr-BE">
                 <a:solidFill>
                   <a:schemeClr val="accent6">
                     <a:lumMod val="50000"/>
@@ -16527,17 +16967,12 @@
                 </a:solidFill>
                 <a:latin typeface="Consolas" panose="020B0609020204030204" pitchFamily="49" charset="0"/>
                 <a:cs typeface="Courier New" panose="02070309020205020404" pitchFamily="49" charset="0"/>
-                <a:sym typeface="Courier New"/>
-              </a:rPr>
-              <a:t>	...</a:t>
-            </a:r>
-          </a:p>
-          <a:p>
-            <a:pPr marL="0" indent="0">
-              <a:buNone/>
-            </a:pPr>
-            <a:r>
-              <a:rPr lang="fr-BE" sz="2800">
+                <a:sym typeface="Calibri"/>
+              </a:rPr>
+              <a:t>&lt;</a:t>
+            </a:r>
+            <a:r>
+              <a:rPr lang="fr-BE" err="1">
                 <a:solidFill>
                   <a:schemeClr val="accent6">
                     <a:lumMod val="50000"/>
@@ -16545,20 +16980,196 @@
                 </a:solidFill>
                 <a:latin typeface="Consolas" panose="020B0609020204030204" pitchFamily="49" charset="0"/>
                 <a:cs typeface="Courier New" panose="02070309020205020404" pitchFamily="49" charset="0"/>
+                <a:sym typeface="Calibri"/>
+              </a:rPr>
+              <a:t>form</a:t>
+            </a:r>
+            <a:r>
+              <a:rPr lang="fr-BE">
+                <a:solidFill>
+                  <a:schemeClr val="accent6">
+                    <a:lumMod val="50000"/>
+                  </a:schemeClr>
+                </a:solidFill>
+                <a:latin typeface="Consolas" panose="020B0609020204030204" pitchFamily="49" charset="0"/>
+                <a:cs typeface="Courier New" panose="02070309020205020404" pitchFamily="49" charset="0"/>
+                <a:sym typeface="Calibri"/>
+              </a:rPr>
+              <a:t>&gt;</a:t>
+            </a:r>
+          </a:p>
+          <a:p>
+            <a:pPr marL="457189" lvl="1" indent="0">
+              <a:buNone/>
+            </a:pPr>
+            <a:r>
+              <a:rPr lang="fr-BE" sz="2800">
+                <a:solidFill>
+                  <a:schemeClr val="accent6">
+                    <a:lumMod val="50000"/>
+                  </a:schemeClr>
+                </a:solidFill>
+                <a:latin typeface="Consolas" panose="020B0609020204030204" pitchFamily="49" charset="0"/>
+                <a:cs typeface="Courier New" panose="02070309020205020404" pitchFamily="49" charset="0"/>
+                <a:sym typeface="Calibri"/>
+              </a:rPr>
+              <a:t>&lt;</a:t>
+            </a:r>
+            <a:r>
+              <a:rPr lang="fr-BE" sz="2800" err="1">
+                <a:solidFill>
+                  <a:schemeClr val="accent6">
+                    <a:lumMod val="50000"/>
+                  </a:schemeClr>
+                </a:solidFill>
+                <a:latin typeface="Consolas" panose="020B0609020204030204" pitchFamily="49" charset="0"/>
+                <a:cs typeface="Courier New" panose="02070309020205020404" pitchFamily="49" charset="0"/>
+                <a:sym typeface="Calibri"/>
+              </a:rPr>
+              <a:t>form</a:t>
+            </a:r>
+            <a:r>
+              <a:rPr lang="fr-BE" sz="2800">
+                <a:solidFill>
+                  <a:schemeClr val="accent6">
+                    <a:lumMod val="50000"/>
+                  </a:schemeClr>
+                </a:solidFill>
+                <a:latin typeface="Consolas" panose="020B0609020204030204" pitchFamily="49" charset="0"/>
+                <a:cs typeface="Courier New" panose="02070309020205020404" pitchFamily="49" charset="0"/>
+                <a:sym typeface="Calibri"/>
+              </a:rPr>
+              <a:t> </a:t>
+            </a:r>
+            <a:r>
+              <a:rPr lang="fr-BE" sz="2800" err="1">
+                <a:solidFill>
+                  <a:schemeClr val="accent6">
+                    <a:lumMod val="50000"/>
+                  </a:schemeClr>
+                </a:solidFill>
+                <a:latin typeface="Consolas" panose="020B0609020204030204" pitchFamily="49" charset="0"/>
+                <a:cs typeface="Courier New" panose="02070309020205020404" pitchFamily="49" charset="0"/>
                 <a:sym typeface="Courier New"/>
               </a:rPr>
-              <a:t>&lt;/form&gt;</a:t>
-            </a:r>
-          </a:p>
-          <a:p>
-            <a:endParaRPr lang="fr-BE"/>
+              <a:t>method</a:t>
+            </a:r>
+            <a:r>
+              <a:rPr lang="fr-BE" sz="2800">
+                <a:solidFill>
+                  <a:schemeClr val="accent6">
+                    <a:lumMod val="50000"/>
+                  </a:schemeClr>
+                </a:solidFill>
+                <a:latin typeface="Consolas" panose="020B0609020204030204" pitchFamily="49" charset="0"/>
+                <a:cs typeface="Courier New" panose="02070309020205020404" pitchFamily="49" charset="0"/>
+                <a:sym typeface="Courier New"/>
+              </a:rPr>
+              <a:t>="</a:t>
+            </a:r>
+            <a:r>
+              <a:rPr lang="fr-BE" sz="2800" err="1">
+                <a:solidFill>
+                  <a:schemeClr val="accent6">
+                    <a:lumMod val="50000"/>
+                  </a:schemeClr>
+                </a:solidFill>
+                <a:latin typeface="Consolas" panose="020B0609020204030204" pitchFamily="49" charset="0"/>
+                <a:cs typeface="Courier New" panose="02070309020205020404" pitchFamily="49" charset="0"/>
+                <a:sym typeface="Courier New"/>
+              </a:rPr>
+              <a:t>get</a:t>
+            </a:r>
+            <a:r>
+              <a:rPr lang="fr-BE" sz="2800">
+                <a:solidFill>
+                  <a:schemeClr val="accent6">
+                    <a:lumMod val="50000"/>
+                  </a:schemeClr>
+                </a:solidFill>
+                <a:latin typeface="Consolas" panose="020B0609020204030204" pitchFamily="49" charset="0"/>
+                <a:cs typeface="Courier New" panose="02070309020205020404" pitchFamily="49" charset="0"/>
+                <a:sym typeface="Courier New"/>
+              </a:rPr>
+              <a:t>" …</a:t>
+            </a:r>
+          </a:p>
+          <a:p>
+            <a:pPr marL="457189" lvl="1" indent="0">
+              <a:buNone/>
+            </a:pPr>
+            <a:r>
+              <a:rPr lang="fr-BE" sz="2800">
+                <a:solidFill>
+                  <a:schemeClr val="accent6">
+                    <a:lumMod val="50000"/>
+                  </a:schemeClr>
+                </a:solidFill>
+                <a:latin typeface="Consolas" panose="020B0609020204030204" pitchFamily="49" charset="0"/>
+                <a:cs typeface="Courier New" panose="02070309020205020404" pitchFamily="49" charset="0"/>
+                <a:sym typeface="Calibri"/>
+              </a:rPr>
+              <a:t>&lt;</a:t>
+            </a:r>
+            <a:r>
+              <a:rPr lang="fr-BE" sz="2800" err="1">
+                <a:solidFill>
+                  <a:schemeClr val="accent6">
+                    <a:lumMod val="50000"/>
+                  </a:schemeClr>
+                </a:solidFill>
+                <a:latin typeface="Consolas" panose="020B0609020204030204" pitchFamily="49" charset="0"/>
+                <a:cs typeface="Courier New" panose="02070309020205020404" pitchFamily="49" charset="0"/>
+                <a:sym typeface="Calibri"/>
+              </a:rPr>
+              <a:t>form</a:t>
+            </a:r>
+            <a:r>
+              <a:rPr lang="fr-BE" sz="2800">
+                <a:solidFill>
+                  <a:schemeClr val="accent6">
+                    <a:lumMod val="50000"/>
+                  </a:schemeClr>
+                </a:solidFill>
+                <a:latin typeface="Consolas" panose="020B0609020204030204" pitchFamily="49" charset="0"/>
+                <a:cs typeface="Courier New" panose="02070309020205020404" pitchFamily="49" charset="0"/>
+                <a:sym typeface="Calibri"/>
+              </a:rPr>
+              <a:t> </a:t>
+            </a:r>
+            <a:r>
+              <a:rPr lang="fr-BE" sz="2800" err="1">
+                <a:solidFill>
+                  <a:schemeClr val="accent6">
+                    <a:lumMod val="50000"/>
+                  </a:schemeClr>
+                </a:solidFill>
+                <a:latin typeface="Consolas" panose="020B0609020204030204" pitchFamily="49" charset="0"/>
+                <a:cs typeface="Courier New" panose="02070309020205020404" pitchFamily="49" charset="0"/>
+                <a:sym typeface="Courier New"/>
+              </a:rPr>
+              <a:t>method</a:t>
+            </a:r>
+            <a:r>
+              <a:rPr lang="fr-BE" sz="2800">
+                <a:solidFill>
+                  <a:schemeClr val="accent6">
+                    <a:lumMod val="50000"/>
+                  </a:schemeClr>
+                </a:solidFill>
+                <a:latin typeface="Consolas" panose="020B0609020204030204" pitchFamily="49" charset="0"/>
+                <a:cs typeface="Courier New" panose="02070309020205020404" pitchFamily="49" charset="0"/>
+                <a:sym typeface="Courier New"/>
+              </a:rPr>
+              <a:t>="post" …</a:t>
+            </a:r>
           </a:p>
         </p:txBody>
       </p:sp>
     </p:spTree>
     <p:extLst>
       <p:ext uri="{BB962C8B-B14F-4D97-AF65-F5344CB8AC3E}">
-        <p14:creationId xmlns:p14="http://schemas.microsoft.com/office/powerpoint/2010/main" val="2573610486"/>
+        <p14:creationId xmlns:p14="http://schemas.microsoft.com/office/powerpoint/2010/main" val="1761849454"/>
       </p:ext>
     </p:extLst>
   </p:cSld>
@@ -16585,7 +17196,7 @@
   <p:cSld>
     <p:spTree>
       <p:nvGrpSpPr>
-        <p:cNvPr id="1" name=""/>
+        <p:cNvPr id="1" name="Shape 55"/>
         <p:cNvGrpSpPr/>
         <p:nvPr/>
       </p:nvGrpSpPr>
@@ -16599,14 +17210,8 @@
       </p:grpSpPr>
       <p:sp>
         <p:nvSpPr>
-          <p:cNvPr id="4" name="Titre 3">
-            <a:extLst>
-              <a:ext uri="{FF2B5EF4-FFF2-40B4-BE49-F238E27FC236}">
-                <a16:creationId xmlns:a16="http://schemas.microsoft.com/office/drawing/2014/main" id="{6BC2345B-F403-44E5-97C3-F5BDF024DC43}"/>
-              </a:ext>
-            </a:extLst>
-          </p:cNvPr>
-          <p:cNvSpPr>
+          <p:cNvPr id="56" name="Google Shape;56;p11"/>
+          <p:cNvSpPr txBox="1">
             <a:spLocks noGrp="1"/>
           </p:cNvSpPr>
           <p:nvPr>
@@ -16622,26 +17227,19 @@
               <a:rPr lang="fr-BE">
                 <a:sym typeface="Calibri"/>
               </a:rPr>
-              <a:t>Balises HTML Form</a:t>
-            </a:r>
-            <a:endParaRPr lang="fr-BE"/>
-          </a:p>
-        </p:txBody>
-      </p:sp>
-      <p:sp>
-        <p:nvSpPr>
-          <p:cNvPr id="2" name="Espace réservé du texte 1">
-            <a:extLst>
-              <a:ext uri="{FF2B5EF4-FFF2-40B4-BE49-F238E27FC236}">
-                <a16:creationId xmlns:a16="http://schemas.microsoft.com/office/drawing/2014/main" id="{6FAA6F38-334B-E8B2-9E64-AE74E2D45E09}"/>
-              </a:ext>
-            </a:extLst>
-          </p:cNvPr>
-          <p:cNvSpPr>
-            <a:spLocks noGrp="1"/>
-          </p:cNvSpPr>
-          <p:nvPr>
-            <p:ph type="body" idx="1"/>
+              <a:t>Comment traiter les données?</a:t>
+            </a:r>
+          </a:p>
+        </p:txBody>
+      </p:sp>
+      <p:sp>
+        <p:nvSpPr>
+          <p:cNvPr id="57" name="Google Shape;57;p11"/>
+          <p:cNvSpPr txBox="1">
+            <a:spLocks noGrp="1"/>
+          </p:cNvSpPr>
+          <p:nvPr>
+            <p:ph idx="1"/>
           </p:nvPr>
         </p:nvSpPr>
         <p:spPr/>
@@ -16650,55 +17248,78 @@
           <a:lstStyle/>
           <a:p>
             <a:r>
-              <a:rPr lang="fr-BE"/>
-              <a:t>Rappel</a:t>
-            </a:r>
-          </a:p>
-        </p:txBody>
-      </p:sp>
-      <p:pic>
-        <p:nvPicPr>
-          <p:cNvPr id="6" name="Google Shape;39;p8">
-            <a:hlinkClick r:id="rId2"/>
-            <a:extLst>
-              <a:ext uri="{FF2B5EF4-FFF2-40B4-BE49-F238E27FC236}">
-                <a16:creationId xmlns:a16="http://schemas.microsoft.com/office/drawing/2014/main" id="{F73F5139-A5C5-497C-AE5C-231EBB7AE61F}"/>
-              </a:ext>
-            </a:extLst>
-          </p:cNvPr>
-          <p:cNvPicPr preferRelativeResize="0">
-            <a:picLocks noGrp="1"/>
-          </p:cNvPicPr>
-          <p:nvPr>
-            <p:ph type="pic" sz="quarter" idx="10"/>
-          </p:nvPr>
-        </p:nvPicPr>
-        <p:blipFill>
-          <a:blip r:embed="rId3" cstate="email">
-            <a:alphaModFix/>
-            <a:extLst>
-              <a:ext uri="{28A0092B-C50C-407E-A947-70E740481C1C}">
-                <a14:useLocalDpi xmlns:a14="http://schemas.microsoft.com/office/drawing/2010/main"/>
-              </a:ext>
-            </a:extLst>
-          </a:blip>
-          <a:srcRect t="37" b="37"/>
-          <a:stretch/>
-        </p:blipFill>
-        <p:spPr>
-          <a:prstGeom prst="rect">
-            <a:avLst/>
-          </a:prstGeom>
-          <a:noFill/>
-          <a:ln>
-            <a:noFill/>
-          </a:ln>
-        </p:spPr>
-      </p:pic>
+              <a:rPr lang="fr-BE">
+                <a:sym typeface="Calibri"/>
+              </a:rPr>
+              <a:t>Il faut envoyer la requête contenant les données du formulaire (via GET ou POST) à un </a:t>
+            </a:r>
+            <a:r>
+              <a:rPr lang="fr-BE">
+                <a:solidFill>
+                  <a:schemeClr val="accent2"/>
+                </a:solidFill>
+                <a:sym typeface="Calibri"/>
+              </a:rPr>
+              <a:t>script</a:t>
+            </a:r>
+            <a:r>
+              <a:rPr lang="fr-BE">
+                <a:sym typeface="Calibri"/>
+              </a:rPr>
+              <a:t> qui pourra les traiter (ex. page contenant du PHP)</a:t>
+            </a:r>
+          </a:p>
+          <a:p>
+            <a:r>
+              <a:rPr lang="fr-BE">
+                <a:sym typeface="Calibri"/>
+              </a:rPr>
+              <a:t>Défini avec l'attribut </a:t>
+            </a:r>
+            <a:r>
+              <a:rPr lang="fr-BE">
+                <a:sym typeface="Courier New"/>
+              </a:rPr>
+              <a:t>action</a:t>
+            </a:r>
+          </a:p>
+          <a:p>
+            <a:pPr marL="457189" lvl="1" indent="0">
+              <a:buNone/>
+            </a:pPr>
+            <a:r>
+              <a:rPr lang="fr-BE" sz="2800">
+                <a:solidFill>
+                  <a:schemeClr val="accent6">
+                    <a:lumMod val="50000"/>
+                  </a:schemeClr>
+                </a:solidFill>
+                <a:latin typeface="Consolas" panose="020B0609020204030204" pitchFamily="49" charset="0"/>
+                <a:cs typeface="Courier New" panose="02070309020205020404" pitchFamily="49" charset="0"/>
+                <a:sym typeface="Calibri"/>
+              </a:rPr>
+              <a:t>&lt;form </a:t>
+            </a:r>
+            <a:r>
+              <a:rPr lang="fr-BE" sz="2800">
+                <a:solidFill>
+                  <a:schemeClr val="accent6">
+                    <a:lumMod val="50000"/>
+                  </a:schemeClr>
+                </a:solidFill>
+                <a:latin typeface="Consolas" panose="020B0609020204030204" pitchFamily="49" charset="0"/>
+                <a:cs typeface="Courier New" panose="02070309020205020404" pitchFamily="49" charset="0"/>
+                <a:sym typeface="Courier New"/>
+              </a:rPr>
+              <a:t>method="get" action="./register.php" …</a:t>
+            </a:r>
+          </a:p>
+        </p:txBody>
+      </p:sp>
     </p:spTree>
     <p:extLst>
       <p:ext uri="{BB962C8B-B14F-4D97-AF65-F5344CB8AC3E}">
-        <p14:creationId xmlns:p14="http://schemas.microsoft.com/office/powerpoint/2010/main" val="3335409893"/>
+        <p14:creationId xmlns:p14="http://schemas.microsoft.com/office/powerpoint/2010/main" val="1654815679"/>
       </p:ext>
     </p:extLst>
   </p:cSld>

--- a/syllabus/22_traitement_formulaire/syllabus_22_php_form.pptx
+++ b/syllabus/22_traitement_formulaire/syllabus_22_php_form.pptx
@@ -322,7 +322,7 @@
           <a:p>
             <a:fld id="{FCE9742F-4DAE-47F5-9244-6ACC3985DD6B}" type="datetimeFigureOut">
               <a:rPr lang="fr-BE" smtClean="0"/>
-              <a:t>09-09-25</a:t>
+              <a:t>08-12-25</a:t>
             </a:fld>
             <a:endParaRPr lang="fr-BE"/>
           </a:p>
@@ -3719,7 +3719,7 @@
           <a:p>
             <a:fld id="{F3953782-D06E-4853-BE3C-64C197273937}" type="datetimeFigureOut">
               <a:rPr lang="fr-BE" smtClean="0"/>
-              <a:t>09-09-25</a:t>
+              <a:t>08-12-25</a:t>
             </a:fld>
             <a:endParaRPr lang="fr-BE"/>
           </a:p>
@@ -5587,7 +5587,7 @@
           <a:p>
             <a:fld id="{F3953782-D06E-4853-BE3C-64C197273937}" type="datetimeFigureOut">
               <a:rPr lang="fr-BE" smtClean="0"/>
-              <a:t>09-09-25</a:t>
+              <a:t>08-12-25</a:t>
             </a:fld>
             <a:endParaRPr lang="fr-BE"/>
           </a:p>
@@ -5903,7 +5903,7 @@
           <a:p>
             <a:fld id="{F3953782-D06E-4853-BE3C-64C197273937}" type="datetimeFigureOut">
               <a:rPr lang="fr-BE" smtClean="0"/>
-              <a:t>09-09-25</a:t>
+              <a:t>08-12-25</a:t>
             </a:fld>
             <a:endParaRPr lang="fr-BE"/>
           </a:p>
@@ -6100,7 +6100,7 @@
           <a:p>
             <a:fld id="{F3953782-D06E-4853-BE3C-64C197273937}" type="datetimeFigureOut">
               <a:rPr lang="fr-BE" smtClean="0"/>
-              <a:t>09-09-25</a:t>
+              <a:t>08-12-25</a:t>
             </a:fld>
             <a:endParaRPr lang="fr-BE"/>
           </a:p>
@@ -6362,7 +6362,7 @@
           <a:p>
             <a:fld id="{F3953782-D06E-4853-BE3C-64C197273937}" type="datetimeFigureOut">
               <a:rPr lang="fr-BE" smtClean="0"/>
-              <a:t>09-09-25</a:t>
+              <a:t>08-12-25</a:t>
             </a:fld>
             <a:endParaRPr lang="fr-BE"/>
           </a:p>
@@ -6760,7 +6760,7 @@
           <a:p>
             <a:fld id="{F3953782-D06E-4853-BE3C-64C197273937}" type="datetimeFigureOut">
               <a:rPr lang="fr-BE" smtClean="0"/>
-              <a:t>09-09-25</a:t>
+              <a:t>08-12-25</a:t>
             </a:fld>
             <a:endParaRPr lang="fr-BE"/>
           </a:p>
@@ -6908,7 +6908,7 @@
           <a:p>
             <a:fld id="{F3953782-D06E-4853-BE3C-64C197273937}" type="datetimeFigureOut">
               <a:rPr lang="fr-BE" smtClean="0"/>
-              <a:t>09-09-25</a:t>
+              <a:t>08-12-25</a:t>
             </a:fld>
             <a:endParaRPr lang="fr-BE"/>
           </a:p>
@@ -7257,7 +7257,7 @@
           <a:p>
             <a:fld id="{F3953782-D06E-4853-BE3C-64C197273937}" type="datetimeFigureOut">
               <a:rPr lang="fr-BE" smtClean="0"/>
-              <a:t>09-09-25</a:t>
+              <a:t>08-12-25</a:t>
             </a:fld>
             <a:endParaRPr lang="fr-BE"/>
           </a:p>
@@ -7583,7 +7583,7 @@
           <a:p>
             <a:fld id="{F3953782-D06E-4853-BE3C-64C197273937}" type="datetimeFigureOut">
               <a:rPr lang="fr-BE" smtClean="0"/>
-              <a:t>09-09-25</a:t>
+              <a:t>08-12-25</a:t>
             </a:fld>
             <a:endParaRPr lang="fr-BE"/>
           </a:p>
@@ -8114,6 +8114,10 @@
             <a:br>
               <a:rPr lang="fr-BE" dirty="0"/>
             </a:br>
+            <a:r>
+              <a:rPr lang="fr-BE"/>
+              <a:t/>
+            </a:r>
             <a:br>
               <a:rPr lang="fr-BE"/>
             </a:br>
@@ -8234,7 +8238,7 @@
         <p14:reveal/>
       </p:transition>
     </mc:Choice>
-    <mc:Fallback xmlns:ahyp="http://schemas.microsoft.com/office/drawing/2018/hyperlinkcolor" xmlns:p15="http://schemas.microsoft.com/office/powerpoint/2012/main" xmlns:com="http://schemas.openxmlformats.org/drawingml/2006/compatibility" xmlns:pvml="urn:schemas-microsoft-com:office:powerpoint" xmlns:v="urn:schemas-microsoft-com:vml" xmlns:o="urn:schemas-microsoft-com:office:office" xmlns:dgm="http://schemas.openxmlformats.org/drawingml/2006/diagram" xmlns:c="http://schemas.openxmlformats.org/drawingml/2006/chart" xmlns:mv="urn:schemas-microsoft-com:mac:vml" xmlns="">
+    <mc:Fallback xmlns="" xmlns:mv="urn:schemas-microsoft-com:mac:vml" xmlns:c="http://schemas.openxmlformats.org/drawingml/2006/chart" xmlns:dgm="http://schemas.openxmlformats.org/drawingml/2006/diagram" xmlns:o="urn:schemas-microsoft-com:office:office" xmlns:v="urn:schemas-microsoft-com:vml" xmlns:pvml="urn:schemas-microsoft-com:office:powerpoint" xmlns:com="http://schemas.openxmlformats.org/drawingml/2006/compatibility" xmlns:p15="http://schemas.microsoft.com/office/powerpoint/2012/main" xmlns:ahyp="http://schemas.microsoft.com/office/drawing/2018/hyperlinkcolor">
       <p:transition spd="med">
         <p:fade/>
       </p:transition>
@@ -11008,6 +11012,13 @@
       </p:transition>
     </mc:Fallback>
   </mc:AlternateContent>
+  <p:timing>
+    <p:tnLst>
+      <p:par>
+        <p:cTn id="1" dur="indefinite" restart="never" nodeType="tmRoot"/>
+      </p:par>
+    </p:tnLst>
+  </p:timing>
 </p:sld>
 </file>
 
@@ -11402,7 +11413,7 @@
         <p14:reveal/>
       </p:transition>
     </mc:Choice>
-    <mc:Fallback xmlns="" xmlns:mv="urn:schemas-microsoft-com:mac:vml" xmlns:c="http://schemas.openxmlformats.org/drawingml/2006/chart" xmlns:dgm="http://schemas.openxmlformats.org/drawingml/2006/diagram" xmlns:o="urn:schemas-microsoft-com:office:office" xmlns:v="urn:schemas-microsoft-com:vml" xmlns:pvml="urn:schemas-microsoft-com:office:powerpoint" xmlns:com="http://schemas.openxmlformats.org/drawingml/2006/compatibility" xmlns:p15="http://schemas.microsoft.com/office/powerpoint/2012/main" xmlns:ahyp="http://schemas.microsoft.com/office/drawing/2018/hyperlinkcolor">
+    <mc:Fallback xmlns:ahyp="http://schemas.microsoft.com/office/drawing/2018/hyperlinkcolor" xmlns:p15="http://schemas.microsoft.com/office/powerpoint/2012/main" xmlns:com="http://schemas.openxmlformats.org/drawingml/2006/compatibility" xmlns:pvml="urn:schemas-microsoft-com:office:powerpoint" xmlns:v="urn:schemas-microsoft-com:vml" xmlns:o="urn:schemas-microsoft-com:office:office" xmlns:dgm="http://schemas.openxmlformats.org/drawingml/2006/diagram" xmlns:c="http://schemas.openxmlformats.org/drawingml/2006/chart" xmlns:mv="urn:schemas-microsoft-com:mac:vml" xmlns="">
       <p:transition spd="med">
         <p:fade/>
       </p:transition>
@@ -11480,7 +11491,7 @@
         </p:spPr>
         <p:txBody>
           <a:bodyPr>
-            <a:normAutofit fontScale="85000" lnSpcReduction="20000"/>
+            <a:normAutofit fontScale="92500" lnSpcReduction="20000"/>
           </a:bodyPr>
           <a:lstStyle/>
           <a:p>
@@ -11543,7 +11554,7 @@
         </p:blipFill>
         <p:spPr>
           <a:xfrm>
-            <a:off x="6172200" y="3348806"/>
+            <a:off x="6852899" y="4811846"/>
             <a:ext cx="5181600" cy="1170038"/>
           </a:xfrm>
         </p:spPr>
@@ -11622,7 +11633,7 @@
         </p:nvSpPr>
         <p:spPr>
           <a:xfrm>
-            <a:off x="345440" y="4427369"/>
+            <a:off x="362373" y="4427369"/>
             <a:ext cx="7061200" cy="1938992"/>
           </a:xfrm>
           <a:prstGeom prst="rect">
@@ -11744,6 +11755,13 @@
       </p:transition>
     </mc:Fallback>
   </mc:AlternateContent>
+  <p:timing>
+    <p:tnLst>
+      <p:par>
+        <p:cTn id="1" dur="indefinite" restart="never" nodeType="tmRoot"/>
+      </p:par>
+    </p:tnLst>
+  </p:timing>
 </p:sld>
 </file>
 
@@ -11914,6 +11932,13 @@
       </p:transition>
     </mc:Fallback>
   </mc:AlternateContent>
+  <p:timing>
+    <p:tnLst>
+      <p:par>
+        <p:cTn id="1" dur="indefinite" restart="never" nodeType="tmRoot"/>
+      </p:par>
+    </p:tnLst>
+  </p:timing>
 </p:sld>
 </file>
 
@@ -14126,6 +14151,13 @@
               </a:rPr>
               <a:t>;</a:t>
             </a:r>
+            <a:r>
+              <a:rPr lang="en-US">
+                <a:latin typeface="Consolas" panose="020B0609020204030204" pitchFamily="49" charset="0"/>
+                <a:cs typeface="Courier New" panose="02070309020205020404" pitchFamily="49" charset="0"/>
+              </a:rPr>
+              <a:t/>
+            </a:r>
             <a:br>
               <a:rPr lang="en-US">
                 <a:latin typeface="Consolas" panose="020B0609020204030204" pitchFamily="49" charset="0"/>
@@ -14151,6 +14183,16 @@
               </a:rPr>
               <a:t>"John Doe";</a:t>
             </a:r>
+            <a:r>
+              <a:rPr lang="en-US">
+                <a:solidFill>
+                  <a:srgbClr val="000000"/>
+                </a:solidFill>
+                <a:latin typeface="Consolas" panose="020B0609020204030204" pitchFamily="49" charset="0"/>
+                <a:cs typeface="Courier New" panose="02070309020205020404" pitchFamily="49" charset="0"/>
+              </a:rPr>
+              <a:t/>
+            </a:r>
             <a:br>
               <a:rPr lang="en-US">
                 <a:solidFill>
@@ -14178,6 +14220,18 @@
                 <a:cs typeface="Courier New" panose="02070309020205020404" pitchFamily="49" charset="0"/>
               </a:rPr>
               <a:t>time() + (86400 * 30);</a:t>
+            </a:r>
+            <a:r>
+              <a:rPr lang="en-US">
+                <a:solidFill>
+                  <a:schemeClr val="accent6">
+                    <a:lumMod val="50000"/>
+                  </a:schemeClr>
+                </a:solidFill>
+                <a:latin typeface="Consolas" panose="020B0609020204030204" pitchFamily="49" charset="0"/>
+                <a:cs typeface="Courier New" panose="02070309020205020404" pitchFamily="49" charset="0"/>
+              </a:rPr>
+              <a:t/>
             </a:r>
             <a:br>
               <a:rPr lang="en-US">

--- a/syllabus/22_traitement_formulaire/syllabus_22_php_form.pptx
+++ b/syllabus/22_traitement_formulaire/syllabus_22_php_form.pptx
@@ -16,8 +16,8 @@
     <p:sldId id="646" r:id="rId7"/>
     <p:sldId id="353" r:id="rId8"/>
     <p:sldId id="354" r:id="rId9"/>
-    <p:sldId id="355" r:id="rId10"/>
-    <p:sldId id="356" r:id="rId11"/>
+    <p:sldId id="649" r:id="rId10"/>
+    <p:sldId id="648" r:id="rId11"/>
     <p:sldId id="605" r:id="rId12"/>
     <p:sldId id="357" r:id="rId13"/>
     <p:sldId id="362" r:id="rId14"/>
@@ -164,8 +164,8 @@
             <p14:sldId id="646"/>
             <p14:sldId id="353"/>
             <p14:sldId id="354"/>
-            <p14:sldId id="355"/>
-            <p14:sldId id="356"/>
+            <p14:sldId id="649"/>
+            <p14:sldId id="648"/>
             <p14:sldId id="605"/>
             <p14:sldId id="357"/>
             <p14:sldId id="362"/>
@@ -326,7 +326,7 @@
           <a:p>
             <a:fld id="{FCE9742F-4DAE-47F5-9244-6ACC3985DD6B}" type="datetimeFigureOut">
               <a:rPr lang="fr-BE" smtClean="0"/>
-              <a:t>24-11-25</a:t>
+              <a:t>23-02-26</a:t>
             </a:fld>
             <a:endParaRPr lang="fr-BE"/>
           </a:p>
@@ -855,7 +855,7 @@
   <p:cSld>
     <p:spTree>
       <p:nvGrpSpPr>
-        <p:cNvPr id="1" name="Shape 130"/>
+        <p:cNvPr id="1" name="Shape 157"/>
         <p:cNvGrpSpPr/>
         <p:nvPr/>
       </p:nvGrpSpPr>
@@ -869,7 +869,7 @@
       </p:grpSpPr>
       <p:sp>
         <p:nvSpPr>
-          <p:cNvPr id="131" name="Google Shape;131;g7b4200d84_00:notes"/>
+          <p:cNvPr id="158" name="Google Shape;158;g128d8db6e_036:notes"/>
           <p:cNvSpPr>
             <a:spLocks noGrp="1" noRot="1" noChangeAspect="1"/>
           </p:cNvSpPr>
@@ -910,7 +910,7 @@
       </p:sp>
       <p:sp>
         <p:nvSpPr>
-          <p:cNvPr id="132" name="Google Shape;132;g7b4200d84_00:notes"/>
+          <p:cNvPr id="159" name="Google Shape;159;g128d8db6e_036:notes"/>
           <p:cNvSpPr txBox="1">
             <a:spLocks noGrp="1"/>
           </p:cNvSpPr>
@@ -949,7 +949,7 @@
     </p:spTree>
     <p:extLst>
       <p:ext uri="{BB962C8B-B14F-4D97-AF65-F5344CB8AC3E}">
-        <p14:creationId xmlns:p14="http://schemas.microsoft.com/office/powerpoint/2010/main" val="2546007751"/>
+        <p14:creationId xmlns:p14="http://schemas.microsoft.com/office/powerpoint/2010/main" val="451471079"/>
       </p:ext>
     </p:extLst>
   </p:cSld>
@@ -964,7 +964,7 @@
   <p:cSld>
     <p:spTree>
       <p:nvGrpSpPr>
-        <p:cNvPr id="1" name="Shape 157"/>
+        <p:cNvPr id="1" name="Shape 177"/>
         <p:cNvGrpSpPr/>
         <p:nvPr/>
       </p:nvGrpSpPr>
@@ -978,7 +978,7 @@
       </p:grpSpPr>
       <p:sp>
         <p:nvSpPr>
-          <p:cNvPr id="158" name="Google Shape;158;g128d8db6e_036:notes"/>
+          <p:cNvPr id="178" name="Google Shape;178;g1dc672069_00:notes"/>
           <p:cNvSpPr>
             <a:spLocks noGrp="1" noRot="1" noChangeAspect="1"/>
           </p:cNvSpPr>
@@ -1019,7 +1019,7 @@
       </p:sp>
       <p:sp>
         <p:nvSpPr>
-          <p:cNvPr id="159" name="Google Shape;159;g128d8db6e_036:notes"/>
+          <p:cNvPr id="179" name="Google Shape;179;g1dc672069_00:notes"/>
           <p:cNvSpPr txBox="1">
             <a:spLocks noGrp="1"/>
           </p:cNvSpPr>
@@ -1058,7 +1058,7 @@
     </p:spTree>
     <p:extLst>
       <p:ext uri="{BB962C8B-B14F-4D97-AF65-F5344CB8AC3E}">
-        <p14:creationId xmlns:p14="http://schemas.microsoft.com/office/powerpoint/2010/main" val="451471079"/>
+        <p14:creationId xmlns:p14="http://schemas.microsoft.com/office/powerpoint/2010/main" val="3635275754"/>
       </p:ext>
     </p:extLst>
   </p:cSld>
@@ -1073,7 +1073,7 @@
   <p:cSld>
     <p:spTree>
       <p:nvGrpSpPr>
-        <p:cNvPr id="1" name="Shape 177"/>
+        <p:cNvPr id="1" name="Shape 183"/>
         <p:cNvGrpSpPr/>
         <p:nvPr/>
       </p:nvGrpSpPr>
@@ -1087,7 +1087,7 @@
       </p:grpSpPr>
       <p:sp>
         <p:nvSpPr>
-          <p:cNvPr id="178" name="Google Shape;178;g1dc672069_00:notes"/>
+          <p:cNvPr id="184" name="Google Shape;184;g1dc672069_05:notes"/>
           <p:cNvSpPr>
             <a:spLocks noGrp="1" noRot="1" noChangeAspect="1"/>
           </p:cNvSpPr>
@@ -1128,7 +1128,7 @@
       </p:sp>
       <p:sp>
         <p:nvSpPr>
-          <p:cNvPr id="179" name="Google Shape;179;g1dc672069_00:notes"/>
+          <p:cNvPr id="185" name="Google Shape;185;g1dc672069_05:notes"/>
           <p:cNvSpPr txBox="1">
             <a:spLocks noGrp="1"/>
           </p:cNvSpPr>
@@ -1167,7 +1167,7 @@
     </p:spTree>
     <p:extLst>
       <p:ext uri="{BB962C8B-B14F-4D97-AF65-F5344CB8AC3E}">
-        <p14:creationId xmlns:p14="http://schemas.microsoft.com/office/powerpoint/2010/main" val="3635275754"/>
+        <p14:creationId xmlns:p14="http://schemas.microsoft.com/office/powerpoint/2010/main" val="3657332580"/>
       </p:ext>
     </p:extLst>
   </p:cSld>
@@ -1182,7 +1182,7 @@
   <p:cSld>
     <p:spTree>
       <p:nvGrpSpPr>
-        <p:cNvPr id="1" name="Shape 183"/>
+        <p:cNvPr id="1" name="Shape 189"/>
         <p:cNvGrpSpPr/>
         <p:nvPr/>
       </p:nvGrpSpPr>
@@ -1196,7 +1196,7 @@
       </p:grpSpPr>
       <p:sp>
         <p:nvSpPr>
-          <p:cNvPr id="184" name="Google Shape;184;g1dc672069_05:notes"/>
+          <p:cNvPr id="190" name="Google Shape;190;g1dc672069_010:notes"/>
           <p:cNvSpPr>
             <a:spLocks noGrp="1" noRot="1" noChangeAspect="1"/>
           </p:cNvSpPr>
@@ -1237,7 +1237,7 @@
       </p:sp>
       <p:sp>
         <p:nvSpPr>
-          <p:cNvPr id="185" name="Google Shape;185;g1dc672069_05:notes"/>
+          <p:cNvPr id="191" name="Google Shape;191;g1dc672069_010:notes"/>
           <p:cNvSpPr txBox="1">
             <a:spLocks noGrp="1"/>
           </p:cNvSpPr>
@@ -1276,7 +1276,7 @@
     </p:spTree>
     <p:extLst>
       <p:ext uri="{BB962C8B-B14F-4D97-AF65-F5344CB8AC3E}">
-        <p14:creationId xmlns:p14="http://schemas.microsoft.com/office/powerpoint/2010/main" val="3657332580"/>
+        <p14:creationId xmlns:p14="http://schemas.microsoft.com/office/powerpoint/2010/main" val="77041044"/>
       </p:ext>
     </p:extLst>
   </p:cSld>
@@ -1291,7 +1291,7 @@
   <p:cSld>
     <p:spTree>
       <p:nvGrpSpPr>
-        <p:cNvPr id="1" name="Shape 189"/>
+        <p:cNvPr id="1" name="Shape 195"/>
         <p:cNvGrpSpPr/>
         <p:nvPr/>
       </p:nvGrpSpPr>
@@ -1305,7 +1305,7 @@
       </p:grpSpPr>
       <p:sp>
         <p:nvSpPr>
-          <p:cNvPr id="190" name="Google Shape;190;g1dc672069_010:notes"/>
+          <p:cNvPr id="196" name="Google Shape;196;g1dc672069_015:notes"/>
           <p:cNvSpPr>
             <a:spLocks noGrp="1" noRot="1" noChangeAspect="1"/>
           </p:cNvSpPr>
@@ -1346,7 +1346,7 @@
       </p:sp>
       <p:sp>
         <p:nvSpPr>
-          <p:cNvPr id="191" name="Google Shape;191;g1dc672069_010:notes"/>
+          <p:cNvPr id="197" name="Google Shape;197;g1dc672069_015:notes"/>
           <p:cNvSpPr txBox="1">
             <a:spLocks noGrp="1"/>
           </p:cNvSpPr>
@@ -1385,7 +1385,7 @@
     </p:spTree>
     <p:extLst>
       <p:ext uri="{BB962C8B-B14F-4D97-AF65-F5344CB8AC3E}">
-        <p14:creationId xmlns:p14="http://schemas.microsoft.com/office/powerpoint/2010/main" val="77041044"/>
+        <p14:creationId xmlns:p14="http://schemas.microsoft.com/office/powerpoint/2010/main" val="3083942374"/>
       </p:ext>
     </p:extLst>
   </p:cSld>
@@ -1400,7 +1400,7 @@
   <p:cSld>
     <p:spTree>
       <p:nvGrpSpPr>
-        <p:cNvPr id="1" name="Shape 195"/>
+        <p:cNvPr id="1" name="Shape 157"/>
         <p:cNvGrpSpPr/>
         <p:nvPr/>
       </p:nvGrpSpPr>
@@ -1414,7 +1414,7 @@
       </p:grpSpPr>
       <p:sp>
         <p:nvSpPr>
-          <p:cNvPr id="196" name="Google Shape;196;g1dc672069_015:notes"/>
+          <p:cNvPr id="158" name="Google Shape;158;g128d8db6e_036:notes"/>
           <p:cNvSpPr>
             <a:spLocks noGrp="1" noRot="1" noChangeAspect="1"/>
           </p:cNvSpPr>
@@ -1455,7 +1455,7 @@
       </p:sp>
       <p:sp>
         <p:nvSpPr>
-          <p:cNvPr id="197" name="Google Shape;197;g1dc672069_015:notes"/>
+          <p:cNvPr id="159" name="Google Shape;159;g128d8db6e_036:notes"/>
           <p:cNvSpPr txBox="1">
             <a:spLocks noGrp="1"/>
           </p:cNvSpPr>
@@ -1494,7 +1494,7 @@
     </p:spTree>
     <p:extLst>
       <p:ext uri="{BB962C8B-B14F-4D97-AF65-F5344CB8AC3E}">
-        <p14:creationId xmlns:p14="http://schemas.microsoft.com/office/powerpoint/2010/main" val="3083942374"/>
+        <p14:creationId xmlns:p14="http://schemas.microsoft.com/office/powerpoint/2010/main" val="2745077541"/>
       </p:ext>
     </p:extLst>
   </p:cSld>
@@ -1509,7 +1509,7 @@
   <p:cSld>
     <p:spTree>
       <p:nvGrpSpPr>
-        <p:cNvPr id="1" name="Shape 157"/>
+        <p:cNvPr id="1" name="Shape 233"/>
         <p:cNvGrpSpPr/>
         <p:nvPr/>
       </p:nvGrpSpPr>
@@ -1523,7 +1523,7 @@
       </p:grpSpPr>
       <p:sp>
         <p:nvSpPr>
-          <p:cNvPr id="158" name="Google Shape;158;g128d8db6e_036:notes"/>
+          <p:cNvPr id="234" name="Google Shape;234;g1e0fb6f38_011:notes"/>
           <p:cNvSpPr>
             <a:spLocks noGrp="1" noRot="1" noChangeAspect="1"/>
           </p:cNvSpPr>
@@ -1564,7 +1564,7 @@
       </p:sp>
       <p:sp>
         <p:nvSpPr>
-          <p:cNvPr id="159" name="Google Shape;159;g128d8db6e_036:notes"/>
+          <p:cNvPr id="235" name="Google Shape;235;g1e0fb6f38_011:notes"/>
           <p:cNvSpPr txBox="1">
             <a:spLocks noGrp="1"/>
           </p:cNvSpPr>
@@ -1603,7 +1603,7 @@
     </p:spTree>
     <p:extLst>
       <p:ext uri="{BB962C8B-B14F-4D97-AF65-F5344CB8AC3E}">
-        <p14:creationId xmlns:p14="http://schemas.microsoft.com/office/powerpoint/2010/main" val="2745077541"/>
+        <p14:creationId xmlns:p14="http://schemas.microsoft.com/office/powerpoint/2010/main" val="1723647733"/>
       </p:ext>
     </p:extLst>
   </p:cSld>
@@ -1618,7 +1618,7 @@
   <p:cSld>
     <p:spTree>
       <p:nvGrpSpPr>
-        <p:cNvPr id="1" name="Shape 233"/>
+        <p:cNvPr id="1" name="Shape 239"/>
         <p:cNvGrpSpPr/>
         <p:nvPr/>
       </p:nvGrpSpPr>
@@ -1632,7 +1632,7 @@
       </p:grpSpPr>
       <p:sp>
         <p:nvSpPr>
-          <p:cNvPr id="234" name="Google Shape;234;g1e0fb6f38_011:notes"/>
+          <p:cNvPr id="240" name="Google Shape;240;g1e0fb6f38_016:notes"/>
           <p:cNvSpPr>
             <a:spLocks noGrp="1" noRot="1" noChangeAspect="1"/>
           </p:cNvSpPr>
@@ -1673,7 +1673,7 @@
       </p:sp>
       <p:sp>
         <p:nvSpPr>
-          <p:cNvPr id="235" name="Google Shape;235;g1e0fb6f38_011:notes"/>
+          <p:cNvPr id="241" name="Google Shape;241;g1e0fb6f38_016:notes"/>
           <p:cNvSpPr txBox="1">
             <a:spLocks noGrp="1"/>
           </p:cNvSpPr>
@@ -1712,7 +1712,7 @@
     </p:spTree>
     <p:extLst>
       <p:ext uri="{BB962C8B-B14F-4D97-AF65-F5344CB8AC3E}">
-        <p14:creationId xmlns:p14="http://schemas.microsoft.com/office/powerpoint/2010/main" val="1723647733"/>
+        <p14:creationId xmlns:p14="http://schemas.microsoft.com/office/powerpoint/2010/main" val="744219410"/>
       </p:ext>
     </p:extLst>
   </p:cSld>
@@ -1727,7 +1727,7 @@
   <p:cSld>
     <p:spTree>
       <p:nvGrpSpPr>
-        <p:cNvPr id="1" name="Shape 239"/>
+        <p:cNvPr id="1" name="Shape 245"/>
         <p:cNvGrpSpPr/>
         <p:nvPr/>
       </p:nvGrpSpPr>
@@ -1741,7 +1741,7 @@
       </p:grpSpPr>
       <p:sp>
         <p:nvSpPr>
-          <p:cNvPr id="240" name="Google Shape;240;g1e0fb6f38_016:notes"/>
+          <p:cNvPr id="246" name="Google Shape;246;g1e0fb6f38_027:notes"/>
           <p:cNvSpPr>
             <a:spLocks noGrp="1" noRot="1" noChangeAspect="1"/>
           </p:cNvSpPr>
@@ -1782,7 +1782,7 @@
       </p:sp>
       <p:sp>
         <p:nvSpPr>
-          <p:cNvPr id="241" name="Google Shape;241;g1e0fb6f38_016:notes"/>
+          <p:cNvPr id="247" name="Google Shape;247;g1e0fb6f38_027:notes"/>
           <p:cNvSpPr txBox="1">
             <a:spLocks noGrp="1"/>
           </p:cNvSpPr>
@@ -1821,7 +1821,7 @@
     </p:spTree>
     <p:extLst>
       <p:ext uri="{BB962C8B-B14F-4D97-AF65-F5344CB8AC3E}">
-        <p14:creationId xmlns:p14="http://schemas.microsoft.com/office/powerpoint/2010/main" val="744219410"/>
+        <p14:creationId xmlns:p14="http://schemas.microsoft.com/office/powerpoint/2010/main" val="1710829990"/>
       </p:ext>
     </p:extLst>
   </p:cSld>
@@ -1836,7 +1836,7 @@
   <p:cSld>
     <p:spTree>
       <p:nvGrpSpPr>
-        <p:cNvPr id="1" name="Shape 245"/>
+        <p:cNvPr id="1" name="Shape 251"/>
         <p:cNvGrpSpPr/>
         <p:nvPr/>
       </p:nvGrpSpPr>
@@ -1850,7 +1850,7 @@
       </p:grpSpPr>
       <p:sp>
         <p:nvSpPr>
-          <p:cNvPr id="246" name="Google Shape;246;g1e0fb6f38_027:notes"/>
+          <p:cNvPr id="252" name="Google Shape;252;g1e0fb6f38_033:notes"/>
           <p:cNvSpPr>
             <a:spLocks noGrp="1" noRot="1" noChangeAspect="1"/>
           </p:cNvSpPr>
@@ -1891,7 +1891,7 @@
       </p:sp>
       <p:sp>
         <p:nvSpPr>
-          <p:cNvPr id="247" name="Google Shape;247;g1e0fb6f38_027:notes"/>
+          <p:cNvPr id="253" name="Google Shape;253;g1e0fb6f38_033:notes"/>
           <p:cNvSpPr txBox="1">
             <a:spLocks noGrp="1"/>
           </p:cNvSpPr>
@@ -1930,7 +1930,7 @@
     </p:spTree>
     <p:extLst>
       <p:ext uri="{BB962C8B-B14F-4D97-AF65-F5344CB8AC3E}">
-        <p14:creationId xmlns:p14="http://schemas.microsoft.com/office/powerpoint/2010/main" val="1710829990"/>
+        <p14:creationId xmlns:p14="http://schemas.microsoft.com/office/powerpoint/2010/main" val="1364158805"/>
       </p:ext>
     </p:extLst>
   </p:cSld>
@@ -2049,7 +2049,7 @@
   <p:cSld>
     <p:spTree>
       <p:nvGrpSpPr>
-        <p:cNvPr id="1" name="Shape 251"/>
+        <p:cNvPr id="1" name="Shape 257"/>
         <p:cNvGrpSpPr/>
         <p:nvPr/>
       </p:nvGrpSpPr>
@@ -2063,7 +2063,7 @@
       </p:grpSpPr>
       <p:sp>
         <p:nvSpPr>
-          <p:cNvPr id="252" name="Google Shape;252;g1e0fb6f38_033:notes"/>
+          <p:cNvPr id="258" name="Google Shape;258;g1e0fb6f38_022:notes"/>
           <p:cNvSpPr>
             <a:spLocks noGrp="1" noRot="1" noChangeAspect="1"/>
           </p:cNvSpPr>
@@ -2104,7 +2104,7 @@
       </p:sp>
       <p:sp>
         <p:nvSpPr>
-          <p:cNvPr id="253" name="Google Shape;253;g1e0fb6f38_033:notes"/>
+          <p:cNvPr id="259" name="Google Shape;259;g1e0fb6f38_022:notes"/>
           <p:cNvSpPr txBox="1">
             <a:spLocks noGrp="1"/>
           </p:cNvSpPr>
@@ -2143,7 +2143,7 @@
     </p:spTree>
     <p:extLst>
       <p:ext uri="{BB962C8B-B14F-4D97-AF65-F5344CB8AC3E}">
-        <p14:creationId xmlns:p14="http://schemas.microsoft.com/office/powerpoint/2010/main" val="1364158805"/>
+        <p14:creationId xmlns:p14="http://schemas.microsoft.com/office/powerpoint/2010/main" val="3332914192"/>
       </p:ext>
     </p:extLst>
   </p:cSld>
@@ -2158,7 +2158,7 @@
   <p:cSld>
     <p:spTree>
       <p:nvGrpSpPr>
-        <p:cNvPr id="1" name="Shape 257"/>
+        <p:cNvPr id="1" name="Shape 263"/>
         <p:cNvGrpSpPr/>
         <p:nvPr/>
       </p:nvGrpSpPr>
@@ -2172,7 +2172,7 @@
       </p:grpSpPr>
       <p:sp>
         <p:nvSpPr>
-          <p:cNvPr id="258" name="Google Shape;258;g1e0fb6f38_022:notes"/>
+          <p:cNvPr id="264" name="Google Shape;264;g1e0fb6f38_040:notes"/>
           <p:cNvSpPr>
             <a:spLocks noGrp="1" noRot="1" noChangeAspect="1"/>
           </p:cNvSpPr>
@@ -2213,7 +2213,7 @@
       </p:sp>
       <p:sp>
         <p:nvSpPr>
-          <p:cNvPr id="259" name="Google Shape;259;g1e0fb6f38_022:notes"/>
+          <p:cNvPr id="265" name="Google Shape;265;g1e0fb6f38_040:notes"/>
           <p:cNvSpPr txBox="1">
             <a:spLocks noGrp="1"/>
           </p:cNvSpPr>
@@ -2252,7 +2252,7 @@
     </p:spTree>
     <p:extLst>
       <p:ext uri="{BB962C8B-B14F-4D97-AF65-F5344CB8AC3E}">
-        <p14:creationId xmlns:p14="http://schemas.microsoft.com/office/powerpoint/2010/main" val="3332914192"/>
+        <p14:creationId xmlns:p14="http://schemas.microsoft.com/office/powerpoint/2010/main" val="3396247183"/>
       </p:ext>
     </p:extLst>
   </p:cSld>
@@ -2267,7 +2267,7 @@
   <p:cSld>
     <p:spTree>
       <p:nvGrpSpPr>
-        <p:cNvPr id="1" name="Shape 263"/>
+        <p:cNvPr id="1" name="Shape 275"/>
         <p:cNvGrpSpPr/>
         <p:nvPr/>
       </p:nvGrpSpPr>
@@ -2281,7 +2281,7 @@
       </p:grpSpPr>
       <p:sp>
         <p:nvSpPr>
-          <p:cNvPr id="264" name="Google Shape;264;g1e0fb6f38_040:notes"/>
+          <p:cNvPr id="276" name="Google Shape;276;g9196d74ea_0_0:notes"/>
           <p:cNvSpPr>
             <a:spLocks noGrp="1" noRot="1" noChangeAspect="1"/>
           </p:cNvSpPr>
@@ -2322,7 +2322,7 @@
       </p:sp>
       <p:sp>
         <p:nvSpPr>
-          <p:cNvPr id="265" name="Google Shape;265;g1e0fb6f38_040:notes"/>
+          <p:cNvPr id="277" name="Google Shape;277;g9196d74ea_0_0:notes"/>
           <p:cNvSpPr txBox="1">
             <a:spLocks noGrp="1"/>
           </p:cNvSpPr>
@@ -2361,7 +2361,7 @@
     </p:spTree>
     <p:extLst>
       <p:ext uri="{BB962C8B-B14F-4D97-AF65-F5344CB8AC3E}">
-        <p14:creationId xmlns:p14="http://schemas.microsoft.com/office/powerpoint/2010/main" val="3396247183"/>
+        <p14:creationId xmlns:p14="http://schemas.microsoft.com/office/powerpoint/2010/main" val="293413968"/>
       </p:ext>
     </p:extLst>
   </p:cSld>
@@ -2376,7 +2376,7 @@
   <p:cSld>
     <p:spTree>
       <p:nvGrpSpPr>
-        <p:cNvPr id="1" name="Shape 275"/>
+        <p:cNvPr id="1" name="Shape 283"/>
         <p:cNvGrpSpPr/>
         <p:nvPr/>
       </p:nvGrpSpPr>
@@ -2390,7 +2390,7 @@
       </p:grpSpPr>
       <p:sp>
         <p:nvSpPr>
-          <p:cNvPr id="276" name="Google Shape;276;g9196d74ea_0_0:notes"/>
+          <p:cNvPr id="284" name="Google Shape;284;g128d8db6e_031:notes"/>
           <p:cNvSpPr>
             <a:spLocks noGrp="1" noRot="1" noChangeAspect="1"/>
           </p:cNvSpPr>
@@ -2431,7 +2431,7 @@
       </p:sp>
       <p:sp>
         <p:nvSpPr>
-          <p:cNvPr id="277" name="Google Shape;277;g9196d74ea_0_0:notes"/>
+          <p:cNvPr id="285" name="Google Shape;285;g128d8db6e_031:notes"/>
           <p:cNvSpPr txBox="1">
             <a:spLocks noGrp="1"/>
           </p:cNvSpPr>
@@ -2470,7 +2470,7 @@
     </p:spTree>
     <p:extLst>
       <p:ext uri="{BB962C8B-B14F-4D97-AF65-F5344CB8AC3E}">
-        <p14:creationId xmlns:p14="http://schemas.microsoft.com/office/powerpoint/2010/main" val="293413968"/>
+        <p14:creationId xmlns:p14="http://schemas.microsoft.com/office/powerpoint/2010/main" val="1954344150"/>
       </p:ext>
     </p:extLst>
   </p:cSld>
@@ -2485,7 +2485,7 @@
   <p:cSld>
     <p:spTree>
       <p:nvGrpSpPr>
-        <p:cNvPr id="1" name="Shape 283"/>
+        <p:cNvPr id="1" name="Shape 233"/>
         <p:cNvGrpSpPr/>
         <p:nvPr/>
       </p:nvGrpSpPr>
@@ -2499,7 +2499,7 @@
       </p:grpSpPr>
       <p:sp>
         <p:nvSpPr>
-          <p:cNvPr id="284" name="Google Shape;284;g128d8db6e_031:notes"/>
+          <p:cNvPr id="234" name="Google Shape;234;g1e0fb6f38_011:notes"/>
           <p:cNvSpPr>
             <a:spLocks noGrp="1" noRot="1" noChangeAspect="1"/>
           </p:cNvSpPr>
@@ -2540,7 +2540,7 @@
       </p:sp>
       <p:sp>
         <p:nvSpPr>
-          <p:cNvPr id="285" name="Google Shape;285;g128d8db6e_031:notes"/>
+          <p:cNvPr id="235" name="Google Shape;235;g1e0fb6f38_011:notes"/>
           <p:cNvSpPr txBox="1">
             <a:spLocks noGrp="1"/>
           </p:cNvSpPr>
@@ -2579,7 +2579,7 @@
     </p:spTree>
     <p:extLst>
       <p:ext uri="{BB962C8B-B14F-4D97-AF65-F5344CB8AC3E}">
-        <p14:creationId xmlns:p14="http://schemas.microsoft.com/office/powerpoint/2010/main" val="1954344150"/>
+        <p14:creationId xmlns:p14="http://schemas.microsoft.com/office/powerpoint/2010/main" val="1728124641"/>
       </p:ext>
     </p:extLst>
   </p:cSld>
@@ -2594,7 +2594,7 @@
   <p:cSld>
     <p:spTree>
       <p:nvGrpSpPr>
-        <p:cNvPr id="1" name="Shape 233"/>
+        <p:cNvPr id="1" name="Shape 275"/>
         <p:cNvGrpSpPr/>
         <p:nvPr/>
       </p:nvGrpSpPr>
@@ -2608,7 +2608,7 @@
       </p:grpSpPr>
       <p:sp>
         <p:nvSpPr>
-          <p:cNvPr id="234" name="Google Shape;234;g1e0fb6f38_011:notes"/>
+          <p:cNvPr id="276" name="Google Shape;276;g9196d74ea_0_0:notes"/>
           <p:cNvSpPr>
             <a:spLocks noGrp="1" noRot="1" noChangeAspect="1"/>
           </p:cNvSpPr>
@@ -2649,7 +2649,7 @@
       </p:sp>
       <p:sp>
         <p:nvSpPr>
-          <p:cNvPr id="235" name="Google Shape;235;g1e0fb6f38_011:notes"/>
+          <p:cNvPr id="277" name="Google Shape;277;g9196d74ea_0_0:notes"/>
           <p:cNvSpPr txBox="1">
             <a:spLocks noGrp="1"/>
           </p:cNvSpPr>
@@ -2688,7 +2688,7 @@
     </p:spTree>
     <p:extLst>
       <p:ext uri="{BB962C8B-B14F-4D97-AF65-F5344CB8AC3E}">
-        <p14:creationId xmlns:p14="http://schemas.microsoft.com/office/powerpoint/2010/main" val="1728124641"/>
+        <p14:creationId xmlns:p14="http://schemas.microsoft.com/office/powerpoint/2010/main" val="430503856"/>
       </p:ext>
     </p:extLst>
   </p:cSld>
@@ -2698,12 +2698,12 @@
 </p:notes>
 </file>
 
-<file path=ppt/notesSlides/notesSlide26.xml><?xml version="1.0" encoding="utf-8"?>
+<file path=ppt/notesSlides/notesSlide3.xml><?xml version="1.0" encoding="utf-8"?>
 <p:notes xmlns:a="http://schemas.openxmlformats.org/drawingml/2006/main" xmlns:r="http://schemas.openxmlformats.org/officeDocument/2006/relationships" xmlns:p="http://schemas.openxmlformats.org/presentationml/2006/main" showMasterSp="0" showMasterPhAnim="0">
   <p:cSld>
     <p:spTree>
       <p:nvGrpSpPr>
-        <p:cNvPr id="1" name="Shape 275"/>
+        <p:cNvPr id="1" name="Shape 33"/>
         <p:cNvGrpSpPr/>
         <p:nvPr/>
       </p:nvGrpSpPr>
@@ -2717,7 +2717,7 @@
       </p:grpSpPr>
       <p:sp>
         <p:nvSpPr>
-          <p:cNvPr id="276" name="Google Shape;276;g9196d74ea_0_0:notes"/>
+          <p:cNvPr id="34" name="Google Shape;34;p:notes"/>
           <p:cNvSpPr>
             <a:spLocks noGrp="1" noRot="1" noChangeAspect="1"/>
           </p:cNvSpPr>
@@ -2758,7 +2758,7 @@
       </p:sp>
       <p:sp>
         <p:nvSpPr>
-          <p:cNvPr id="277" name="Google Shape;277;g9196d74ea_0_0:notes"/>
+          <p:cNvPr id="35" name="Google Shape;35;p:notes"/>
           <p:cNvSpPr txBox="1">
             <a:spLocks noGrp="1"/>
           </p:cNvSpPr>
@@ -2797,7 +2797,7 @@
     </p:spTree>
     <p:extLst>
       <p:ext uri="{BB962C8B-B14F-4D97-AF65-F5344CB8AC3E}">
-        <p14:creationId xmlns:p14="http://schemas.microsoft.com/office/powerpoint/2010/main" val="430503856"/>
+        <p14:creationId xmlns:p14="http://schemas.microsoft.com/office/powerpoint/2010/main" val="2625268767"/>
       </p:ext>
     </p:extLst>
   </p:cSld>
@@ -2807,12 +2807,12 @@
 </p:notes>
 </file>
 
-<file path=ppt/notesSlides/notesSlide3.xml><?xml version="1.0" encoding="utf-8"?>
+<file path=ppt/notesSlides/notesSlide4.xml><?xml version="1.0" encoding="utf-8"?>
 <p:notes xmlns:a="http://schemas.openxmlformats.org/drawingml/2006/main" xmlns:r="http://schemas.openxmlformats.org/officeDocument/2006/relationships" xmlns:p="http://schemas.openxmlformats.org/presentationml/2006/main" showMasterSp="0" showMasterPhAnim="0">
   <p:cSld>
     <p:spTree>
       <p:nvGrpSpPr>
-        <p:cNvPr id="1" name="Shape 33"/>
+        <p:cNvPr id="1" name="Shape 40"/>
         <p:cNvGrpSpPr/>
         <p:nvPr/>
       </p:nvGrpSpPr>
@@ -2826,7 +2826,7 @@
       </p:grpSpPr>
       <p:sp>
         <p:nvSpPr>
-          <p:cNvPr id="34" name="Google Shape;34;p:notes"/>
+          <p:cNvPr id="41" name="Google Shape;41;gae4b1ffd_00:notes"/>
           <p:cNvSpPr>
             <a:spLocks noGrp="1" noRot="1" noChangeAspect="1"/>
           </p:cNvSpPr>
@@ -2867,7 +2867,7 @@
       </p:sp>
       <p:sp>
         <p:nvSpPr>
-          <p:cNvPr id="35" name="Google Shape;35;p:notes"/>
+          <p:cNvPr id="42" name="Google Shape;42;gae4b1ffd_00:notes"/>
           <p:cNvSpPr txBox="1">
             <a:spLocks noGrp="1"/>
           </p:cNvSpPr>
@@ -2906,7 +2906,7 @@
     </p:spTree>
     <p:extLst>
       <p:ext uri="{BB962C8B-B14F-4D97-AF65-F5344CB8AC3E}">
-        <p14:creationId xmlns:p14="http://schemas.microsoft.com/office/powerpoint/2010/main" val="2625268767"/>
+        <p14:creationId xmlns:p14="http://schemas.microsoft.com/office/powerpoint/2010/main" val="2600299914"/>
       </p:ext>
     </p:extLst>
   </p:cSld>
@@ -2916,12 +2916,12 @@
 </p:notes>
 </file>
 
-<file path=ppt/notesSlides/notesSlide4.xml><?xml version="1.0" encoding="utf-8"?>
+<file path=ppt/notesSlides/notesSlide5.xml><?xml version="1.0" encoding="utf-8"?>
 <p:notes xmlns:a="http://schemas.openxmlformats.org/drawingml/2006/main" xmlns:r="http://schemas.openxmlformats.org/officeDocument/2006/relationships" xmlns:p="http://schemas.openxmlformats.org/presentationml/2006/main" showMasterSp="0" showMasterPhAnim="0">
   <p:cSld>
     <p:spTree>
       <p:nvGrpSpPr>
-        <p:cNvPr id="1" name="Shape 40"/>
+        <p:cNvPr id="1" name="Shape 46"/>
         <p:cNvGrpSpPr/>
         <p:nvPr/>
       </p:nvGrpSpPr>
@@ -2935,7 +2935,7 @@
       </p:grpSpPr>
       <p:sp>
         <p:nvSpPr>
-          <p:cNvPr id="41" name="Google Shape;41;gae4b1ffd_00:notes"/>
+          <p:cNvPr id="47" name="Google Shape;47;gae4b1ffd_05:notes"/>
           <p:cNvSpPr>
             <a:spLocks noGrp="1" noRot="1" noChangeAspect="1"/>
           </p:cNvSpPr>
@@ -2976,7 +2976,7 @@
       </p:sp>
       <p:sp>
         <p:nvSpPr>
-          <p:cNvPr id="42" name="Google Shape;42;gae4b1ffd_00:notes"/>
+          <p:cNvPr id="48" name="Google Shape;48;gae4b1ffd_05:notes"/>
           <p:cNvSpPr txBox="1">
             <a:spLocks noGrp="1"/>
           </p:cNvSpPr>
@@ -3015,7 +3015,7 @@
     </p:spTree>
     <p:extLst>
       <p:ext uri="{BB962C8B-B14F-4D97-AF65-F5344CB8AC3E}">
-        <p14:creationId xmlns:p14="http://schemas.microsoft.com/office/powerpoint/2010/main" val="2600299914"/>
+        <p14:creationId xmlns:p14="http://schemas.microsoft.com/office/powerpoint/2010/main" val="3381530667"/>
       </p:ext>
     </p:extLst>
   </p:cSld>
@@ -3025,12 +3025,18 @@
 </p:notes>
 </file>
 
-<file path=ppt/notesSlides/notesSlide5.xml><?xml version="1.0" encoding="utf-8"?>
+<file path=ppt/notesSlides/notesSlide6.xml><?xml version="1.0" encoding="utf-8"?>
 <p:notes xmlns:a="http://schemas.openxmlformats.org/drawingml/2006/main" xmlns:r="http://schemas.openxmlformats.org/officeDocument/2006/relationships" xmlns:p="http://schemas.openxmlformats.org/presentationml/2006/main" showMasterSp="0" showMasterPhAnim="0">
   <p:cSld>
     <p:spTree>
       <p:nvGrpSpPr>
-        <p:cNvPr id="1" name="Shape 46"/>
+        <p:cNvPr id="1" name="Shape 58">
+          <a:extLst>
+            <a:ext uri="{FF2B5EF4-FFF2-40B4-BE49-F238E27FC236}">
+              <a16:creationId xmlns:a16="http://schemas.microsoft.com/office/drawing/2014/main" id="{3EB04D6E-8DAA-9F1E-D64F-5CF2864D12C8}"/>
+            </a:ext>
+          </a:extLst>
+        </p:cNvPr>
         <p:cNvGrpSpPr/>
         <p:nvPr/>
       </p:nvGrpSpPr>
@@ -3044,7 +3050,13 @@
       </p:grpSpPr>
       <p:sp>
         <p:nvSpPr>
-          <p:cNvPr id="47" name="Google Shape;47;gae4b1ffd_05:notes"/>
+          <p:cNvPr id="59" name="Google Shape;59;gaf1ccaf6_015:notes">
+            <a:extLst>
+              <a:ext uri="{FF2B5EF4-FFF2-40B4-BE49-F238E27FC236}">
+                <a16:creationId xmlns:a16="http://schemas.microsoft.com/office/drawing/2014/main" id="{B808C508-0120-D2BD-6FD5-EA6FF2436B0C}"/>
+              </a:ext>
+            </a:extLst>
+          </p:cNvPr>
           <p:cNvSpPr>
             <a:spLocks noGrp="1" noRot="1" noChangeAspect="1"/>
           </p:cNvSpPr>
@@ -3085,7 +3097,13 @@
       </p:sp>
       <p:sp>
         <p:nvSpPr>
-          <p:cNvPr id="48" name="Google Shape;48;gae4b1ffd_05:notes"/>
+          <p:cNvPr id="60" name="Google Shape;60;gaf1ccaf6_015:notes">
+            <a:extLst>
+              <a:ext uri="{FF2B5EF4-FFF2-40B4-BE49-F238E27FC236}">
+                <a16:creationId xmlns:a16="http://schemas.microsoft.com/office/drawing/2014/main" id="{8C98AEC4-B7E6-07D8-AFEA-6296F304B56F}"/>
+              </a:ext>
+            </a:extLst>
+          </p:cNvPr>
           <p:cNvSpPr txBox="1">
             <a:spLocks noGrp="1"/>
           </p:cNvSpPr>
@@ -3124,7 +3142,7 @@
     </p:spTree>
     <p:extLst>
       <p:ext uri="{BB962C8B-B14F-4D97-AF65-F5344CB8AC3E}">
-        <p14:creationId xmlns:p14="http://schemas.microsoft.com/office/powerpoint/2010/main" val="3381530667"/>
+        <p14:creationId xmlns:p14="http://schemas.microsoft.com/office/powerpoint/2010/main" val="1539371946"/>
       </p:ext>
     </p:extLst>
   </p:cSld>
@@ -3134,12 +3152,12 @@
 </p:notes>
 </file>
 
-<file path=ppt/notesSlides/notesSlide6.xml><?xml version="1.0" encoding="utf-8"?>
+<file path=ppt/notesSlides/notesSlide7.xml><?xml version="1.0" encoding="utf-8"?>
 <p:notes xmlns:a="http://schemas.openxmlformats.org/drawingml/2006/main" xmlns:r="http://schemas.openxmlformats.org/officeDocument/2006/relationships" xmlns:p="http://schemas.openxmlformats.org/presentationml/2006/main" showMasterSp="0" showMasterPhAnim="0">
   <p:cSld>
     <p:spTree>
       <p:nvGrpSpPr>
-        <p:cNvPr id="1" name="Shape 52"/>
+        <p:cNvPr id="1" name="Shape 64"/>
         <p:cNvGrpSpPr/>
         <p:nvPr/>
       </p:nvGrpSpPr>
@@ -3153,7 +3171,7 @@
       </p:grpSpPr>
       <p:sp>
         <p:nvSpPr>
-          <p:cNvPr id="53" name="Google Shape;53;gae4b1ffd_010:notes"/>
+          <p:cNvPr id="65" name="Google Shape;65;gae4b1ffd_035:notes"/>
           <p:cNvSpPr>
             <a:spLocks noGrp="1" noRot="1" noChangeAspect="1"/>
           </p:cNvSpPr>
@@ -3194,7 +3212,7 @@
       </p:sp>
       <p:sp>
         <p:nvSpPr>
-          <p:cNvPr id="54" name="Google Shape;54;gae4b1ffd_010:notes"/>
+          <p:cNvPr id="66" name="Google Shape;66;gae4b1ffd_035:notes"/>
           <p:cNvSpPr txBox="1">
             <a:spLocks noGrp="1"/>
           </p:cNvSpPr>
@@ -3233,7 +3251,7 @@
     </p:spTree>
     <p:extLst>
       <p:ext uri="{BB962C8B-B14F-4D97-AF65-F5344CB8AC3E}">
-        <p14:creationId xmlns:p14="http://schemas.microsoft.com/office/powerpoint/2010/main" val="2152198566"/>
+        <p14:creationId xmlns:p14="http://schemas.microsoft.com/office/powerpoint/2010/main" val="4164894277"/>
       </p:ext>
     </p:extLst>
   </p:cSld>
@@ -3243,12 +3261,12 @@
 </p:notes>
 </file>
 
-<file path=ppt/notesSlides/notesSlide7.xml><?xml version="1.0" encoding="utf-8"?>
+<file path=ppt/notesSlides/notesSlide8.xml><?xml version="1.0" encoding="utf-8"?>
 <p:notes xmlns:a="http://schemas.openxmlformats.org/drawingml/2006/main" xmlns:r="http://schemas.openxmlformats.org/officeDocument/2006/relationships" xmlns:p="http://schemas.openxmlformats.org/presentationml/2006/main" showMasterSp="0" showMasterPhAnim="0">
   <p:cSld>
     <p:spTree>
       <p:nvGrpSpPr>
-        <p:cNvPr id="1" name="Shape 58"/>
+        <p:cNvPr id="1" name="Shape 99"/>
         <p:cNvGrpSpPr/>
         <p:nvPr/>
       </p:nvGrpSpPr>
@@ -3262,7 +3280,7 @@
       </p:grpSpPr>
       <p:sp>
         <p:nvSpPr>
-          <p:cNvPr id="59" name="Google Shape;59;gaf1ccaf6_015:notes"/>
+          <p:cNvPr id="100" name="Google Shape;100;gae4b1ffd_055:notes"/>
           <p:cNvSpPr>
             <a:spLocks noGrp="1" noRot="1" noChangeAspect="1"/>
           </p:cNvSpPr>
@@ -3303,7 +3321,7 @@
       </p:sp>
       <p:sp>
         <p:nvSpPr>
-          <p:cNvPr id="60" name="Google Shape;60;gaf1ccaf6_015:notes"/>
+          <p:cNvPr id="101" name="Google Shape;101;gae4b1ffd_055:notes"/>
           <p:cNvSpPr txBox="1">
             <a:spLocks noGrp="1"/>
           </p:cNvSpPr>
@@ -3342,7 +3360,7 @@
     </p:spTree>
     <p:extLst>
       <p:ext uri="{BB962C8B-B14F-4D97-AF65-F5344CB8AC3E}">
-        <p14:creationId xmlns:p14="http://schemas.microsoft.com/office/powerpoint/2010/main" val="2026851449"/>
+        <p14:creationId xmlns:p14="http://schemas.microsoft.com/office/powerpoint/2010/main" val="1871165286"/>
       </p:ext>
     </p:extLst>
   </p:cSld>
@@ -3352,12 +3370,12 @@
 </p:notes>
 </file>
 
-<file path=ppt/notesSlides/notesSlide8.xml><?xml version="1.0" encoding="utf-8"?>
+<file path=ppt/notesSlides/notesSlide9.xml><?xml version="1.0" encoding="utf-8"?>
 <p:notes xmlns:a="http://schemas.openxmlformats.org/drawingml/2006/main" xmlns:r="http://schemas.openxmlformats.org/officeDocument/2006/relationships" xmlns:p="http://schemas.openxmlformats.org/presentationml/2006/main" showMasterSp="0" showMasterPhAnim="0">
   <p:cSld>
     <p:spTree>
       <p:nvGrpSpPr>
-        <p:cNvPr id="1" name="Shape 64"/>
+        <p:cNvPr id="1" name="Shape 130"/>
         <p:cNvGrpSpPr/>
         <p:nvPr/>
       </p:nvGrpSpPr>
@@ -3371,7 +3389,7 @@
       </p:grpSpPr>
       <p:sp>
         <p:nvSpPr>
-          <p:cNvPr id="65" name="Google Shape;65;gae4b1ffd_035:notes"/>
+          <p:cNvPr id="131" name="Google Shape;131;g7b4200d84_00:notes"/>
           <p:cNvSpPr>
             <a:spLocks noGrp="1" noRot="1" noChangeAspect="1"/>
           </p:cNvSpPr>
@@ -3412,7 +3430,7 @@
       </p:sp>
       <p:sp>
         <p:nvSpPr>
-          <p:cNvPr id="66" name="Google Shape;66;gae4b1ffd_035:notes"/>
+          <p:cNvPr id="132" name="Google Shape;132;g7b4200d84_00:notes"/>
           <p:cNvSpPr txBox="1">
             <a:spLocks noGrp="1"/>
           </p:cNvSpPr>
@@ -3451,116 +3469,7 @@
     </p:spTree>
     <p:extLst>
       <p:ext uri="{BB962C8B-B14F-4D97-AF65-F5344CB8AC3E}">
-        <p14:creationId xmlns:p14="http://schemas.microsoft.com/office/powerpoint/2010/main" val="4164894277"/>
-      </p:ext>
-    </p:extLst>
-  </p:cSld>
-  <p:clrMapOvr>
-    <a:masterClrMapping/>
-  </p:clrMapOvr>
-</p:notes>
-</file>
-
-<file path=ppt/notesSlides/notesSlide9.xml><?xml version="1.0" encoding="utf-8"?>
-<p:notes xmlns:a="http://schemas.openxmlformats.org/drawingml/2006/main" xmlns:r="http://schemas.openxmlformats.org/officeDocument/2006/relationships" xmlns:p="http://schemas.openxmlformats.org/presentationml/2006/main" showMasterSp="0" showMasterPhAnim="0">
-  <p:cSld>
-    <p:spTree>
-      <p:nvGrpSpPr>
-        <p:cNvPr id="1" name="Shape 99"/>
-        <p:cNvGrpSpPr/>
-        <p:nvPr/>
-      </p:nvGrpSpPr>
-      <p:grpSpPr>
-        <a:xfrm>
-          <a:off x="0" y="0"/>
-          <a:ext cx="0" cy="0"/>
-          <a:chOff x="0" y="0"/>
-          <a:chExt cx="0" cy="0"/>
-        </a:xfrm>
-      </p:grpSpPr>
-      <p:sp>
-        <p:nvSpPr>
-          <p:cNvPr id="100" name="Google Shape;100;gae4b1ffd_055:notes"/>
-          <p:cNvSpPr>
-            <a:spLocks noGrp="1" noRot="1" noChangeAspect="1"/>
-          </p:cNvSpPr>
-          <p:nvPr>
-            <p:ph type="sldImg" idx="2"/>
-          </p:nvPr>
-        </p:nvSpPr>
-        <p:spPr>
-          <a:xfrm>
-            <a:off x="381000" y="685800"/>
-            <a:ext cx="6096000" cy="3429000"/>
-          </a:xfrm>
-          <a:custGeom>
-            <a:avLst/>
-            <a:gdLst/>
-            <a:ahLst/>
-            <a:cxnLst/>
-            <a:rect l="l" t="t" r="r" b="b"/>
-            <a:pathLst>
-              <a:path w="120000" h="120000" extrusionOk="0">
-                <a:moveTo>
-                  <a:pt x="0" y="0"/>
-                </a:moveTo>
-                <a:lnTo>
-                  <a:pt x="120000" y="0"/>
-                </a:lnTo>
-                <a:lnTo>
-                  <a:pt x="120000" y="120000"/>
-                </a:lnTo>
-                <a:lnTo>
-                  <a:pt x="0" y="120000"/>
-                </a:lnTo>
-                <a:close/>
-              </a:path>
-            </a:pathLst>
-          </a:custGeom>
-        </p:spPr>
-      </p:sp>
-      <p:sp>
-        <p:nvSpPr>
-          <p:cNvPr id="101" name="Google Shape;101;gae4b1ffd_055:notes"/>
-          <p:cNvSpPr txBox="1">
-            <a:spLocks noGrp="1"/>
-          </p:cNvSpPr>
-          <p:nvPr>
-            <p:ph type="body" idx="1"/>
-          </p:nvPr>
-        </p:nvSpPr>
-        <p:spPr>
-          <a:xfrm>
-            <a:off x="685800" y="4343400"/>
-            <a:ext cx="5486400" cy="4114800"/>
-          </a:xfrm>
-          <a:prstGeom prst="rect">
-            <a:avLst/>
-          </a:prstGeom>
-        </p:spPr>
-        <p:txBody>
-          <a:bodyPr spcFirstLastPara="1" wrap="square" lIns="91425" tIns="91425" rIns="91425" bIns="91425" anchor="t" anchorCtr="0">
-            <a:noAutofit/>
-          </a:bodyPr>
-          <a:lstStyle/>
-          <a:p>
-            <a:pPr marL="0" lvl="0" indent="0" algn="l" rtl="0">
-              <a:spcBef>
-                <a:spcPts val="0"/>
-              </a:spcBef>
-              <a:spcAft>
-                <a:spcPts val="0"/>
-              </a:spcAft>
-              <a:buNone/>
-            </a:pPr>
-            <a:endParaRPr/>
-          </a:p>
-        </p:txBody>
-      </p:sp>
-    </p:spTree>
-    <p:extLst>
-      <p:ext uri="{BB962C8B-B14F-4D97-AF65-F5344CB8AC3E}">
-        <p14:creationId xmlns:p14="http://schemas.microsoft.com/office/powerpoint/2010/main" val="1871165286"/>
+        <p14:creationId xmlns:p14="http://schemas.microsoft.com/office/powerpoint/2010/main" val="2546007751"/>
       </p:ext>
     </p:extLst>
   </p:cSld>
@@ -3723,7 +3632,7 @@
           <a:p>
             <a:fld id="{F3953782-D06E-4853-BE3C-64C197273937}" type="datetimeFigureOut">
               <a:rPr lang="fr-BE" smtClean="0"/>
-              <a:t>24-11-25</a:t>
+              <a:t>23-02-26</a:t>
             </a:fld>
             <a:endParaRPr lang="fr-BE"/>
           </a:p>
@@ -5591,7 +5500,7 @@
           <a:p>
             <a:fld id="{F3953782-D06E-4853-BE3C-64C197273937}" type="datetimeFigureOut">
               <a:rPr lang="fr-BE" smtClean="0"/>
-              <a:t>24-11-25</a:t>
+              <a:t>23-02-26</a:t>
             </a:fld>
             <a:endParaRPr lang="fr-BE"/>
           </a:p>
@@ -5907,7 +5816,7 @@
           <a:p>
             <a:fld id="{F3953782-D06E-4853-BE3C-64C197273937}" type="datetimeFigureOut">
               <a:rPr lang="fr-BE" smtClean="0"/>
-              <a:t>24-11-25</a:t>
+              <a:t>23-02-26</a:t>
             </a:fld>
             <a:endParaRPr lang="fr-BE"/>
           </a:p>
@@ -6104,7 +6013,7 @@
           <a:p>
             <a:fld id="{F3953782-D06E-4853-BE3C-64C197273937}" type="datetimeFigureOut">
               <a:rPr lang="fr-BE" smtClean="0"/>
-              <a:t>24-11-25</a:t>
+              <a:t>23-02-26</a:t>
             </a:fld>
             <a:endParaRPr lang="fr-BE"/>
           </a:p>
@@ -6366,7 +6275,7 @@
           <a:p>
             <a:fld id="{F3953782-D06E-4853-BE3C-64C197273937}" type="datetimeFigureOut">
               <a:rPr lang="fr-BE" smtClean="0"/>
-              <a:t>24-11-25</a:t>
+              <a:t>23-02-26</a:t>
             </a:fld>
             <a:endParaRPr lang="fr-BE"/>
           </a:p>
@@ -6764,7 +6673,7 @@
           <a:p>
             <a:fld id="{F3953782-D06E-4853-BE3C-64C197273937}" type="datetimeFigureOut">
               <a:rPr lang="fr-BE" smtClean="0"/>
-              <a:t>24-11-25</a:t>
+              <a:t>23-02-26</a:t>
             </a:fld>
             <a:endParaRPr lang="fr-BE"/>
           </a:p>
@@ -6912,7 +6821,7 @@
           <a:p>
             <a:fld id="{F3953782-D06E-4853-BE3C-64C197273937}" type="datetimeFigureOut">
               <a:rPr lang="fr-BE" smtClean="0"/>
-              <a:t>24-11-25</a:t>
+              <a:t>23-02-26</a:t>
             </a:fld>
             <a:endParaRPr lang="fr-BE"/>
           </a:p>
@@ -7261,7 +7170,7 @@
           <a:p>
             <a:fld id="{F3953782-D06E-4853-BE3C-64C197273937}" type="datetimeFigureOut">
               <a:rPr lang="fr-BE" smtClean="0"/>
-              <a:t>24-11-25</a:t>
+              <a:t>23-02-26</a:t>
             </a:fld>
             <a:endParaRPr lang="fr-BE"/>
           </a:p>
@@ -7587,7 +7496,7 @@
           <a:p>
             <a:fld id="{F3953782-D06E-4853-BE3C-64C197273937}" type="datetimeFigureOut">
               <a:rPr lang="fr-BE" smtClean="0"/>
-              <a:t>24-11-25</a:t>
+              <a:t>23-02-26</a:t>
             </a:fld>
             <a:endParaRPr lang="fr-BE"/>
           </a:p>
@@ -8238,7 +8147,7 @@
         <p14:reveal/>
       </p:transition>
     </mc:Choice>
-    <mc:Fallback xmlns="" xmlns:mv="urn:schemas-microsoft-com:mac:vml" xmlns:c="http://schemas.openxmlformats.org/drawingml/2006/chart" xmlns:dgm="http://schemas.openxmlformats.org/drawingml/2006/diagram" xmlns:o="urn:schemas-microsoft-com:office:office" xmlns:v="urn:schemas-microsoft-com:vml" xmlns:pvml="urn:schemas-microsoft-com:office:powerpoint" xmlns:com="http://schemas.openxmlformats.org/drawingml/2006/compatibility" xmlns:p15="http://schemas.microsoft.com/office/powerpoint/2012/main" xmlns:ahyp="http://schemas.microsoft.com/office/drawing/2018/hyperlinkcolor">
+    <mc:Fallback xmlns:ahyp="http://schemas.microsoft.com/office/drawing/2018/hyperlinkcolor" xmlns:p15="http://schemas.microsoft.com/office/powerpoint/2012/main" xmlns:com="http://schemas.openxmlformats.org/drawingml/2006/compatibility" xmlns:pvml="urn:schemas-microsoft-com:office:powerpoint" xmlns:v="urn:schemas-microsoft-com:vml" xmlns:o="urn:schemas-microsoft-com:office:office" xmlns:dgm="http://schemas.openxmlformats.org/drawingml/2006/diagram" xmlns:c="http://schemas.openxmlformats.org/drawingml/2006/chart" xmlns:mv="urn:schemas-microsoft-com:mac:vml" xmlns="">
       <p:transition spd="med">
         <p:fade/>
       </p:transition>
@@ -8252,7 +8161,7 @@
   <p:cSld>
     <p:spTree>
       <p:nvGrpSpPr>
-        <p:cNvPr id="1" name="Shape 61"/>
+        <p:cNvPr id="1" name=""/>
         <p:cNvGrpSpPr/>
         <p:nvPr/>
       </p:nvGrpSpPr>
@@ -8266,8 +8175,14 @@
       </p:grpSpPr>
       <p:sp>
         <p:nvSpPr>
-          <p:cNvPr id="62" name="Google Shape;62;p12"/>
-          <p:cNvSpPr txBox="1">
+          <p:cNvPr id="2" name="Titre 1">
+            <a:extLst>
+              <a:ext uri="{FF2B5EF4-FFF2-40B4-BE49-F238E27FC236}">
+                <a16:creationId xmlns:a16="http://schemas.microsoft.com/office/drawing/2014/main" id="{C5D716A0-9565-884B-3903-9939D39B48E0}"/>
+              </a:ext>
+            </a:extLst>
+          </p:cNvPr>
+          <p:cNvSpPr>
             <a:spLocks noGrp="1"/>
           </p:cNvSpPr>
           <p:nvPr>
@@ -8283,15 +8198,22 @@
               <a:rPr lang="fr-BE">
                 <a:sym typeface="Calibri"/>
               </a:rPr>
-              <a:t>Exemple de formulaire</a:t>
-            </a:r>
-          </a:p>
-        </p:txBody>
-      </p:sp>
-      <p:sp>
-        <p:nvSpPr>
-          <p:cNvPr id="63" name="Google Shape;63;p12"/>
-          <p:cNvSpPr txBox="1">
+              <a:t>SPA : Exemple de formulaire ? </a:t>
+            </a:r>
+            <a:endParaRPr lang="fr-BE"/>
+          </a:p>
+        </p:txBody>
+      </p:sp>
+      <p:sp>
+        <p:nvSpPr>
+          <p:cNvPr id="3" name="Espace réservé du contenu 2">
+            <a:extLst>
+              <a:ext uri="{FF2B5EF4-FFF2-40B4-BE49-F238E27FC236}">
+                <a16:creationId xmlns:a16="http://schemas.microsoft.com/office/drawing/2014/main" id="{F2E84418-2024-8C2A-AF4A-153CEA529C3F}"/>
+              </a:ext>
+            </a:extLst>
+          </p:cNvPr>
+          <p:cNvSpPr>
             <a:spLocks noGrp="1"/>
           </p:cNvSpPr>
           <p:nvPr>
@@ -8304,72 +8226,85 @@
           <a:lstStyle/>
           <a:p>
             <a:r>
+              <a:rPr lang="fr-BE"/>
+              <a:t>Rendez-vous au chapitre 27 !</a:t>
+            </a:r>
+          </a:p>
+          <a:p>
+            <a:r>
+              <a:rPr lang="fr-BE"/>
+              <a:t>Programmation en </a:t>
+            </a:r>
+            <a:r>
               <a:rPr lang="fr-BE">
-                <a:sym typeface="Calibri"/>
-              </a:rPr>
-              <a:t>Déclaration d'un formulaire</a:t>
-            </a:r>
-          </a:p>
-          <a:p>
-            <a:endParaRPr lang="fr-BE">
-              <a:sym typeface="Courier New"/>
-            </a:endParaRPr>
-          </a:p>
-          <a:p>
-            <a:pPr marL="0" indent="0">
-              <a:buNone/>
-            </a:pPr>
-            <a:r>
-              <a:rPr lang="fr-BE" sz="2800">
-                <a:solidFill>
-                  <a:schemeClr val="accent6">
-                    <a:lumMod val="50000"/>
-                  </a:schemeClr>
+                <a:solidFill>
+                  <a:srgbClr val="996633"/>
                 </a:solidFill>
                 <a:latin typeface="Consolas" panose="020B0609020204030204" pitchFamily="49" charset="0"/>
-                <a:cs typeface="Courier New" panose="02070309020205020404" pitchFamily="49" charset="0"/>
-                <a:sym typeface="Courier New"/>
-              </a:rPr>
-              <a:t>&lt;form method="get" action="./register.php"&gt;</a:t>
-            </a:r>
-          </a:p>
-          <a:p>
-            <a:pPr marL="0" indent="0">
-              <a:buNone/>
-            </a:pPr>
-            <a:r>
-              <a:rPr lang="fr-BE" sz="2800">
-                <a:solidFill>
-                  <a:schemeClr val="accent6">
-                    <a:lumMod val="50000"/>
-                  </a:schemeClr>
-                </a:solidFill>
-                <a:latin typeface="Consolas" panose="020B0609020204030204" pitchFamily="49" charset="0"/>
-                <a:cs typeface="Courier New" panose="02070309020205020404" pitchFamily="49" charset="0"/>
-                <a:sym typeface="Courier New"/>
-              </a:rPr>
-              <a:t>	...</a:t>
-            </a:r>
-          </a:p>
-          <a:p>
-            <a:pPr marL="0" indent="0">
-              <a:buNone/>
-            </a:pPr>
-            <a:r>
-              <a:rPr lang="fr-BE" sz="2800">
-                <a:solidFill>
-                  <a:schemeClr val="accent6">
-                    <a:lumMod val="50000"/>
-                  </a:schemeClr>
-                </a:solidFill>
-                <a:latin typeface="Consolas" panose="020B0609020204030204" pitchFamily="49" charset="0"/>
-                <a:cs typeface="Courier New" panose="02070309020205020404" pitchFamily="49" charset="0"/>
-                <a:sym typeface="Courier New"/>
-              </a:rPr>
-              <a:t>&lt;/form&gt;</a:t>
-            </a:r>
-          </a:p>
-          <a:p>
+              </a:rPr>
+              <a:t>Javascript </a:t>
+            </a:r>
+            <a:r>
+              <a:rPr lang="fr-BE"/>
+              <a:t>requise.</a:t>
+            </a:r>
+          </a:p>
+        </p:txBody>
+      </p:sp>
+      <p:sp>
+        <p:nvSpPr>
+          <p:cNvPr id="4" name="Espace réservé de la date 3">
+            <a:extLst>
+              <a:ext uri="{FF2B5EF4-FFF2-40B4-BE49-F238E27FC236}">
+                <a16:creationId xmlns:a16="http://schemas.microsoft.com/office/drawing/2014/main" id="{C85DE5C6-B48D-FA4D-71D6-84E9B03806E4}"/>
+              </a:ext>
+            </a:extLst>
+          </p:cNvPr>
+          <p:cNvSpPr>
+            <a:spLocks noGrp="1"/>
+          </p:cNvSpPr>
+          <p:nvPr>
+            <p:ph type="dt" sz="half" idx="10"/>
+          </p:nvPr>
+        </p:nvSpPr>
+        <p:spPr/>
+        <p:txBody>
+          <a:bodyPr/>
+          <a:lstStyle/>
+          <a:p>
+            <a:fld id="{A9E56C7F-9BDA-4AF1-B3C3-6DBDB7BE30D1}" type="datetime1">
+              <a:rPr lang="fr-BE" smtClean="0"/>
+              <a:t>23-02-26</a:t>
+            </a:fld>
+            <a:endParaRPr lang="fr-BE"/>
+          </a:p>
+        </p:txBody>
+      </p:sp>
+      <p:sp>
+        <p:nvSpPr>
+          <p:cNvPr id="5" name="Espace réservé du numéro de diapositive 4">
+            <a:extLst>
+              <a:ext uri="{FF2B5EF4-FFF2-40B4-BE49-F238E27FC236}">
+                <a16:creationId xmlns:a16="http://schemas.microsoft.com/office/drawing/2014/main" id="{070647CF-46C0-A596-51B1-CFF4BF0F8BDE}"/>
+              </a:ext>
+            </a:extLst>
+          </p:cNvPr>
+          <p:cNvSpPr>
+            <a:spLocks noGrp="1"/>
+          </p:cNvSpPr>
+          <p:nvPr>
+            <p:ph type="sldNum" sz="quarter" idx="12"/>
+          </p:nvPr>
+        </p:nvSpPr>
+        <p:spPr/>
+        <p:txBody>
+          <a:bodyPr/>
+          <a:lstStyle/>
+          <a:p>
+            <a:fld id="{02C092ED-0E97-497E-99D9-BB9DD7276F53}" type="slidenum">
+              <a:rPr lang="fr-BE" smtClean="0"/>
+              <a:t>10</a:t>
+            </a:fld>
             <a:endParaRPr lang="fr-BE"/>
           </a:p>
         </p:txBody>
@@ -8377,7 +8312,7 @@
     </p:spTree>
     <p:extLst>
       <p:ext uri="{BB962C8B-B14F-4D97-AF65-F5344CB8AC3E}">
-        <p14:creationId xmlns:p14="http://schemas.microsoft.com/office/powerpoint/2010/main" val="2573610486"/>
+        <p14:creationId xmlns:p14="http://schemas.microsoft.com/office/powerpoint/2010/main" val="3874155138"/>
       </p:ext>
     </p:extLst>
   </p:cSld>
@@ -10831,7 +10766,7 @@
         <p14:reveal/>
       </p:transition>
     </mc:Choice>
-    <mc:Fallback xmlns:ahyp="http://schemas.microsoft.com/office/drawing/2018/hyperlinkcolor" xmlns:p15="http://schemas.microsoft.com/office/powerpoint/2012/main" xmlns:com="http://schemas.openxmlformats.org/drawingml/2006/compatibility" xmlns:pvml="urn:schemas-microsoft-com:office:powerpoint" xmlns:v="urn:schemas-microsoft-com:vml" xmlns:o="urn:schemas-microsoft-com:office:office" xmlns:dgm="http://schemas.openxmlformats.org/drawingml/2006/diagram" xmlns:c="http://schemas.openxmlformats.org/drawingml/2006/chart" xmlns:mv="urn:schemas-microsoft-com:mac:vml" xmlns="">
+    <mc:Fallback xmlns="" xmlns:mv="urn:schemas-microsoft-com:mac:vml" xmlns:c="http://schemas.openxmlformats.org/drawingml/2006/chart" xmlns:dgm="http://schemas.openxmlformats.org/drawingml/2006/diagram" xmlns:o="urn:schemas-microsoft-com:office:office" xmlns:v="urn:schemas-microsoft-com:vml" xmlns:pvml="urn:schemas-microsoft-com:office:powerpoint" xmlns:com="http://schemas.openxmlformats.org/drawingml/2006/compatibility" xmlns:p15="http://schemas.microsoft.com/office/powerpoint/2012/main" xmlns:ahyp="http://schemas.microsoft.com/office/drawing/2018/hyperlinkcolor">
       <p:transition spd="med">
         <p:fade/>
       </p:transition>
@@ -16671,29 +16606,56 @@
         <p:spPr/>
         <p:txBody>
           <a:bodyPr>
-            <a:normAutofit/>
+            <a:normAutofit fontScale="92500" lnSpcReduction="10000"/>
           </a:bodyPr>
           <a:lstStyle/>
           <a:p>
             <a:r>
               <a:rPr lang="fr-BE">
+                <a:sym typeface="Courier New"/>
+              </a:rPr>
+              <a:t>Approche MPA </a:t>
+            </a:r>
+          </a:p>
+          <a:p>
+            <a:pPr lvl="1"/>
+            <a:r>
+              <a:rPr lang="fr-BE">
                 <a:sym typeface="Calibri"/>
               </a:rPr>
-              <a:t>La création d'un formulaire se fait via la balise </a:t>
-            </a:r>
-            <a:r>
-              <a:rPr lang="fr-BE" b="1">
-                <a:solidFill>
-                  <a:schemeClr val="accent6">
-                    <a:lumMod val="50000"/>
-                  </a:schemeClr>
-                </a:solidFill>
-                <a:latin typeface="Courier New" panose="02070309020205020404" pitchFamily="49" charset="0"/>
+              <a:t>création d'un formulaire via la balise </a:t>
+            </a:r>
+            <a:r>
+              <a:rPr lang="fr-BE">
+                <a:solidFill>
+                  <a:srgbClr val="996633"/>
+                </a:solidFill>
+                <a:latin typeface="Consolas" panose="020B0609020204030204" pitchFamily="49" charset="0"/>
                 <a:cs typeface="Courier New" panose="02070309020205020404" pitchFamily="49" charset="0"/>
                 <a:sym typeface="Courier New"/>
               </a:rPr>
               <a:t>&lt;form&gt;</a:t>
             </a:r>
+          </a:p>
+          <a:p>
+            <a:r>
+              <a:rPr lang="fr-BE">
+                <a:sym typeface="Courier New"/>
+              </a:rPr>
+              <a:t>Approche SPA</a:t>
+            </a:r>
+          </a:p>
+          <a:p>
+            <a:pPr lvl="1"/>
+            <a:r>
+              <a:rPr lang="fr-BE">
+                <a:sym typeface="Calibri"/>
+              </a:rPr>
+              <a:t>création d'un formulaire muni de requêtes AJAX/Fetch</a:t>
+            </a:r>
+            <a:endParaRPr lang="fr-BE">
+              <a:sym typeface="Courier New"/>
+            </a:endParaRPr>
           </a:p>
           <a:p>
             <a:r>
@@ -16931,237 +16893,31 @@
               <a:rPr lang="fr-BE">
                 <a:sym typeface="Calibri"/>
               </a:rPr>
-              <a:t>Défini avec l'attribut "</a:t>
-            </a:r>
-            <a:r>
-              <a:rPr lang="fr-BE" err="1">
-                <a:solidFill>
-                  <a:schemeClr val="accent6">
-                    <a:lumMod val="50000"/>
-                  </a:schemeClr>
-                </a:solidFill>
-                <a:latin typeface="Consolas" panose="020B0609020204030204" pitchFamily="49" charset="0"/>
-                <a:cs typeface="Courier New" panose="02070309020205020404" pitchFamily="49" charset="0"/>
-                <a:sym typeface="Courier New"/>
-              </a:rPr>
-              <a:t>method</a:t>
-            </a:r>
-            <a:r>
-              <a:rPr lang="fr-BE">
-                <a:sym typeface="Courier New"/>
-              </a:rPr>
-              <a:t>"</a:t>
-            </a:r>
+              <a:t>Serveur, un script</a:t>
+            </a:r>
+          </a:p>
+          <a:p>
+            <a:pPr lvl="1"/>
             <a:r>
               <a:rPr lang="fr-BE">
                 <a:sym typeface="Calibri"/>
               </a:rPr>
-              <a:t> de la balise </a:t>
+              <a:t>Les données du formulaire sont envoyées à un </a:t>
             </a:r>
             <a:r>
               <a:rPr lang="fr-BE">
                 <a:solidFill>
-                  <a:schemeClr val="accent6">
-                    <a:lumMod val="50000"/>
-                  </a:schemeClr>
-                </a:solidFill>
-                <a:latin typeface="Consolas" panose="020B0609020204030204" pitchFamily="49" charset="0"/>
-                <a:cs typeface="Courier New" panose="02070309020205020404" pitchFamily="49" charset="0"/>
+                  <a:schemeClr val="accent2"/>
+                </a:solidFill>
                 <a:sym typeface="Calibri"/>
               </a:rPr>
-              <a:t>&lt;</a:t>
-            </a:r>
-            <a:r>
-              <a:rPr lang="fr-BE" err="1">
-                <a:solidFill>
-                  <a:schemeClr val="accent6">
-                    <a:lumMod val="50000"/>
-                  </a:schemeClr>
-                </a:solidFill>
-                <a:latin typeface="Consolas" panose="020B0609020204030204" pitchFamily="49" charset="0"/>
-                <a:cs typeface="Courier New" panose="02070309020205020404" pitchFamily="49" charset="0"/>
+              <a:t>script</a:t>
+            </a:r>
+            <a:r>
+              <a:rPr lang="fr-BE">
                 <a:sym typeface="Calibri"/>
               </a:rPr>
-              <a:t>form</a:t>
-            </a:r>
-            <a:r>
-              <a:rPr lang="fr-BE">
-                <a:solidFill>
-                  <a:schemeClr val="accent6">
-                    <a:lumMod val="50000"/>
-                  </a:schemeClr>
-                </a:solidFill>
-                <a:latin typeface="Consolas" panose="020B0609020204030204" pitchFamily="49" charset="0"/>
-                <a:cs typeface="Courier New" panose="02070309020205020404" pitchFamily="49" charset="0"/>
-                <a:sym typeface="Calibri"/>
-              </a:rPr>
-              <a:t>&gt;</a:t>
-            </a:r>
-          </a:p>
-          <a:p>
-            <a:pPr marL="457189" lvl="1" indent="0">
-              <a:buNone/>
-            </a:pPr>
-            <a:r>
-              <a:rPr lang="fr-BE" sz="2800">
-                <a:solidFill>
-                  <a:schemeClr val="accent6">
-                    <a:lumMod val="50000"/>
-                  </a:schemeClr>
-                </a:solidFill>
-                <a:latin typeface="Consolas" panose="020B0609020204030204" pitchFamily="49" charset="0"/>
-                <a:cs typeface="Courier New" panose="02070309020205020404" pitchFamily="49" charset="0"/>
-                <a:sym typeface="Calibri"/>
-              </a:rPr>
-              <a:t>&lt;</a:t>
-            </a:r>
-            <a:r>
-              <a:rPr lang="fr-BE" sz="2800" err="1">
-                <a:solidFill>
-                  <a:schemeClr val="accent6">
-                    <a:lumMod val="50000"/>
-                  </a:schemeClr>
-                </a:solidFill>
-                <a:latin typeface="Consolas" panose="020B0609020204030204" pitchFamily="49" charset="0"/>
-                <a:cs typeface="Courier New" panose="02070309020205020404" pitchFamily="49" charset="0"/>
-                <a:sym typeface="Calibri"/>
-              </a:rPr>
-              <a:t>form</a:t>
-            </a:r>
-            <a:r>
-              <a:rPr lang="fr-BE" sz="2800">
-                <a:solidFill>
-                  <a:schemeClr val="accent6">
-                    <a:lumMod val="50000"/>
-                  </a:schemeClr>
-                </a:solidFill>
-                <a:latin typeface="Consolas" panose="020B0609020204030204" pitchFamily="49" charset="0"/>
-                <a:cs typeface="Courier New" panose="02070309020205020404" pitchFamily="49" charset="0"/>
-                <a:sym typeface="Calibri"/>
-              </a:rPr>
-              <a:t> </a:t>
-            </a:r>
-            <a:r>
-              <a:rPr lang="fr-BE" sz="2800" err="1">
-                <a:solidFill>
-                  <a:schemeClr val="accent6">
-                    <a:lumMod val="50000"/>
-                  </a:schemeClr>
-                </a:solidFill>
-                <a:latin typeface="Consolas" panose="020B0609020204030204" pitchFamily="49" charset="0"/>
-                <a:cs typeface="Courier New" panose="02070309020205020404" pitchFamily="49" charset="0"/>
-                <a:sym typeface="Courier New"/>
-              </a:rPr>
-              <a:t>method</a:t>
-            </a:r>
-            <a:r>
-              <a:rPr lang="fr-BE" sz="2800">
-                <a:solidFill>
-                  <a:schemeClr val="accent6">
-                    <a:lumMod val="50000"/>
-                  </a:schemeClr>
-                </a:solidFill>
-                <a:latin typeface="Consolas" panose="020B0609020204030204" pitchFamily="49" charset="0"/>
-                <a:cs typeface="Courier New" panose="02070309020205020404" pitchFamily="49" charset="0"/>
-                <a:sym typeface="Courier New"/>
-              </a:rPr>
-              <a:t>="</a:t>
-            </a:r>
-            <a:r>
-              <a:rPr lang="fr-BE" sz="2800" err="1">
-                <a:solidFill>
-                  <a:schemeClr val="accent6">
-                    <a:lumMod val="50000"/>
-                  </a:schemeClr>
-                </a:solidFill>
-                <a:latin typeface="Consolas" panose="020B0609020204030204" pitchFamily="49" charset="0"/>
-                <a:cs typeface="Courier New" panose="02070309020205020404" pitchFamily="49" charset="0"/>
-                <a:sym typeface="Courier New"/>
-              </a:rPr>
-              <a:t>get</a:t>
-            </a:r>
-            <a:r>
-              <a:rPr lang="fr-BE" sz="2800">
-                <a:solidFill>
-                  <a:schemeClr val="accent6">
-                    <a:lumMod val="50000"/>
-                  </a:schemeClr>
-                </a:solidFill>
-                <a:latin typeface="Consolas" panose="020B0609020204030204" pitchFamily="49" charset="0"/>
-                <a:cs typeface="Courier New" panose="02070309020205020404" pitchFamily="49" charset="0"/>
-                <a:sym typeface="Courier New"/>
-              </a:rPr>
-              <a:t>" …</a:t>
-            </a:r>
-          </a:p>
-          <a:p>
-            <a:pPr marL="457189" lvl="1" indent="0">
-              <a:buNone/>
-            </a:pPr>
-            <a:r>
-              <a:rPr lang="fr-BE" sz="2800">
-                <a:solidFill>
-                  <a:schemeClr val="accent6">
-                    <a:lumMod val="50000"/>
-                  </a:schemeClr>
-                </a:solidFill>
-                <a:latin typeface="Consolas" panose="020B0609020204030204" pitchFamily="49" charset="0"/>
-                <a:cs typeface="Courier New" panose="02070309020205020404" pitchFamily="49" charset="0"/>
-                <a:sym typeface="Calibri"/>
-              </a:rPr>
-              <a:t>&lt;</a:t>
-            </a:r>
-            <a:r>
-              <a:rPr lang="fr-BE" sz="2800" err="1">
-                <a:solidFill>
-                  <a:schemeClr val="accent6">
-                    <a:lumMod val="50000"/>
-                  </a:schemeClr>
-                </a:solidFill>
-                <a:latin typeface="Consolas" panose="020B0609020204030204" pitchFamily="49" charset="0"/>
-                <a:cs typeface="Courier New" panose="02070309020205020404" pitchFamily="49" charset="0"/>
-                <a:sym typeface="Calibri"/>
-              </a:rPr>
-              <a:t>form</a:t>
-            </a:r>
-            <a:r>
-              <a:rPr lang="fr-BE" sz="2800">
-                <a:solidFill>
-                  <a:schemeClr val="accent6">
-                    <a:lumMod val="50000"/>
-                  </a:schemeClr>
-                </a:solidFill>
-                <a:latin typeface="Consolas" panose="020B0609020204030204" pitchFamily="49" charset="0"/>
-                <a:cs typeface="Courier New" panose="02070309020205020404" pitchFamily="49" charset="0"/>
-                <a:sym typeface="Calibri"/>
-              </a:rPr>
-              <a:t> </a:t>
-            </a:r>
-            <a:r>
-              <a:rPr lang="fr-BE" sz="2800" err="1">
-                <a:solidFill>
-                  <a:schemeClr val="accent6">
-                    <a:lumMod val="50000"/>
-                  </a:schemeClr>
-                </a:solidFill>
-                <a:latin typeface="Consolas" panose="020B0609020204030204" pitchFamily="49" charset="0"/>
-                <a:cs typeface="Courier New" panose="02070309020205020404" pitchFamily="49" charset="0"/>
-                <a:sym typeface="Courier New"/>
-              </a:rPr>
-              <a:t>method</a:t>
-            </a:r>
-            <a:r>
-              <a:rPr lang="fr-BE" sz="2800">
-                <a:solidFill>
-                  <a:schemeClr val="accent6">
-                    <a:lumMod val="50000"/>
-                  </a:schemeClr>
-                </a:solidFill>
-                <a:latin typeface="Consolas" panose="020B0609020204030204" pitchFamily="49" charset="0"/>
-                <a:cs typeface="Courier New" panose="02070309020205020404" pitchFamily="49" charset="0"/>
-                <a:sym typeface="Courier New"/>
-              </a:rPr>
-              <a:t>="post" …</a:t>
+              <a:t> (ex. PHP) qui pourra les traiter.</a:t>
             </a:r>
           </a:p>
         </p:txBody>
@@ -17196,7 +16952,13 @@
   <p:cSld>
     <p:spTree>
       <p:nvGrpSpPr>
-        <p:cNvPr id="1" name="Shape 55"/>
+        <p:cNvPr id="1" name="Shape 61">
+          <a:extLst>
+            <a:ext uri="{FF2B5EF4-FFF2-40B4-BE49-F238E27FC236}">
+              <a16:creationId xmlns:a16="http://schemas.microsoft.com/office/drawing/2014/main" id="{C90D0E80-05BC-DB43-81B0-04D46D9D3178}"/>
+            </a:ext>
+          </a:extLst>
+        </p:cNvPr>
         <p:cNvGrpSpPr/>
         <p:nvPr/>
       </p:nvGrpSpPr>
@@ -17210,7 +16972,13 @@
       </p:grpSpPr>
       <p:sp>
         <p:nvSpPr>
-          <p:cNvPr id="56" name="Google Shape;56;p11"/>
+          <p:cNvPr id="62" name="Google Shape;62;p12">
+            <a:extLst>
+              <a:ext uri="{FF2B5EF4-FFF2-40B4-BE49-F238E27FC236}">
+                <a16:creationId xmlns:a16="http://schemas.microsoft.com/office/drawing/2014/main" id="{27B570CC-576D-9E8C-F7E1-AD3CFCFD61D7}"/>
+              </a:ext>
+            </a:extLst>
+          </p:cNvPr>
           <p:cNvSpPr txBox="1">
             <a:spLocks noGrp="1"/>
           </p:cNvSpPr>
@@ -17227,14 +16995,20 @@
               <a:rPr lang="fr-BE">
                 <a:sym typeface="Calibri"/>
               </a:rPr>
-              <a:t>Comment traiter les données?</a:t>
-            </a:r>
-          </a:p>
-        </p:txBody>
-      </p:sp>
-      <p:sp>
-        <p:nvSpPr>
-          <p:cNvPr id="57" name="Google Shape;57;p11"/>
+              <a:t>MPA : Déclaration d'un formulaire</a:t>
+            </a:r>
+          </a:p>
+        </p:txBody>
+      </p:sp>
+      <p:sp>
+        <p:nvSpPr>
+          <p:cNvPr id="63" name="Google Shape;63;p12">
+            <a:extLst>
+              <a:ext uri="{FF2B5EF4-FFF2-40B4-BE49-F238E27FC236}">
+                <a16:creationId xmlns:a16="http://schemas.microsoft.com/office/drawing/2014/main" id="{D295AA5B-3229-A62B-B782-074DC495E20E}"/>
+              </a:ext>
+            </a:extLst>
+          </p:cNvPr>
           <p:cNvSpPr txBox="1">
             <a:spLocks noGrp="1"/>
           </p:cNvSpPr>
@@ -17244,51 +17018,204 @@
         </p:nvSpPr>
         <p:spPr/>
         <p:txBody>
-          <a:bodyPr/>
+          <a:bodyPr>
+            <a:normAutofit fontScale="92500" lnSpcReduction="10000"/>
+          </a:bodyPr>
           <a:lstStyle/>
           <a:p>
             <a:r>
               <a:rPr lang="fr-BE">
                 <a:sym typeface="Calibri"/>
               </a:rPr>
-              <a:t>Il faut envoyer la requête contenant les données du formulaire (via GET ou POST) à un </a:t>
+              <a:t>Balise </a:t>
             </a:r>
             <a:r>
               <a:rPr lang="fr-BE">
                 <a:solidFill>
-                  <a:schemeClr val="accent2"/>
-                </a:solidFill>
+                  <a:srgbClr val="996633"/>
+                </a:solidFill>
+                <a:latin typeface="Consolas" panose="020B0609020204030204" pitchFamily="49" charset="0"/>
+                <a:cs typeface="Courier New" panose="02070309020205020404" pitchFamily="49" charset="0"/>
                 <a:sym typeface="Calibri"/>
               </a:rPr>
-              <a:t>script</a:t>
-            </a:r>
+              <a:t>&lt;form&gt;</a:t>
+            </a:r>
+            <a:endParaRPr lang="fr-BE">
+              <a:solidFill>
+                <a:srgbClr val="996633"/>
+              </a:solidFill>
+              <a:latin typeface="Consolas" panose="020B0609020204030204" pitchFamily="49" charset="0"/>
+              <a:sym typeface="Calibri"/>
+            </a:endParaRPr>
+          </a:p>
+          <a:p>
             <a:r>
               <a:rPr lang="fr-BE">
                 <a:sym typeface="Calibri"/>
               </a:rPr>
-              <a:t> qui pourra les traiter (ex. page contenant du PHP)</a:t>
-            </a:r>
-          </a:p>
-          <a:p>
+              <a:t>Transit défini avec l'attribut "</a:t>
+            </a:r>
+            <a:r>
+              <a:rPr lang="fr-BE">
+                <a:solidFill>
+                  <a:srgbClr val="996633"/>
+                </a:solidFill>
+                <a:latin typeface="Consolas" panose="020B0609020204030204" pitchFamily="49" charset="0"/>
+                <a:cs typeface="Courier New" panose="02070309020205020404" pitchFamily="49" charset="0"/>
+                <a:sym typeface="Courier New"/>
+              </a:rPr>
+              <a:t>method</a:t>
+            </a:r>
+            <a:r>
+              <a:rPr lang="fr-BE">
+                <a:sym typeface="Courier New"/>
+              </a:rPr>
+              <a:t>"</a:t>
+            </a:r>
+            <a:endParaRPr lang="fr-BE" b="1">
+              <a:solidFill>
+                <a:schemeClr val="accent6">
+                  <a:lumMod val="50000"/>
+                </a:schemeClr>
+              </a:solidFill>
+              <a:latin typeface="Courier New" panose="02070309020205020404" pitchFamily="49" charset="0"/>
+              <a:cs typeface="Courier New" panose="02070309020205020404" pitchFamily="49" charset="0"/>
+              <a:sym typeface="Calibri"/>
+            </a:endParaRPr>
+          </a:p>
+          <a:p>
+            <a:pPr lvl="1"/>
+            <a:r>
+              <a:rPr lang="fr-BE">
+                <a:solidFill>
+                  <a:srgbClr val="996633"/>
+                </a:solidFill>
+                <a:latin typeface="Consolas" panose="020B0609020204030204" pitchFamily="49" charset="0"/>
+                <a:sym typeface="Calibri"/>
+              </a:rPr>
+              <a:t>method = "</a:t>
+            </a:r>
+            <a:r>
+              <a:rPr lang="fr-BE">
+                <a:solidFill>
+                  <a:schemeClr val="accent5"/>
+                </a:solidFill>
+                <a:latin typeface="Consolas" panose="020B0609020204030204" pitchFamily="49" charset="0"/>
+                <a:sym typeface="Calibri"/>
+              </a:rPr>
+              <a:t>get</a:t>
+            </a:r>
+            <a:r>
+              <a:rPr lang="fr-BE">
+                <a:solidFill>
+                  <a:srgbClr val="996633"/>
+                </a:solidFill>
+                <a:latin typeface="Consolas" panose="020B0609020204030204" pitchFamily="49" charset="0"/>
+                <a:sym typeface="Calibri"/>
+              </a:rPr>
+              <a:t>"</a:t>
+            </a:r>
             <a:r>
               <a:rPr lang="fr-BE">
                 <a:sym typeface="Calibri"/>
               </a:rPr>
-              <a:t>Défini avec l'attribut </a:t>
+              <a:t> ou </a:t>
             </a:r>
             <a:r>
               <a:rPr lang="fr-BE">
-                <a:sym typeface="Courier New"/>
+                <a:solidFill>
+                  <a:srgbClr val="996633"/>
+                </a:solidFill>
+                <a:latin typeface="Consolas" panose="020B0609020204030204" pitchFamily="49" charset="0"/>
+                <a:sym typeface="Calibri"/>
+              </a:rPr>
+              <a:t>"</a:t>
+            </a:r>
+            <a:r>
+              <a:rPr lang="fr-BE">
+                <a:solidFill>
+                  <a:schemeClr val="accent5"/>
+                </a:solidFill>
+                <a:latin typeface="Consolas" panose="020B0609020204030204" pitchFamily="49" charset="0"/>
+                <a:sym typeface="Calibri"/>
+              </a:rPr>
+              <a:t>post</a:t>
+            </a:r>
+            <a:r>
+              <a:rPr lang="fr-BE">
+                <a:solidFill>
+                  <a:srgbClr val="996633"/>
+                </a:solidFill>
+                <a:latin typeface="Consolas" panose="020B0609020204030204" pitchFamily="49" charset="0"/>
+                <a:sym typeface="Calibri"/>
+              </a:rPr>
+              <a:t>"</a:t>
+            </a:r>
+          </a:p>
+          <a:p>
+            <a:r>
+              <a:rPr lang="fr-BE">
+                <a:sym typeface="Calibri"/>
+              </a:rPr>
+              <a:t>Script défini avec l'attribut "</a:t>
+            </a:r>
+            <a:r>
+              <a:rPr lang="fr-BE">
+                <a:solidFill>
+                  <a:srgbClr val="996633"/>
+                </a:solidFill>
+                <a:latin typeface="Consolas" panose="020B0609020204030204" pitchFamily="49" charset="0"/>
+                <a:sym typeface="Calibri"/>
               </a:rPr>
               <a:t>action</a:t>
             </a:r>
-          </a:p>
-          <a:p>
-            <a:pPr marL="457189" lvl="1" indent="0">
+            <a:r>
+              <a:rPr lang="fr-BE">
+                <a:sym typeface="Calibri"/>
+              </a:rPr>
+              <a:t>"</a:t>
+            </a:r>
+          </a:p>
+          <a:p>
+            <a:pPr lvl="1"/>
+            <a:r>
+              <a:rPr lang="fr-BE">
+                <a:solidFill>
+                  <a:srgbClr val="996633"/>
+                </a:solidFill>
+                <a:latin typeface="Consolas" panose="020B0609020204030204" pitchFamily="49" charset="0"/>
+                <a:sym typeface="Calibri"/>
+              </a:rPr>
+              <a:t>action = </a:t>
+            </a:r>
+            <a:r>
+              <a:rPr lang="fr-BE">
+                <a:solidFill>
+                  <a:schemeClr val="accent2"/>
+                </a:solidFill>
+                <a:latin typeface="Consolas" panose="020B0609020204030204" pitchFamily="49" charset="0"/>
+                <a:sym typeface="Calibri"/>
+              </a:rPr>
+              <a:t>&lt;path du script&gt;</a:t>
+            </a:r>
+            <a:r>
+              <a:rPr lang="fr-BE">
+                <a:sym typeface="Calibri"/>
+              </a:rPr>
+              <a:t> (php ou autre)</a:t>
+            </a:r>
+          </a:p>
+          <a:p>
+            <a:endParaRPr lang="fr-BE">
+              <a:sym typeface="Courier New"/>
+            </a:endParaRPr>
+          </a:p>
+          <a:p>
+            <a:pPr marL="0" indent="0">
               <a:buNone/>
             </a:pPr>
             <a:r>
-              <a:rPr lang="fr-BE" sz="2800">
+              <a:rPr lang="fr-BE" sz="3200">
                 <a:solidFill>
                   <a:schemeClr val="accent6">
                     <a:lumMod val="50000"/>
@@ -17296,12 +17223,23 @@
                 </a:solidFill>
                 <a:latin typeface="Consolas" panose="020B0609020204030204" pitchFamily="49" charset="0"/>
                 <a:cs typeface="Courier New" panose="02070309020205020404" pitchFamily="49" charset="0"/>
-                <a:sym typeface="Calibri"/>
-              </a:rPr>
-              <a:t>&lt;form </a:t>
-            </a:r>
-            <a:r>
-              <a:rPr lang="fr-BE" sz="2800">
+                <a:sym typeface="Courier New"/>
+              </a:rPr>
+              <a:t>&lt;form method="</a:t>
+            </a:r>
+            <a:r>
+              <a:rPr lang="fr-BE" sz="3200">
+                <a:solidFill>
+                  <a:schemeClr val="accent5"/>
+                </a:solidFill>
+                <a:latin typeface="Consolas" panose="020B0609020204030204" pitchFamily="49" charset="0"/>
+                <a:cs typeface="Courier New" panose="02070309020205020404" pitchFamily="49" charset="0"/>
+                <a:sym typeface="Courier New"/>
+              </a:rPr>
+              <a:t>get</a:t>
+            </a:r>
+            <a:r>
+              <a:rPr lang="fr-BE" sz="3200">
                 <a:solidFill>
                   <a:schemeClr val="accent6">
                     <a:lumMod val="50000"/>
@@ -17311,7 +17249,67 @@
                 <a:cs typeface="Courier New" panose="02070309020205020404" pitchFamily="49" charset="0"/>
                 <a:sym typeface="Courier New"/>
               </a:rPr>
-              <a:t>method="get" action="./register.php" …</a:t>
+              <a:t>" action="</a:t>
+            </a:r>
+            <a:r>
+              <a:rPr lang="fr-BE" sz="3200">
+                <a:solidFill>
+                  <a:schemeClr val="accent2"/>
+                </a:solidFill>
+                <a:latin typeface="Consolas" panose="020B0609020204030204" pitchFamily="49" charset="0"/>
+                <a:cs typeface="Courier New" panose="02070309020205020404" pitchFamily="49" charset="0"/>
+                <a:sym typeface="Courier New"/>
+              </a:rPr>
+              <a:t>./register.php</a:t>
+            </a:r>
+            <a:r>
+              <a:rPr lang="fr-BE" sz="3200">
+                <a:solidFill>
+                  <a:schemeClr val="accent6">
+                    <a:lumMod val="50000"/>
+                  </a:schemeClr>
+                </a:solidFill>
+                <a:latin typeface="Consolas" panose="020B0609020204030204" pitchFamily="49" charset="0"/>
+                <a:cs typeface="Courier New" panose="02070309020205020404" pitchFamily="49" charset="0"/>
+                <a:sym typeface="Courier New"/>
+              </a:rPr>
+              <a:t>"&gt;</a:t>
+            </a:r>
+          </a:p>
+          <a:p>
+            <a:pPr marL="0" indent="0">
+              <a:buNone/>
+            </a:pPr>
+            <a:r>
+              <a:rPr lang="fr-BE" sz="3200">
+                <a:solidFill>
+                  <a:schemeClr val="accent6">
+                    <a:lumMod val="50000"/>
+                  </a:schemeClr>
+                </a:solidFill>
+                <a:latin typeface="Consolas" panose="020B0609020204030204" pitchFamily="49" charset="0"/>
+                <a:cs typeface="Courier New" panose="02070309020205020404" pitchFamily="49" charset="0"/>
+                <a:sym typeface="Courier New"/>
+              </a:rPr>
+              <a:t>	...</a:t>
+            </a:r>
+          </a:p>
+          <a:p>
+            <a:pPr marL="0" indent="0">
+              <a:buNone/>
+            </a:pPr>
+            <a:r>
+              <a:rPr lang="fr-BE" sz="3200">
+                <a:solidFill>
+                  <a:schemeClr val="accent6">
+                    <a:lumMod val="50000"/>
+                  </a:schemeClr>
+                </a:solidFill>
+                <a:latin typeface="Consolas" panose="020B0609020204030204" pitchFamily="49" charset="0"/>
+                <a:cs typeface="Courier New" panose="02070309020205020404" pitchFamily="49" charset="0"/>
+                <a:sym typeface="Courier New"/>
+              </a:rPr>
+              <a:t>&lt;/form&gt;</a:t>
             </a:r>
           </a:p>
         </p:txBody>
@@ -17319,20 +17317,20 @@
     </p:spTree>
     <p:extLst>
       <p:ext uri="{BB962C8B-B14F-4D97-AF65-F5344CB8AC3E}">
-        <p14:creationId xmlns:p14="http://schemas.microsoft.com/office/powerpoint/2010/main" val="1654815679"/>
+        <p14:creationId xmlns:p14="http://schemas.microsoft.com/office/powerpoint/2010/main" val="446076487"/>
       </p:ext>
     </p:extLst>
   </p:cSld>
   <p:clrMapOvr>
     <a:masterClrMapping/>
   </p:clrMapOvr>
-  <mc:AlternateContent xmlns:mc="http://schemas.openxmlformats.org/markup-compatibility/2006" xmlns:p14="http://schemas.microsoft.com/office/powerpoint/2010/main">
-    <mc:Choice Requires="p14">
+  <mc:AlternateContent xmlns:mc="http://schemas.openxmlformats.org/markup-compatibility/2006">
+    <mc:Choice xmlns:p14="http://schemas.microsoft.com/office/powerpoint/2010/main" Requires="p14">
       <p:transition spd="slow">
         <p14:reveal/>
       </p:transition>
     </mc:Choice>
-    <mc:Fallback xmlns="">
+    <mc:Fallback>
       <p:transition spd="slow">
         <p:fade/>
       </p:transition>
